--- a/projectFiles/Heart Disease ML Project Presentation.pptx
+++ b/projectFiles/Heart Disease ML Project Presentation.pptx
@@ -1,41 +1,40 @@
 
 <file path=ppt/presentation.xml><?xml version="1.0" encoding="utf-8"?>
-<p:presentation xmlns:a="http://schemas.openxmlformats.org/drawingml/2006/main" xmlns:r="http://schemas.openxmlformats.org/officeDocument/2006/relationships" xmlns:mc="http://schemas.openxmlformats.org/markup-compatibility/2006" xmlns:mv="urn:schemas-microsoft-com:mac:vml" xmlns:p="http://schemas.openxmlformats.org/presentationml/2006/main" xmlns:c="http://schemas.openxmlformats.org/drawingml/2006/chart" xmlns:dgm="http://schemas.openxmlformats.org/drawingml/2006/diagram" xmlns:o="urn:schemas-microsoft-com:office:office" xmlns:v="urn:schemas-microsoft-com:vml" xmlns:pvml="urn:schemas-microsoft-com:office:powerpoint" xmlns:com="http://schemas.openxmlformats.org/drawingml/2006/compatibility" xmlns:p14="http://schemas.microsoft.com/office/powerpoint/2010/main" xmlns:p15="http://schemas.microsoft.com/office/powerpoint/2012/main" xmlns:ahyp="http://schemas.microsoft.com/office/drawing/2018/hyperlinkcolor" autoCompressPictures="0" strictFirstAndLastChars="0" saveSubsetFonts="1">
+<p:presentation xmlns:a="http://schemas.openxmlformats.org/drawingml/2006/main" xmlns:r="http://schemas.openxmlformats.org/officeDocument/2006/relationships" xmlns:p="http://schemas.openxmlformats.org/presentationml/2006/main" strictFirstAndLastChars="0" saveSubsetFonts="1" autoCompressPictures="0">
   <p:sldMasterIdLst>
-    <p:sldMasterId id="2147483650" r:id="rId4"/>
+    <p:sldMasterId id="2147483650" r:id="rId1"/>
   </p:sldMasterIdLst>
   <p:notesMasterIdLst>
-    <p:notesMasterId r:id="rId5"/>
+    <p:notesMasterId r:id="rId24"/>
   </p:notesMasterIdLst>
   <p:sldIdLst>
-    <p:sldId id="256" r:id="rId6"/>
-    <p:sldId id="257" r:id="rId7"/>
-    <p:sldId id="258" r:id="rId8"/>
-    <p:sldId id="259" r:id="rId9"/>
-    <p:sldId id="260" r:id="rId10"/>
-    <p:sldId id="261" r:id="rId11"/>
-    <p:sldId id="262" r:id="rId12"/>
-    <p:sldId id="263" r:id="rId13"/>
-    <p:sldId id="264" r:id="rId14"/>
-    <p:sldId id="265" r:id="rId15"/>
-    <p:sldId id="266" r:id="rId16"/>
-    <p:sldId id="267" r:id="rId17"/>
-    <p:sldId id="268" r:id="rId18"/>
-    <p:sldId id="269" r:id="rId19"/>
-    <p:sldId id="270" r:id="rId20"/>
-    <p:sldId id="271" r:id="rId21"/>
-    <p:sldId id="272" r:id="rId22"/>
-    <p:sldId id="273" r:id="rId23"/>
-    <p:sldId id="274" r:id="rId24"/>
-    <p:sldId id="275" r:id="rId25"/>
-    <p:sldId id="276" r:id="rId26"/>
-    <p:sldId id="277" r:id="rId27"/>
-    <p:sldId id="278" r:id="rId28"/>
+    <p:sldId id="256" r:id="rId2"/>
+    <p:sldId id="257" r:id="rId3"/>
+    <p:sldId id="258" r:id="rId4"/>
+    <p:sldId id="259" r:id="rId5"/>
+    <p:sldId id="260" r:id="rId6"/>
+    <p:sldId id="261" r:id="rId7"/>
+    <p:sldId id="262" r:id="rId8"/>
+    <p:sldId id="263" r:id="rId9"/>
+    <p:sldId id="264" r:id="rId10"/>
+    <p:sldId id="265" r:id="rId11"/>
+    <p:sldId id="266" r:id="rId12"/>
+    <p:sldId id="267" r:id="rId13"/>
+    <p:sldId id="269" r:id="rId14"/>
+    <p:sldId id="270" r:id="rId15"/>
+    <p:sldId id="271" r:id="rId16"/>
+    <p:sldId id="272" r:id="rId17"/>
+    <p:sldId id="273" r:id="rId18"/>
+    <p:sldId id="274" r:id="rId19"/>
+    <p:sldId id="275" r:id="rId20"/>
+    <p:sldId id="276" r:id="rId21"/>
+    <p:sldId id="277" r:id="rId22"/>
+    <p:sldId id="278" r:id="rId23"/>
   </p:sldIdLst>
-  <p:sldSz cy="5143500" cx="9144000"/>
+  <p:sldSz cx="9144000" cy="5143500" type="screen16x9"/>
   <p:notesSz cx="6858000" cy="9144000"/>
   <p:defaultTextStyle>
-    <a:defPPr lvl="0" marR="0" rtl="0" algn="l">
+    <a:defPPr marR="0" lvl="0" algn="l" rtl="0">
       <a:lnSpc>
         <a:spcPct val="100000"/>
       </a:lnSpc>
@@ -46,7 +45,7 @@
         <a:spcPts val="0"/>
       </a:spcAft>
     </a:defPPr>
-    <a:lvl1pPr lvl="0" marR="0" rtl="0" algn="l">
+    <a:lvl1pPr marR="0" lvl="0" algn="l" rtl="0">
       <a:lnSpc>
         <a:spcPct val="100000"/>
       </a:lnSpc>
@@ -60,7 +59,7 @@
         <a:srgbClr val="000000"/>
       </a:buClr>
       <a:buFont typeface="Arial"/>
-      <a:defRPr b="0" i="0" sz="1400" u="none" cap="none" strike="noStrike">
+      <a:defRPr sz="1400" b="0" i="0" u="none" strike="noStrike" cap="none">
         <a:solidFill>
           <a:srgbClr val="000000"/>
         </a:solidFill>
@@ -70,7 +69,7 @@
         <a:sym typeface="Arial"/>
       </a:defRPr>
     </a:lvl1pPr>
-    <a:lvl2pPr lvl="1" marR="0" rtl="0" algn="l">
+    <a:lvl2pPr marR="0" lvl="1" algn="l" rtl="0">
       <a:lnSpc>
         <a:spcPct val="100000"/>
       </a:lnSpc>
@@ -84,7 +83,7 @@
         <a:srgbClr val="000000"/>
       </a:buClr>
       <a:buFont typeface="Arial"/>
-      <a:defRPr b="0" i="0" sz="1400" u="none" cap="none" strike="noStrike">
+      <a:defRPr sz="1400" b="0" i="0" u="none" strike="noStrike" cap="none">
         <a:solidFill>
           <a:srgbClr val="000000"/>
         </a:solidFill>
@@ -94,7 +93,7 @@
         <a:sym typeface="Arial"/>
       </a:defRPr>
     </a:lvl2pPr>
-    <a:lvl3pPr lvl="2" marR="0" rtl="0" algn="l">
+    <a:lvl3pPr marR="0" lvl="2" algn="l" rtl="0">
       <a:lnSpc>
         <a:spcPct val="100000"/>
       </a:lnSpc>
@@ -108,7 +107,7 @@
         <a:srgbClr val="000000"/>
       </a:buClr>
       <a:buFont typeface="Arial"/>
-      <a:defRPr b="0" i="0" sz="1400" u="none" cap="none" strike="noStrike">
+      <a:defRPr sz="1400" b="0" i="0" u="none" strike="noStrike" cap="none">
         <a:solidFill>
           <a:srgbClr val="000000"/>
         </a:solidFill>
@@ -118,7 +117,7 @@
         <a:sym typeface="Arial"/>
       </a:defRPr>
     </a:lvl3pPr>
-    <a:lvl4pPr lvl="3" marR="0" rtl="0" algn="l">
+    <a:lvl4pPr marR="0" lvl="3" algn="l" rtl="0">
       <a:lnSpc>
         <a:spcPct val="100000"/>
       </a:lnSpc>
@@ -132,7 +131,7 @@
         <a:srgbClr val="000000"/>
       </a:buClr>
       <a:buFont typeface="Arial"/>
-      <a:defRPr b="0" i="0" sz="1400" u="none" cap="none" strike="noStrike">
+      <a:defRPr sz="1400" b="0" i="0" u="none" strike="noStrike" cap="none">
         <a:solidFill>
           <a:srgbClr val="000000"/>
         </a:solidFill>
@@ -142,7 +141,7 @@
         <a:sym typeface="Arial"/>
       </a:defRPr>
     </a:lvl4pPr>
-    <a:lvl5pPr lvl="4" marR="0" rtl="0" algn="l">
+    <a:lvl5pPr marR="0" lvl="4" algn="l" rtl="0">
       <a:lnSpc>
         <a:spcPct val="100000"/>
       </a:lnSpc>
@@ -156,7 +155,7 @@
         <a:srgbClr val="000000"/>
       </a:buClr>
       <a:buFont typeface="Arial"/>
-      <a:defRPr b="0" i="0" sz="1400" u="none" cap="none" strike="noStrike">
+      <a:defRPr sz="1400" b="0" i="0" u="none" strike="noStrike" cap="none">
         <a:solidFill>
           <a:srgbClr val="000000"/>
         </a:solidFill>
@@ -166,7 +165,7 @@
         <a:sym typeface="Arial"/>
       </a:defRPr>
     </a:lvl5pPr>
-    <a:lvl6pPr lvl="5" marR="0" rtl="0" algn="l">
+    <a:lvl6pPr marR="0" lvl="5" algn="l" rtl="0">
       <a:lnSpc>
         <a:spcPct val="100000"/>
       </a:lnSpc>
@@ -180,7 +179,7 @@
         <a:srgbClr val="000000"/>
       </a:buClr>
       <a:buFont typeface="Arial"/>
-      <a:defRPr b="0" i="0" sz="1400" u="none" cap="none" strike="noStrike">
+      <a:defRPr sz="1400" b="0" i="0" u="none" strike="noStrike" cap="none">
         <a:solidFill>
           <a:srgbClr val="000000"/>
         </a:solidFill>
@@ -190,7 +189,7 @@
         <a:sym typeface="Arial"/>
       </a:defRPr>
     </a:lvl6pPr>
-    <a:lvl7pPr lvl="6" marR="0" rtl="0" algn="l">
+    <a:lvl7pPr marR="0" lvl="6" algn="l" rtl="0">
       <a:lnSpc>
         <a:spcPct val="100000"/>
       </a:lnSpc>
@@ -204,7 +203,7 @@
         <a:srgbClr val="000000"/>
       </a:buClr>
       <a:buFont typeface="Arial"/>
-      <a:defRPr b="0" i="0" sz="1400" u="none" cap="none" strike="noStrike">
+      <a:defRPr sz="1400" b="0" i="0" u="none" strike="noStrike" cap="none">
         <a:solidFill>
           <a:srgbClr val="000000"/>
         </a:solidFill>
@@ -214,7 +213,7 @@
         <a:sym typeface="Arial"/>
       </a:defRPr>
     </a:lvl7pPr>
-    <a:lvl8pPr lvl="7" marR="0" rtl="0" algn="l">
+    <a:lvl8pPr marR="0" lvl="7" algn="l" rtl="0">
       <a:lnSpc>
         <a:spcPct val="100000"/>
       </a:lnSpc>
@@ -228,7 +227,7 @@
         <a:srgbClr val="000000"/>
       </a:buClr>
       <a:buFont typeface="Arial"/>
-      <a:defRPr b="0" i="0" sz="1400" u="none" cap="none" strike="noStrike">
+      <a:defRPr sz="1400" b="0" i="0" u="none" strike="noStrike" cap="none">
         <a:solidFill>
           <a:srgbClr val="000000"/>
         </a:solidFill>
@@ -238,7 +237,7 @@
         <a:sym typeface="Arial"/>
       </a:defRPr>
     </a:lvl8pPr>
-    <a:lvl9pPr lvl="8" marR="0" rtl="0" algn="l">
+    <a:lvl9pPr marR="0" lvl="8" algn="l" rtl="0">
       <a:lnSpc>
         <a:spcPct val="100000"/>
       </a:lnSpc>
@@ -252,7 +251,7 @@
         <a:srgbClr val="000000"/>
       </a:buClr>
       <a:buFont typeface="Arial"/>
-      <a:defRPr b="0" i="0" sz="1400" u="none" cap="none" strike="noStrike">
+      <a:defRPr sz="1400" b="0" i="0" u="none" strike="noStrike" cap="none">
         <a:solidFill>
           <a:srgbClr val="000000"/>
         </a:solidFill>
@@ -265,7 +264,7 @@
   </p:defaultTextStyle>
   <p:extLst>
     <p:ext uri="{EFAFB233-063F-42B5-8137-9DF3F51BA10A}">
-      <p15:sldGuideLst>
+      <p15:sldGuideLst xmlns:p15="http://schemas.microsoft.com/office/powerpoint/2012/main">
         <p15:guide id="1" orient="horz" pos="1620">
           <p15:clr>
             <a:srgbClr val="A4A3A4"/>
@@ -283,11 +282,16 @@
 </file>
 
 <file path=ppt/notesMasters/notesMaster1.xml><?xml version="1.0" encoding="utf-8"?>
-<p:notesMaster xmlns:a="http://schemas.openxmlformats.org/drawingml/2006/main" xmlns:r="http://schemas.openxmlformats.org/officeDocument/2006/relationships" xmlns:mc="http://schemas.openxmlformats.org/markup-compatibility/2006" xmlns:mv="urn:schemas-microsoft-com:mac:vml" xmlns:p="http://schemas.openxmlformats.org/presentationml/2006/main" xmlns:c="http://schemas.openxmlformats.org/drawingml/2006/chart" xmlns:dgm="http://schemas.openxmlformats.org/drawingml/2006/diagram" xmlns:o="urn:schemas-microsoft-com:office:office" xmlns:v="urn:schemas-microsoft-com:vml" xmlns:pvml="urn:schemas-microsoft-com:office:powerpoint" xmlns:com="http://schemas.openxmlformats.org/drawingml/2006/compatibility" xmlns:p14="http://schemas.microsoft.com/office/powerpoint/2010/main" xmlns:p15="http://schemas.microsoft.com/office/powerpoint/2012/main" xmlns:ahyp="http://schemas.microsoft.com/office/drawing/2018/hyperlinkcolor">
+<p:notesMaster xmlns:a="http://schemas.openxmlformats.org/drawingml/2006/main" xmlns:r="http://schemas.openxmlformats.org/officeDocument/2006/relationships" xmlns:p="http://schemas.openxmlformats.org/presentationml/2006/main">
   <p:cSld>
+    <p:bg>
+      <p:bgRef idx="1001">
+        <a:schemeClr val="bg1"/>
+      </p:bgRef>
+    </p:bg>
     <p:spTree>
       <p:nvGrpSpPr>
-        <p:cNvPr id="2" name="Shape 2"/>
+        <p:cNvPr id="1" name="Shape 2"/>
         <p:cNvGrpSpPr/>
         <p:nvPr/>
       </p:nvGrpSpPr>
@@ -302,9 +306,11 @@
       <p:sp>
         <p:nvSpPr>
           <p:cNvPr id="3" name="Google Shape;3;n"/>
-          <p:cNvSpPr/>
+          <p:cNvSpPr>
+            <a:spLocks noGrp="1" noRot="1" noChangeAspect="1"/>
+          </p:cNvSpPr>
           <p:nvPr>
-            <p:ph idx="2" type="sldImg"/>
+            <p:ph type="sldImg" idx="2"/>
           </p:nvPr>
         </p:nvSpPr>
         <p:spPr>
@@ -313,9 +319,13 @@
             <a:ext cx="6096075" cy="3429000"/>
           </a:xfrm>
           <a:custGeom>
-            <a:rect b="b" l="l" r="r" t="t"/>
+            <a:avLst/>
+            <a:gdLst/>
+            <a:ahLst/>
+            <a:cxnLst/>
+            <a:rect l="l" t="t" r="r" b="b"/>
             <a:pathLst>
-              <a:path extrusionOk="0" h="120000" w="120000">
+              <a:path w="120000" h="120000" extrusionOk="0">
                 <a:moveTo>
                   <a:pt x="0" y="0"/>
                 </a:moveTo>
@@ -333,23 +343,25 @@
             </a:pathLst>
           </a:custGeom>
           <a:noFill/>
-          <a:ln cap="flat" cmpd="sng" w="9525">
+          <a:ln w="9525" cap="flat" cmpd="sng">
             <a:solidFill>
               <a:srgbClr val="000000"/>
             </a:solidFill>
             <a:prstDash val="solid"/>
             <a:round/>
-            <a:headEnd len="sm" w="sm" type="none"/>
-            <a:tailEnd len="sm" w="sm" type="none"/>
+            <a:headEnd type="none" w="sm" len="sm"/>
+            <a:tailEnd type="none" w="sm" len="sm"/>
           </a:ln>
         </p:spPr>
       </p:sp>
       <p:sp>
         <p:nvSpPr>
           <p:cNvPr id="4" name="Google Shape;4;n"/>
-          <p:cNvSpPr txBox="1"/>
+          <p:cNvSpPr txBox="1">
+            <a:spLocks noGrp="1"/>
+          </p:cNvSpPr>
           <p:nvPr>
-            <p:ph idx="1" type="body"/>
+            <p:ph type="body" idx="1"/>
           </p:nvPr>
         </p:nvSpPr>
         <p:spPr>
@@ -366,11 +378,11 @@
           </a:ln>
         </p:spPr>
         <p:txBody>
-          <a:bodyPr anchorCtr="0" anchor="t" bIns="91425" lIns="91425" spcFirstLastPara="1" rIns="91425" wrap="square" tIns="91425">
+          <a:bodyPr spcFirstLastPara="1" wrap="square" lIns="91425" tIns="91425" rIns="91425" bIns="91425" anchor="t" anchorCtr="0">
             <a:noAutofit/>
           </a:bodyPr>
           <a:lstStyle>
-            <a:lvl1pPr indent="-298450" lvl="0" marL="457200">
+            <a:lvl1pPr marL="457200" lvl="0" indent="-298450">
               <a:spcBef>
                 <a:spcPts val="0"/>
               </a:spcBef>
@@ -381,7 +393,7 @@
               <a:buChar char="●"/>
               <a:defRPr sz="1100"/>
             </a:lvl1pPr>
-            <a:lvl2pPr indent="-298450" lvl="1" marL="914400">
+            <a:lvl2pPr marL="914400" lvl="1" indent="-298450">
               <a:spcBef>
                 <a:spcPts val="0"/>
               </a:spcBef>
@@ -392,7 +404,7 @@
               <a:buChar char="○"/>
               <a:defRPr sz="1100"/>
             </a:lvl2pPr>
-            <a:lvl3pPr indent="-298450" lvl="2" marL="1371600">
+            <a:lvl3pPr marL="1371600" lvl="2" indent="-298450">
               <a:spcBef>
                 <a:spcPts val="0"/>
               </a:spcBef>
@@ -403,7 +415,7 @@
               <a:buChar char="■"/>
               <a:defRPr sz="1100"/>
             </a:lvl3pPr>
-            <a:lvl4pPr indent="-298450" lvl="3" marL="1828800">
+            <a:lvl4pPr marL="1828800" lvl="3" indent="-298450">
               <a:spcBef>
                 <a:spcPts val="0"/>
               </a:spcBef>
@@ -414,7 +426,7 @@
               <a:buChar char="●"/>
               <a:defRPr sz="1100"/>
             </a:lvl4pPr>
-            <a:lvl5pPr indent="-298450" lvl="4" marL="2286000">
+            <a:lvl5pPr marL="2286000" lvl="4" indent="-298450">
               <a:spcBef>
                 <a:spcPts val="0"/>
               </a:spcBef>
@@ -425,7 +437,7 @@
               <a:buChar char="○"/>
               <a:defRPr sz="1100"/>
             </a:lvl5pPr>
-            <a:lvl6pPr indent="-298450" lvl="5" marL="2743200">
+            <a:lvl6pPr marL="2743200" lvl="5" indent="-298450">
               <a:spcBef>
                 <a:spcPts val="0"/>
               </a:spcBef>
@@ -436,7 +448,7 @@
               <a:buChar char="■"/>
               <a:defRPr sz="1100"/>
             </a:lvl6pPr>
-            <a:lvl7pPr indent="-298450" lvl="6" marL="3200400">
+            <a:lvl7pPr marL="3200400" lvl="6" indent="-298450">
               <a:spcBef>
                 <a:spcPts val="0"/>
               </a:spcBef>
@@ -447,7 +459,7 @@
               <a:buChar char="●"/>
               <a:defRPr sz="1100"/>
             </a:lvl7pPr>
-            <a:lvl8pPr indent="-298450" lvl="7" marL="3657600">
+            <a:lvl8pPr marL="3657600" lvl="7" indent="-298450">
               <a:spcBef>
                 <a:spcPts val="0"/>
               </a:spcBef>
@@ -458,7 +470,7 @@
               <a:buChar char="○"/>
               <a:defRPr sz="1100"/>
             </a:lvl8pPr>
-            <a:lvl9pPr indent="-298450" lvl="8" marL="4114800">
+            <a:lvl9pPr marL="4114800" lvl="8" indent="-298450">
               <a:spcBef>
                 <a:spcPts val="0"/>
               </a:spcBef>
@@ -470,14 +482,16 @@
               <a:defRPr sz="1100"/>
             </a:lvl9pPr>
           </a:lstStyle>
-          <a:p/>
+          <a:p>
+            <a:endParaRPr/>
+          </a:p>
         </p:txBody>
       </p:sp>
     </p:spTree>
   </p:cSld>
-  <p:clrMap accent1="accent1" accent2="accent2" accent3="accent3" accent4="accent4" accent5="accent5" accent6="accent6" bg1="lt1" bg2="dk2" tx1="dk1" tx2="lt2" folHlink="folHlink" hlink="hlink"/>
+  <p:clrMap bg1="lt1" tx1="dk1" bg2="dk2" tx2="lt2" accent1="accent1" accent2="accent2" accent3="accent3" accent4="accent4" accent5="accent5" accent6="accent6" hlink="hlink" folHlink="folHlink"/>
   <p:notesStyle>
-    <a:defPPr lvl="0" marR="0" rtl="0" algn="l">
+    <a:defPPr marR="0" lvl="0" algn="l" rtl="0">
       <a:lnSpc>
         <a:spcPct val="100000"/>
       </a:lnSpc>
@@ -488,7 +502,7 @@
         <a:spcPts val="0"/>
       </a:spcAft>
     </a:defPPr>
-    <a:lvl1pPr lvl="0" marR="0" rtl="0" algn="l">
+    <a:lvl1pPr marR="0" lvl="0" algn="l" rtl="0">
       <a:lnSpc>
         <a:spcPct val="100000"/>
       </a:lnSpc>
@@ -502,7 +516,7 @@
         <a:srgbClr val="000000"/>
       </a:buClr>
       <a:buFont typeface="Arial"/>
-      <a:defRPr b="0" i="0" sz="1400" u="none" cap="none" strike="noStrike">
+      <a:defRPr sz="1400" b="0" i="0" u="none" strike="noStrike" cap="none">
         <a:solidFill>
           <a:srgbClr val="000000"/>
         </a:solidFill>
@@ -512,7 +526,7 @@
         <a:sym typeface="Arial"/>
       </a:defRPr>
     </a:lvl1pPr>
-    <a:lvl2pPr lvl="1" marR="0" rtl="0" algn="l">
+    <a:lvl2pPr marR="0" lvl="1" algn="l" rtl="0">
       <a:lnSpc>
         <a:spcPct val="100000"/>
       </a:lnSpc>
@@ -526,7 +540,7 @@
         <a:srgbClr val="000000"/>
       </a:buClr>
       <a:buFont typeface="Arial"/>
-      <a:defRPr b="0" i="0" sz="1400" u="none" cap="none" strike="noStrike">
+      <a:defRPr sz="1400" b="0" i="0" u="none" strike="noStrike" cap="none">
         <a:solidFill>
           <a:srgbClr val="000000"/>
         </a:solidFill>
@@ -536,7 +550,7 @@
         <a:sym typeface="Arial"/>
       </a:defRPr>
     </a:lvl2pPr>
-    <a:lvl3pPr lvl="2" marR="0" rtl="0" algn="l">
+    <a:lvl3pPr marR="0" lvl="2" algn="l" rtl="0">
       <a:lnSpc>
         <a:spcPct val="100000"/>
       </a:lnSpc>
@@ -550,7 +564,7 @@
         <a:srgbClr val="000000"/>
       </a:buClr>
       <a:buFont typeface="Arial"/>
-      <a:defRPr b="0" i="0" sz="1400" u="none" cap="none" strike="noStrike">
+      <a:defRPr sz="1400" b="0" i="0" u="none" strike="noStrike" cap="none">
         <a:solidFill>
           <a:srgbClr val="000000"/>
         </a:solidFill>
@@ -560,7 +574,7 @@
         <a:sym typeface="Arial"/>
       </a:defRPr>
     </a:lvl3pPr>
-    <a:lvl4pPr lvl="3" marR="0" rtl="0" algn="l">
+    <a:lvl4pPr marR="0" lvl="3" algn="l" rtl="0">
       <a:lnSpc>
         <a:spcPct val="100000"/>
       </a:lnSpc>
@@ -574,7 +588,7 @@
         <a:srgbClr val="000000"/>
       </a:buClr>
       <a:buFont typeface="Arial"/>
-      <a:defRPr b="0" i="0" sz="1400" u="none" cap="none" strike="noStrike">
+      <a:defRPr sz="1400" b="0" i="0" u="none" strike="noStrike" cap="none">
         <a:solidFill>
           <a:srgbClr val="000000"/>
         </a:solidFill>
@@ -584,7 +598,7 @@
         <a:sym typeface="Arial"/>
       </a:defRPr>
     </a:lvl4pPr>
-    <a:lvl5pPr lvl="4" marR="0" rtl="0" algn="l">
+    <a:lvl5pPr marR="0" lvl="4" algn="l" rtl="0">
       <a:lnSpc>
         <a:spcPct val="100000"/>
       </a:lnSpc>
@@ -598,7 +612,7 @@
         <a:srgbClr val="000000"/>
       </a:buClr>
       <a:buFont typeface="Arial"/>
-      <a:defRPr b="0" i="0" sz="1400" u="none" cap="none" strike="noStrike">
+      <a:defRPr sz="1400" b="0" i="0" u="none" strike="noStrike" cap="none">
         <a:solidFill>
           <a:srgbClr val="000000"/>
         </a:solidFill>
@@ -608,7 +622,7 @@
         <a:sym typeface="Arial"/>
       </a:defRPr>
     </a:lvl5pPr>
-    <a:lvl6pPr lvl="5" marR="0" rtl="0" algn="l">
+    <a:lvl6pPr marR="0" lvl="5" algn="l" rtl="0">
       <a:lnSpc>
         <a:spcPct val="100000"/>
       </a:lnSpc>
@@ -622,7 +636,7 @@
         <a:srgbClr val="000000"/>
       </a:buClr>
       <a:buFont typeface="Arial"/>
-      <a:defRPr b="0" i="0" sz="1400" u="none" cap="none" strike="noStrike">
+      <a:defRPr sz="1400" b="0" i="0" u="none" strike="noStrike" cap="none">
         <a:solidFill>
           <a:srgbClr val="000000"/>
         </a:solidFill>
@@ -632,7 +646,7 @@
         <a:sym typeface="Arial"/>
       </a:defRPr>
     </a:lvl6pPr>
-    <a:lvl7pPr lvl="6" marR="0" rtl="0" algn="l">
+    <a:lvl7pPr marR="0" lvl="6" algn="l" rtl="0">
       <a:lnSpc>
         <a:spcPct val="100000"/>
       </a:lnSpc>
@@ -646,7 +660,7 @@
         <a:srgbClr val="000000"/>
       </a:buClr>
       <a:buFont typeface="Arial"/>
-      <a:defRPr b="0" i="0" sz="1400" u="none" cap="none" strike="noStrike">
+      <a:defRPr sz="1400" b="0" i="0" u="none" strike="noStrike" cap="none">
         <a:solidFill>
           <a:srgbClr val="000000"/>
         </a:solidFill>
@@ -656,7 +670,7 @@
         <a:sym typeface="Arial"/>
       </a:defRPr>
     </a:lvl7pPr>
-    <a:lvl8pPr lvl="7" marR="0" rtl="0" algn="l">
+    <a:lvl8pPr marR="0" lvl="7" algn="l" rtl="0">
       <a:lnSpc>
         <a:spcPct val="100000"/>
       </a:lnSpc>
@@ -670,7 +684,7 @@
         <a:srgbClr val="000000"/>
       </a:buClr>
       <a:buFont typeface="Arial"/>
-      <a:defRPr b="0" i="0" sz="1400" u="none" cap="none" strike="noStrike">
+      <a:defRPr sz="1400" b="0" i="0" u="none" strike="noStrike" cap="none">
         <a:solidFill>
           <a:srgbClr val="000000"/>
         </a:solidFill>
@@ -680,7 +694,7 @@
         <a:sym typeface="Arial"/>
       </a:defRPr>
     </a:lvl8pPr>
-    <a:lvl9pPr lvl="8" marR="0" rtl="0" algn="l">
+    <a:lvl9pPr marR="0" lvl="8" algn="l" rtl="0">
       <a:lnSpc>
         <a:spcPct val="100000"/>
       </a:lnSpc>
@@ -694,7 +708,7 @@
         <a:srgbClr val="000000"/>
       </a:buClr>
       <a:buFont typeface="Arial"/>
-      <a:defRPr b="0" i="0" sz="1400" u="none" cap="none" strike="noStrike">
+      <a:defRPr sz="1400" b="0" i="0" u="none" strike="noStrike" cap="none">
         <a:solidFill>
           <a:srgbClr val="000000"/>
         </a:solidFill>
@@ -709,11 +723,11 @@
 </file>
 
 <file path=ppt/notesSlides/notesSlide1.xml><?xml version="1.0" encoding="utf-8"?>
-<p:notes xmlns:a="http://schemas.openxmlformats.org/drawingml/2006/main" xmlns:r="http://schemas.openxmlformats.org/officeDocument/2006/relationships" xmlns:mc="http://schemas.openxmlformats.org/markup-compatibility/2006" xmlns:mv="urn:schemas-microsoft-com:mac:vml" xmlns:p="http://schemas.openxmlformats.org/presentationml/2006/main" xmlns:c="http://schemas.openxmlformats.org/drawingml/2006/chart" xmlns:dgm="http://schemas.openxmlformats.org/drawingml/2006/diagram" xmlns:o="urn:schemas-microsoft-com:office:office" xmlns:v="urn:schemas-microsoft-com:vml" xmlns:pvml="urn:schemas-microsoft-com:office:powerpoint" xmlns:com="http://schemas.openxmlformats.org/drawingml/2006/compatibility" xmlns:p14="http://schemas.microsoft.com/office/powerpoint/2010/main" xmlns:p15="http://schemas.microsoft.com/office/powerpoint/2012/main" xmlns:ahyp="http://schemas.microsoft.com/office/drawing/2018/hyperlinkcolor" showMasterPhAnim="0" showMasterSp="0">
+<p:notes xmlns:a="http://schemas.openxmlformats.org/drawingml/2006/main" xmlns:r="http://schemas.openxmlformats.org/officeDocument/2006/relationships" xmlns:p="http://schemas.openxmlformats.org/presentationml/2006/main" showMasterSp="0" showMasterPhAnim="0">
   <p:cSld>
     <p:spTree>
       <p:nvGrpSpPr>
-        <p:cNvPr id="23" name="Shape 23"/>
+        <p:cNvPr id="1" name="Shape 23"/>
         <p:cNvGrpSpPr/>
         <p:nvPr/>
       </p:nvGrpSpPr>
@@ -728,9 +742,11 @@
       <p:sp>
         <p:nvSpPr>
           <p:cNvPr id="24" name="Google Shape;24;p:notes"/>
-          <p:cNvSpPr/>
+          <p:cNvSpPr>
+            <a:spLocks noGrp="1" noRot="1" noChangeAspect="1"/>
+          </p:cNvSpPr>
           <p:nvPr>
-            <p:ph idx="2" type="sldImg"/>
+            <p:ph type="sldImg" idx="2"/>
           </p:nvPr>
         </p:nvSpPr>
         <p:spPr>
@@ -739,9 +755,13 @@
             <a:ext cx="6096075" cy="3429000"/>
           </a:xfrm>
           <a:custGeom>
-            <a:rect b="b" l="l" r="r" t="t"/>
+            <a:avLst/>
+            <a:gdLst/>
+            <a:ahLst/>
+            <a:cxnLst/>
+            <a:rect l="l" t="t" r="r" b="b"/>
             <a:pathLst>
-              <a:path extrusionOk="0" h="120000" w="120000">
+              <a:path w="120000" h="120000" extrusionOk="0">
                 <a:moveTo>
                   <a:pt x="0" y="0"/>
                 </a:moveTo>
@@ -763,9 +783,11 @@
       <p:sp>
         <p:nvSpPr>
           <p:cNvPr id="25" name="Google Shape;25;p:notes"/>
-          <p:cNvSpPr txBox="1"/>
+          <p:cNvSpPr txBox="1">
+            <a:spLocks noGrp="1"/>
+          </p:cNvSpPr>
           <p:nvPr>
-            <p:ph idx="1" type="body"/>
+            <p:ph type="body" idx="1"/>
           </p:nvPr>
         </p:nvSpPr>
         <p:spPr>
@@ -778,12 +800,12 @@
           </a:prstGeom>
         </p:spPr>
         <p:txBody>
-          <a:bodyPr anchorCtr="0" anchor="t" bIns="91425" lIns="91425" spcFirstLastPara="1" rIns="91425" wrap="square" tIns="91425">
+          <a:bodyPr spcFirstLastPara="1" wrap="square" lIns="91425" tIns="91425" rIns="91425" bIns="91425" anchor="t" anchorCtr="0">
             <a:noAutofit/>
           </a:bodyPr>
           <a:lstStyle/>
           <a:p>
-            <a:pPr indent="0" lvl="0" marL="0" rtl="0" algn="l">
+            <a:pPr marL="0" lvl="0" indent="0" algn="l" rtl="0">
               <a:spcBef>
                 <a:spcPts val="0"/>
               </a:spcBef>
@@ -792,9 +814,6 @@
               </a:spcAft>
               <a:buNone/>
             </a:pPr>
-            <a:r>
-              <a:t/>
-            </a:r>
             <a:endParaRPr/>
           </a:p>
         </p:txBody>
@@ -808,11 +827,11 @@
 </file>
 
 <file path=ppt/notesSlides/notesSlide10.xml><?xml version="1.0" encoding="utf-8"?>
-<p:notes xmlns:a="http://schemas.openxmlformats.org/drawingml/2006/main" xmlns:r="http://schemas.openxmlformats.org/officeDocument/2006/relationships" xmlns:mc="http://schemas.openxmlformats.org/markup-compatibility/2006" xmlns:mv="urn:schemas-microsoft-com:mac:vml" xmlns:p="http://schemas.openxmlformats.org/presentationml/2006/main" xmlns:c="http://schemas.openxmlformats.org/drawingml/2006/chart" xmlns:dgm="http://schemas.openxmlformats.org/drawingml/2006/diagram" xmlns:o="urn:schemas-microsoft-com:office:office" xmlns:v="urn:schemas-microsoft-com:vml" xmlns:pvml="urn:schemas-microsoft-com:office:powerpoint" xmlns:com="http://schemas.openxmlformats.org/drawingml/2006/compatibility" xmlns:p14="http://schemas.microsoft.com/office/powerpoint/2010/main" xmlns:p15="http://schemas.microsoft.com/office/powerpoint/2012/main" xmlns:ahyp="http://schemas.microsoft.com/office/drawing/2018/hyperlinkcolor" showMasterPhAnim="0" showMasterSp="0">
+<p:notes xmlns:a="http://schemas.openxmlformats.org/drawingml/2006/main" xmlns:r="http://schemas.openxmlformats.org/officeDocument/2006/relationships" xmlns:p="http://schemas.openxmlformats.org/presentationml/2006/main" showMasterSp="0" showMasterPhAnim="0">
   <p:cSld>
     <p:spTree>
       <p:nvGrpSpPr>
-        <p:cNvPr id="83" name="Shape 83"/>
+        <p:cNvPr id="1" name="Shape 83"/>
         <p:cNvGrpSpPr/>
         <p:nvPr/>
       </p:nvGrpSpPr>
@@ -827,9 +846,11 @@
       <p:sp>
         <p:nvSpPr>
           <p:cNvPr id="84" name="Google Shape;84;gdfc1f552a7_3_12:notes"/>
-          <p:cNvSpPr/>
+          <p:cNvSpPr>
+            <a:spLocks noGrp="1" noRot="1" noChangeAspect="1"/>
+          </p:cNvSpPr>
           <p:nvPr>
-            <p:ph idx="2" type="sldImg"/>
+            <p:ph type="sldImg" idx="2"/>
           </p:nvPr>
         </p:nvSpPr>
         <p:spPr>
@@ -838,9 +859,13 @@
             <a:ext cx="6096000" cy="3429000"/>
           </a:xfrm>
           <a:custGeom>
-            <a:rect b="b" l="l" r="r" t="t"/>
+            <a:avLst/>
+            <a:gdLst/>
+            <a:ahLst/>
+            <a:cxnLst/>
+            <a:rect l="l" t="t" r="r" b="b"/>
             <a:pathLst>
-              <a:path extrusionOk="0" h="120000" w="120000">
+              <a:path w="120000" h="120000" extrusionOk="0">
                 <a:moveTo>
                   <a:pt x="0" y="0"/>
                 </a:moveTo>
@@ -862,9 +887,11 @@
       <p:sp>
         <p:nvSpPr>
           <p:cNvPr id="85" name="Google Shape;85;gdfc1f552a7_3_12:notes"/>
-          <p:cNvSpPr txBox="1"/>
+          <p:cNvSpPr txBox="1">
+            <a:spLocks noGrp="1"/>
+          </p:cNvSpPr>
           <p:nvPr>
-            <p:ph idx="1" type="body"/>
+            <p:ph type="body" idx="1"/>
           </p:nvPr>
         </p:nvSpPr>
         <p:spPr>
@@ -877,12 +904,12 @@
           </a:prstGeom>
         </p:spPr>
         <p:txBody>
-          <a:bodyPr anchorCtr="0" anchor="t" bIns="91425" lIns="91425" spcFirstLastPara="1" rIns="91425" wrap="square" tIns="91425">
+          <a:bodyPr spcFirstLastPara="1" wrap="square" lIns="91425" tIns="91425" rIns="91425" bIns="91425" anchor="t" anchorCtr="0">
             <a:noAutofit/>
           </a:bodyPr>
           <a:lstStyle/>
           <a:p>
-            <a:pPr indent="0" lvl="0" marL="0" rtl="0" algn="l">
+            <a:pPr marL="0" lvl="0" indent="0" algn="l" rtl="0">
               <a:spcBef>
                 <a:spcPts val="0"/>
               </a:spcBef>
@@ -891,9 +918,6 @@
               </a:spcAft>
               <a:buNone/>
             </a:pPr>
-            <a:r>
-              <a:t/>
-            </a:r>
             <a:endParaRPr/>
           </a:p>
         </p:txBody>
@@ -907,11 +931,11 @@
 </file>
 
 <file path=ppt/notesSlides/notesSlide11.xml><?xml version="1.0" encoding="utf-8"?>
-<p:notes xmlns:a="http://schemas.openxmlformats.org/drawingml/2006/main" xmlns:r="http://schemas.openxmlformats.org/officeDocument/2006/relationships" xmlns:mc="http://schemas.openxmlformats.org/markup-compatibility/2006" xmlns:mv="urn:schemas-microsoft-com:mac:vml" xmlns:p="http://schemas.openxmlformats.org/presentationml/2006/main" xmlns:c="http://schemas.openxmlformats.org/drawingml/2006/chart" xmlns:dgm="http://schemas.openxmlformats.org/drawingml/2006/diagram" xmlns:o="urn:schemas-microsoft-com:office:office" xmlns:v="urn:schemas-microsoft-com:vml" xmlns:pvml="urn:schemas-microsoft-com:office:powerpoint" xmlns:com="http://schemas.openxmlformats.org/drawingml/2006/compatibility" xmlns:p14="http://schemas.microsoft.com/office/powerpoint/2010/main" xmlns:p15="http://schemas.microsoft.com/office/powerpoint/2012/main" xmlns:ahyp="http://schemas.microsoft.com/office/drawing/2018/hyperlinkcolor" showMasterPhAnim="0" showMasterSp="0">
+<p:notes xmlns:a="http://schemas.openxmlformats.org/drawingml/2006/main" xmlns:r="http://schemas.openxmlformats.org/officeDocument/2006/relationships" xmlns:p="http://schemas.openxmlformats.org/presentationml/2006/main" showMasterSp="0" showMasterPhAnim="0">
   <p:cSld>
     <p:spTree>
       <p:nvGrpSpPr>
-        <p:cNvPr id="90" name="Shape 90"/>
+        <p:cNvPr id="1" name="Shape 90"/>
         <p:cNvGrpSpPr/>
         <p:nvPr/>
       </p:nvGrpSpPr>
@@ -926,9 +950,11 @@
       <p:sp>
         <p:nvSpPr>
           <p:cNvPr id="91" name="Google Shape;91;ge053b3de7a_0_11:notes"/>
-          <p:cNvSpPr/>
+          <p:cNvSpPr>
+            <a:spLocks noGrp="1" noRot="1" noChangeAspect="1"/>
+          </p:cNvSpPr>
           <p:nvPr>
-            <p:ph idx="2" type="sldImg"/>
+            <p:ph type="sldImg" idx="2"/>
           </p:nvPr>
         </p:nvSpPr>
         <p:spPr>
@@ -937,9 +963,13 @@
             <a:ext cx="6096000" cy="3429000"/>
           </a:xfrm>
           <a:custGeom>
-            <a:rect b="b" l="l" r="r" t="t"/>
+            <a:avLst/>
+            <a:gdLst/>
+            <a:ahLst/>
+            <a:cxnLst/>
+            <a:rect l="l" t="t" r="r" b="b"/>
             <a:pathLst>
-              <a:path extrusionOk="0" h="120000" w="120000">
+              <a:path w="120000" h="120000" extrusionOk="0">
                 <a:moveTo>
                   <a:pt x="0" y="0"/>
                 </a:moveTo>
@@ -961,9 +991,11 @@
       <p:sp>
         <p:nvSpPr>
           <p:cNvPr id="92" name="Google Shape;92;ge053b3de7a_0_11:notes"/>
-          <p:cNvSpPr txBox="1"/>
+          <p:cNvSpPr txBox="1">
+            <a:spLocks noGrp="1"/>
+          </p:cNvSpPr>
           <p:nvPr>
-            <p:ph idx="1" type="body"/>
+            <p:ph type="body" idx="1"/>
           </p:nvPr>
         </p:nvSpPr>
         <p:spPr>
@@ -976,12 +1008,12 @@
           </a:prstGeom>
         </p:spPr>
         <p:txBody>
-          <a:bodyPr anchorCtr="0" anchor="t" bIns="91425" lIns="91425" spcFirstLastPara="1" rIns="91425" wrap="square" tIns="91425">
+          <a:bodyPr spcFirstLastPara="1" wrap="square" lIns="91425" tIns="91425" rIns="91425" bIns="91425" anchor="t" anchorCtr="0">
             <a:noAutofit/>
           </a:bodyPr>
           <a:lstStyle/>
           <a:p>
-            <a:pPr indent="0" lvl="0" marL="0" rtl="0" algn="l">
+            <a:pPr marL="0" lvl="0" indent="0" algn="l" rtl="0">
               <a:spcBef>
                 <a:spcPts val="0"/>
               </a:spcBef>
@@ -990,9 +1022,6 @@
               </a:spcAft>
               <a:buNone/>
             </a:pPr>
-            <a:r>
-              <a:t/>
-            </a:r>
             <a:endParaRPr/>
           </a:p>
         </p:txBody>
@@ -1006,11 +1035,11 @@
 </file>
 
 <file path=ppt/notesSlides/notesSlide12.xml><?xml version="1.0" encoding="utf-8"?>
-<p:notes xmlns:a="http://schemas.openxmlformats.org/drawingml/2006/main" xmlns:r="http://schemas.openxmlformats.org/officeDocument/2006/relationships" xmlns:mc="http://schemas.openxmlformats.org/markup-compatibility/2006" xmlns:mv="urn:schemas-microsoft-com:mac:vml" xmlns:p="http://schemas.openxmlformats.org/presentationml/2006/main" xmlns:c="http://schemas.openxmlformats.org/drawingml/2006/chart" xmlns:dgm="http://schemas.openxmlformats.org/drawingml/2006/diagram" xmlns:o="urn:schemas-microsoft-com:office:office" xmlns:v="urn:schemas-microsoft-com:vml" xmlns:pvml="urn:schemas-microsoft-com:office:powerpoint" xmlns:com="http://schemas.openxmlformats.org/drawingml/2006/compatibility" xmlns:p14="http://schemas.microsoft.com/office/powerpoint/2010/main" xmlns:p15="http://schemas.microsoft.com/office/powerpoint/2012/main" xmlns:ahyp="http://schemas.microsoft.com/office/drawing/2018/hyperlinkcolor" showMasterPhAnim="0" showMasterSp="0">
+<p:notes xmlns:a="http://schemas.openxmlformats.org/drawingml/2006/main" xmlns:r="http://schemas.openxmlformats.org/officeDocument/2006/relationships" xmlns:p="http://schemas.openxmlformats.org/presentationml/2006/main" showMasterSp="0" showMasterPhAnim="0">
   <p:cSld>
     <p:spTree>
       <p:nvGrpSpPr>
-        <p:cNvPr id="96" name="Shape 96"/>
+        <p:cNvPr id="1" name="Shape 96"/>
         <p:cNvGrpSpPr/>
         <p:nvPr/>
       </p:nvGrpSpPr>
@@ -1025,20 +1054,26 @@
       <p:sp>
         <p:nvSpPr>
           <p:cNvPr id="97" name="Google Shape;97;gdfc1f552a7_2_0:notes"/>
-          <p:cNvSpPr/>
+          <p:cNvSpPr>
+            <a:spLocks noGrp="1" noRot="1" noChangeAspect="1"/>
+          </p:cNvSpPr>
           <p:nvPr>
-            <p:ph idx="2" type="sldImg"/>
+            <p:ph type="sldImg" idx="2"/>
           </p:nvPr>
         </p:nvSpPr>
         <p:spPr>
           <a:xfrm>
-            <a:off x="381300" y="685800"/>
+            <a:off x="381000" y="685800"/>
             <a:ext cx="6096000" cy="3429000"/>
           </a:xfrm>
           <a:custGeom>
-            <a:rect b="b" l="l" r="r" t="t"/>
+            <a:avLst/>
+            <a:gdLst/>
+            <a:ahLst/>
+            <a:cxnLst/>
+            <a:rect l="l" t="t" r="r" b="b"/>
             <a:pathLst>
-              <a:path extrusionOk="0" h="120000" w="120000">
+              <a:path w="120000" h="120000" extrusionOk="0">
                 <a:moveTo>
                   <a:pt x="0" y="0"/>
                 </a:moveTo>
@@ -1060,9 +1095,11 @@
       <p:sp>
         <p:nvSpPr>
           <p:cNvPr id="98" name="Google Shape;98;gdfc1f552a7_2_0:notes"/>
-          <p:cNvSpPr txBox="1"/>
+          <p:cNvSpPr txBox="1">
+            <a:spLocks noGrp="1"/>
+          </p:cNvSpPr>
           <p:nvPr>
-            <p:ph idx="1" type="body"/>
+            <p:ph type="body" idx="1"/>
           </p:nvPr>
         </p:nvSpPr>
         <p:spPr>
@@ -1075,12 +1112,12 @@
           </a:prstGeom>
         </p:spPr>
         <p:txBody>
-          <a:bodyPr anchorCtr="0" anchor="t" bIns="91425" lIns="91425" spcFirstLastPara="1" rIns="91425" wrap="square" tIns="91425">
+          <a:bodyPr spcFirstLastPara="1" wrap="square" lIns="91425" tIns="91425" rIns="91425" bIns="91425" anchor="t" anchorCtr="0">
             <a:noAutofit/>
           </a:bodyPr>
           <a:lstStyle/>
           <a:p>
-            <a:pPr indent="0" lvl="0" marL="0" rtl="0" algn="l">
+            <a:pPr marL="0" lvl="0" indent="0" algn="l" rtl="0">
               <a:spcBef>
                 <a:spcPts val="0"/>
               </a:spcBef>
@@ -1089,9 +1126,6 @@
               </a:spcAft>
               <a:buNone/>
             </a:pPr>
-            <a:r>
-              <a:t/>
-            </a:r>
             <a:endParaRPr/>
           </a:p>
         </p:txBody>
@@ -1105,11 +1139,11 @@
 </file>
 
 <file path=ppt/notesSlides/notesSlide13.xml><?xml version="1.0" encoding="utf-8"?>
-<p:notes xmlns:a="http://schemas.openxmlformats.org/drawingml/2006/main" xmlns:r="http://schemas.openxmlformats.org/officeDocument/2006/relationships" xmlns:mc="http://schemas.openxmlformats.org/markup-compatibility/2006" xmlns:mv="urn:schemas-microsoft-com:mac:vml" xmlns:p="http://schemas.openxmlformats.org/presentationml/2006/main" xmlns:c="http://schemas.openxmlformats.org/drawingml/2006/chart" xmlns:dgm="http://schemas.openxmlformats.org/drawingml/2006/diagram" xmlns:o="urn:schemas-microsoft-com:office:office" xmlns:v="urn:schemas-microsoft-com:vml" xmlns:pvml="urn:schemas-microsoft-com:office:powerpoint" xmlns:com="http://schemas.openxmlformats.org/drawingml/2006/compatibility" xmlns:p14="http://schemas.microsoft.com/office/powerpoint/2010/main" xmlns:p15="http://schemas.microsoft.com/office/powerpoint/2012/main" xmlns:ahyp="http://schemas.microsoft.com/office/drawing/2018/hyperlinkcolor" showMasterPhAnim="0" showMasterSp="0">
+<p:notes xmlns:a="http://schemas.openxmlformats.org/drawingml/2006/main" xmlns:r="http://schemas.openxmlformats.org/officeDocument/2006/relationships" xmlns:p="http://schemas.openxmlformats.org/presentationml/2006/main" showMasterSp="0" showMasterPhAnim="0">
   <p:cSld>
     <p:spTree>
       <p:nvGrpSpPr>
-        <p:cNvPr id="103" name="Shape 103"/>
+        <p:cNvPr id="1" name="Shape 110"/>
         <p:cNvGrpSpPr/>
         <p:nvPr/>
       </p:nvGrpSpPr>
@@ -1123,21 +1157,27 @@
       </p:grpSpPr>
       <p:sp>
         <p:nvSpPr>
-          <p:cNvPr id="104" name="Google Shape;104;gdfc1f552a7_2_11:notes"/>
-          <p:cNvSpPr/>
+          <p:cNvPr id="111" name="Google Shape;111;gdfc1f552a7_2_17:notes"/>
+          <p:cNvSpPr>
+            <a:spLocks noGrp="1" noRot="1" noChangeAspect="1"/>
+          </p:cNvSpPr>
           <p:nvPr>
-            <p:ph idx="2" type="sldImg"/>
+            <p:ph type="sldImg" idx="2"/>
           </p:nvPr>
         </p:nvSpPr>
         <p:spPr>
           <a:xfrm>
-            <a:off x="381300" y="685800"/>
+            <a:off x="381000" y="685800"/>
             <a:ext cx="6096000" cy="3429000"/>
           </a:xfrm>
           <a:custGeom>
-            <a:rect b="b" l="l" r="r" t="t"/>
+            <a:avLst/>
+            <a:gdLst/>
+            <a:ahLst/>
+            <a:cxnLst/>
+            <a:rect l="l" t="t" r="r" b="b"/>
             <a:pathLst>
-              <a:path extrusionOk="0" h="120000" w="120000">
+              <a:path w="120000" h="120000" extrusionOk="0">
                 <a:moveTo>
                   <a:pt x="0" y="0"/>
                 </a:moveTo>
@@ -1158,10 +1198,12 @@
       </p:sp>
       <p:sp>
         <p:nvSpPr>
-          <p:cNvPr id="105" name="Google Shape;105;gdfc1f552a7_2_11:notes"/>
-          <p:cNvSpPr txBox="1"/>
+          <p:cNvPr id="112" name="Google Shape;112;gdfc1f552a7_2_17:notes"/>
+          <p:cNvSpPr txBox="1">
+            <a:spLocks noGrp="1"/>
+          </p:cNvSpPr>
           <p:nvPr>
-            <p:ph idx="1" type="body"/>
+            <p:ph type="body" idx="1"/>
           </p:nvPr>
         </p:nvSpPr>
         <p:spPr>
@@ -1174,12 +1216,12 @@
           </a:prstGeom>
         </p:spPr>
         <p:txBody>
-          <a:bodyPr anchorCtr="0" anchor="t" bIns="91425" lIns="91425" spcFirstLastPara="1" rIns="91425" wrap="square" tIns="91425">
+          <a:bodyPr spcFirstLastPara="1" wrap="square" lIns="91425" tIns="91425" rIns="91425" bIns="91425" anchor="t" anchorCtr="0">
             <a:noAutofit/>
           </a:bodyPr>
           <a:lstStyle/>
           <a:p>
-            <a:pPr indent="0" lvl="0" marL="0" rtl="0" algn="l">
+            <a:pPr marL="0" lvl="0" indent="0" algn="l" rtl="0">
               <a:spcBef>
                 <a:spcPts val="0"/>
               </a:spcBef>
@@ -1188,9 +1230,6 @@
               </a:spcAft>
               <a:buNone/>
             </a:pPr>
-            <a:r>
-              <a:t/>
-            </a:r>
             <a:endParaRPr/>
           </a:p>
         </p:txBody>
@@ -1204,11 +1243,11 @@
 </file>
 
 <file path=ppt/notesSlides/notesSlide14.xml><?xml version="1.0" encoding="utf-8"?>
-<p:notes xmlns:a="http://schemas.openxmlformats.org/drawingml/2006/main" xmlns:r="http://schemas.openxmlformats.org/officeDocument/2006/relationships" xmlns:mc="http://schemas.openxmlformats.org/markup-compatibility/2006" xmlns:mv="urn:schemas-microsoft-com:mac:vml" xmlns:p="http://schemas.openxmlformats.org/presentationml/2006/main" xmlns:c="http://schemas.openxmlformats.org/drawingml/2006/chart" xmlns:dgm="http://schemas.openxmlformats.org/drawingml/2006/diagram" xmlns:o="urn:schemas-microsoft-com:office:office" xmlns:v="urn:schemas-microsoft-com:vml" xmlns:pvml="urn:schemas-microsoft-com:office:powerpoint" xmlns:com="http://schemas.openxmlformats.org/drawingml/2006/compatibility" xmlns:p14="http://schemas.microsoft.com/office/powerpoint/2010/main" xmlns:p15="http://schemas.microsoft.com/office/powerpoint/2012/main" xmlns:ahyp="http://schemas.microsoft.com/office/drawing/2018/hyperlinkcolor" showMasterPhAnim="0" showMasterSp="0">
+<p:notes xmlns:a="http://schemas.openxmlformats.org/drawingml/2006/main" xmlns:r="http://schemas.openxmlformats.org/officeDocument/2006/relationships" xmlns:p="http://schemas.openxmlformats.org/presentationml/2006/main" showMasterSp="0" showMasterPhAnim="0">
   <p:cSld>
     <p:spTree>
       <p:nvGrpSpPr>
-        <p:cNvPr id="110" name="Shape 110"/>
+        <p:cNvPr id="1" name="Shape 118"/>
         <p:cNvGrpSpPr/>
         <p:nvPr/>
       </p:nvGrpSpPr>
@@ -1222,21 +1261,27 @@
       </p:grpSpPr>
       <p:sp>
         <p:nvSpPr>
-          <p:cNvPr id="111" name="Google Shape;111;gdfc1f552a7_2_17:notes"/>
-          <p:cNvSpPr/>
+          <p:cNvPr id="119" name="Google Shape;119;gdfc1f552a7_2_27:notes"/>
+          <p:cNvSpPr>
+            <a:spLocks noGrp="1" noRot="1" noChangeAspect="1"/>
+          </p:cNvSpPr>
           <p:nvPr>
-            <p:ph idx="2" type="sldImg"/>
+            <p:ph type="sldImg" idx="2"/>
           </p:nvPr>
         </p:nvSpPr>
         <p:spPr>
           <a:xfrm>
-            <a:off x="381300" y="685800"/>
+            <a:off x="381000" y="685800"/>
             <a:ext cx="6096000" cy="3429000"/>
           </a:xfrm>
           <a:custGeom>
-            <a:rect b="b" l="l" r="r" t="t"/>
+            <a:avLst/>
+            <a:gdLst/>
+            <a:ahLst/>
+            <a:cxnLst/>
+            <a:rect l="l" t="t" r="r" b="b"/>
             <a:pathLst>
-              <a:path extrusionOk="0" h="120000" w="120000">
+              <a:path w="120000" h="120000" extrusionOk="0">
                 <a:moveTo>
                   <a:pt x="0" y="0"/>
                 </a:moveTo>
@@ -1257,10 +1302,12 @@
       </p:sp>
       <p:sp>
         <p:nvSpPr>
-          <p:cNvPr id="112" name="Google Shape;112;gdfc1f552a7_2_17:notes"/>
-          <p:cNvSpPr txBox="1"/>
+          <p:cNvPr id="120" name="Google Shape;120;gdfc1f552a7_2_27:notes"/>
+          <p:cNvSpPr txBox="1">
+            <a:spLocks noGrp="1"/>
+          </p:cNvSpPr>
           <p:nvPr>
-            <p:ph idx="1" type="body"/>
+            <p:ph type="body" idx="1"/>
           </p:nvPr>
         </p:nvSpPr>
         <p:spPr>
@@ -1273,12 +1320,12 @@
           </a:prstGeom>
         </p:spPr>
         <p:txBody>
-          <a:bodyPr anchorCtr="0" anchor="t" bIns="91425" lIns="91425" spcFirstLastPara="1" rIns="91425" wrap="square" tIns="91425">
+          <a:bodyPr spcFirstLastPara="1" wrap="square" lIns="91425" tIns="91425" rIns="91425" bIns="91425" anchor="t" anchorCtr="0">
             <a:noAutofit/>
           </a:bodyPr>
           <a:lstStyle/>
           <a:p>
-            <a:pPr indent="0" lvl="0" marL="0" rtl="0" algn="l">
+            <a:pPr marL="0" lvl="0" indent="0" algn="l" rtl="0">
               <a:spcBef>
                 <a:spcPts val="0"/>
               </a:spcBef>
@@ -1287,9 +1334,6 @@
               </a:spcAft>
               <a:buNone/>
             </a:pPr>
-            <a:r>
-              <a:t/>
-            </a:r>
             <a:endParaRPr/>
           </a:p>
         </p:txBody>
@@ -1303,11 +1347,11 @@
 </file>
 
 <file path=ppt/notesSlides/notesSlide15.xml><?xml version="1.0" encoding="utf-8"?>
-<p:notes xmlns:a="http://schemas.openxmlformats.org/drawingml/2006/main" xmlns:r="http://schemas.openxmlformats.org/officeDocument/2006/relationships" xmlns:mc="http://schemas.openxmlformats.org/markup-compatibility/2006" xmlns:mv="urn:schemas-microsoft-com:mac:vml" xmlns:p="http://schemas.openxmlformats.org/presentationml/2006/main" xmlns:c="http://schemas.openxmlformats.org/drawingml/2006/chart" xmlns:dgm="http://schemas.openxmlformats.org/drawingml/2006/diagram" xmlns:o="urn:schemas-microsoft-com:office:office" xmlns:v="urn:schemas-microsoft-com:vml" xmlns:pvml="urn:schemas-microsoft-com:office:powerpoint" xmlns:com="http://schemas.openxmlformats.org/drawingml/2006/compatibility" xmlns:p14="http://schemas.microsoft.com/office/powerpoint/2010/main" xmlns:p15="http://schemas.microsoft.com/office/powerpoint/2012/main" xmlns:ahyp="http://schemas.microsoft.com/office/drawing/2018/hyperlinkcolor" showMasterPhAnim="0" showMasterSp="0">
+<p:notes xmlns:a="http://schemas.openxmlformats.org/drawingml/2006/main" xmlns:r="http://schemas.openxmlformats.org/officeDocument/2006/relationships" xmlns:p="http://schemas.openxmlformats.org/presentationml/2006/main" showMasterSp="0" showMasterPhAnim="0">
   <p:cSld>
     <p:spTree>
       <p:nvGrpSpPr>
-        <p:cNvPr id="118" name="Shape 118"/>
+        <p:cNvPr id="1" name="Shape 126"/>
         <p:cNvGrpSpPr/>
         <p:nvPr/>
       </p:nvGrpSpPr>
@@ -1321,10 +1365,12 @@
       </p:grpSpPr>
       <p:sp>
         <p:nvSpPr>
-          <p:cNvPr id="119" name="Google Shape;119;gdfc1f552a7_2_27:notes"/>
-          <p:cNvSpPr/>
+          <p:cNvPr id="127" name="Google Shape;127;gdee36292d2_1_87:notes"/>
+          <p:cNvSpPr>
+            <a:spLocks noGrp="1" noRot="1" noChangeAspect="1"/>
+          </p:cNvSpPr>
           <p:nvPr>
-            <p:ph idx="2" type="sldImg"/>
+            <p:ph type="sldImg" idx="2"/>
           </p:nvPr>
         </p:nvSpPr>
         <p:spPr>
@@ -1333,9 +1379,13 @@
             <a:ext cx="6096000" cy="3429000"/>
           </a:xfrm>
           <a:custGeom>
-            <a:rect b="b" l="l" r="r" t="t"/>
+            <a:avLst/>
+            <a:gdLst/>
+            <a:ahLst/>
+            <a:cxnLst/>
+            <a:rect l="l" t="t" r="r" b="b"/>
             <a:pathLst>
-              <a:path extrusionOk="0" h="120000" w="120000">
+              <a:path w="120000" h="120000" extrusionOk="0">
                 <a:moveTo>
                   <a:pt x="0" y="0"/>
                 </a:moveTo>
@@ -1356,10 +1406,12 @@
       </p:sp>
       <p:sp>
         <p:nvSpPr>
-          <p:cNvPr id="120" name="Google Shape;120;gdfc1f552a7_2_27:notes"/>
-          <p:cNvSpPr txBox="1"/>
+          <p:cNvPr id="128" name="Google Shape;128;gdee36292d2_1_87:notes"/>
+          <p:cNvSpPr txBox="1">
+            <a:spLocks noGrp="1"/>
+          </p:cNvSpPr>
           <p:nvPr>
-            <p:ph idx="1" type="body"/>
+            <p:ph type="body" idx="1"/>
           </p:nvPr>
         </p:nvSpPr>
         <p:spPr>
@@ -1372,12 +1424,12 @@
           </a:prstGeom>
         </p:spPr>
         <p:txBody>
-          <a:bodyPr anchorCtr="0" anchor="t" bIns="91425" lIns="91425" spcFirstLastPara="1" rIns="91425" wrap="square" tIns="91425">
+          <a:bodyPr spcFirstLastPara="1" wrap="square" lIns="91425" tIns="91425" rIns="91425" bIns="91425" anchor="t" anchorCtr="0">
             <a:noAutofit/>
           </a:bodyPr>
           <a:lstStyle/>
           <a:p>
-            <a:pPr indent="0" lvl="0" marL="0" rtl="0" algn="l">
+            <a:pPr marL="0" lvl="0" indent="0" algn="l" rtl="0">
               <a:spcBef>
                 <a:spcPts val="0"/>
               </a:spcBef>
@@ -1386,9 +1438,6 @@
               </a:spcAft>
               <a:buNone/>
             </a:pPr>
-            <a:r>
-              <a:t/>
-            </a:r>
             <a:endParaRPr/>
           </a:p>
         </p:txBody>
@@ -1402,11 +1451,11 @@
 </file>
 
 <file path=ppt/notesSlides/notesSlide16.xml><?xml version="1.0" encoding="utf-8"?>
-<p:notes xmlns:a="http://schemas.openxmlformats.org/drawingml/2006/main" xmlns:r="http://schemas.openxmlformats.org/officeDocument/2006/relationships" xmlns:mc="http://schemas.openxmlformats.org/markup-compatibility/2006" xmlns:mv="urn:schemas-microsoft-com:mac:vml" xmlns:p="http://schemas.openxmlformats.org/presentationml/2006/main" xmlns:c="http://schemas.openxmlformats.org/drawingml/2006/chart" xmlns:dgm="http://schemas.openxmlformats.org/drawingml/2006/diagram" xmlns:o="urn:schemas-microsoft-com:office:office" xmlns:v="urn:schemas-microsoft-com:vml" xmlns:pvml="urn:schemas-microsoft-com:office:powerpoint" xmlns:com="http://schemas.openxmlformats.org/drawingml/2006/compatibility" xmlns:p14="http://schemas.microsoft.com/office/powerpoint/2010/main" xmlns:p15="http://schemas.microsoft.com/office/powerpoint/2012/main" xmlns:ahyp="http://schemas.microsoft.com/office/drawing/2018/hyperlinkcolor" showMasterPhAnim="0" showMasterSp="0">
+<p:notes xmlns:a="http://schemas.openxmlformats.org/drawingml/2006/main" xmlns:r="http://schemas.openxmlformats.org/officeDocument/2006/relationships" xmlns:p="http://schemas.openxmlformats.org/presentationml/2006/main" showMasterSp="0" showMasterPhAnim="0">
   <p:cSld>
     <p:spTree>
       <p:nvGrpSpPr>
-        <p:cNvPr id="126" name="Shape 126"/>
+        <p:cNvPr id="1" name="Shape 131"/>
         <p:cNvGrpSpPr/>
         <p:nvPr/>
       </p:nvGrpSpPr>
@@ -1420,10 +1469,12 @@
       </p:grpSpPr>
       <p:sp>
         <p:nvSpPr>
-          <p:cNvPr id="127" name="Google Shape;127;gdee36292d2_1_87:notes"/>
-          <p:cNvSpPr/>
+          <p:cNvPr id="132" name="Google Shape;132;ge053b3de7a_0_54:notes"/>
+          <p:cNvSpPr>
+            <a:spLocks noGrp="1" noRot="1" noChangeAspect="1"/>
+          </p:cNvSpPr>
           <p:nvPr>
-            <p:ph idx="2" type="sldImg"/>
+            <p:ph type="sldImg" idx="2"/>
           </p:nvPr>
         </p:nvSpPr>
         <p:spPr>
@@ -1432,9 +1483,13 @@
             <a:ext cx="6096000" cy="3429000"/>
           </a:xfrm>
           <a:custGeom>
-            <a:rect b="b" l="l" r="r" t="t"/>
+            <a:avLst/>
+            <a:gdLst/>
+            <a:ahLst/>
+            <a:cxnLst/>
+            <a:rect l="l" t="t" r="r" b="b"/>
             <a:pathLst>
-              <a:path extrusionOk="0" h="120000" w="120000">
+              <a:path w="120000" h="120000" extrusionOk="0">
                 <a:moveTo>
                   <a:pt x="0" y="0"/>
                 </a:moveTo>
@@ -1455,10 +1510,12 @@
       </p:sp>
       <p:sp>
         <p:nvSpPr>
-          <p:cNvPr id="128" name="Google Shape;128;gdee36292d2_1_87:notes"/>
-          <p:cNvSpPr txBox="1"/>
+          <p:cNvPr id="133" name="Google Shape;133;ge053b3de7a_0_54:notes"/>
+          <p:cNvSpPr txBox="1">
+            <a:spLocks noGrp="1"/>
+          </p:cNvSpPr>
           <p:nvPr>
-            <p:ph idx="1" type="body"/>
+            <p:ph type="body" idx="1"/>
           </p:nvPr>
         </p:nvSpPr>
         <p:spPr>
@@ -1471,12 +1528,12 @@
           </a:prstGeom>
         </p:spPr>
         <p:txBody>
-          <a:bodyPr anchorCtr="0" anchor="t" bIns="91425" lIns="91425" spcFirstLastPara="1" rIns="91425" wrap="square" tIns="91425">
+          <a:bodyPr spcFirstLastPara="1" wrap="square" lIns="91425" tIns="91425" rIns="91425" bIns="91425" anchor="t" anchorCtr="0">
             <a:noAutofit/>
           </a:bodyPr>
           <a:lstStyle/>
           <a:p>
-            <a:pPr indent="0" lvl="0" marL="0" rtl="0" algn="l">
+            <a:pPr marL="0" lvl="0" indent="0" algn="l" rtl="0">
               <a:spcBef>
                 <a:spcPts val="0"/>
               </a:spcBef>
@@ -1485,9 +1542,6 @@
               </a:spcAft>
               <a:buNone/>
             </a:pPr>
-            <a:r>
-              <a:t/>
-            </a:r>
             <a:endParaRPr/>
           </a:p>
         </p:txBody>
@@ -1501,11 +1555,11 @@
 </file>
 
 <file path=ppt/notesSlides/notesSlide17.xml><?xml version="1.0" encoding="utf-8"?>
-<p:notes xmlns:a="http://schemas.openxmlformats.org/drawingml/2006/main" xmlns:r="http://schemas.openxmlformats.org/officeDocument/2006/relationships" xmlns:mc="http://schemas.openxmlformats.org/markup-compatibility/2006" xmlns:mv="urn:schemas-microsoft-com:mac:vml" xmlns:p="http://schemas.openxmlformats.org/presentationml/2006/main" xmlns:c="http://schemas.openxmlformats.org/drawingml/2006/chart" xmlns:dgm="http://schemas.openxmlformats.org/drawingml/2006/diagram" xmlns:o="urn:schemas-microsoft-com:office:office" xmlns:v="urn:schemas-microsoft-com:vml" xmlns:pvml="urn:schemas-microsoft-com:office:powerpoint" xmlns:com="http://schemas.openxmlformats.org/drawingml/2006/compatibility" xmlns:p14="http://schemas.microsoft.com/office/powerpoint/2010/main" xmlns:p15="http://schemas.microsoft.com/office/powerpoint/2012/main" xmlns:ahyp="http://schemas.microsoft.com/office/drawing/2018/hyperlinkcolor" showMasterPhAnim="0" showMasterSp="0">
+<p:notes xmlns:a="http://schemas.openxmlformats.org/drawingml/2006/main" xmlns:r="http://schemas.openxmlformats.org/officeDocument/2006/relationships" xmlns:p="http://schemas.openxmlformats.org/presentationml/2006/main" showMasterSp="0" showMasterPhAnim="0">
   <p:cSld>
     <p:spTree>
       <p:nvGrpSpPr>
-        <p:cNvPr id="131" name="Shape 131"/>
+        <p:cNvPr id="1" name="Shape 137"/>
         <p:cNvGrpSpPr/>
         <p:nvPr/>
       </p:nvGrpSpPr>
@@ -1519,10 +1573,12 @@
       </p:grpSpPr>
       <p:sp>
         <p:nvSpPr>
-          <p:cNvPr id="132" name="Google Shape;132;ge053b3de7a_0_54:notes"/>
-          <p:cNvSpPr/>
+          <p:cNvPr id="138" name="Google Shape;138;ge053b3de7a_0_34:notes"/>
+          <p:cNvSpPr>
+            <a:spLocks noGrp="1" noRot="1" noChangeAspect="1"/>
+          </p:cNvSpPr>
           <p:nvPr>
-            <p:ph idx="2" type="sldImg"/>
+            <p:ph type="sldImg" idx="2"/>
           </p:nvPr>
         </p:nvSpPr>
         <p:spPr>
@@ -1531,9 +1587,13 @@
             <a:ext cx="6096000" cy="3429000"/>
           </a:xfrm>
           <a:custGeom>
-            <a:rect b="b" l="l" r="r" t="t"/>
+            <a:avLst/>
+            <a:gdLst/>
+            <a:ahLst/>
+            <a:cxnLst/>
+            <a:rect l="l" t="t" r="r" b="b"/>
             <a:pathLst>
-              <a:path extrusionOk="0" h="120000" w="120000">
+              <a:path w="120000" h="120000" extrusionOk="0">
                 <a:moveTo>
                   <a:pt x="0" y="0"/>
                 </a:moveTo>
@@ -1554,10 +1614,12 @@
       </p:sp>
       <p:sp>
         <p:nvSpPr>
-          <p:cNvPr id="133" name="Google Shape;133;ge053b3de7a_0_54:notes"/>
-          <p:cNvSpPr txBox="1"/>
+          <p:cNvPr id="139" name="Google Shape;139;ge053b3de7a_0_34:notes"/>
+          <p:cNvSpPr txBox="1">
+            <a:spLocks noGrp="1"/>
+          </p:cNvSpPr>
           <p:nvPr>
-            <p:ph idx="1" type="body"/>
+            <p:ph type="body" idx="1"/>
           </p:nvPr>
         </p:nvSpPr>
         <p:spPr>
@@ -1570,12 +1632,12 @@
           </a:prstGeom>
         </p:spPr>
         <p:txBody>
-          <a:bodyPr anchorCtr="0" anchor="t" bIns="91425" lIns="91425" spcFirstLastPara="1" rIns="91425" wrap="square" tIns="91425">
+          <a:bodyPr spcFirstLastPara="1" wrap="square" lIns="91425" tIns="91425" rIns="91425" bIns="91425" anchor="t" anchorCtr="0">
             <a:noAutofit/>
           </a:bodyPr>
           <a:lstStyle/>
           <a:p>
-            <a:pPr indent="0" lvl="0" marL="0" rtl="0" algn="l">
+            <a:pPr marL="0" lvl="0" indent="0" algn="l" rtl="0">
               <a:spcBef>
                 <a:spcPts val="0"/>
               </a:spcBef>
@@ -1584,9 +1646,6 @@
               </a:spcAft>
               <a:buNone/>
             </a:pPr>
-            <a:r>
-              <a:t/>
-            </a:r>
             <a:endParaRPr/>
           </a:p>
         </p:txBody>
@@ -1600,11 +1659,11 @@
 </file>
 
 <file path=ppt/notesSlides/notesSlide18.xml><?xml version="1.0" encoding="utf-8"?>
-<p:notes xmlns:a="http://schemas.openxmlformats.org/drawingml/2006/main" xmlns:r="http://schemas.openxmlformats.org/officeDocument/2006/relationships" xmlns:mc="http://schemas.openxmlformats.org/markup-compatibility/2006" xmlns:mv="urn:schemas-microsoft-com:mac:vml" xmlns:p="http://schemas.openxmlformats.org/presentationml/2006/main" xmlns:c="http://schemas.openxmlformats.org/drawingml/2006/chart" xmlns:dgm="http://schemas.openxmlformats.org/drawingml/2006/diagram" xmlns:o="urn:schemas-microsoft-com:office:office" xmlns:v="urn:schemas-microsoft-com:vml" xmlns:pvml="urn:schemas-microsoft-com:office:powerpoint" xmlns:com="http://schemas.openxmlformats.org/drawingml/2006/compatibility" xmlns:p14="http://schemas.microsoft.com/office/powerpoint/2010/main" xmlns:p15="http://schemas.microsoft.com/office/powerpoint/2012/main" xmlns:ahyp="http://schemas.microsoft.com/office/drawing/2018/hyperlinkcolor" showMasterPhAnim="0" showMasterSp="0">
+<p:notes xmlns:a="http://schemas.openxmlformats.org/drawingml/2006/main" xmlns:r="http://schemas.openxmlformats.org/officeDocument/2006/relationships" xmlns:p="http://schemas.openxmlformats.org/presentationml/2006/main" showMasterSp="0" showMasterPhAnim="0">
   <p:cSld>
     <p:spTree>
       <p:nvGrpSpPr>
-        <p:cNvPr id="137" name="Shape 137"/>
+        <p:cNvPr id="1" name="Shape 143"/>
         <p:cNvGrpSpPr/>
         <p:nvPr/>
       </p:nvGrpSpPr>
@@ -1618,10 +1677,12 @@
       </p:grpSpPr>
       <p:sp>
         <p:nvSpPr>
-          <p:cNvPr id="138" name="Google Shape;138;ge053b3de7a_0_34:notes"/>
-          <p:cNvSpPr/>
+          <p:cNvPr id="144" name="Google Shape;144;ge053b3de7a_0_44:notes"/>
+          <p:cNvSpPr>
+            <a:spLocks noGrp="1" noRot="1" noChangeAspect="1"/>
+          </p:cNvSpPr>
           <p:nvPr>
-            <p:ph idx="2" type="sldImg"/>
+            <p:ph type="sldImg" idx="2"/>
           </p:nvPr>
         </p:nvSpPr>
         <p:spPr>
@@ -1630,9 +1691,13 @@
             <a:ext cx="6096000" cy="3429000"/>
           </a:xfrm>
           <a:custGeom>
-            <a:rect b="b" l="l" r="r" t="t"/>
+            <a:avLst/>
+            <a:gdLst/>
+            <a:ahLst/>
+            <a:cxnLst/>
+            <a:rect l="l" t="t" r="r" b="b"/>
             <a:pathLst>
-              <a:path extrusionOk="0" h="120000" w="120000">
+              <a:path w="120000" h="120000" extrusionOk="0">
                 <a:moveTo>
                   <a:pt x="0" y="0"/>
                 </a:moveTo>
@@ -1653,10 +1718,12 @@
       </p:sp>
       <p:sp>
         <p:nvSpPr>
-          <p:cNvPr id="139" name="Google Shape;139;ge053b3de7a_0_34:notes"/>
-          <p:cNvSpPr txBox="1"/>
+          <p:cNvPr id="145" name="Google Shape;145;ge053b3de7a_0_44:notes"/>
+          <p:cNvSpPr txBox="1">
+            <a:spLocks noGrp="1"/>
+          </p:cNvSpPr>
           <p:nvPr>
-            <p:ph idx="1" type="body"/>
+            <p:ph type="body" idx="1"/>
           </p:nvPr>
         </p:nvSpPr>
         <p:spPr>
@@ -1669,12 +1736,12 @@
           </a:prstGeom>
         </p:spPr>
         <p:txBody>
-          <a:bodyPr anchorCtr="0" anchor="t" bIns="91425" lIns="91425" spcFirstLastPara="1" rIns="91425" wrap="square" tIns="91425">
+          <a:bodyPr spcFirstLastPara="1" wrap="square" lIns="91425" tIns="91425" rIns="91425" bIns="91425" anchor="t" anchorCtr="0">
             <a:noAutofit/>
           </a:bodyPr>
           <a:lstStyle/>
           <a:p>
-            <a:pPr indent="0" lvl="0" marL="0" rtl="0" algn="l">
+            <a:pPr marL="0" lvl="0" indent="0" algn="l" rtl="0">
               <a:spcBef>
                 <a:spcPts val="0"/>
               </a:spcBef>
@@ -1683,9 +1750,6 @@
               </a:spcAft>
               <a:buNone/>
             </a:pPr>
-            <a:r>
-              <a:t/>
-            </a:r>
             <a:endParaRPr/>
           </a:p>
         </p:txBody>
@@ -1699,11 +1763,11 @@
 </file>
 
 <file path=ppt/notesSlides/notesSlide19.xml><?xml version="1.0" encoding="utf-8"?>
-<p:notes xmlns:a="http://schemas.openxmlformats.org/drawingml/2006/main" xmlns:r="http://schemas.openxmlformats.org/officeDocument/2006/relationships" xmlns:mc="http://schemas.openxmlformats.org/markup-compatibility/2006" xmlns:mv="urn:schemas-microsoft-com:mac:vml" xmlns:p="http://schemas.openxmlformats.org/presentationml/2006/main" xmlns:c="http://schemas.openxmlformats.org/drawingml/2006/chart" xmlns:dgm="http://schemas.openxmlformats.org/drawingml/2006/diagram" xmlns:o="urn:schemas-microsoft-com:office:office" xmlns:v="urn:schemas-microsoft-com:vml" xmlns:pvml="urn:schemas-microsoft-com:office:powerpoint" xmlns:com="http://schemas.openxmlformats.org/drawingml/2006/compatibility" xmlns:p14="http://schemas.microsoft.com/office/powerpoint/2010/main" xmlns:p15="http://schemas.microsoft.com/office/powerpoint/2012/main" xmlns:ahyp="http://schemas.microsoft.com/office/drawing/2018/hyperlinkcolor" showMasterPhAnim="0" showMasterSp="0">
+<p:notes xmlns:a="http://schemas.openxmlformats.org/drawingml/2006/main" xmlns:r="http://schemas.openxmlformats.org/officeDocument/2006/relationships" xmlns:p="http://schemas.openxmlformats.org/presentationml/2006/main" showMasterSp="0" showMasterPhAnim="0">
   <p:cSld>
     <p:spTree>
       <p:nvGrpSpPr>
-        <p:cNvPr id="143" name="Shape 143"/>
+        <p:cNvPr id="1" name="Shape 149"/>
         <p:cNvGrpSpPr/>
         <p:nvPr/>
       </p:nvGrpSpPr>
@@ -1717,10 +1781,12 @@
       </p:grpSpPr>
       <p:sp>
         <p:nvSpPr>
-          <p:cNvPr id="144" name="Google Shape;144;ge053b3de7a_0_44:notes"/>
-          <p:cNvSpPr/>
+          <p:cNvPr id="150" name="Google Shape;150;ge053b3de7a_0_49:notes"/>
+          <p:cNvSpPr>
+            <a:spLocks noGrp="1" noRot="1" noChangeAspect="1"/>
+          </p:cNvSpPr>
           <p:nvPr>
-            <p:ph idx="2" type="sldImg"/>
+            <p:ph type="sldImg" idx="2"/>
           </p:nvPr>
         </p:nvSpPr>
         <p:spPr>
@@ -1729,9 +1795,13 @@
             <a:ext cx="6096000" cy="3429000"/>
           </a:xfrm>
           <a:custGeom>
-            <a:rect b="b" l="l" r="r" t="t"/>
+            <a:avLst/>
+            <a:gdLst/>
+            <a:ahLst/>
+            <a:cxnLst/>
+            <a:rect l="l" t="t" r="r" b="b"/>
             <a:pathLst>
-              <a:path extrusionOk="0" h="120000" w="120000">
+              <a:path w="120000" h="120000" extrusionOk="0">
                 <a:moveTo>
                   <a:pt x="0" y="0"/>
                 </a:moveTo>
@@ -1752,10 +1822,12 @@
       </p:sp>
       <p:sp>
         <p:nvSpPr>
-          <p:cNvPr id="145" name="Google Shape;145;ge053b3de7a_0_44:notes"/>
-          <p:cNvSpPr txBox="1"/>
+          <p:cNvPr id="151" name="Google Shape;151;ge053b3de7a_0_49:notes"/>
+          <p:cNvSpPr txBox="1">
+            <a:spLocks noGrp="1"/>
+          </p:cNvSpPr>
           <p:nvPr>
-            <p:ph idx="1" type="body"/>
+            <p:ph type="body" idx="1"/>
           </p:nvPr>
         </p:nvSpPr>
         <p:spPr>
@@ -1768,12 +1840,12 @@
           </a:prstGeom>
         </p:spPr>
         <p:txBody>
-          <a:bodyPr anchorCtr="0" anchor="t" bIns="91425" lIns="91425" spcFirstLastPara="1" rIns="91425" wrap="square" tIns="91425">
+          <a:bodyPr spcFirstLastPara="1" wrap="square" lIns="91425" tIns="91425" rIns="91425" bIns="91425" anchor="t" anchorCtr="0">
             <a:noAutofit/>
           </a:bodyPr>
           <a:lstStyle/>
           <a:p>
-            <a:pPr indent="0" lvl="0" marL="0" rtl="0" algn="l">
+            <a:pPr marL="0" lvl="0" indent="0" algn="l" rtl="0">
               <a:spcBef>
                 <a:spcPts val="0"/>
               </a:spcBef>
@@ -1782,9 +1854,6 @@
               </a:spcAft>
               <a:buNone/>
             </a:pPr>
-            <a:r>
-              <a:t/>
-            </a:r>
             <a:endParaRPr/>
           </a:p>
         </p:txBody>
@@ -1798,11 +1867,11 @@
 </file>
 
 <file path=ppt/notesSlides/notesSlide2.xml><?xml version="1.0" encoding="utf-8"?>
-<p:notes xmlns:a="http://schemas.openxmlformats.org/drawingml/2006/main" xmlns:r="http://schemas.openxmlformats.org/officeDocument/2006/relationships" xmlns:mc="http://schemas.openxmlformats.org/markup-compatibility/2006" xmlns:mv="urn:schemas-microsoft-com:mac:vml" xmlns:p="http://schemas.openxmlformats.org/presentationml/2006/main" xmlns:c="http://schemas.openxmlformats.org/drawingml/2006/chart" xmlns:dgm="http://schemas.openxmlformats.org/drawingml/2006/diagram" xmlns:o="urn:schemas-microsoft-com:office:office" xmlns:v="urn:schemas-microsoft-com:vml" xmlns:pvml="urn:schemas-microsoft-com:office:powerpoint" xmlns:com="http://schemas.openxmlformats.org/drawingml/2006/compatibility" xmlns:p14="http://schemas.microsoft.com/office/powerpoint/2010/main" xmlns:p15="http://schemas.microsoft.com/office/powerpoint/2012/main" xmlns:ahyp="http://schemas.microsoft.com/office/drawing/2018/hyperlinkcolor" showMasterPhAnim="0" showMasterSp="0">
+<p:notes xmlns:a="http://schemas.openxmlformats.org/drawingml/2006/main" xmlns:r="http://schemas.openxmlformats.org/officeDocument/2006/relationships" xmlns:p="http://schemas.openxmlformats.org/presentationml/2006/main" showMasterSp="0" showMasterPhAnim="0">
   <p:cSld>
     <p:spTree>
       <p:nvGrpSpPr>
-        <p:cNvPr id="29" name="Shape 29"/>
+        <p:cNvPr id="1" name="Shape 29"/>
         <p:cNvGrpSpPr/>
         <p:nvPr/>
       </p:nvGrpSpPr>
@@ -1817,9 +1886,11 @@
       <p:sp>
         <p:nvSpPr>
           <p:cNvPr id="30" name="Google Shape;30;gdee36292d2_1_68:notes"/>
-          <p:cNvSpPr/>
+          <p:cNvSpPr>
+            <a:spLocks noGrp="1" noRot="1" noChangeAspect="1"/>
+          </p:cNvSpPr>
           <p:nvPr>
-            <p:ph idx="2" type="sldImg"/>
+            <p:ph type="sldImg" idx="2"/>
           </p:nvPr>
         </p:nvSpPr>
         <p:spPr>
@@ -1828,9 +1899,13 @@
             <a:ext cx="6096000" cy="3429000"/>
           </a:xfrm>
           <a:custGeom>
-            <a:rect b="b" l="l" r="r" t="t"/>
+            <a:avLst/>
+            <a:gdLst/>
+            <a:ahLst/>
+            <a:cxnLst/>
+            <a:rect l="l" t="t" r="r" b="b"/>
             <a:pathLst>
-              <a:path extrusionOk="0" h="120000" w="120000">
+              <a:path w="120000" h="120000" extrusionOk="0">
                 <a:moveTo>
                   <a:pt x="0" y="0"/>
                 </a:moveTo>
@@ -1852,9 +1927,11 @@
       <p:sp>
         <p:nvSpPr>
           <p:cNvPr id="31" name="Google Shape;31;gdee36292d2_1_68:notes"/>
-          <p:cNvSpPr txBox="1"/>
+          <p:cNvSpPr txBox="1">
+            <a:spLocks noGrp="1"/>
+          </p:cNvSpPr>
           <p:nvPr>
-            <p:ph idx="1" type="body"/>
+            <p:ph type="body" idx="1"/>
           </p:nvPr>
         </p:nvSpPr>
         <p:spPr>
@@ -1867,12 +1944,12 @@
           </a:prstGeom>
         </p:spPr>
         <p:txBody>
-          <a:bodyPr anchorCtr="0" anchor="t" bIns="91425" lIns="91425" spcFirstLastPara="1" rIns="91425" wrap="square" tIns="91425">
+          <a:bodyPr spcFirstLastPara="1" wrap="square" lIns="91425" tIns="91425" rIns="91425" bIns="91425" anchor="t" anchorCtr="0">
             <a:noAutofit/>
           </a:bodyPr>
           <a:lstStyle/>
           <a:p>
-            <a:pPr indent="0" lvl="0" marL="0" rtl="0" algn="l">
+            <a:pPr marL="0" lvl="0" indent="0" algn="l" rtl="0">
               <a:spcBef>
                 <a:spcPts val="0"/>
               </a:spcBef>
@@ -1881,9 +1958,6 @@
               </a:spcAft>
               <a:buNone/>
             </a:pPr>
-            <a:r>
-              <a:t/>
-            </a:r>
             <a:endParaRPr/>
           </a:p>
         </p:txBody>
@@ -1897,11 +1971,11 @@
 </file>
 
 <file path=ppt/notesSlides/notesSlide20.xml><?xml version="1.0" encoding="utf-8"?>
-<p:notes xmlns:a="http://schemas.openxmlformats.org/drawingml/2006/main" xmlns:r="http://schemas.openxmlformats.org/officeDocument/2006/relationships" xmlns:mc="http://schemas.openxmlformats.org/markup-compatibility/2006" xmlns:mv="urn:schemas-microsoft-com:mac:vml" xmlns:p="http://schemas.openxmlformats.org/presentationml/2006/main" xmlns:c="http://schemas.openxmlformats.org/drawingml/2006/chart" xmlns:dgm="http://schemas.openxmlformats.org/drawingml/2006/diagram" xmlns:o="urn:schemas-microsoft-com:office:office" xmlns:v="urn:schemas-microsoft-com:vml" xmlns:pvml="urn:schemas-microsoft-com:office:powerpoint" xmlns:com="http://schemas.openxmlformats.org/drawingml/2006/compatibility" xmlns:p14="http://schemas.microsoft.com/office/powerpoint/2010/main" xmlns:p15="http://schemas.microsoft.com/office/powerpoint/2012/main" xmlns:ahyp="http://schemas.microsoft.com/office/drawing/2018/hyperlinkcolor" showMasterPhAnim="0" showMasterSp="0">
+<p:notes xmlns:a="http://schemas.openxmlformats.org/drawingml/2006/main" xmlns:r="http://schemas.openxmlformats.org/officeDocument/2006/relationships" xmlns:p="http://schemas.openxmlformats.org/presentationml/2006/main" showMasterSp="0" showMasterPhAnim="0">
   <p:cSld>
     <p:spTree>
       <p:nvGrpSpPr>
-        <p:cNvPr id="149" name="Shape 149"/>
+        <p:cNvPr id="1" name="Shape 155"/>
         <p:cNvGrpSpPr/>
         <p:nvPr/>
       </p:nvGrpSpPr>
@@ -1915,10 +1989,12 @@
       </p:grpSpPr>
       <p:sp>
         <p:nvSpPr>
-          <p:cNvPr id="150" name="Google Shape;150;ge053b3de7a_0_49:notes"/>
-          <p:cNvSpPr/>
+          <p:cNvPr id="156" name="Google Shape;156;gdfb86f3e77_4_0:notes"/>
+          <p:cNvSpPr>
+            <a:spLocks noGrp="1" noRot="1" noChangeAspect="1"/>
+          </p:cNvSpPr>
           <p:nvPr>
-            <p:ph idx="2" type="sldImg"/>
+            <p:ph type="sldImg" idx="2"/>
           </p:nvPr>
         </p:nvSpPr>
         <p:spPr>
@@ -1927,9 +2003,13 @@
             <a:ext cx="6096000" cy="3429000"/>
           </a:xfrm>
           <a:custGeom>
-            <a:rect b="b" l="l" r="r" t="t"/>
+            <a:avLst/>
+            <a:gdLst/>
+            <a:ahLst/>
+            <a:cxnLst/>
+            <a:rect l="l" t="t" r="r" b="b"/>
             <a:pathLst>
-              <a:path extrusionOk="0" h="120000" w="120000">
+              <a:path w="120000" h="120000" extrusionOk="0">
                 <a:moveTo>
                   <a:pt x="0" y="0"/>
                 </a:moveTo>
@@ -1950,10 +2030,12 @@
       </p:sp>
       <p:sp>
         <p:nvSpPr>
-          <p:cNvPr id="151" name="Google Shape;151;ge053b3de7a_0_49:notes"/>
-          <p:cNvSpPr txBox="1"/>
+          <p:cNvPr id="157" name="Google Shape;157;gdfb86f3e77_4_0:notes"/>
+          <p:cNvSpPr txBox="1">
+            <a:spLocks noGrp="1"/>
+          </p:cNvSpPr>
           <p:nvPr>
-            <p:ph idx="1" type="body"/>
+            <p:ph type="body" idx="1"/>
           </p:nvPr>
         </p:nvSpPr>
         <p:spPr>
@@ -1966,111 +2048,12 @@
           </a:prstGeom>
         </p:spPr>
         <p:txBody>
-          <a:bodyPr anchorCtr="0" anchor="t" bIns="91425" lIns="91425" spcFirstLastPara="1" rIns="91425" wrap="square" tIns="91425">
+          <a:bodyPr spcFirstLastPara="1" wrap="square" lIns="91425" tIns="91425" rIns="91425" bIns="91425" anchor="t" anchorCtr="0">
             <a:noAutofit/>
           </a:bodyPr>
           <a:lstStyle/>
           <a:p>
-            <a:pPr indent="0" lvl="0" marL="0" rtl="0" algn="l">
-              <a:spcBef>
-                <a:spcPts val="0"/>
-              </a:spcBef>
-              <a:spcAft>
-                <a:spcPts val="0"/>
-              </a:spcAft>
-              <a:buNone/>
-            </a:pPr>
-            <a:r>
-              <a:t/>
-            </a:r>
-            <a:endParaRPr/>
-          </a:p>
-        </p:txBody>
-      </p:sp>
-    </p:spTree>
-  </p:cSld>
-  <p:clrMapOvr>
-    <a:masterClrMapping/>
-  </p:clrMapOvr>
-</p:notes>
-</file>
-
-<file path=ppt/notesSlides/notesSlide21.xml><?xml version="1.0" encoding="utf-8"?>
-<p:notes xmlns:a="http://schemas.openxmlformats.org/drawingml/2006/main" xmlns:r="http://schemas.openxmlformats.org/officeDocument/2006/relationships" xmlns:mc="http://schemas.openxmlformats.org/markup-compatibility/2006" xmlns:mv="urn:schemas-microsoft-com:mac:vml" xmlns:p="http://schemas.openxmlformats.org/presentationml/2006/main" xmlns:c="http://schemas.openxmlformats.org/drawingml/2006/chart" xmlns:dgm="http://schemas.openxmlformats.org/drawingml/2006/diagram" xmlns:o="urn:schemas-microsoft-com:office:office" xmlns:v="urn:schemas-microsoft-com:vml" xmlns:pvml="urn:schemas-microsoft-com:office:powerpoint" xmlns:com="http://schemas.openxmlformats.org/drawingml/2006/compatibility" xmlns:p14="http://schemas.microsoft.com/office/powerpoint/2010/main" xmlns:p15="http://schemas.microsoft.com/office/powerpoint/2012/main" xmlns:ahyp="http://schemas.microsoft.com/office/drawing/2018/hyperlinkcolor" showMasterPhAnim="0" showMasterSp="0">
-  <p:cSld>
-    <p:spTree>
-      <p:nvGrpSpPr>
-        <p:cNvPr id="155" name="Shape 155"/>
-        <p:cNvGrpSpPr/>
-        <p:nvPr/>
-      </p:nvGrpSpPr>
-      <p:grpSpPr>
-        <a:xfrm>
-          <a:off x="0" y="0"/>
-          <a:ext cx="0" cy="0"/>
-          <a:chOff x="0" y="0"/>
-          <a:chExt cx="0" cy="0"/>
-        </a:xfrm>
-      </p:grpSpPr>
-      <p:sp>
-        <p:nvSpPr>
-          <p:cNvPr id="156" name="Google Shape;156;gdfb86f3e77_4_0:notes"/>
-          <p:cNvSpPr/>
-          <p:nvPr>
-            <p:ph idx="2" type="sldImg"/>
-          </p:nvPr>
-        </p:nvSpPr>
-        <p:spPr>
-          <a:xfrm>
-            <a:off x="381300" y="685800"/>
-            <a:ext cx="6096000" cy="3429000"/>
-          </a:xfrm>
-          <a:custGeom>
-            <a:rect b="b" l="l" r="r" t="t"/>
-            <a:pathLst>
-              <a:path extrusionOk="0" h="120000" w="120000">
-                <a:moveTo>
-                  <a:pt x="0" y="0"/>
-                </a:moveTo>
-                <a:lnTo>
-                  <a:pt x="120000" y="0"/>
-                </a:lnTo>
-                <a:lnTo>
-                  <a:pt x="120000" y="120000"/>
-                </a:lnTo>
-                <a:lnTo>
-                  <a:pt x="0" y="120000"/>
-                </a:lnTo>
-                <a:close/>
-              </a:path>
-            </a:pathLst>
-          </a:custGeom>
-        </p:spPr>
-      </p:sp>
-      <p:sp>
-        <p:nvSpPr>
-          <p:cNvPr id="157" name="Google Shape;157;gdfb86f3e77_4_0:notes"/>
-          <p:cNvSpPr txBox="1"/>
-          <p:nvPr>
-            <p:ph idx="1" type="body"/>
-          </p:nvPr>
-        </p:nvSpPr>
-        <p:spPr>
-          <a:xfrm>
-            <a:off x="685800" y="4343400"/>
-            <a:ext cx="5486400" cy="4114800"/>
-          </a:xfrm>
-          <a:prstGeom prst="rect">
-            <a:avLst/>
-          </a:prstGeom>
-        </p:spPr>
-        <p:txBody>
-          <a:bodyPr anchorCtr="0" anchor="t" bIns="91425" lIns="91425" spcFirstLastPara="1" rIns="91425" wrap="square" tIns="91425">
-            <a:noAutofit/>
-          </a:bodyPr>
-          <a:lstStyle/>
-          <a:p>
-            <a:pPr indent="0" lvl="0" marL="0" rtl="0" algn="l">
+            <a:pPr marL="0" lvl="0" indent="0" algn="l" rtl="0">
               <a:spcBef>
                 <a:spcPts val="0"/>
               </a:spcBef>
@@ -2095,12 +2078,12 @@
 </p:notes>
 </file>
 
-<file path=ppt/notesSlides/notesSlide22.xml><?xml version="1.0" encoding="utf-8"?>
-<p:notes xmlns:a="http://schemas.openxmlformats.org/drawingml/2006/main" xmlns:r="http://schemas.openxmlformats.org/officeDocument/2006/relationships" xmlns:mc="http://schemas.openxmlformats.org/markup-compatibility/2006" xmlns:mv="urn:schemas-microsoft-com:mac:vml" xmlns:p="http://schemas.openxmlformats.org/presentationml/2006/main" xmlns:c="http://schemas.openxmlformats.org/drawingml/2006/chart" xmlns:dgm="http://schemas.openxmlformats.org/drawingml/2006/diagram" xmlns:o="urn:schemas-microsoft-com:office:office" xmlns:v="urn:schemas-microsoft-com:vml" xmlns:pvml="urn:schemas-microsoft-com:office:powerpoint" xmlns:com="http://schemas.openxmlformats.org/drawingml/2006/compatibility" xmlns:p14="http://schemas.microsoft.com/office/powerpoint/2010/main" xmlns:p15="http://schemas.microsoft.com/office/powerpoint/2012/main" xmlns:ahyp="http://schemas.microsoft.com/office/drawing/2018/hyperlinkcolor" showMasterPhAnim="0" showMasterSp="0">
+<file path=ppt/notesSlides/notesSlide21.xml><?xml version="1.0" encoding="utf-8"?>
+<p:notes xmlns:a="http://schemas.openxmlformats.org/drawingml/2006/main" xmlns:r="http://schemas.openxmlformats.org/officeDocument/2006/relationships" xmlns:p="http://schemas.openxmlformats.org/presentationml/2006/main" showMasterSp="0" showMasterPhAnim="0">
   <p:cSld>
     <p:spTree>
       <p:nvGrpSpPr>
-        <p:cNvPr id="161" name="Shape 161"/>
+        <p:cNvPr id="1" name="Shape 161"/>
         <p:cNvGrpSpPr/>
         <p:nvPr/>
       </p:nvGrpSpPr>
@@ -2115,9 +2098,11 @@
       <p:sp>
         <p:nvSpPr>
           <p:cNvPr id="162" name="Google Shape;162;gdee36292d2_1_96:notes"/>
-          <p:cNvSpPr/>
+          <p:cNvSpPr>
+            <a:spLocks noGrp="1" noRot="1" noChangeAspect="1"/>
+          </p:cNvSpPr>
           <p:nvPr>
-            <p:ph idx="2" type="sldImg"/>
+            <p:ph type="sldImg" idx="2"/>
           </p:nvPr>
         </p:nvSpPr>
         <p:spPr>
@@ -2126,9 +2111,13 @@
             <a:ext cx="6096000" cy="3429000"/>
           </a:xfrm>
           <a:custGeom>
-            <a:rect b="b" l="l" r="r" t="t"/>
+            <a:avLst/>
+            <a:gdLst/>
+            <a:ahLst/>
+            <a:cxnLst/>
+            <a:rect l="l" t="t" r="r" b="b"/>
             <a:pathLst>
-              <a:path extrusionOk="0" h="120000" w="120000">
+              <a:path w="120000" h="120000" extrusionOk="0">
                 <a:moveTo>
                   <a:pt x="0" y="0"/>
                 </a:moveTo>
@@ -2150,9 +2139,11 @@
       <p:sp>
         <p:nvSpPr>
           <p:cNvPr id="163" name="Google Shape;163;gdee36292d2_1_96:notes"/>
-          <p:cNvSpPr txBox="1"/>
+          <p:cNvSpPr txBox="1">
+            <a:spLocks noGrp="1"/>
+          </p:cNvSpPr>
           <p:nvPr>
-            <p:ph idx="1" type="body"/>
+            <p:ph type="body" idx="1"/>
           </p:nvPr>
         </p:nvSpPr>
         <p:spPr>
@@ -2165,12 +2156,12 @@
           </a:prstGeom>
         </p:spPr>
         <p:txBody>
-          <a:bodyPr anchorCtr="0" anchor="t" bIns="91425" lIns="91425" spcFirstLastPara="1" rIns="91425" wrap="square" tIns="91425">
+          <a:bodyPr spcFirstLastPara="1" wrap="square" lIns="91425" tIns="91425" rIns="91425" bIns="91425" anchor="t" anchorCtr="0">
             <a:noAutofit/>
           </a:bodyPr>
           <a:lstStyle/>
           <a:p>
-            <a:pPr indent="0" lvl="0" marL="0" rtl="0" algn="l">
+            <a:pPr marL="0" lvl="0" indent="0" algn="l" rtl="0">
               <a:spcBef>
                 <a:spcPts val="0"/>
               </a:spcBef>
@@ -2179,9 +2170,6 @@
               </a:spcAft>
               <a:buNone/>
             </a:pPr>
-            <a:r>
-              <a:t/>
-            </a:r>
             <a:endParaRPr/>
           </a:p>
         </p:txBody>
@@ -2194,12 +2182,12 @@
 </p:notes>
 </file>
 
-<file path=ppt/notesSlides/notesSlide23.xml><?xml version="1.0" encoding="utf-8"?>
-<p:notes xmlns:a="http://schemas.openxmlformats.org/drawingml/2006/main" xmlns:r="http://schemas.openxmlformats.org/officeDocument/2006/relationships" xmlns:mc="http://schemas.openxmlformats.org/markup-compatibility/2006" xmlns:mv="urn:schemas-microsoft-com:mac:vml" xmlns:p="http://schemas.openxmlformats.org/presentationml/2006/main" xmlns:c="http://schemas.openxmlformats.org/drawingml/2006/chart" xmlns:dgm="http://schemas.openxmlformats.org/drawingml/2006/diagram" xmlns:o="urn:schemas-microsoft-com:office:office" xmlns:v="urn:schemas-microsoft-com:vml" xmlns:pvml="urn:schemas-microsoft-com:office:powerpoint" xmlns:com="http://schemas.openxmlformats.org/drawingml/2006/compatibility" xmlns:p14="http://schemas.microsoft.com/office/powerpoint/2010/main" xmlns:p15="http://schemas.microsoft.com/office/powerpoint/2012/main" xmlns:ahyp="http://schemas.microsoft.com/office/drawing/2018/hyperlinkcolor" showMasterPhAnim="0" showMasterSp="0">
+<file path=ppt/notesSlides/notesSlide22.xml><?xml version="1.0" encoding="utf-8"?>
+<p:notes xmlns:a="http://schemas.openxmlformats.org/drawingml/2006/main" xmlns:r="http://schemas.openxmlformats.org/officeDocument/2006/relationships" xmlns:p="http://schemas.openxmlformats.org/presentationml/2006/main" showMasterSp="0" showMasterPhAnim="0">
   <p:cSld>
     <p:spTree>
       <p:nvGrpSpPr>
-        <p:cNvPr id="166" name="Shape 166"/>
+        <p:cNvPr id="1" name="Shape 166"/>
         <p:cNvGrpSpPr/>
         <p:nvPr/>
       </p:nvGrpSpPr>
@@ -2214,9 +2202,11 @@
       <p:sp>
         <p:nvSpPr>
           <p:cNvPr id="167" name="Google Shape;167;gdee36292d2_1_110:notes"/>
-          <p:cNvSpPr/>
+          <p:cNvSpPr>
+            <a:spLocks noGrp="1" noRot="1" noChangeAspect="1"/>
+          </p:cNvSpPr>
           <p:nvPr>
-            <p:ph idx="2" type="sldImg"/>
+            <p:ph type="sldImg" idx="2"/>
           </p:nvPr>
         </p:nvSpPr>
         <p:spPr>
@@ -2225,9 +2215,13 @@
             <a:ext cx="6096000" cy="3429000"/>
           </a:xfrm>
           <a:custGeom>
-            <a:rect b="b" l="l" r="r" t="t"/>
+            <a:avLst/>
+            <a:gdLst/>
+            <a:ahLst/>
+            <a:cxnLst/>
+            <a:rect l="l" t="t" r="r" b="b"/>
             <a:pathLst>
-              <a:path extrusionOk="0" h="120000" w="120000">
+              <a:path w="120000" h="120000" extrusionOk="0">
                 <a:moveTo>
                   <a:pt x="0" y="0"/>
                 </a:moveTo>
@@ -2249,9 +2243,11 @@
       <p:sp>
         <p:nvSpPr>
           <p:cNvPr id="168" name="Google Shape;168;gdee36292d2_1_110:notes"/>
-          <p:cNvSpPr txBox="1"/>
+          <p:cNvSpPr txBox="1">
+            <a:spLocks noGrp="1"/>
+          </p:cNvSpPr>
           <p:nvPr>
-            <p:ph idx="1" type="body"/>
+            <p:ph type="body" idx="1"/>
           </p:nvPr>
         </p:nvSpPr>
         <p:spPr>
@@ -2264,12 +2260,12 @@
           </a:prstGeom>
         </p:spPr>
         <p:txBody>
-          <a:bodyPr anchorCtr="0" anchor="t" bIns="91425" lIns="91425" spcFirstLastPara="1" rIns="91425" wrap="square" tIns="91425">
+          <a:bodyPr spcFirstLastPara="1" wrap="square" lIns="91425" tIns="91425" rIns="91425" bIns="91425" anchor="t" anchorCtr="0">
             <a:noAutofit/>
           </a:bodyPr>
           <a:lstStyle/>
           <a:p>
-            <a:pPr indent="0" lvl="0" marL="0" rtl="0" algn="l">
+            <a:pPr marL="0" lvl="0" indent="0" algn="l" rtl="0">
               <a:spcBef>
                 <a:spcPts val="0"/>
               </a:spcBef>
@@ -2278,9 +2274,6 @@
               </a:spcAft>
               <a:buNone/>
             </a:pPr>
-            <a:r>
-              <a:t/>
-            </a:r>
             <a:endParaRPr/>
           </a:p>
         </p:txBody>
@@ -2294,11 +2287,11 @@
 </file>
 
 <file path=ppt/notesSlides/notesSlide3.xml><?xml version="1.0" encoding="utf-8"?>
-<p:notes xmlns:a="http://schemas.openxmlformats.org/drawingml/2006/main" xmlns:r="http://schemas.openxmlformats.org/officeDocument/2006/relationships" xmlns:mc="http://schemas.openxmlformats.org/markup-compatibility/2006" xmlns:mv="urn:schemas-microsoft-com:mac:vml" xmlns:p="http://schemas.openxmlformats.org/presentationml/2006/main" xmlns:c="http://schemas.openxmlformats.org/drawingml/2006/chart" xmlns:dgm="http://schemas.openxmlformats.org/drawingml/2006/diagram" xmlns:o="urn:schemas-microsoft-com:office:office" xmlns:v="urn:schemas-microsoft-com:vml" xmlns:pvml="urn:schemas-microsoft-com:office:powerpoint" xmlns:com="http://schemas.openxmlformats.org/drawingml/2006/compatibility" xmlns:p14="http://schemas.microsoft.com/office/powerpoint/2010/main" xmlns:p15="http://schemas.microsoft.com/office/powerpoint/2012/main" xmlns:ahyp="http://schemas.microsoft.com/office/drawing/2018/hyperlinkcolor" showMasterPhAnim="0" showMasterSp="0">
+<p:notes xmlns:a="http://schemas.openxmlformats.org/drawingml/2006/main" xmlns:r="http://schemas.openxmlformats.org/officeDocument/2006/relationships" xmlns:p="http://schemas.openxmlformats.org/presentationml/2006/main" showMasterSp="0" showMasterPhAnim="0">
   <p:cSld>
     <p:spTree>
       <p:nvGrpSpPr>
-        <p:cNvPr id="35" name="Shape 35"/>
+        <p:cNvPr id="1" name="Shape 35"/>
         <p:cNvGrpSpPr/>
         <p:nvPr/>
       </p:nvGrpSpPr>
@@ -2313,9 +2306,11 @@
       <p:sp>
         <p:nvSpPr>
           <p:cNvPr id="36" name="Google Shape;36;gdee36292d2_1_63:notes"/>
-          <p:cNvSpPr/>
+          <p:cNvSpPr>
+            <a:spLocks noGrp="1" noRot="1" noChangeAspect="1"/>
+          </p:cNvSpPr>
           <p:nvPr>
-            <p:ph idx="2" type="sldImg"/>
+            <p:ph type="sldImg" idx="2"/>
           </p:nvPr>
         </p:nvSpPr>
         <p:spPr>
@@ -2324,9 +2319,13 @@
             <a:ext cx="6096000" cy="3429000"/>
           </a:xfrm>
           <a:custGeom>
-            <a:rect b="b" l="l" r="r" t="t"/>
+            <a:avLst/>
+            <a:gdLst/>
+            <a:ahLst/>
+            <a:cxnLst/>
+            <a:rect l="l" t="t" r="r" b="b"/>
             <a:pathLst>
-              <a:path extrusionOk="0" h="120000" w="120000">
+              <a:path w="120000" h="120000" extrusionOk="0">
                 <a:moveTo>
                   <a:pt x="0" y="0"/>
                 </a:moveTo>
@@ -2348,9 +2347,11 @@
       <p:sp>
         <p:nvSpPr>
           <p:cNvPr id="37" name="Google Shape;37;gdee36292d2_1_63:notes"/>
-          <p:cNvSpPr txBox="1"/>
+          <p:cNvSpPr txBox="1">
+            <a:spLocks noGrp="1"/>
+          </p:cNvSpPr>
           <p:nvPr>
-            <p:ph idx="1" type="body"/>
+            <p:ph type="body" idx="1"/>
           </p:nvPr>
         </p:nvSpPr>
         <p:spPr>
@@ -2363,12 +2364,12 @@
           </a:prstGeom>
         </p:spPr>
         <p:txBody>
-          <a:bodyPr anchorCtr="0" anchor="t" bIns="91425" lIns="91425" spcFirstLastPara="1" rIns="91425" wrap="square" tIns="91425">
+          <a:bodyPr spcFirstLastPara="1" wrap="square" lIns="91425" tIns="91425" rIns="91425" bIns="91425" anchor="t" anchorCtr="0">
             <a:noAutofit/>
           </a:bodyPr>
           <a:lstStyle/>
           <a:p>
-            <a:pPr indent="0" lvl="0" marL="0" rtl="0" algn="l">
+            <a:pPr marL="0" lvl="0" indent="0" algn="l" rtl="0">
               <a:spcBef>
                 <a:spcPts val="0"/>
               </a:spcBef>
@@ -2377,9 +2378,6 @@
               </a:spcAft>
               <a:buNone/>
             </a:pPr>
-            <a:r>
-              <a:t/>
-            </a:r>
             <a:endParaRPr/>
           </a:p>
         </p:txBody>
@@ -2393,11 +2391,11 @@
 </file>
 
 <file path=ppt/notesSlides/notesSlide4.xml><?xml version="1.0" encoding="utf-8"?>
-<p:notes xmlns:a="http://schemas.openxmlformats.org/drawingml/2006/main" xmlns:r="http://schemas.openxmlformats.org/officeDocument/2006/relationships" xmlns:mc="http://schemas.openxmlformats.org/markup-compatibility/2006" xmlns:mv="urn:schemas-microsoft-com:mac:vml" xmlns:p="http://schemas.openxmlformats.org/presentationml/2006/main" xmlns:c="http://schemas.openxmlformats.org/drawingml/2006/chart" xmlns:dgm="http://schemas.openxmlformats.org/drawingml/2006/diagram" xmlns:o="urn:schemas-microsoft-com:office:office" xmlns:v="urn:schemas-microsoft-com:vml" xmlns:pvml="urn:schemas-microsoft-com:office:powerpoint" xmlns:com="http://schemas.openxmlformats.org/drawingml/2006/compatibility" xmlns:p14="http://schemas.microsoft.com/office/powerpoint/2010/main" xmlns:p15="http://schemas.microsoft.com/office/powerpoint/2012/main" xmlns:ahyp="http://schemas.microsoft.com/office/drawing/2018/hyperlinkcolor" showMasterPhAnim="0" showMasterSp="0">
+<p:notes xmlns:a="http://schemas.openxmlformats.org/drawingml/2006/main" xmlns:r="http://schemas.openxmlformats.org/officeDocument/2006/relationships" xmlns:p="http://schemas.openxmlformats.org/presentationml/2006/main" showMasterSp="0" showMasterPhAnim="0">
   <p:cSld>
     <p:spTree>
       <p:nvGrpSpPr>
-        <p:cNvPr id="41" name="Shape 41"/>
+        <p:cNvPr id="1" name="Shape 41"/>
         <p:cNvGrpSpPr/>
         <p:nvPr/>
       </p:nvGrpSpPr>
@@ -2412,9 +2410,11 @@
       <p:sp>
         <p:nvSpPr>
           <p:cNvPr id="42" name="Google Shape;42;gdee36292d2_1_73:notes"/>
-          <p:cNvSpPr/>
+          <p:cNvSpPr>
+            <a:spLocks noGrp="1" noRot="1" noChangeAspect="1"/>
+          </p:cNvSpPr>
           <p:nvPr>
-            <p:ph idx="2" type="sldImg"/>
+            <p:ph type="sldImg" idx="2"/>
           </p:nvPr>
         </p:nvSpPr>
         <p:spPr>
@@ -2423,9 +2423,13 @@
             <a:ext cx="6096000" cy="3429000"/>
           </a:xfrm>
           <a:custGeom>
-            <a:rect b="b" l="l" r="r" t="t"/>
+            <a:avLst/>
+            <a:gdLst/>
+            <a:ahLst/>
+            <a:cxnLst/>
+            <a:rect l="l" t="t" r="r" b="b"/>
             <a:pathLst>
-              <a:path extrusionOk="0" h="120000" w="120000">
+              <a:path w="120000" h="120000" extrusionOk="0">
                 <a:moveTo>
                   <a:pt x="0" y="0"/>
                 </a:moveTo>
@@ -2447,9 +2451,11 @@
       <p:sp>
         <p:nvSpPr>
           <p:cNvPr id="43" name="Google Shape;43;gdee36292d2_1_73:notes"/>
-          <p:cNvSpPr txBox="1"/>
+          <p:cNvSpPr txBox="1">
+            <a:spLocks noGrp="1"/>
+          </p:cNvSpPr>
           <p:nvPr>
-            <p:ph idx="1" type="body"/>
+            <p:ph type="body" idx="1"/>
           </p:nvPr>
         </p:nvSpPr>
         <p:spPr>
@@ -2462,12 +2468,12 @@
           </a:prstGeom>
         </p:spPr>
         <p:txBody>
-          <a:bodyPr anchorCtr="0" anchor="t" bIns="91425" lIns="91425" spcFirstLastPara="1" rIns="91425" wrap="square" tIns="91425">
+          <a:bodyPr spcFirstLastPara="1" wrap="square" lIns="91425" tIns="91425" rIns="91425" bIns="91425" anchor="t" anchorCtr="0">
             <a:noAutofit/>
           </a:bodyPr>
           <a:lstStyle/>
           <a:p>
-            <a:pPr indent="0" lvl="0" marL="0" rtl="0" algn="l">
+            <a:pPr marL="0" lvl="0" indent="0" algn="l" rtl="0">
               <a:spcBef>
                 <a:spcPts val="0"/>
               </a:spcBef>
@@ -2476,9 +2482,6 @@
               </a:spcAft>
               <a:buNone/>
             </a:pPr>
-            <a:r>
-              <a:t/>
-            </a:r>
             <a:endParaRPr/>
           </a:p>
         </p:txBody>
@@ -2492,11 +2495,11 @@
 </file>
 
 <file path=ppt/notesSlides/notesSlide5.xml><?xml version="1.0" encoding="utf-8"?>
-<p:notes xmlns:a="http://schemas.openxmlformats.org/drawingml/2006/main" xmlns:r="http://schemas.openxmlformats.org/officeDocument/2006/relationships" xmlns:mc="http://schemas.openxmlformats.org/markup-compatibility/2006" xmlns:mv="urn:schemas-microsoft-com:mac:vml" xmlns:p="http://schemas.openxmlformats.org/presentationml/2006/main" xmlns:c="http://schemas.openxmlformats.org/drawingml/2006/chart" xmlns:dgm="http://schemas.openxmlformats.org/drawingml/2006/diagram" xmlns:o="urn:schemas-microsoft-com:office:office" xmlns:v="urn:schemas-microsoft-com:vml" xmlns:pvml="urn:schemas-microsoft-com:office:powerpoint" xmlns:com="http://schemas.openxmlformats.org/drawingml/2006/compatibility" xmlns:p14="http://schemas.microsoft.com/office/powerpoint/2010/main" xmlns:p15="http://schemas.microsoft.com/office/powerpoint/2012/main" xmlns:ahyp="http://schemas.microsoft.com/office/drawing/2018/hyperlinkcolor" showMasterPhAnim="0" showMasterSp="0">
+<p:notes xmlns:a="http://schemas.openxmlformats.org/drawingml/2006/main" xmlns:r="http://schemas.openxmlformats.org/officeDocument/2006/relationships" xmlns:p="http://schemas.openxmlformats.org/presentationml/2006/main" showMasterSp="0" showMasterPhAnim="0">
   <p:cSld>
     <p:spTree>
       <p:nvGrpSpPr>
-        <p:cNvPr id="47" name="Shape 47"/>
+        <p:cNvPr id="1" name="Shape 47"/>
         <p:cNvGrpSpPr/>
         <p:nvPr/>
       </p:nvGrpSpPr>
@@ -2511,9 +2514,11 @@
       <p:sp>
         <p:nvSpPr>
           <p:cNvPr id="48" name="Google Shape;48;gdfc1f552a7_1_1:notes"/>
-          <p:cNvSpPr/>
+          <p:cNvSpPr>
+            <a:spLocks noGrp="1" noRot="1" noChangeAspect="1"/>
+          </p:cNvSpPr>
           <p:nvPr>
-            <p:ph idx="2" type="sldImg"/>
+            <p:ph type="sldImg" idx="2"/>
           </p:nvPr>
         </p:nvSpPr>
         <p:spPr>
@@ -2522,9 +2527,13 @@
             <a:ext cx="6096000" cy="3429000"/>
           </a:xfrm>
           <a:custGeom>
-            <a:rect b="b" l="l" r="r" t="t"/>
+            <a:avLst/>
+            <a:gdLst/>
+            <a:ahLst/>
+            <a:cxnLst/>
+            <a:rect l="l" t="t" r="r" b="b"/>
             <a:pathLst>
-              <a:path extrusionOk="0" h="120000" w="120000">
+              <a:path w="120000" h="120000" extrusionOk="0">
                 <a:moveTo>
                   <a:pt x="0" y="0"/>
                 </a:moveTo>
@@ -2546,9 +2555,11 @@
       <p:sp>
         <p:nvSpPr>
           <p:cNvPr id="49" name="Google Shape;49;gdfc1f552a7_1_1:notes"/>
-          <p:cNvSpPr txBox="1"/>
+          <p:cNvSpPr txBox="1">
+            <a:spLocks noGrp="1"/>
+          </p:cNvSpPr>
           <p:nvPr>
-            <p:ph idx="1" type="body"/>
+            <p:ph type="body" idx="1"/>
           </p:nvPr>
         </p:nvSpPr>
         <p:spPr>
@@ -2561,12 +2572,12 @@
           </a:prstGeom>
         </p:spPr>
         <p:txBody>
-          <a:bodyPr anchorCtr="0" anchor="t" bIns="91425" lIns="91425" spcFirstLastPara="1" rIns="91425" wrap="square" tIns="91425">
+          <a:bodyPr spcFirstLastPara="1" wrap="square" lIns="91425" tIns="91425" rIns="91425" bIns="91425" anchor="t" anchorCtr="0">
             <a:noAutofit/>
           </a:bodyPr>
           <a:lstStyle/>
           <a:p>
-            <a:pPr indent="0" lvl="0" marL="0" rtl="0" algn="l">
+            <a:pPr marL="0" lvl="0" indent="0" algn="l" rtl="0">
               <a:spcBef>
                 <a:spcPts val="0"/>
               </a:spcBef>
@@ -2575,9 +2586,6 @@
               </a:spcAft>
               <a:buNone/>
             </a:pPr>
-            <a:r>
-              <a:t/>
-            </a:r>
             <a:endParaRPr/>
           </a:p>
         </p:txBody>
@@ -2591,11 +2599,11 @@
 </file>
 
 <file path=ppt/notesSlides/notesSlide6.xml><?xml version="1.0" encoding="utf-8"?>
-<p:notes xmlns:a="http://schemas.openxmlformats.org/drawingml/2006/main" xmlns:r="http://schemas.openxmlformats.org/officeDocument/2006/relationships" xmlns:mc="http://schemas.openxmlformats.org/markup-compatibility/2006" xmlns:mv="urn:schemas-microsoft-com:mac:vml" xmlns:p="http://schemas.openxmlformats.org/presentationml/2006/main" xmlns:c="http://schemas.openxmlformats.org/drawingml/2006/chart" xmlns:dgm="http://schemas.openxmlformats.org/drawingml/2006/diagram" xmlns:o="urn:schemas-microsoft-com:office:office" xmlns:v="urn:schemas-microsoft-com:vml" xmlns:pvml="urn:schemas-microsoft-com:office:powerpoint" xmlns:com="http://schemas.openxmlformats.org/drawingml/2006/compatibility" xmlns:p14="http://schemas.microsoft.com/office/powerpoint/2010/main" xmlns:p15="http://schemas.microsoft.com/office/powerpoint/2012/main" xmlns:ahyp="http://schemas.microsoft.com/office/drawing/2018/hyperlinkcolor" showMasterPhAnim="0" showMasterSp="0">
+<p:notes xmlns:a="http://schemas.openxmlformats.org/drawingml/2006/main" xmlns:r="http://schemas.openxmlformats.org/officeDocument/2006/relationships" xmlns:p="http://schemas.openxmlformats.org/presentationml/2006/main" showMasterSp="0" showMasterPhAnim="0">
   <p:cSld>
     <p:spTree>
       <p:nvGrpSpPr>
-        <p:cNvPr id="54" name="Shape 54"/>
+        <p:cNvPr id="1" name="Shape 54"/>
         <p:cNvGrpSpPr/>
         <p:nvPr/>
       </p:nvGrpSpPr>
@@ -2610,9 +2618,11 @@
       <p:sp>
         <p:nvSpPr>
           <p:cNvPr id="55" name="Google Shape;55;gdee36292d2_1_78:notes"/>
-          <p:cNvSpPr/>
+          <p:cNvSpPr>
+            <a:spLocks noGrp="1" noRot="1" noChangeAspect="1"/>
+          </p:cNvSpPr>
           <p:nvPr>
-            <p:ph idx="2" type="sldImg"/>
+            <p:ph type="sldImg" idx="2"/>
           </p:nvPr>
         </p:nvSpPr>
         <p:spPr>
@@ -2621,9 +2631,13 @@
             <a:ext cx="6096000" cy="3429000"/>
           </a:xfrm>
           <a:custGeom>
-            <a:rect b="b" l="l" r="r" t="t"/>
+            <a:avLst/>
+            <a:gdLst/>
+            <a:ahLst/>
+            <a:cxnLst/>
+            <a:rect l="l" t="t" r="r" b="b"/>
             <a:pathLst>
-              <a:path extrusionOk="0" h="120000" w="120000">
+              <a:path w="120000" h="120000" extrusionOk="0">
                 <a:moveTo>
                   <a:pt x="0" y="0"/>
                 </a:moveTo>
@@ -2645,9 +2659,11 @@
       <p:sp>
         <p:nvSpPr>
           <p:cNvPr id="56" name="Google Shape;56;gdee36292d2_1_78:notes"/>
-          <p:cNvSpPr txBox="1"/>
+          <p:cNvSpPr txBox="1">
+            <a:spLocks noGrp="1"/>
+          </p:cNvSpPr>
           <p:nvPr>
-            <p:ph idx="1" type="body"/>
+            <p:ph type="body" idx="1"/>
           </p:nvPr>
         </p:nvSpPr>
         <p:spPr>
@@ -2660,12 +2676,12 @@
           </a:prstGeom>
         </p:spPr>
         <p:txBody>
-          <a:bodyPr anchorCtr="0" anchor="t" bIns="91425" lIns="91425" spcFirstLastPara="1" rIns="91425" wrap="square" tIns="91425">
+          <a:bodyPr spcFirstLastPara="1" wrap="square" lIns="91425" tIns="91425" rIns="91425" bIns="91425" anchor="t" anchorCtr="0">
             <a:noAutofit/>
           </a:bodyPr>
           <a:lstStyle/>
           <a:p>
-            <a:pPr indent="0" lvl="0" marL="0" rtl="0" algn="l">
+            <a:pPr marL="0" lvl="0" indent="0" algn="l" rtl="0">
               <a:spcBef>
                 <a:spcPts val="0"/>
               </a:spcBef>
@@ -2674,9 +2690,6 @@
               </a:spcAft>
               <a:buNone/>
             </a:pPr>
-            <a:r>
-              <a:t/>
-            </a:r>
             <a:endParaRPr/>
           </a:p>
         </p:txBody>
@@ -2690,11 +2703,11 @@
 </file>
 
 <file path=ppt/notesSlides/notesSlide7.xml><?xml version="1.0" encoding="utf-8"?>
-<p:notes xmlns:a="http://schemas.openxmlformats.org/drawingml/2006/main" xmlns:r="http://schemas.openxmlformats.org/officeDocument/2006/relationships" xmlns:mc="http://schemas.openxmlformats.org/markup-compatibility/2006" xmlns:mv="urn:schemas-microsoft-com:mac:vml" xmlns:p="http://schemas.openxmlformats.org/presentationml/2006/main" xmlns:c="http://schemas.openxmlformats.org/drawingml/2006/chart" xmlns:dgm="http://schemas.openxmlformats.org/drawingml/2006/diagram" xmlns:o="urn:schemas-microsoft-com:office:office" xmlns:v="urn:schemas-microsoft-com:vml" xmlns:pvml="urn:schemas-microsoft-com:office:powerpoint" xmlns:com="http://schemas.openxmlformats.org/drawingml/2006/compatibility" xmlns:p14="http://schemas.microsoft.com/office/powerpoint/2010/main" xmlns:p15="http://schemas.microsoft.com/office/powerpoint/2012/main" xmlns:ahyp="http://schemas.microsoft.com/office/drawing/2018/hyperlinkcolor" showMasterPhAnim="0" showMasterSp="0">
+<p:notes xmlns:a="http://schemas.openxmlformats.org/drawingml/2006/main" xmlns:r="http://schemas.openxmlformats.org/officeDocument/2006/relationships" xmlns:p="http://schemas.openxmlformats.org/presentationml/2006/main" showMasterSp="0" showMasterPhAnim="0">
   <p:cSld>
     <p:spTree>
       <p:nvGrpSpPr>
-        <p:cNvPr id="59" name="Shape 59"/>
+        <p:cNvPr id="1" name="Shape 59"/>
         <p:cNvGrpSpPr/>
         <p:nvPr/>
       </p:nvGrpSpPr>
@@ -2709,9 +2722,11 @@
       <p:sp>
         <p:nvSpPr>
           <p:cNvPr id="60" name="Google Shape;60;gdfb86f3e77_5_0:notes"/>
-          <p:cNvSpPr/>
+          <p:cNvSpPr>
+            <a:spLocks noGrp="1" noRot="1" noChangeAspect="1"/>
+          </p:cNvSpPr>
           <p:nvPr>
-            <p:ph idx="2" type="sldImg"/>
+            <p:ph type="sldImg" idx="2"/>
           </p:nvPr>
         </p:nvSpPr>
         <p:spPr>
@@ -2720,9 +2735,13 @@
             <a:ext cx="6096000" cy="3429000"/>
           </a:xfrm>
           <a:custGeom>
-            <a:rect b="b" l="l" r="r" t="t"/>
+            <a:avLst/>
+            <a:gdLst/>
+            <a:ahLst/>
+            <a:cxnLst/>
+            <a:rect l="l" t="t" r="r" b="b"/>
             <a:pathLst>
-              <a:path extrusionOk="0" h="120000" w="120000">
+              <a:path w="120000" h="120000" extrusionOk="0">
                 <a:moveTo>
                   <a:pt x="0" y="0"/>
                 </a:moveTo>
@@ -2744,9 +2763,11 @@
       <p:sp>
         <p:nvSpPr>
           <p:cNvPr id="61" name="Google Shape;61;gdfb86f3e77_5_0:notes"/>
-          <p:cNvSpPr txBox="1"/>
+          <p:cNvSpPr txBox="1">
+            <a:spLocks noGrp="1"/>
+          </p:cNvSpPr>
           <p:nvPr>
-            <p:ph idx="1" type="body"/>
+            <p:ph type="body" idx="1"/>
           </p:nvPr>
         </p:nvSpPr>
         <p:spPr>
@@ -2759,12 +2780,12 @@
           </a:prstGeom>
         </p:spPr>
         <p:txBody>
-          <a:bodyPr anchorCtr="0" anchor="t" bIns="91425" lIns="91425" spcFirstLastPara="1" rIns="91425" wrap="square" tIns="91425">
+          <a:bodyPr spcFirstLastPara="1" wrap="square" lIns="91425" tIns="91425" rIns="91425" bIns="91425" anchor="t" anchorCtr="0">
             <a:noAutofit/>
           </a:bodyPr>
           <a:lstStyle/>
           <a:p>
-            <a:pPr indent="0" lvl="0" marL="0" rtl="0" algn="l">
+            <a:pPr marL="0" lvl="0" indent="0" algn="l" rtl="0">
               <a:spcBef>
                 <a:spcPts val="0"/>
               </a:spcBef>
@@ -2773,9 +2794,6 @@
               </a:spcAft>
               <a:buNone/>
             </a:pPr>
-            <a:r>
-              <a:t/>
-            </a:r>
             <a:endParaRPr/>
           </a:p>
         </p:txBody>
@@ -2789,11 +2807,11 @@
 </file>
 
 <file path=ppt/notesSlides/notesSlide8.xml><?xml version="1.0" encoding="utf-8"?>
-<p:notes xmlns:a="http://schemas.openxmlformats.org/drawingml/2006/main" xmlns:r="http://schemas.openxmlformats.org/officeDocument/2006/relationships" xmlns:mc="http://schemas.openxmlformats.org/markup-compatibility/2006" xmlns:mv="urn:schemas-microsoft-com:mac:vml" xmlns:p="http://schemas.openxmlformats.org/presentationml/2006/main" xmlns:c="http://schemas.openxmlformats.org/drawingml/2006/chart" xmlns:dgm="http://schemas.openxmlformats.org/drawingml/2006/diagram" xmlns:o="urn:schemas-microsoft-com:office:office" xmlns:v="urn:schemas-microsoft-com:vml" xmlns:pvml="urn:schemas-microsoft-com:office:powerpoint" xmlns:com="http://schemas.openxmlformats.org/drawingml/2006/compatibility" xmlns:p14="http://schemas.microsoft.com/office/powerpoint/2010/main" xmlns:p15="http://schemas.microsoft.com/office/powerpoint/2012/main" xmlns:ahyp="http://schemas.microsoft.com/office/drawing/2018/hyperlinkcolor" showMasterPhAnim="0" showMasterSp="0">
+<p:notes xmlns:a="http://schemas.openxmlformats.org/drawingml/2006/main" xmlns:r="http://schemas.openxmlformats.org/officeDocument/2006/relationships" xmlns:p="http://schemas.openxmlformats.org/presentationml/2006/main" showMasterSp="0" showMasterPhAnim="0">
   <p:cSld>
     <p:spTree>
       <p:nvGrpSpPr>
-        <p:cNvPr id="69" name="Shape 69"/>
+        <p:cNvPr id="1" name="Shape 69"/>
         <p:cNvGrpSpPr/>
         <p:nvPr/>
       </p:nvGrpSpPr>
@@ -2808,9 +2826,11 @@
       <p:sp>
         <p:nvSpPr>
           <p:cNvPr id="70" name="Google Shape;70;ge053b3de7a_0_5:notes"/>
-          <p:cNvSpPr/>
+          <p:cNvSpPr>
+            <a:spLocks noGrp="1" noRot="1" noChangeAspect="1"/>
+          </p:cNvSpPr>
           <p:nvPr>
-            <p:ph idx="2" type="sldImg"/>
+            <p:ph type="sldImg" idx="2"/>
           </p:nvPr>
         </p:nvSpPr>
         <p:spPr>
@@ -2819,9 +2839,13 @@
             <a:ext cx="6096000" cy="3429000"/>
           </a:xfrm>
           <a:custGeom>
-            <a:rect b="b" l="l" r="r" t="t"/>
+            <a:avLst/>
+            <a:gdLst/>
+            <a:ahLst/>
+            <a:cxnLst/>
+            <a:rect l="l" t="t" r="r" b="b"/>
             <a:pathLst>
-              <a:path extrusionOk="0" h="120000" w="120000">
+              <a:path w="120000" h="120000" extrusionOk="0">
                 <a:moveTo>
                   <a:pt x="0" y="0"/>
                 </a:moveTo>
@@ -2843,9 +2867,11 @@
       <p:sp>
         <p:nvSpPr>
           <p:cNvPr id="71" name="Google Shape;71;ge053b3de7a_0_5:notes"/>
-          <p:cNvSpPr txBox="1"/>
+          <p:cNvSpPr txBox="1">
+            <a:spLocks noGrp="1"/>
+          </p:cNvSpPr>
           <p:nvPr>
-            <p:ph idx="1" type="body"/>
+            <p:ph type="body" idx="1"/>
           </p:nvPr>
         </p:nvSpPr>
         <p:spPr>
@@ -2858,12 +2884,12 @@
           </a:prstGeom>
         </p:spPr>
         <p:txBody>
-          <a:bodyPr anchorCtr="0" anchor="t" bIns="91425" lIns="91425" spcFirstLastPara="1" rIns="91425" wrap="square" tIns="91425">
+          <a:bodyPr spcFirstLastPara="1" wrap="square" lIns="91425" tIns="91425" rIns="91425" bIns="91425" anchor="t" anchorCtr="0">
             <a:noAutofit/>
           </a:bodyPr>
           <a:lstStyle/>
           <a:p>
-            <a:pPr indent="0" lvl="0" marL="0" rtl="0" algn="l">
+            <a:pPr marL="0" lvl="0" indent="0" algn="l" rtl="0">
               <a:spcBef>
                 <a:spcPts val="0"/>
               </a:spcBef>
@@ -2872,9 +2898,6 @@
               </a:spcAft>
               <a:buNone/>
             </a:pPr>
-            <a:r>
-              <a:t/>
-            </a:r>
             <a:endParaRPr/>
           </a:p>
         </p:txBody>
@@ -2888,11 +2911,11 @@
 </file>
 
 <file path=ppt/notesSlides/notesSlide9.xml><?xml version="1.0" encoding="utf-8"?>
-<p:notes xmlns:a="http://schemas.openxmlformats.org/drawingml/2006/main" xmlns:r="http://schemas.openxmlformats.org/officeDocument/2006/relationships" xmlns:mc="http://schemas.openxmlformats.org/markup-compatibility/2006" xmlns:mv="urn:schemas-microsoft-com:mac:vml" xmlns:p="http://schemas.openxmlformats.org/presentationml/2006/main" xmlns:c="http://schemas.openxmlformats.org/drawingml/2006/chart" xmlns:dgm="http://schemas.openxmlformats.org/drawingml/2006/diagram" xmlns:o="urn:schemas-microsoft-com:office:office" xmlns:v="urn:schemas-microsoft-com:vml" xmlns:pvml="urn:schemas-microsoft-com:office:powerpoint" xmlns:com="http://schemas.openxmlformats.org/drawingml/2006/compatibility" xmlns:p14="http://schemas.microsoft.com/office/powerpoint/2010/main" xmlns:p15="http://schemas.microsoft.com/office/powerpoint/2012/main" xmlns:ahyp="http://schemas.microsoft.com/office/drawing/2018/hyperlinkcolor" showMasterPhAnim="0" showMasterSp="0">
+<p:notes xmlns:a="http://schemas.openxmlformats.org/drawingml/2006/main" xmlns:r="http://schemas.openxmlformats.org/officeDocument/2006/relationships" xmlns:p="http://schemas.openxmlformats.org/presentationml/2006/main" showMasterSp="0" showMasterPhAnim="0">
   <p:cSld>
     <p:spTree>
       <p:nvGrpSpPr>
-        <p:cNvPr id="76" name="Shape 76"/>
+        <p:cNvPr id="1" name="Shape 76"/>
         <p:cNvGrpSpPr/>
         <p:nvPr/>
       </p:nvGrpSpPr>
@@ -2907,9 +2930,11 @@
       <p:sp>
         <p:nvSpPr>
           <p:cNvPr id="77" name="Google Shape;77;gdfc1f552a7_3_5:notes"/>
-          <p:cNvSpPr/>
+          <p:cNvSpPr>
+            <a:spLocks noGrp="1" noRot="1" noChangeAspect="1"/>
+          </p:cNvSpPr>
           <p:nvPr>
-            <p:ph idx="2" type="sldImg"/>
+            <p:ph type="sldImg" idx="2"/>
           </p:nvPr>
         </p:nvSpPr>
         <p:spPr>
@@ -2918,9 +2943,13 @@
             <a:ext cx="6096000" cy="3429000"/>
           </a:xfrm>
           <a:custGeom>
-            <a:rect b="b" l="l" r="r" t="t"/>
+            <a:avLst/>
+            <a:gdLst/>
+            <a:ahLst/>
+            <a:cxnLst/>
+            <a:rect l="l" t="t" r="r" b="b"/>
             <a:pathLst>
-              <a:path extrusionOk="0" h="120000" w="120000">
+              <a:path w="120000" h="120000" extrusionOk="0">
                 <a:moveTo>
                   <a:pt x="0" y="0"/>
                 </a:moveTo>
@@ -2942,9 +2971,11 @@
       <p:sp>
         <p:nvSpPr>
           <p:cNvPr id="78" name="Google Shape;78;gdfc1f552a7_3_5:notes"/>
-          <p:cNvSpPr txBox="1"/>
+          <p:cNvSpPr txBox="1">
+            <a:spLocks noGrp="1"/>
+          </p:cNvSpPr>
           <p:nvPr>
-            <p:ph idx="1" type="body"/>
+            <p:ph type="body" idx="1"/>
           </p:nvPr>
         </p:nvSpPr>
         <p:spPr>
@@ -2957,12 +2988,12 @@
           </a:prstGeom>
         </p:spPr>
         <p:txBody>
-          <a:bodyPr anchorCtr="0" anchor="t" bIns="91425" lIns="91425" spcFirstLastPara="1" rIns="91425" wrap="square" tIns="91425">
+          <a:bodyPr spcFirstLastPara="1" wrap="square" lIns="91425" tIns="91425" rIns="91425" bIns="91425" anchor="t" anchorCtr="0">
             <a:noAutofit/>
           </a:bodyPr>
           <a:lstStyle/>
           <a:p>
-            <a:pPr indent="0" lvl="0" marL="0" rtl="0" algn="l">
+            <a:pPr marL="0" lvl="0" indent="0" algn="l" rtl="0">
               <a:spcBef>
                 <a:spcPts val="0"/>
               </a:spcBef>
@@ -2971,9 +3002,6 @@
               </a:spcAft>
               <a:buNone/>
             </a:pPr>
-            <a:r>
-              <a:t/>
-            </a:r>
             <a:endParaRPr/>
           </a:p>
         </p:txBody>
@@ -2987,11 +3015,11 @@
 </file>
 
 <file path=ppt/slideLayouts/slideLayout1.xml><?xml version="1.0" encoding="utf-8"?>
-<p:sldLayout xmlns:a="http://schemas.openxmlformats.org/drawingml/2006/main" xmlns:r="http://schemas.openxmlformats.org/officeDocument/2006/relationships" xmlns:mc="http://schemas.openxmlformats.org/markup-compatibility/2006" xmlns:mv="urn:schemas-microsoft-com:mac:vml" xmlns:p="http://schemas.openxmlformats.org/presentationml/2006/main" xmlns:c="http://schemas.openxmlformats.org/drawingml/2006/chart" xmlns:dgm="http://schemas.openxmlformats.org/drawingml/2006/diagram" xmlns:o="urn:schemas-microsoft-com:office:office" xmlns:v="urn:schemas-microsoft-com:vml" xmlns:pvml="urn:schemas-microsoft-com:office:powerpoint" xmlns:com="http://schemas.openxmlformats.org/drawingml/2006/compatibility" xmlns:p14="http://schemas.microsoft.com/office/powerpoint/2010/main" xmlns:p15="http://schemas.microsoft.com/office/powerpoint/2012/main" xmlns:ahyp="http://schemas.microsoft.com/office/drawing/2018/hyperlinkcolor" matchingName="Title layout with centered title and subtitle placeholders" type="title">
+<p:sldLayout xmlns:a="http://schemas.openxmlformats.org/drawingml/2006/main" xmlns:r="http://schemas.openxmlformats.org/officeDocument/2006/relationships" xmlns:p="http://schemas.openxmlformats.org/presentationml/2006/main" matchingName="Title layout with centered title and subtitle placeholders" type="title">
   <p:cSld name="TITLE">
     <p:spTree>
       <p:nvGrpSpPr>
-        <p:cNvPr id="11" name="Shape 11"/>
+        <p:cNvPr id="1" name="Shape 11"/>
         <p:cNvGrpSpPr/>
         <p:nvPr/>
       </p:nvGrpSpPr>
@@ -3006,7 +3034,9 @@
       <p:sp>
         <p:nvSpPr>
           <p:cNvPr id="12" name="Google Shape;12;p2"/>
-          <p:cNvSpPr txBox="1"/>
+          <p:cNvSpPr txBox="1">
+            <a:spLocks noGrp="1"/>
+          </p:cNvSpPr>
           <p:nvPr>
             <p:ph type="ctrTitle"/>
           </p:nvPr>
@@ -3025,7 +3055,7 @@
           </a:ln>
         </p:spPr>
         <p:txBody>
-          <a:bodyPr anchorCtr="0" anchor="ctr" bIns="45700" lIns="91425" spcFirstLastPara="1" rIns="91425" wrap="square" tIns="45700">
+          <a:bodyPr spcFirstLastPara="1" wrap="square" lIns="91425" tIns="45700" rIns="91425" bIns="45700" anchor="ctr" anchorCtr="0">
             <a:noAutofit/>
           </a:bodyPr>
           <a:lstStyle>
@@ -3156,15 +3186,19 @@
               <a:defRPr/>
             </a:lvl9pPr>
           </a:lstStyle>
-          <a:p/>
+          <a:p>
+            <a:endParaRPr/>
+          </a:p>
         </p:txBody>
       </p:sp>
       <p:sp>
         <p:nvSpPr>
           <p:cNvPr id="13" name="Google Shape;13;p2"/>
-          <p:cNvSpPr txBox="1"/>
+          <p:cNvSpPr txBox="1">
+            <a:spLocks noGrp="1"/>
+          </p:cNvSpPr>
           <p:nvPr>
-            <p:ph idx="1" type="subTitle"/>
+            <p:ph type="subTitle" idx="1"/>
           </p:nvPr>
         </p:nvSpPr>
         <p:spPr>
@@ -3181,7 +3215,7 @@
           </a:ln>
         </p:spPr>
         <p:txBody>
-          <a:bodyPr anchorCtr="0" anchor="t" bIns="45700" lIns="91425" spcFirstLastPara="1" rIns="91425" wrap="square" tIns="45700">
+          <a:bodyPr spcFirstLastPara="1" wrap="square" lIns="91425" tIns="45700" rIns="91425" bIns="45700" anchor="t" anchorCtr="0">
             <a:noAutofit/>
           </a:bodyPr>
           <a:lstStyle>
@@ -3339,15 +3373,19 @@
               <a:defRPr/>
             </a:lvl9pPr>
           </a:lstStyle>
-          <a:p/>
+          <a:p>
+            <a:endParaRPr/>
+          </a:p>
         </p:txBody>
       </p:sp>
       <p:sp>
         <p:nvSpPr>
           <p:cNvPr id="14" name="Google Shape;14;p2"/>
-          <p:cNvSpPr txBox="1"/>
+          <p:cNvSpPr txBox="1">
+            <a:spLocks noGrp="1"/>
+          </p:cNvSpPr>
           <p:nvPr>
-            <p:ph idx="10" type="dt"/>
+            <p:ph type="dt" idx="10"/>
           </p:nvPr>
         </p:nvSpPr>
         <p:spPr>
@@ -3364,7 +3402,7 @@
           </a:ln>
         </p:spPr>
         <p:txBody>
-          <a:bodyPr anchorCtr="0" anchor="t" bIns="45700" lIns="91425" spcFirstLastPara="1" rIns="91425" wrap="square" tIns="45700">
+          <a:bodyPr spcFirstLastPara="1" wrap="square" lIns="91425" tIns="45700" rIns="91425" bIns="45700" anchor="t" anchorCtr="0">
             <a:noAutofit/>
           </a:bodyPr>
           <a:lstStyle>
@@ -3495,15 +3533,19 @@
               <a:defRPr/>
             </a:lvl9pPr>
           </a:lstStyle>
-          <a:p/>
+          <a:p>
+            <a:endParaRPr/>
+          </a:p>
         </p:txBody>
       </p:sp>
       <p:sp>
         <p:nvSpPr>
           <p:cNvPr id="15" name="Google Shape;15;p2"/>
-          <p:cNvSpPr txBox="1"/>
+          <p:cNvSpPr txBox="1">
+            <a:spLocks noGrp="1"/>
+          </p:cNvSpPr>
           <p:nvPr>
-            <p:ph idx="11" type="ftr"/>
+            <p:ph type="ftr" idx="11"/>
           </p:nvPr>
         </p:nvSpPr>
         <p:spPr>
@@ -3520,7 +3562,7 @@
           </a:ln>
         </p:spPr>
         <p:txBody>
-          <a:bodyPr anchorCtr="0" anchor="t" bIns="45700" lIns="91425" spcFirstLastPara="1" rIns="91425" wrap="square" tIns="45700">
+          <a:bodyPr spcFirstLastPara="1" wrap="square" lIns="91425" tIns="45700" rIns="91425" bIns="45700" anchor="t" anchorCtr="0">
             <a:noAutofit/>
           </a:bodyPr>
           <a:lstStyle>
@@ -3651,15 +3693,19 @@
               <a:defRPr/>
             </a:lvl9pPr>
           </a:lstStyle>
-          <a:p/>
+          <a:p>
+            <a:endParaRPr/>
+          </a:p>
         </p:txBody>
       </p:sp>
       <p:sp>
         <p:nvSpPr>
           <p:cNvPr id="16" name="Google Shape;16;p2"/>
-          <p:cNvSpPr txBox="1"/>
+          <p:cNvSpPr txBox="1">
+            <a:spLocks noGrp="1"/>
+          </p:cNvSpPr>
           <p:nvPr>
-            <p:ph idx="12" type="sldNum"/>
+            <p:ph type="sldNum" idx="12"/>
           </p:nvPr>
         </p:nvSpPr>
         <p:spPr>
@@ -3676,11 +3722,11 @@
           </a:ln>
         </p:spPr>
         <p:txBody>
-          <a:bodyPr anchorCtr="0" anchor="t" bIns="45700" lIns="91425" spcFirstLastPara="1" rIns="91425" wrap="square" tIns="45700">
+          <a:bodyPr spcFirstLastPara="1" wrap="square" lIns="91425" tIns="45700" rIns="91425" bIns="45700" anchor="t" anchorCtr="0">
             <a:noAutofit/>
           </a:bodyPr>
           <a:lstStyle>
-            <a:lvl1pPr indent="0" lvl="0" marL="0" algn="r">
+            <a:lvl1pPr marL="0" lvl="0" indent="0" algn="r">
               <a:lnSpc>
                 <a:spcPct val="100000"/>
               </a:lnSpc>
@@ -3693,7 +3739,7 @@
               <a:buNone/>
               <a:defRPr sz="1400"/>
             </a:lvl1pPr>
-            <a:lvl2pPr indent="0" lvl="1" marL="0" algn="r">
+            <a:lvl2pPr marL="0" lvl="1" indent="0" algn="r">
               <a:lnSpc>
                 <a:spcPct val="100000"/>
               </a:lnSpc>
@@ -3706,7 +3752,7 @@
               <a:buNone/>
               <a:defRPr sz="1400"/>
             </a:lvl2pPr>
-            <a:lvl3pPr indent="0" lvl="2" marL="0" algn="r">
+            <a:lvl3pPr marL="0" lvl="2" indent="0" algn="r">
               <a:lnSpc>
                 <a:spcPct val="100000"/>
               </a:lnSpc>
@@ -3719,7 +3765,7 @@
               <a:buNone/>
               <a:defRPr sz="1400"/>
             </a:lvl3pPr>
-            <a:lvl4pPr indent="0" lvl="3" marL="0" algn="r">
+            <a:lvl4pPr marL="0" lvl="3" indent="0" algn="r">
               <a:lnSpc>
                 <a:spcPct val="100000"/>
               </a:lnSpc>
@@ -3732,7 +3778,7 @@
               <a:buNone/>
               <a:defRPr sz="1400"/>
             </a:lvl4pPr>
-            <a:lvl5pPr indent="0" lvl="4" marL="0" algn="r">
+            <a:lvl5pPr marL="0" lvl="4" indent="0" algn="r">
               <a:lnSpc>
                 <a:spcPct val="100000"/>
               </a:lnSpc>
@@ -3745,7 +3791,7 @@
               <a:buNone/>
               <a:defRPr sz="1400"/>
             </a:lvl5pPr>
-            <a:lvl6pPr indent="0" lvl="5" marL="0" algn="r">
+            <a:lvl6pPr marL="0" lvl="5" indent="0" algn="r">
               <a:lnSpc>
                 <a:spcPct val="100000"/>
               </a:lnSpc>
@@ -3758,7 +3804,7 @@
               <a:buNone/>
               <a:defRPr sz="1400"/>
             </a:lvl6pPr>
-            <a:lvl7pPr indent="0" lvl="6" marL="0" algn="r">
+            <a:lvl7pPr marL="0" lvl="6" indent="0" algn="r">
               <a:lnSpc>
                 <a:spcPct val="100000"/>
               </a:lnSpc>
@@ -3771,7 +3817,7 @@
               <a:buNone/>
               <a:defRPr sz="1400"/>
             </a:lvl7pPr>
-            <a:lvl8pPr indent="0" lvl="7" marL="0" algn="r">
+            <a:lvl8pPr marL="0" lvl="7" indent="0" algn="r">
               <a:lnSpc>
                 <a:spcPct val="100000"/>
               </a:lnSpc>
@@ -3784,7 +3830,7 @@
               <a:buNone/>
               <a:defRPr sz="1400"/>
             </a:lvl8pPr>
-            <a:lvl9pPr indent="0" lvl="8" marL="0" algn="r">
+            <a:lvl9pPr marL="0" lvl="8" indent="0" algn="r">
               <a:lnSpc>
                 <a:spcPct val="100000"/>
               </a:lnSpc>
@@ -3799,7 +3845,7 @@
             </a:lvl9pPr>
           </a:lstStyle>
           <a:p>
-            <a:pPr indent="0" lvl="0" marL="0" rtl="0" algn="r">
+            <a:pPr marL="0" lvl="0" indent="0" algn="r" rtl="0">
               <a:spcBef>
                 <a:spcPts val="0"/>
               </a:spcBef>
@@ -3825,11 +3871,11 @@
 </file>
 
 <file path=ppt/slideLayouts/slideLayout2.xml><?xml version="1.0" encoding="utf-8"?>
-<p:sldLayout xmlns:a="http://schemas.openxmlformats.org/drawingml/2006/main" xmlns:r="http://schemas.openxmlformats.org/officeDocument/2006/relationships" xmlns:mc="http://schemas.openxmlformats.org/markup-compatibility/2006" xmlns:mv="urn:schemas-microsoft-com:mac:vml" xmlns:p="http://schemas.openxmlformats.org/presentationml/2006/main" xmlns:c="http://schemas.openxmlformats.org/drawingml/2006/chart" xmlns:dgm="http://schemas.openxmlformats.org/drawingml/2006/diagram" xmlns:o="urn:schemas-microsoft-com:office:office" xmlns:v="urn:schemas-microsoft-com:vml" xmlns:pvml="urn:schemas-microsoft-com:office:powerpoint" xmlns:com="http://schemas.openxmlformats.org/drawingml/2006/compatibility" xmlns:p14="http://schemas.microsoft.com/office/powerpoint/2010/main" xmlns:p15="http://schemas.microsoft.com/office/powerpoint/2012/main" xmlns:ahyp="http://schemas.microsoft.com/office/drawing/2018/hyperlinkcolor" matchingName="Title and text" type="tx">
+<p:sldLayout xmlns:a="http://schemas.openxmlformats.org/drawingml/2006/main" xmlns:r="http://schemas.openxmlformats.org/officeDocument/2006/relationships" xmlns:p="http://schemas.openxmlformats.org/presentationml/2006/main" matchingName="Title and text" type="tx">
   <p:cSld name="TITLE_AND_BODY">
     <p:spTree>
       <p:nvGrpSpPr>
-        <p:cNvPr id="17" name="Shape 17"/>
+        <p:cNvPr id="1" name="Shape 17"/>
         <p:cNvGrpSpPr/>
         <p:nvPr/>
       </p:nvGrpSpPr>
@@ -3844,7 +3890,9 @@
       <p:sp>
         <p:nvSpPr>
           <p:cNvPr id="18" name="Google Shape;18;p3"/>
-          <p:cNvSpPr txBox="1"/>
+          <p:cNvSpPr txBox="1">
+            <a:spLocks noGrp="1"/>
+          </p:cNvSpPr>
           <p:nvPr>
             <p:ph type="title"/>
           </p:nvPr>
@@ -3863,7 +3911,7 @@
           </a:ln>
         </p:spPr>
         <p:txBody>
-          <a:bodyPr anchorCtr="0" anchor="ctr" bIns="45700" lIns="91425" spcFirstLastPara="1" rIns="91425" wrap="square" tIns="45700">
+          <a:bodyPr spcFirstLastPara="1" wrap="square" lIns="91425" tIns="45700" rIns="91425" bIns="45700" anchor="ctr" anchorCtr="0">
             <a:noAutofit/>
           </a:bodyPr>
           <a:lstStyle>
@@ -3994,15 +4042,19 @@
               <a:defRPr/>
             </a:lvl9pPr>
           </a:lstStyle>
-          <a:p/>
+          <a:p>
+            <a:endParaRPr/>
+          </a:p>
         </p:txBody>
       </p:sp>
       <p:sp>
         <p:nvSpPr>
           <p:cNvPr id="19" name="Google Shape;19;p3"/>
-          <p:cNvSpPr txBox="1"/>
+          <p:cNvSpPr txBox="1">
+            <a:spLocks noGrp="1"/>
+          </p:cNvSpPr>
           <p:nvPr>
-            <p:ph idx="1" type="body"/>
+            <p:ph type="body" idx="1"/>
           </p:nvPr>
         </p:nvSpPr>
         <p:spPr>
@@ -4019,11 +4071,11 @@
           </a:ln>
         </p:spPr>
         <p:txBody>
-          <a:bodyPr anchorCtr="0" anchor="t" bIns="45700" lIns="91425" spcFirstLastPara="1" rIns="91425" wrap="square" tIns="45700">
+          <a:bodyPr spcFirstLastPara="1" wrap="square" lIns="91425" tIns="45700" rIns="91425" bIns="45700" anchor="t" anchorCtr="0">
             <a:noAutofit/>
           </a:bodyPr>
           <a:lstStyle>
-            <a:lvl1pPr indent="-342900" lvl="0" marL="457200" algn="l">
+            <a:lvl1pPr marL="457200" lvl="0" indent="-342900" algn="l">
               <a:lnSpc>
                 <a:spcPct val="100000"/>
               </a:lnSpc>
@@ -4040,7 +4092,7 @@
               <a:buChar char="•"/>
               <a:defRPr/>
             </a:lvl1pPr>
-            <a:lvl2pPr indent="-342900" lvl="1" marL="914400" algn="l">
+            <a:lvl2pPr marL="914400" lvl="1" indent="-342900" algn="l">
               <a:lnSpc>
                 <a:spcPct val="100000"/>
               </a:lnSpc>
@@ -4057,7 +4109,7 @@
               <a:buChar char="–"/>
               <a:defRPr/>
             </a:lvl2pPr>
-            <a:lvl3pPr indent="-342900" lvl="2" marL="1371600" algn="l">
+            <a:lvl3pPr marL="1371600" lvl="2" indent="-342900" algn="l">
               <a:lnSpc>
                 <a:spcPct val="100000"/>
               </a:lnSpc>
@@ -4074,7 +4126,7 @@
               <a:buChar char="•"/>
               <a:defRPr/>
             </a:lvl3pPr>
-            <a:lvl4pPr indent="-342900" lvl="3" marL="1828800" algn="l">
+            <a:lvl4pPr marL="1828800" lvl="3" indent="-342900" algn="l">
               <a:lnSpc>
                 <a:spcPct val="100000"/>
               </a:lnSpc>
@@ -4091,7 +4143,7 @@
               <a:buChar char="–"/>
               <a:defRPr/>
             </a:lvl4pPr>
-            <a:lvl5pPr indent="-342900" lvl="4" marL="2286000" algn="l">
+            <a:lvl5pPr marL="2286000" lvl="4" indent="-342900" algn="l">
               <a:lnSpc>
                 <a:spcPct val="100000"/>
               </a:lnSpc>
@@ -4108,7 +4160,7 @@
               <a:buChar char="»"/>
               <a:defRPr/>
             </a:lvl5pPr>
-            <a:lvl6pPr indent="-342900" lvl="5" marL="2743200" algn="l">
+            <a:lvl6pPr marL="2743200" lvl="5" indent="-342900" algn="l">
               <a:lnSpc>
                 <a:spcPct val="100000"/>
               </a:lnSpc>
@@ -4125,7 +4177,7 @@
               <a:buChar char="»"/>
               <a:defRPr/>
             </a:lvl6pPr>
-            <a:lvl7pPr indent="-342900" lvl="6" marL="3200400" algn="l">
+            <a:lvl7pPr marL="3200400" lvl="6" indent="-342900" algn="l">
               <a:lnSpc>
                 <a:spcPct val="100000"/>
               </a:lnSpc>
@@ -4142,7 +4194,7 @@
               <a:buChar char="»"/>
               <a:defRPr/>
             </a:lvl7pPr>
-            <a:lvl8pPr indent="-342900" lvl="7" marL="3657600" algn="l">
+            <a:lvl8pPr marL="3657600" lvl="7" indent="-342900" algn="l">
               <a:lnSpc>
                 <a:spcPct val="100000"/>
               </a:lnSpc>
@@ -4159,7 +4211,7 @@
               <a:buChar char="»"/>
               <a:defRPr/>
             </a:lvl8pPr>
-            <a:lvl9pPr indent="-342900" lvl="8" marL="4114800" algn="l">
+            <a:lvl9pPr marL="4114800" lvl="8" indent="-342900" algn="l">
               <a:lnSpc>
                 <a:spcPct val="100000"/>
               </a:lnSpc>
@@ -4177,15 +4229,19 @@
               <a:defRPr/>
             </a:lvl9pPr>
           </a:lstStyle>
-          <a:p/>
+          <a:p>
+            <a:endParaRPr/>
+          </a:p>
         </p:txBody>
       </p:sp>
       <p:sp>
         <p:nvSpPr>
           <p:cNvPr id="20" name="Google Shape;20;p3"/>
-          <p:cNvSpPr txBox="1"/>
+          <p:cNvSpPr txBox="1">
+            <a:spLocks noGrp="1"/>
+          </p:cNvSpPr>
           <p:nvPr>
-            <p:ph idx="10" type="dt"/>
+            <p:ph type="dt" idx="10"/>
           </p:nvPr>
         </p:nvSpPr>
         <p:spPr>
@@ -4202,7 +4258,7 @@
           </a:ln>
         </p:spPr>
         <p:txBody>
-          <a:bodyPr anchorCtr="0" anchor="t" bIns="45700" lIns="91425" spcFirstLastPara="1" rIns="91425" wrap="square" tIns="45700">
+          <a:bodyPr spcFirstLastPara="1" wrap="square" lIns="91425" tIns="45700" rIns="91425" bIns="45700" anchor="t" anchorCtr="0">
             <a:noAutofit/>
           </a:bodyPr>
           <a:lstStyle>
@@ -4333,15 +4389,19 @@
               <a:defRPr/>
             </a:lvl9pPr>
           </a:lstStyle>
-          <a:p/>
+          <a:p>
+            <a:endParaRPr/>
+          </a:p>
         </p:txBody>
       </p:sp>
       <p:sp>
         <p:nvSpPr>
           <p:cNvPr id="21" name="Google Shape;21;p3"/>
-          <p:cNvSpPr txBox="1"/>
+          <p:cNvSpPr txBox="1">
+            <a:spLocks noGrp="1"/>
+          </p:cNvSpPr>
           <p:nvPr>
-            <p:ph idx="11" type="ftr"/>
+            <p:ph type="ftr" idx="11"/>
           </p:nvPr>
         </p:nvSpPr>
         <p:spPr>
@@ -4358,7 +4418,7 @@
           </a:ln>
         </p:spPr>
         <p:txBody>
-          <a:bodyPr anchorCtr="0" anchor="t" bIns="45700" lIns="91425" spcFirstLastPara="1" rIns="91425" wrap="square" tIns="45700">
+          <a:bodyPr spcFirstLastPara="1" wrap="square" lIns="91425" tIns="45700" rIns="91425" bIns="45700" anchor="t" anchorCtr="0">
             <a:noAutofit/>
           </a:bodyPr>
           <a:lstStyle>
@@ -4489,15 +4549,19 @@
               <a:defRPr/>
             </a:lvl9pPr>
           </a:lstStyle>
-          <a:p/>
+          <a:p>
+            <a:endParaRPr/>
+          </a:p>
         </p:txBody>
       </p:sp>
       <p:sp>
         <p:nvSpPr>
           <p:cNvPr id="22" name="Google Shape;22;p3"/>
-          <p:cNvSpPr txBox="1"/>
+          <p:cNvSpPr txBox="1">
+            <a:spLocks noGrp="1"/>
+          </p:cNvSpPr>
           <p:nvPr>
-            <p:ph idx="12" type="sldNum"/>
+            <p:ph type="sldNum" idx="12"/>
           </p:nvPr>
         </p:nvSpPr>
         <p:spPr>
@@ -4514,11 +4578,11 @@
           </a:ln>
         </p:spPr>
         <p:txBody>
-          <a:bodyPr anchorCtr="0" anchor="t" bIns="45700" lIns="91425" spcFirstLastPara="1" rIns="91425" wrap="square" tIns="45700">
+          <a:bodyPr spcFirstLastPara="1" wrap="square" lIns="91425" tIns="45700" rIns="91425" bIns="45700" anchor="t" anchorCtr="0">
             <a:noAutofit/>
           </a:bodyPr>
           <a:lstStyle>
-            <a:lvl1pPr indent="0" lvl="0" marL="0" algn="r">
+            <a:lvl1pPr marL="0" lvl="0" indent="0" algn="r">
               <a:lnSpc>
                 <a:spcPct val="100000"/>
               </a:lnSpc>
@@ -4531,7 +4595,7 @@
               <a:buNone/>
               <a:defRPr sz="1400"/>
             </a:lvl1pPr>
-            <a:lvl2pPr indent="0" lvl="1" marL="0" algn="r">
+            <a:lvl2pPr marL="0" lvl="1" indent="0" algn="r">
               <a:lnSpc>
                 <a:spcPct val="100000"/>
               </a:lnSpc>
@@ -4544,7 +4608,7 @@
               <a:buNone/>
               <a:defRPr sz="1400"/>
             </a:lvl2pPr>
-            <a:lvl3pPr indent="0" lvl="2" marL="0" algn="r">
+            <a:lvl3pPr marL="0" lvl="2" indent="0" algn="r">
               <a:lnSpc>
                 <a:spcPct val="100000"/>
               </a:lnSpc>
@@ -4557,7 +4621,7 @@
               <a:buNone/>
               <a:defRPr sz="1400"/>
             </a:lvl3pPr>
-            <a:lvl4pPr indent="0" lvl="3" marL="0" algn="r">
+            <a:lvl4pPr marL="0" lvl="3" indent="0" algn="r">
               <a:lnSpc>
                 <a:spcPct val="100000"/>
               </a:lnSpc>
@@ -4570,7 +4634,7 @@
               <a:buNone/>
               <a:defRPr sz="1400"/>
             </a:lvl4pPr>
-            <a:lvl5pPr indent="0" lvl="4" marL="0" algn="r">
+            <a:lvl5pPr marL="0" lvl="4" indent="0" algn="r">
               <a:lnSpc>
                 <a:spcPct val="100000"/>
               </a:lnSpc>
@@ -4583,7 +4647,7 @@
               <a:buNone/>
               <a:defRPr sz="1400"/>
             </a:lvl5pPr>
-            <a:lvl6pPr indent="0" lvl="5" marL="0" algn="r">
+            <a:lvl6pPr marL="0" lvl="5" indent="0" algn="r">
               <a:lnSpc>
                 <a:spcPct val="100000"/>
               </a:lnSpc>
@@ -4596,7 +4660,7 @@
               <a:buNone/>
               <a:defRPr sz="1400"/>
             </a:lvl6pPr>
-            <a:lvl7pPr indent="0" lvl="6" marL="0" algn="r">
+            <a:lvl7pPr marL="0" lvl="6" indent="0" algn="r">
               <a:lnSpc>
                 <a:spcPct val="100000"/>
               </a:lnSpc>
@@ -4609,7 +4673,7 @@
               <a:buNone/>
               <a:defRPr sz="1400"/>
             </a:lvl7pPr>
-            <a:lvl8pPr indent="0" lvl="7" marL="0" algn="r">
+            <a:lvl8pPr marL="0" lvl="7" indent="0" algn="r">
               <a:lnSpc>
                 <a:spcPct val="100000"/>
               </a:lnSpc>
@@ -4622,7 +4686,7 @@
               <a:buNone/>
               <a:defRPr sz="1400"/>
             </a:lvl8pPr>
-            <a:lvl9pPr indent="0" lvl="8" marL="0" algn="r">
+            <a:lvl9pPr marL="0" lvl="8" indent="0" algn="r">
               <a:lnSpc>
                 <a:spcPct val="100000"/>
               </a:lnSpc>
@@ -4637,7 +4701,7 @@
             </a:lvl9pPr>
           </a:lstStyle>
           <a:p>
-            <a:pPr indent="0" lvl="0" marL="0" rtl="0" algn="r">
+            <a:pPr marL="0" lvl="0" indent="0" algn="r" rtl="0">
               <a:spcBef>
                 <a:spcPts val="0"/>
               </a:spcBef>
@@ -4663,23 +4727,24 @@
 </file>
 
 <file path=ppt/slideMasters/slideMaster1.xml><?xml version="1.0" encoding="utf-8"?>
-<p:sldMaster xmlns:a="http://schemas.openxmlformats.org/drawingml/2006/main" xmlns:r="http://schemas.openxmlformats.org/officeDocument/2006/relationships" xmlns:mc="http://schemas.openxmlformats.org/markup-compatibility/2006" xmlns:mv="urn:schemas-microsoft-com:mac:vml" xmlns:p="http://schemas.openxmlformats.org/presentationml/2006/main" xmlns:c="http://schemas.openxmlformats.org/drawingml/2006/chart" xmlns:dgm="http://schemas.openxmlformats.org/drawingml/2006/diagram" xmlns:o="urn:schemas-microsoft-com:office:office" xmlns:v="urn:schemas-microsoft-com:vml" xmlns:pvml="urn:schemas-microsoft-com:office:powerpoint" xmlns:com="http://schemas.openxmlformats.org/drawingml/2006/compatibility" xmlns:p14="http://schemas.microsoft.com/office/powerpoint/2010/main" xmlns:p15="http://schemas.microsoft.com/office/powerpoint/2012/main" xmlns:ahyp="http://schemas.microsoft.com/office/drawing/2018/hyperlinkcolor">
+<p:sldMaster xmlns:a="http://schemas.openxmlformats.org/drawingml/2006/main" xmlns:r="http://schemas.openxmlformats.org/officeDocument/2006/relationships" xmlns:p="http://schemas.openxmlformats.org/presentationml/2006/main">
   <p:cSld>
     <p:bg>
       <p:bgPr>
         <a:blipFill>
-          <a:blip r:embed="rId1">
+          <a:blip r:embed="rId4">
             <a:alphaModFix/>
           </a:blip>
           <a:stretch>
             <a:fillRect/>
           </a:stretch>
         </a:blipFill>
+        <a:effectLst/>
       </p:bgPr>
     </p:bg>
     <p:spTree>
       <p:nvGrpSpPr>
-        <p:cNvPr id="5" name="Shape 5"/>
+        <p:cNvPr id="1" name="Shape 5"/>
         <p:cNvGrpSpPr/>
         <p:nvPr/>
       </p:nvGrpSpPr>
@@ -4694,7 +4759,9 @@
       <p:sp>
         <p:nvSpPr>
           <p:cNvPr id="6" name="Google Shape;6;p1"/>
-          <p:cNvSpPr txBox="1"/>
+          <p:cNvSpPr txBox="1">
+            <a:spLocks noGrp="1"/>
+          </p:cNvSpPr>
           <p:nvPr>
             <p:ph type="title"/>
           </p:nvPr>
@@ -4713,11 +4780,11 @@
           </a:ln>
         </p:spPr>
         <p:txBody>
-          <a:bodyPr anchorCtr="0" anchor="ctr" bIns="45700" lIns="91425" spcFirstLastPara="1" rIns="91425" wrap="square" tIns="45700">
+          <a:bodyPr spcFirstLastPara="1" wrap="square" lIns="91425" tIns="45700" rIns="91425" bIns="45700" anchor="ctr" anchorCtr="0">
             <a:noAutofit/>
           </a:bodyPr>
           <a:lstStyle>
-            <a:lvl1pPr lvl="0" marR="0" rtl="0" algn="ctr">
+            <a:lvl1pPr marR="0" lvl="0" algn="ctr" rtl="0">
               <a:lnSpc>
                 <a:spcPct val="100000"/>
               </a:lnSpc>
@@ -4729,7 +4796,7 @@
               </a:spcAft>
               <a:buSzPts val="1400"/>
               <a:buNone/>
-              <a:defRPr b="0" i="0" sz="4400" u="none" cap="none" strike="noStrike">
+              <a:defRPr sz="4400" b="0" i="0" u="none" strike="noStrike" cap="none">
                 <a:solidFill>
                   <a:schemeClr val="dk2"/>
                 </a:solidFill>
@@ -4739,7 +4806,7 @@
                 <a:sym typeface="Arial"/>
               </a:defRPr>
             </a:lvl1pPr>
-            <a:lvl2pPr lvl="1" marR="0" rtl="0" algn="ctr">
+            <a:lvl2pPr marR="0" lvl="1" algn="ctr" rtl="0">
               <a:lnSpc>
                 <a:spcPct val="100000"/>
               </a:lnSpc>
@@ -4751,7 +4818,7 @@
               </a:spcAft>
               <a:buSzPts val="1400"/>
               <a:buNone/>
-              <a:defRPr b="0" i="0" sz="4400" u="none" cap="none" strike="noStrike">
+              <a:defRPr sz="4400" b="0" i="0" u="none" strike="noStrike" cap="none">
                 <a:solidFill>
                   <a:schemeClr val="dk2"/>
                 </a:solidFill>
@@ -4761,7 +4828,7 @@
                 <a:sym typeface="Arial"/>
               </a:defRPr>
             </a:lvl2pPr>
-            <a:lvl3pPr lvl="2" marR="0" rtl="0" algn="ctr">
+            <a:lvl3pPr marR="0" lvl="2" algn="ctr" rtl="0">
               <a:lnSpc>
                 <a:spcPct val="100000"/>
               </a:lnSpc>
@@ -4773,7 +4840,7 @@
               </a:spcAft>
               <a:buSzPts val="1400"/>
               <a:buNone/>
-              <a:defRPr b="0" i="0" sz="4400" u="none" cap="none" strike="noStrike">
+              <a:defRPr sz="4400" b="0" i="0" u="none" strike="noStrike" cap="none">
                 <a:solidFill>
                   <a:schemeClr val="dk2"/>
                 </a:solidFill>
@@ -4783,7 +4850,7 @@
                 <a:sym typeface="Arial"/>
               </a:defRPr>
             </a:lvl3pPr>
-            <a:lvl4pPr lvl="3" marR="0" rtl="0" algn="ctr">
+            <a:lvl4pPr marR="0" lvl="3" algn="ctr" rtl="0">
               <a:lnSpc>
                 <a:spcPct val="100000"/>
               </a:lnSpc>
@@ -4795,7 +4862,7 @@
               </a:spcAft>
               <a:buSzPts val="1400"/>
               <a:buNone/>
-              <a:defRPr b="0" i="0" sz="4400" u="none" cap="none" strike="noStrike">
+              <a:defRPr sz="4400" b="0" i="0" u="none" strike="noStrike" cap="none">
                 <a:solidFill>
                   <a:schemeClr val="dk2"/>
                 </a:solidFill>
@@ -4805,7 +4872,7 @@
                 <a:sym typeface="Arial"/>
               </a:defRPr>
             </a:lvl4pPr>
-            <a:lvl5pPr lvl="4" marR="0" rtl="0" algn="ctr">
+            <a:lvl5pPr marR="0" lvl="4" algn="ctr" rtl="0">
               <a:lnSpc>
                 <a:spcPct val="100000"/>
               </a:lnSpc>
@@ -4817,7 +4884,7 @@
               </a:spcAft>
               <a:buSzPts val="1400"/>
               <a:buNone/>
-              <a:defRPr b="0" i="0" sz="4400" u="none" cap="none" strike="noStrike">
+              <a:defRPr sz="4400" b="0" i="0" u="none" strike="noStrike" cap="none">
                 <a:solidFill>
                   <a:schemeClr val="dk2"/>
                 </a:solidFill>
@@ -4827,7 +4894,7 @@
                 <a:sym typeface="Arial"/>
               </a:defRPr>
             </a:lvl5pPr>
-            <a:lvl6pPr lvl="5" marR="0" rtl="0" algn="ctr">
+            <a:lvl6pPr marR="0" lvl="5" algn="ctr" rtl="0">
               <a:lnSpc>
                 <a:spcPct val="100000"/>
               </a:lnSpc>
@@ -4839,7 +4906,7 @@
               </a:spcAft>
               <a:buSzPts val="1400"/>
               <a:buNone/>
-              <a:defRPr b="0" i="0" sz="4400" u="none" cap="none" strike="noStrike">
+              <a:defRPr sz="4400" b="0" i="0" u="none" strike="noStrike" cap="none">
                 <a:solidFill>
                   <a:schemeClr val="dk2"/>
                 </a:solidFill>
@@ -4849,7 +4916,7 @@
                 <a:sym typeface="Arial"/>
               </a:defRPr>
             </a:lvl6pPr>
-            <a:lvl7pPr lvl="6" marR="0" rtl="0" algn="ctr">
+            <a:lvl7pPr marR="0" lvl="6" algn="ctr" rtl="0">
               <a:lnSpc>
                 <a:spcPct val="100000"/>
               </a:lnSpc>
@@ -4861,7 +4928,7 @@
               </a:spcAft>
               <a:buSzPts val="1400"/>
               <a:buNone/>
-              <a:defRPr b="0" i="0" sz="4400" u="none" cap="none" strike="noStrike">
+              <a:defRPr sz="4400" b="0" i="0" u="none" strike="noStrike" cap="none">
                 <a:solidFill>
                   <a:schemeClr val="dk2"/>
                 </a:solidFill>
@@ -4871,7 +4938,7 @@
                 <a:sym typeface="Arial"/>
               </a:defRPr>
             </a:lvl7pPr>
-            <a:lvl8pPr lvl="7" marR="0" rtl="0" algn="ctr">
+            <a:lvl8pPr marR="0" lvl="7" algn="ctr" rtl="0">
               <a:lnSpc>
                 <a:spcPct val="100000"/>
               </a:lnSpc>
@@ -4883,7 +4950,7 @@
               </a:spcAft>
               <a:buSzPts val="1400"/>
               <a:buNone/>
-              <a:defRPr b="0" i="0" sz="4400" u="none" cap="none" strike="noStrike">
+              <a:defRPr sz="4400" b="0" i="0" u="none" strike="noStrike" cap="none">
                 <a:solidFill>
                   <a:schemeClr val="dk2"/>
                 </a:solidFill>
@@ -4893,7 +4960,7 @@
                 <a:sym typeface="Arial"/>
               </a:defRPr>
             </a:lvl8pPr>
-            <a:lvl9pPr lvl="8" marR="0" rtl="0" algn="ctr">
+            <a:lvl9pPr marR="0" lvl="8" algn="ctr" rtl="0">
               <a:lnSpc>
                 <a:spcPct val="100000"/>
               </a:lnSpc>
@@ -4905,7 +4972,7 @@
               </a:spcAft>
               <a:buSzPts val="1400"/>
               <a:buNone/>
-              <a:defRPr b="0" i="0" sz="4400" u="none" cap="none" strike="noStrike">
+              <a:defRPr sz="4400" b="0" i="0" u="none" strike="noStrike" cap="none">
                 <a:solidFill>
                   <a:schemeClr val="dk2"/>
                 </a:solidFill>
@@ -4916,15 +4983,19 @@
               </a:defRPr>
             </a:lvl9pPr>
           </a:lstStyle>
-          <a:p/>
+          <a:p>
+            <a:endParaRPr/>
+          </a:p>
         </p:txBody>
       </p:sp>
       <p:sp>
         <p:nvSpPr>
           <p:cNvPr id="7" name="Google Shape;7;p1"/>
-          <p:cNvSpPr txBox="1"/>
+          <p:cNvSpPr txBox="1">
+            <a:spLocks noGrp="1"/>
+          </p:cNvSpPr>
           <p:nvPr>
-            <p:ph idx="1" type="body"/>
+            <p:ph type="body" idx="1"/>
           </p:nvPr>
         </p:nvSpPr>
         <p:spPr>
@@ -4941,11 +5012,11 @@
           </a:ln>
         </p:spPr>
         <p:txBody>
-          <a:bodyPr anchorCtr="0" anchor="t" bIns="45700" lIns="91425" spcFirstLastPara="1" rIns="91425" wrap="square" tIns="45700">
+          <a:bodyPr spcFirstLastPara="1" wrap="square" lIns="91425" tIns="45700" rIns="91425" bIns="45700" anchor="t" anchorCtr="0">
             <a:noAutofit/>
           </a:bodyPr>
           <a:lstStyle>
-            <a:lvl1pPr indent="-431800" lvl="0" marL="457200" marR="0" rtl="0" algn="l">
+            <a:lvl1pPr marL="457200" marR="0" lvl="0" indent="-431800" algn="l" rtl="0">
               <a:lnSpc>
                 <a:spcPct val="100000"/>
               </a:lnSpc>
@@ -4961,7 +5032,7 @@
               <a:buSzPts val="3200"/>
               <a:buFont typeface="Arial"/>
               <a:buChar char="•"/>
-              <a:defRPr b="0" i="0" sz="3200" u="none" cap="none" strike="noStrike">
+              <a:defRPr sz="3200" b="0" i="0" u="none" strike="noStrike" cap="none">
                 <a:solidFill>
                   <a:schemeClr val="dk1"/>
                 </a:solidFill>
@@ -4971,7 +5042,7 @@
                 <a:sym typeface="Arial"/>
               </a:defRPr>
             </a:lvl1pPr>
-            <a:lvl2pPr indent="-406400" lvl="1" marL="914400" marR="0" rtl="0" algn="l">
+            <a:lvl2pPr marL="914400" marR="0" lvl="1" indent="-406400" algn="l" rtl="0">
               <a:lnSpc>
                 <a:spcPct val="100000"/>
               </a:lnSpc>
@@ -4987,7 +5058,7 @@
               <a:buSzPts val="2800"/>
               <a:buFont typeface="Arial"/>
               <a:buChar char="–"/>
-              <a:defRPr b="0" i="0" sz="2800" u="none" cap="none" strike="noStrike">
+              <a:defRPr sz="2800" b="0" i="0" u="none" strike="noStrike" cap="none">
                 <a:solidFill>
                   <a:schemeClr val="dk1"/>
                 </a:solidFill>
@@ -4997,7 +5068,7 @@
                 <a:sym typeface="Arial"/>
               </a:defRPr>
             </a:lvl2pPr>
-            <a:lvl3pPr indent="-381000" lvl="2" marL="1371600" marR="0" rtl="0" algn="l">
+            <a:lvl3pPr marL="1371600" marR="0" lvl="2" indent="-381000" algn="l" rtl="0">
               <a:lnSpc>
                 <a:spcPct val="100000"/>
               </a:lnSpc>
@@ -5013,7 +5084,7 @@
               <a:buSzPts val="2400"/>
               <a:buFont typeface="Arial"/>
               <a:buChar char="•"/>
-              <a:defRPr b="0" i="0" sz="2400" u="none" cap="none" strike="noStrike">
+              <a:defRPr sz="2400" b="0" i="0" u="none" strike="noStrike" cap="none">
                 <a:solidFill>
                   <a:schemeClr val="dk1"/>
                 </a:solidFill>
@@ -5023,7 +5094,7 @@
                 <a:sym typeface="Arial"/>
               </a:defRPr>
             </a:lvl3pPr>
-            <a:lvl4pPr indent="-355600" lvl="3" marL="1828800" marR="0" rtl="0" algn="l">
+            <a:lvl4pPr marL="1828800" marR="0" lvl="3" indent="-355600" algn="l" rtl="0">
               <a:lnSpc>
                 <a:spcPct val="100000"/>
               </a:lnSpc>
@@ -5039,7 +5110,7 @@
               <a:buSzPts val="2000"/>
               <a:buFont typeface="Arial"/>
               <a:buChar char="–"/>
-              <a:defRPr b="0" i="0" sz="2000" u="none" cap="none" strike="noStrike">
+              <a:defRPr sz="2000" b="0" i="0" u="none" strike="noStrike" cap="none">
                 <a:solidFill>
                   <a:schemeClr val="dk1"/>
                 </a:solidFill>
@@ -5049,7 +5120,7 @@
                 <a:sym typeface="Arial"/>
               </a:defRPr>
             </a:lvl4pPr>
-            <a:lvl5pPr indent="-355600" lvl="4" marL="2286000" marR="0" rtl="0" algn="l">
+            <a:lvl5pPr marL="2286000" marR="0" lvl="4" indent="-355600" algn="l" rtl="0">
               <a:lnSpc>
                 <a:spcPct val="100000"/>
               </a:lnSpc>
@@ -5065,7 +5136,7 @@
               <a:buSzPts val="2000"/>
               <a:buFont typeface="Arial"/>
               <a:buChar char="»"/>
-              <a:defRPr b="0" i="0" sz="2000" u="none" cap="none" strike="noStrike">
+              <a:defRPr sz="2000" b="0" i="0" u="none" strike="noStrike" cap="none">
                 <a:solidFill>
                   <a:schemeClr val="dk1"/>
                 </a:solidFill>
@@ -5075,7 +5146,7 @@
                 <a:sym typeface="Arial"/>
               </a:defRPr>
             </a:lvl5pPr>
-            <a:lvl6pPr indent="-355600" lvl="5" marL="2743200" marR="0" rtl="0" algn="l">
+            <a:lvl6pPr marL="2743200" marR="0" lvl="5" indent="-355600" algn="l" rtl="0">
               <a:lnSpc>
                 <a:spcPct val="100000"/>
               </a:lnSpc>
@@ -5091,7 +5162,7 @@
               <a:buSzPts val="2000"/>
               <a:buFont typeface="Arial"/>
               <a:buChar char="»"/>
-              <a:defRPr b="0" i="0" sz="2000" u="none" cap="none" strike="noStrike">
+              <a:defRPr sz="2000" b="0" i="0" u="none" strike="noStrike" cap="none">
                 <a:solidFill>
                   <a:schemeClr val="dk1"/>
                 </a:solidFill>
@@ -5101,7 +5172,7 @@
                 <a:sym typeface="Arial"/>
               </a:defRPr>
             </a:lvl6pPr>
-            <a:lvl7pPr indent="-355600" lvl="6" marL="3200400" marR="0" rtl="0" algn="l">
+            <a:lvl7pPr marL="3200400" marR="0" lvl="6" indent="-355600" algn="l" rtl="0">
               <a:lnSpc>
                 <a:spcPct val="100000"/>
               </a:lnSpc>
@@ -5117,7 +5188,7 @@
               <a:buSzPts val="2000"/>
               <a:buFont typeface="Arial"/>
               <a:buChar char="»"/>
-              <a:defRPr b="0" i="0" sz="2000" u="none" cap="none" strike="noStrike">
+              <a:defRPr sz="2000" b="0" i="0" u="none" strike="noStrike" cap="none">
                 <a:solidFill>
                   <a:schemeClr val="dk1"/>
                 </a:solidFill>
@@ -5127,7 +5198,7 @@
                 <a:sym typeface="Arial"/>
               </a:defRPr>
             </a:lvl7pPr>
-            <a:lvl8pPr indent="-355600" lvl="7" marL="3657600" marR="0" rtl="0" algn="l">
+            <a:lvl8pPr marL="3657600" marR="0" lvl="7" indent="-355600" algn="l" rtl="0">
               <a:lnSpc>
                 <a:spcPct val="100000"/>
               </a:lnSpc>
@@ -5143,7 +5214,7 @@
               <a:buSzPts val="2000"/>
               <a:buFont typeface="Arial"/>
               <a:buChar char="»"/>
-              <a:defRPr b="0" i="0" sz="2000" u="none" cap="none" strike="noStrike">
+              <a:defRPr sz="2000" b="0" i="0" u="none" strike="noStrike" cap="none">
                 <a:solidFill>
                   <a:schemeClr val="dk1"/>
                 </a:solidFill>
@@ -5153,7 +5224,7 @@
                 <a:sym typeface="Arial"/>
               </a:defRPr>
             </a:lvl8pPr>
-            <a:lvl9pPr indent="-355600" lvl="8" marL="4114800" marR="0" rtl="0" algn="l">
+            <a:lvl9pPr marL="4114800" marR="0" lvl="8" indent="-355600" algn="l" rtl="0">
               <a:lnSpc>
                 <a:spcPct val="100000"/>
               </a:lnSpc>
@@ -5169,727 +5240,7 @@
               <a:buSzPts val="2000"/>
               <a:buFont typeface="Arial"/>
               <a:buChar char="»"/>
-              <a:defRPr b="0" i="0" sz="2000" u="none" cap="none" strike="noStrike">
-                <a:solidFill>
-                  <a:schemeClr val="dk1"/>
-                </a:solidFill>
-                <a:latin typeface="Arial"/>
-                <a:ea typeface="Arial"/>
-                <a:cs typeface="Arial"/>
-                <a:sym typeface="Arial"/>
-              </a:defRPr>
-            </a:lvl9pPr>
-          </a:lstStyle>
-          <a:p/>
-        </p:txBody>
-      </p:sp>
-      <p:sp>
-        <p:nvSpPr>
-          <p:cNvPr id="8" name="Google Shape;8;p1"/>
-          <p:cNvSpPr txBox="1"/>
-          <p:nvPr>
-            <p:ph idx="10" type="dt"/>
-          </p:nvPr>
-        </p:nvSpPr>
-        <p:spPr>
-          <a:xfrm>
-            <a:off x="457200" y="4683919"/>
-            <a:ext cx="2133600" cy="357300"/>
-          </a:xfrm>
-          <a:prstGeom prst="rect">
-            <a:avLst/>
-          </a:prstGeom>
-          <a:noFill/>
-          <a:ln>
-            <a:noFill/>
-          </a:ln>
-        </p:spPr>
-        <p:txBody>
-          <a:bodyPr anchorCtr="0" anchor="t" bIns="45700" lIns="91425" spcFirstLastPara="1" rIns="91425" wrap="square" tIns="45700">
-            <a:noAutofit/>
-          </a:bodyPr>
-          <a:lstStyle>
-            <a:lvl1pPr lvl="0" marR="0" rtl="0" algn="l">
-              <a:lnSpc>
-                <a:spcPct val="100000"/>
-              </a:lnSpc>
-              <a:spcBef>
-                <a:spcPts val="0"/>
-              </a:spcBef>
-              <a:spcAft>
-                <a:spcPts val="0"/>
-              </a:spcAft>
-              <a:buSzPts val="1400"/>
-              <a:buNone/>
-              <a:defRPr b="0" i="0" sz="1400" u="none" cap="none" strike="noStrike">
-                <a:solidFill>
-                  <a:schemeClr val="dk1"/>
-                </a:solidFill>
-                <a:latin typeface="Arial"/>
-                <a:ea typeface="Arial"/>
-                <a:cs typeface="Arial"/>
-                <a:sym typeface="Arial"/>
-              </a:defRPr>
-            </a:lvl1pPr>
-            <a:lvl2pPr lvl="1" marR="0" rtl="0" algn="l">
-              <a:lnSpc>
-                <a:spcPct val="100000"/>
-              </a:lnSpc>
-              <a:spcBef>
-                <a:spcPts val="0"/>
-              </a:spcBef>
-              <a:spcAft>
-                <a:spcPts val="0"/>
-              </a:spcAft>
-              <a:buSzPts val="1400"/>
-              <a:buNone/>
-              <a:defRPr b="0" i="0" sz="1800" u="none" cap="none" strike="noStrike">
-                <a:solidFill>
-                  <a:schemeClr val="dk1"/>
-                </a:solidFill>
-                <a:latin typeface="Arial"/>
-                <a:ea typeface="Arial"/>
-                <a:cs typeface="Arial"/>
-                <a:sym typeface="Arial"/>
-              </a:defRPr>
-            </a:lvl2pPr>
-            <a:lvl3pPr lvl="2" marR="0" rtl="0" algn="l">
-              <a:lnSpc>
-                <a:spcPct val="100000"/>
-              </a:lnSpc>
-              <a:spcBef>
-                <a:spcPts val="0"/>
-              </a:spcBef>
-              <a:spcAft>
-                <a:spcPts val="0"/>
-              </a:spcAft>
-              <a:buSzPts val="1400"/>
-              <a:buNone/>
-              <a:defRPr b="0" i="0" sz="1800" u="none" cap="none" strike="noStrike">
-                <a:solidFill>
-                  <a:schemeClr val="dk1"/>
-                </a:solidFill>
-                <a:latin typeface="Arial"/>
-                <a:ea typeface="Arial"/>
-                <a:cs typeface="Arial"/>
-                <a:sym typeface="Arial"/>
-              </a:defRPr>
-            </a:lvl3pPr>
-            <a:lvl4pPr lvl="3" marR="0" rtl="0" algn="l">
-              <a:lnSpc>
-                <a:spcPct val="100000"/>
-              </a:lnSpc>
-              <a:spcBef>
-                <a:spcPts val="0"/>
-              </a:spcBef>
-              <a:spcAft>
-                <a:spcPts val="0"/>
-              </a:spcAft>
-              <a:buSzPts val="1400"/>
-              <a:buNone/>
-              <a:defRPr b="0" i="0" sz="1800" u="none" cap="none" strike="noStrike">
-                <a:solidFill>
-                  <a:schemeClr val="dk1"/>
-                </a:solidFill>
-                <a:latin typeface="Arial"/>
-                <a:ea typeface="Arial"/>
-                <a:cs typeface="Arial"/>
-                <a:sym typeface="Arial"/>
-              </a:defRPr>
-            </a:lvl4pPr>
-            <a:lvl5pPr lvl="4" marR="0" rtl="0" algn="l">
-              <a:lnSpc>
-                <a:spcPct val="100000"/>
-              </a:lnSpc>
-              <a:spcBef>
-                <a:spcPts val="0"/>
-              </a:spcBef>
-              <a:spcAft>
-                <a:spcPts val="0"/>
-              </a:spcAft>
-              <a:buSzPts val="1400"/>
-              <a:buNone/>
-              <a:defRPr b="0" i="0" sz="1800" u="none" cap="none" strike="noStrike">
-                <a:solidFill>
-                  <a:schemeClr val="dk1"/>
-                </a:solidFill>
-                <a:latin typeface="Arial"/>
-                <a:ea typeface="Arial"/>
-                <a:cs typeface="Arial"/>
-                <a:sym typeface="Arial"/>
-              </a:defRPr>
-            </a:lvl5pPr>
-            <a:lvl6pPr lvl="5" marR="0" rtl="0" algn="l">
-              <a:lnSpc>
-                <a:spcPct val="100000"/>
-              </a:lnSpc>
-              <a:spcBef>
-                <a:spcPts val="0"/>
-              </a:spcBef>
-              <a:spcAft>
-                <a:spcPts val="0"/>
-              </a:spcAft>
-              <a:buSzPts val="1400"/>
-              <a:buNone/>
-              <a:defRPr b="0" i="0" sz="1800" u="none" cap="none" strike="noStrike">
-                <a:solidFill>
-                  <a:schemeClr val="dk1"/>
-                </a:solidFill>
-                <a:latin typeface="Arial"/>
-                <a:ea typeface="Arial"/>
-                <a:cs typeface="Arial"/>
-                <a:sym typeface="Arial"/>
-              </a:defRPr>
-            </a:lvl6pPr>
-            <a:lvl7pPr lvl="6" marR="0" rtl="0" algn="l">
-              <a:lnSpc>
-                <a:spcPct val="100000"/>
-              </a:lnSpc>
-              <a:spcBef>
-                <a:spcPts val="0"/>
-              </a:spcBef>
-              <a:spcAft>
-                <a:spcPts val="0"/>
-              </a:spcAft>
-              <a:buSzPts val="1400"/>
-              <a:buNone/>
-              <a:defRPr b="0" i="0" sz="1800" u="none" cap="none" strike="noStrike">
-                <a:solidFill>
-                  <a:schemeClr val="dk1"/>
-                </a:solidFill>
-                <a:latin typeface="Arial"/>
-                <a:ea typeface="Arial"/>
-                <a:cs typeface="Arial"/>
-                <a:sym typeface="Arial"/>
-              </a:defRPr>
-            </a:lvl7pPr>
-            <a:lvl8pPr lvl="7" marR="0" rtl="0" algn="l">
-              <a:lnSpc>
-                <a:spcPct val="100000"/>
-              </a:lnSpc>
-              <a:spcBef>
-                <a:spcPts val="0"/>
-              </a:spcBef>
-              <a:spcAft>
-                <a:spcPts val="0"/>
-              </a:spcAft>
-              <a:buSzPts val="1400"/>
-              <a:buNone/>
-              <a:defRPr b="0" i="0" sz="1800" u="none" cap="none" strike="noStrike">
-                <a:solidFill>
-                  <a:schemeClr val="dk1"/>
-                </a:solidFill>
-                <a:latin typeface="Arial"/>
-                <a:ea typeface="Arial"/>
-                <a:cs typeface="Arial"/>
-                <a:sym typeface="Arial"/>
-              </a:defRPr>
-            </a:lvl8pPr>
-            <a:lvl9pPr lvl="8" marR="0" rtl="0" algn="l">
-              <a:lnSpc>
-                <a:spcPct val="100000"/>
-              </a:lnSpc>
-              <a:spcBef>
-                <a:spcPts val="0"/>
-              </a:spcBef>
-              <a:spcAft>
-                <a:spcPts val="0"/>
-              </a:spcAft>
-              <a:buSzPts val="1400"/>
-              <a:buNone/>
-              <a:defRPr b="0" i="0" sz="1800" u="none" cap="none" strike="noStrike">
-                <a:solidFill>
-                  <a:schemeClr val="dk1"/>
-                </a:solidFill>
-                <a:latin typeface="Arial"/>
-                <a:ea typeface="Arial"/>
-                <a:cs typeface="Arial"/>
-                <a:sym typeface="Arial"/>
-              </a:defRPr>
-            </a:lvl9pPr>
-          </a:lstStyle>
-          <a:p/>
-        </p:txBody>
-      </p:sp>
-      <p:sp>
-        <p:nvSpPr>
-          <p:cNvPr id="9" name="Google Shape;9;p1"/>
-          <p:cNvSpPr txBox="1"/>
-          <p:nvPr>
-            <p:ph idx="11" type="ftr"/>
-          </p:nvPr>
-        </p:nvSpPr>
-        <p:spPr>
-          <a:xfrm>
-            <a:off x="3124200" y="4683919"/>
-            <a:ext cx="2895600" cy="357300"/>
-          </a:xfrm>
-          <a:prstGeom prst="rect">
-            <a:avLst/>
-          </a:prstGeom>
-          <a:noFill/>
-          <a:ln>
-            <a:noFill/>
-          </a:ln>
-        </p:spPr>
-        <p:txBody>
-          <a:bodyPr anchorCtr="0" anchor="t" bIns="45700" lIns="91425" spcFirstLastPara="1" rIns="91425" wrap="square" tIns="45700">
-            <a:noAutofit/>
-          </a:bodyPr>
-          <a:lstStyle>
-            <a:lvl1pPr lvl="0" marR="0" rtl="0" algn="ctr">
-              <a:lnSpc>
-                <a:spcPct val="100000"/>
-              </a:lnSpc>
-              <a:spcBef>
-                <a:spcPts val="0"/>
-              </a:spcBef>
-              <a:spcAft>
-                <a:spcPts val="0"/>
-              </a:spcAft>
-              <a:buSzPts val="1400"/>
-              <a:buNone/>
-              <a:defRPr b="0" i="0" sz="1400" u="none" cap="none" strike="noStrike">
-                <a:solidFill>
-                  <a:schemeClr val="dk1"/>
-                </a:solidFill>
-                <a:latin typeface="Arial"/>
-                <a:ea typeface="Arial"/>
-                <a:cs typeface="Arial"/>
-                <a:sym typeface="Arial"/>
-              </a:defRPr>
-            </a:lvl1pPr>
-            <a:lvl2pPr lvl="1" marR="0" rtl="0" algn="l">
-              <a:lnSpc>
-                <a:spcPct val="100000"/>
-              </a:lnSpc>
-              <a:spcBef>
-                <a:spcPts val="0"/>
-              </a:spcBef>
-              <a:spcAft>
-                <a:spcPts val="0"/>
-              </a:spcAft>
-              <a:buSzPts val="1400"/>
-              <a:buNone/>
-              <a:defRPr b="0" i="0" sz="1800" u="none" cap="none" strike="noStrike">
-                <a:solidFill>
-                  <a:schemeClr val="dk1"/>
-                </a:solidFill>
-                <a:latin typeface="Arial"/>
-                <a:ea typeface="Arial"/>
-                <a:cs typeface="Arial"/>
-                <a:sym typeface="Arial"/>
-              </a:defRPr>
-            </a:lvl2pPr>
-            <a:lvl3pPr lvl="2" marR="0" rtl="0" algn="l">
-              <a:lnSpc>
-                <a:spcPct val="100000"/>
-              </a:lnSpc>
-              <a:spcBef>
-                <a:spcPts val="0"/>
-              </a:spcBef>
-              <a:spcAft>
-                <a:spcPts val="0"/>
-              </a:spcAft>
-              <a:buSzPts val="1400"/>
-              <a:buNone/>
-              <a:defRPr b="0" i="0" sz="1800" u="none" cap="none" strike="noStrike">
-                <a:solidFill>
-                  <a:schemeClr val="dk1"/>
-                </a:solidFill>
-                <a:latin typeface="Arial"/>
-                <a:ea typeface="Arial"/>
-                <a:cs typeface="Arial"/>
-                <a:sym typeface="Arial"/>
-              </a:defRPr>
-            </a:lvl3pPr>
-            <a:lvl4pPr lvl="3" marR="0" rtl="0" algn="l">
-              <a:lnSpc>
-                <a:spcPct val="100000"/>
-              </a:lnSpc>
-              <a:spcBef>
-                <a:spcPts val="0"/>
-              </a:spcBef>
-              <a:spcAft>
-                <a:spcPts val="0"/>
-              </a:spcAft>
-              <a:buSzPts val="1400"/>
-              <a:buNone/>
-              <a:defRPr b="0" i="0" sz="1800" u="none" cap="none" strike="noStrike">
-                <a:solidFill>
-                  <a:schemeClr val="dk1"/>
-                </a:solidFill>
-                <a:latin typeface="Arial"/>
-                <a:ea typeface="Arial"/>
-                <a:cs typeface="Arial"/>
-                <a:sym typeface="Arial"/>
-              </a:defRPr>
-            </a:lvl4pPr>
-            <a:lvl5pPr lvl="4" marR="0" rtl="0" algn="l">
-              <a:lnSpc>
-                <a:spcPct val="100000"/>
-              </a:lnSpc>
-              <a:spcBef>
-                <a:spcPts val="0"/>
-              </a:spcBef>
-              <a:spcAft>
-                <a:spcPts val="0"/>
-              </a:spcAft>
-              <a:buSzPts val="1400"/>
-              <a:buNone/>
-              <a:defRPr b="0" i="0" sz="1800" u="none" cap="none" strike="noStrike">
-                <a:solidFill>
-                  <a:schemeClr val="dk1"/>
-                </a:solidFill>
-                <a:latin typeface="Arial"/>
-                <a:ea typeface="Arial"/>
-                <a:cs typeface="Arial"/>
-                <a:sym typeface="Arial"/>
-              </a:defRPr>
-            </a:lvl5pPr>
-            <a:lvl6pPr lvl="5" marR="0" rtl="0" algn="l">
-              <a:lnSpc>
-                <a:spcPct val="100000"/>
-              </a:lnSpc>
-              <a:spcBef>
-                <a:spcPts val="0"/>
-              </a:spcBef>
-              <a:spcAft>
-                <a:spcPts val="0"/>
-              </a:spcAft>
-              <a:buSzPts val="1400"/>
-              <a:buNone/>
-              <a:defRPr b="0" i="0" sz="1800" u="none" cap="none" strike="noStrike">
-                <a:solidFill>
-                  <a:schemeClr val="dk1"/>
-                </a:solidFill>
-                <a:latin typeface="Arial"/>
-                <a:ea typeface="Arial"/>
-                <a:cs typeface="Arial"/>
-                <a:sym typeface="Arial"/>
-              </a:defRPr>
-            </a:lvl6pPr>
-            <a:lvl7pPr lvl="6" marR="0" rtl="0" algn="l">
-              <a:lnSpc>
-                <a:spcPct val="100000"/>
-              </a:lnSpc>
-              <a:spcBef>
-                <a:spcPts val="0"/>
-              </a:spcBef>
-              <a:spcAft>
-                <a:spcPts val="0"/>
-              </a:spcAft>
-              <a:buSzPts val="1400"/>
-              <a:buNone/>
-              <a:defRPr b="0" i="0" sz="1800" u="none" cap="none" strike="noStrike">
-                <a:solidFill>
-                  <a:schemeClr val="dk1"/>
-                </a:solidFill>
-                <a:latin typeface="Arial"/>
-                <a:ea typeface="Arial"/>
-                <a:cs typeface="Arial"/>
-                <a:sym typeface="Arial"/>
-              </a:defRPr>
-            </a:lvl7pPr>
-            <a:lvl8pPr lvl="7" marR="0" rtl="0" algn="l">
-              <a:lnSpc>
-                <a:spcPct val="100000"/>
-              </a:lnSpc>
-              <a:spcBef>
-                <a:spcPts val="0"/>
-              </a:spcBef>
-              <a:spcAft>
-                <a:spcPts val="0"/>
-              </a:spcAft>
-              <a:buSzPts val="1400"/>
-              <a:buNone/>
-              <a:defRPr b="0" i="0" sz="1800" u="none" cap="none" strike="noStrike">
-                <a:solidFill>
-                  <a:schemeClr val="dk1"/>
-                </a:solidFill>
-                <a:latin typeface="Arial"/>
-                <a:ea typeface="Arial"/>
-                <a:cs typeface="Arial"/>
-                <a:sym typeface="Arial"/>
-              </a:defRPr>
-            </a:lvl8pPr>
-            <a:lvl9pPr lvl="8" marR="0" rtl="0" algn="l">
-              <a:lnSpc>
-                <a:spcPct val="100000"/>
-              </a:lnSpc>
-              <a:spcBef>
-                <a:spcPts val="0"/>
-              </a:spcBef>
-              <a:spcAft>
-                <a:spcPts val="0"/>
-              </a:spcAft>
-              <a:buSzPts val="1400"/>
-              <a:buNone/>
-              <a:defRPr b="0" i="0" sz="1800" u="none" cap="none" strike="noStrike">
-                <a:solidFill>
-                  <a:schemeClr val="dk1"/>
-                </a:solidFill>
-                <a:latin typeface="Arial"/>
-                <a:ea typeface="Arial"/>
-                <a:cs typeface="Arial"/>
-                <a:sym typeface="Arial"/>
-              </a:defRPr>
-            </a:lvl9pPr>
-          </a:lstStyle>
-          <a:p/>
-        </p:txBody>
-      </p:sp>
-      <p:sp>
-        <p:nvSpPr>
-          <p:cNvPr id="10" name="Google Shape;10;p1"/>
-          <p:cNvSpPr txBox="1"/>
-          <p:nvPr>
-            <p:ph idx="12" type="sldNum"/>
-          </p:nvPr>
-        </p:nvSpPr>
-        <p:spPr>
-          <a:xfrm>
-            <a:off x="6553200" y="4683919"/>
-            <a:ext cx="2133600" cy="357300"/>
-          </a:xfrm>
-          <a:prstGeom prst="rect">
-            <a:avLst/>
-          </a:prstGeom>
-          <a:noFill/>
-          <a:ln>
-            <a:noFill/>
-          </a:ln>
-        </p:spPr>
-        <p:txBody>
-          <a:bodyPr anchorCtr="0" anchor="t" bIns="45700" lIns="91425" spcFirstLastPara="1" rIns="91425" wrap="square" tIns="45700">
-            <a:noAutofit/>
-          </a:bodyPr>
-          <a:lstStyle>
-            <a:lvl1pPr indent="0" lvl="0" marL="0" marR="0" rtl="0" algn="r">
-              <a:lnSpc>
-                <a:spcPct val="100000"/>
-              </a:lnSpc>
-              <a:spcBef>
-                <a:spcPts val="0"/>
-              </a:spcBef>
-              <a:spcAft>
-                <a:spcPts val="0"/>
-              </a:spcAft>
-              <a:buClr>
-                <a:schemeClr val="dk1"/>
-              </a:buClr>
-              <a:buSzPts val="1400"/>
-              <a:buFont typeface="Arial"/>
-              <a:buNone/>
-              <a:defRPr b="0" i="0" sz="1400" u="none" cap="none" strike="noStrike">
-                <a:solidFill>
-                  <a:schemeClr val="dk1"/>
-                </a:solidFill>
-                <a:latin typeface="Arial"/>
-                <a:ea typeface="Arial"/>
-                <a:cs typeface="Arial"/>
-                <a:sym typeface="Arial"/>
-              </a:defRPr>
-            </a:lvl1pPr>
-            <a:lvl2pPr indent="0" lvl="1" marL="0" marR="0" rtl="0" algn="r">
-              <a:lnSpc>
-                <a:spcPct val="100000"/>
-              </a:lnSpc>
-              <a:spcBef>
-                <a:spcPts val="0"/>
-              </a:spcBef>
-              <a:spcAft>
-                <a:spcPts val="0"/>
-              </a:spcAft>
-              <a:buClr>
-                <a:schemeClr val="dk1"/>
-              </a:buClr>
-              <a:buSzPts val="1400"/>
-              <a:buFont typeface="Arial"/>
-              <a:buNone/>
-              <a:defRPr b="0" i="0" sz="1400" u="none" cap="none" strike="noStrike">
-                <a:solidFill>
-                  <a:schemeClr val="dk1"/>
-                </a:solidFill>
-                <a:latin typeface="Arial"/>
-                <a:ea typeface="Arial"/>
-                <a:cs typeface="Arial"/>
-                <a:sym typeface="Arial"/>
-              </a:defRPr>
-            </a:lvl2pPr>
-            <a:lvl3pPr indent="0" lvl="2" marL="0" marR="0" rtl="0" algn="r">
-              <a:lnSpc>
-                <a:spcPct val="100000"/>
-              </a:lnSpc>
-              <a:spcBef>
-                <a:spcPts val="0"/>
-              </a:spcBef>
-              <a:spcAft>
-                <a:spcPts val="0"/>
-              </a:spcAft>
-              <a:buClr>
-                <a:schemeClr val="dk1"/>
-              </a:buClr>
-              <a:buSzPts val="1400"/>
-              <a:buFont typeface="Arial"/>
-              <a:buNone/>
-              <a:defRPr b="0" i="0" sz="1400" u="none" cap="none" strike="noStrike">
-                <a:solidFill>
-                  <a:schemeClr val="dk1"/>
-                </a:solidFill>
-                <a:latin typeface="Arial"/>
-                <a:ea typeface="Arial"/>
-                <a:cs typeface="Arial"/>
-                <a:sym typeface="Arial"/>
-              </a:defRPr>
-            </a:lvl3pPr>
-            <a:lvl4pPr indent="0" lvl="3" marL="0" marR="0" rtl="0" algn="r">
-              <a:lnSpc>
-                <a:spcPct val="100000"/>
-              </a:lnSpc>
-              <a:spcBef>
-                <a:spcPts val="0"/>
-              </a:spcBef>
-              <a:spcAft>
-                <a:spcPts val="0"/>
-              </a:spcAft>
-              <a:buClr>
-                <a:schemeClr val="dk1"/>
-              </a:buClr>
-              <a:buSzPts val="1400"/>
-              <a:buFont typeface="Arial"/>
-              <a:buNone/>
-              <a:defRPr b="0" i="0" sz="1400" u="none" cap="none" strike="noStrike">
-                <a:solidFill>
-                  <a:schemeClr val="dk1"/>
-                </a:solidFill>
-                <a:latin typeface="Arial"/>
-                <a:ea typeface="Arial"/>
-                <a:cs typeface="Arial"/>
-                <a:sym typeface="Arial"/>
-              </a:defRPr>
-            </a:lvl4pPr>
-            <a:lvl5pPr indent="0" lvl="4" marL="0" marR="0" rtl="0" algn="r">
-              <a:lnSpc>
-                <a:spcPct val="100000"/>
-              </a:lnSpc>
-              <a:spcBef>
-                <a:spcPts val="0"/>
-              </a:spcBef>
-              <a:spcAft>
-                <a:spcPts val="0"/>
-              </a:spcAft>
-              <a:buClr>
-                <a:schemeClr val="dk1"/>
-              </a:buClr>
-              <a:buSzPts val="1400"/>
-              <a:buFont typeface="Arial"/>
-              <a:buNone/>
-              <a:defRPr b="0" i="0" sz="1400" u="none" cap="none" strike="noStrike">
-                <a:solidFill>
-                  <a:schemeClr val="dk1"/>
-                </a:solidFill>
-                <a:latin typeface="Arial"/>
-                <a:ea typeface="Arial"/>
-                <a:cs typeface="Arial"/>
-                <a:sym typeface="Arial"/>
-              </a:defRPr>
-            </a:lvl5pPr>
-            <a:lvl6pPr indent="0" lvl="5" marL="0" marR="0" rtl="0" algn="r">
-              <a:lnSpc>
-                <a:spcPct val="100000"/>
-              </a:lnSpc>
-              <a:spcBef>
-                <a:spcPts val="0"/>
-              </a:spcBef>
-              <a:spcAft>
-                <a:spcPts val="0"/>
-              </a:spcAft>
-              <a:buClr>
-                <a:schemeClr val="dk1"/>
-              </a:buClr>
-              <a:buSzPts val="1400"/>
-              <a:buFont typeface="Arial"/>
-              <a:buNone/>
-              <a:defRPr b="0" i="0" sz="1400" u="none" cap="none" strike="noStrike">
-                <a:solidFill>
-                  <a:schemeClr val="dk1"/>
-                </a:solidFill>
-                <a:latin typeface="Arial"/>
-                <a:ea typeface="Arial"/>
-                <a:cs typeface="Arial"/>
-                <a:sym typeface="Arial"/>
-              </a:defRPr>
-            </a:lvl6pPr>
-            <a:lvl7pPr indent="0" lvl="6" marL="0" marR="0" rtl="0" algn="r">
-              <a:lnSpc>
-                <a:spcPct val="100000"/>
-              </a:lnSpc>
-              <a:spcBef>
-                <a:spcPts val="0"/>
-              </a:spcBef>
-              <a:spcAft>
-                <a:spcPts val="0"/>
-              </a:spcAft>
-              <a:buClr>
-                <a:schemeClr val="dk1"/>
-              </a:buClr>
-              <a:buSzPts val="1400"/>
-              <a:buFont typeface="Arial"/>
-              <a:buNone/>
-              <a:defRPr b="0" i="0" sz="1400" u="none" cap="none" strike="noStrike">
-                <a:solidFill>
-                  <a:schemeClr val="dk1"/>
-                </a:solidFill>
-                <a:latin typeface="Arial"/>
-                <a:ea typeface="Arial"/>
-                <a:cs typeface="Arial"/>
-                <a:sym typeface="Arial"/>
-              </a:defRPr>
-            </a:lvl7pPr>
-            <a:lvl8pPr indent="0" lvl="7" marL="0" marR="0" rtl="0" algn="r">
-              <a:lnSpc>
-                <a:spcPct val="100000"/>
-              </a:lnSpc>
-              <a:spcBef>
-                <a:spcPts val="0"/>
-              </a:spcBef>
-              <a:spcAft>
-                <a:spcPts val="0"/>
-              </a:spcAft>
-              <a:buClr>
-                <a:schemeClr val="dk1"/>
-              </a:buClr>
-              <a:buSzPts val="1400"/>
-              <a:buFont typeface="Arial"/>
-              <a:buNone/>
-              <a:defRPr b="0" i="0" sz="1400" u="none" cap="none" strike="noStrike">
-                <a:solidFill>
-                  <a:schemeClr val="dk1"/>
-                </a:solidFill>
-                <a:latin typeface="Arial"/>
-                <a:ea typeface="Arial"/>
-                <a:cs typeface="Arial"/>
-                <a:sym typeface="Arial"/>
-              </a:defRPr>
-            </a:lvl8pPr>
-            <a:lvl9pPr indent="0" lvl="8" marL="0" marR="0" rtl="0" algn="r">
-              <a:lnSpc>
-                <a:spcPct val="100000"/>
-              </a:lnSpc>
-              <a:spcBef>
-                <a:spcPts val="0"/>
-              </a:spcBef>
-              <a:spcAft>
-                <a:spcPts val="0"/>
-              </a:spcAft>
-              <a:buClr>
-                <a:schemeClr val="dk1"/>
-              </a:buClr>
-              <a:buSzPts val="1400"/>
-              <a:buFont typeface="Arial"/>
-              <a:buNone/>
-              <a:defRPr b="0" i="0" sz="1400" u="none" cap="none" strike="noStrike">
+              <a:defRPr sz="2000" b="0" i="0" u="none" strike="noStrike" cap="none">
                 <a:solidFill>
                   <a:schemeClr val="dk1"/>
                 </a:solidFill>
@@ -5901,7 +5252,739 @@
             </a:lvl9pPr>
           </a:lstStyle>
           <a:p>
-            <a:pPr indent="0" lvl="0" marL="0" rtl="0" algn="r">
+            <a:endParaRPr/>
+          </a:p>
+        </p:txBody>
+      </p:sp>
+      <p:sp>
+        <p:nvSpPr>
+          <p:cNvPr id="8" name="Google Shape;8;p1"/>
+          <p:cNvSpPr txBox="1">
+            <a:spLocks noGrp="1"/>
+          </p:cNvSpPr>
+          <p:nvPr>
+            <p:ph type="dt" idx="10"/>
+          </p:nvPr>
+        </p:nvSpPr>
+        <p:spPr>
+          <a:xfrm>
+            <a:off x="457200" y="4683919"/>
+            <a:ext cx="2133600" cy="357300"/>
+          </a:xfrm>
+          <a:prstGeom prst="rect">
+            <a:avLst/>
+          </a:prstGeom>
+          <a:noFill/>
+          <a:ln>
+            <a:noFill/>
+          </a:ln>
+        </p:spPr>
+        <p:txBody>
+          <a:bodyPr spcFirstLastPara="1" wrap="square" lIns="91425" tIns="45700" rIns="91425" bIns="45700" anchor="t" anchorCtr="0">
+            <a:noAutofit/>
+          </a:bodyPr>
+          <a:lstStyle>
+            <a:lvl1pPr marR="0" lvl="0" algn="l" rtl="0">
+              <a:lnSpc>
+                <a:spcPct val="100000"/>
+              </a:lnSpc>
+              <a:spcBef>
+                <a:spcPts val="0"/>
+              </a:spcBef>
+              <a:spcAft>
+                <a:spcPts val="0"/>
+              </a:spcAft>
+              <a:buSzPts val="1400"/>
+              <a:buNone/>
+              <a:defRPr sz="1400" b="0" i="0" u="none" strike="noStrike" cap="none">
+                <a:solidFill>
+                  <a:schemeClr val="dk1"/>
+                </a:solidFill>
+                <a:latin typeface="Arial"/>
+                <a:ea typeface="Arial"/>
+                <a:cs typeface="Arial"/>
+                <a:sym typeface="Arial"/>
+              </a:defRPr>
+            </a:lvl1pPr>
+            <a:lvl2pPr marR="0" lvl="1" algn="l" rtl="0">
+              <a:lnSpc>
+                <a:spcPct val="100000"/>
+              </a:lnSpc>
+              <a:spcBef>
+                <a:spcPts val="0"/>
+              </a:spcBef>
+              <a:spcAft>
+                <a:spcPts val="0"/>
+              </a:spcAft>
+              <a:buSzPts val="1400"/>
+              <a:buNone/>
+              <a:defRPr sz="1800" b="0" i="0" u="none" strike="noStrike" cap="none">
+                <a:solidFill>
+                  <a:schemeClr val="dk1"/>
+                </a:solidFill>
+                <a:latin typeface="Arial"/>
+                <a:ea typeface="Arial"/>
+                <a:cs typeface="Arial"/>
+                <a:sym typeface="Arial"/>
+              </a:defRPr>
+            </a:lvl2pPr>
+            <a:lvl3pPr marR="0" lvl="2" algn="l" rtl="0">
+              <a:lnSpc>
+                <a:spcPct val="100000"/>
+              </a:lnSpc>
+              <a:spcBef>
+                <a:spcPts val="0"/>
+              </a:spcBef>
+              <a:spcAft>
+                <a:spcPts val="0"/>
+              </a:spcAft>
+              <a:buSzPts val="1400"/>
+              <a:buNone/>
+              <a:defRPr sz="1800" b="0" i="0" u="none" strike="noStrike" cap="none">
+                <a:solidFill>
+                  <a:schemeClr val="dk1"/>
+                </a:solidFill>
+                <a:latin typeface="Arial"/>
+                <a:ea typeface="Arial"/>
+                <a:cs typeface="Arial"/>
+                <a:sym typeface="Arial"/>
+              </a:defRPr>
+            </a:lvl3pPr>
+            <a:lvl4pPr marR="0" lvl="3" algn="l" rtl="0">
+              <a:lnSpc>
+                <a:spcPct val="100000"/>
+              </a:lnSpc>
+              <a:spcBef>
+                <a:spcPts val="0"/>
+              </a:spcBef>
+              <a:spcAft>
+                <a:spcPts val="0"/>
+              </a:spcAft>
+              <a:buSzPts val="1400"/>
+              <a:buNone/>
+              <a:defRPr sz="1800" b="0" i="0" u="none" strike="noStrike" cap="none">
+                <a:solidFill>
+                  <a:schemeClr val="dk1"/>
+                </a:solidFill>
+                <a:latin typeface="Arial"/>
+                <a:ea typeface="Arial"/>
+                <a:cs typeface="Arial"/>
+                <a:sym typeface="Arial"/>
+              </a:defRPr>
+            </a:lvl4pPr>
+            <a:lvl5pPr marR="0" lvl="4" algn="l" rtl="0">
+              <a:lnSpc>
+                <a:spcPct val="100000"/>
+              </a:lnSpc>
+              <a:spcBef>
+                <a:spcPts val="0"/>
+              </a:spcBef>
+              <a:spcAft>
+                <a:spcPts val="0"/>
+              </a:spcAft>
+              <a:buSzPts val="1400"/>
+              <a:buNone/>
+              <a:defRPr sz="1800" b="0" i="0" u="none" strike="noStrike" cap="none">
+                <a:solidFill>
+                  <a:schemeClr val="dk1"/>
+                </a:solidFill>
+                <a:latin typeface="Arial"/>
+                <a:ea typeface="Arial"/>
+                <a:cs typeface="Arial"/>
+                <a:sym typeface="Arial"/>
+              </a:defRPr>
+            </a:lvl5pPr>
+            <a:lvl6pPr marR="0" lvl="5" algn="l" rtl="0">
+              <a:lnSpc>
+                <a:spcPct val="100000"/>
+              </a:lnSpc>
+              <a:spcBef>
+                <a:spcPts val="0"/>
+              </a:spcBef>
+              <a:spcAft>
+                <a:spcPts val="0"/>
+              </a:spcAft>
+              <a:buSzPts val="1400"/>
+              <a:buNone/>
+              <a:defRPr sz="1800" b="0" i="0" u="none" strike="noStrike" cap="none">
+                <a:solidFill>
+                  <a:schemeClr val="dk1"/>
+                </a:solidFill>
+                <a:latin typeface="Arial"/>
+                <a:ea typeface="Arial"/>
+                <a:cs typeface="Arial"/>
+                <a:sym typeface="Arial"/>
+              </a:defRPr>
+            </a:lvl6pPr>
+            <a:lvl7pPr marR="0" lvl="6" algn="l" rtl="0">
+              <a:lnSpc>
+                <a:spcPct val="100000"/>
+              </a:lnSpc>
+              <a:spcBef>
+                <a:spcPts val="0"/>
+              </a:spcBef>
+              <a:spcAft>
+                <a:spcPts val="0"/>
+              </a:spcAft>
+              <a:buSzPts val="1400"/>
+              <a:buNone/>
+              <a:defRPr sz="1800" b="0" i="0" u="none" strike="noStrike" cap="none">
+                <a:solidFill>
+                  <a:schemeClr val="dk1"/>
+                </a:solidFill>
+                <a:latin typeface="Arial"/>
+                <a:ea typeface="Arial"/>
+                <a:cs typeface="Arial"/>
+                <a:sym typeface="Arial"/>
+              </a:defRPr>
+            </a:lvl7pPr>
+            <a:lvl8pPr marR="0" lvl="7" algn="l" rtl="0">
+              <a:lnSpc>
+                <a:spcPct val="100000"/>
+              </a:lnSpc>
+              <a:spcBef>
+                <a:spcPts val="0"/>
+              </a:spcBef>
+              <a:spcAft>
+                <a:spcPts val="0"/>
+              </a:spcAft>
+              <a:buSzPts val="1400"/>
+              <a:buNone/>
+              <a:defRPr sz="1800" b="0" i="0" u="none" strike="noStrike" cap="none">
+                <a:solidFill>
+                  <a:schemeClr val="dk1"/>
+                </a:solidFill>
+                <a:latin typeface="Arial"/>
+                <a:ea typeface="Arial"/>
+                <a:cs typeface="Arial"/>
+                <a:sym typeface="Arial"/>
+              </a:defRPr>
+            </a:lvl8pPr>
+            <a:lvl9pPr marR="0" lvl="8" algn="l" rtl="0">
+              <a:lnSpc>
+                <a:spcPct val="100000"/>
+              </a:lnSpc>
+              <a:spcBef>
+                <a:spcPts val="0"/>
+              </a:spcBef>
+              <a:spcAft>
+                <a:spcPts val="0"/>
+              </a:spcAft>
+              <a:buSzPts val="1400"/>
+              <a:buNone/>
+              <a:defRPr sz="1800" b="0" i="0" u="none" strike="noStrike" cap="none">
+                <a:solidFill>
+                  <a:schemeClr val="dk1"/>
+                </a:solidFill>
+                <a:latin typeface="Arial"/>
+                <a:ea typeface="Arial"/>
+                <a:cs typeface="Arial"/>
+                <a:sym typeface="Arial"/>
+              </a:defRPr>
+            </a:lvl9pPr>
+          </a:lstStyle>
+          <a:p>
+            <a:endParaRPr/>
+          </a:p>
+        </p:txBody>
+      </p:sp>
+      <p:sp>
+        <p:nvSpPr>
+          <p:cNvPr id="9" name="Google Shape;9;p1"/>
+          <p:cNvSpPr txBox="1">
+            <a:spLocks noGrp="1"/>
+          </p:cNvSpPr>
+          <p:nvPr>
+            <p:ph type="ftr" idx="11"/>
+          </p:nvPr>
+        </p:nvSpPr>
+        <p:spPr>
+          <a:xfrm>
+            <a:off x="3124200" y="4683919"/>
+            <a:ext cx="2895600" cy="357300"/>
+          </a:xfrm>
+          <a:prstGeom prst="rect">
+            <a:avLst/>
+          </a:prstGeom>
+          <a:noFill/>
+          <a:ln>
+            <a:noFill/>
+          </a:ln>
+        </p:spPr>
+        <p:txBody>
+          <a:bodyPr spcFirstLastPara="1" wrap="square" lIns="91425" tIns="45700" rIns="91425" bIns="45700" anchor="t" anchorCtr="0">
+            <a:noAutofit/>
+          </a:bodyPr>
+          <a:lstStyle>
+            <a:lvl1pPr marR="0" lvl="0" algn="ctr" rtl="0">
+              <a:lnSpc>
+                <a:spcPct val="100000"/>
+              </a:lnSpc>
+              <a:spcBef>
+                <a:spcPts val="0"/>
+              </a:spcBef>
+              <a:spcAft>
+                <a:spcPts val="0"/>
+              </a:spcAft>
+              <a:buSzPts val="1400"/>
+              <a:buNone/>
+              <a:defRPr sz="1400" b="0" i="0" u="none" strike="noStrike" cap="none">
+                <a:solidFill>
+                  <a:schemeClr val="dk1"/>
+                </a:solidFill>
+                <a:latin typeface="Arial"/>
+                <a:ea typeface="Arial"/>
+                <a:cs typeface="Arial"/>
+                <a:sym typeface="Arial"/>
+              </a:defRPr>
+            </a:lvl1pPr>
+            <a:lvl2pPr marR="0" lvl="1" algn="l" rtl="0">
+              <a:lnSpc>
+                <a:spcPct val="100000"/>
+              </a:lnSpc>
+              <a:spcBef>
+                <a:spcPts val="0"/>
+              </a:spcBef>
+              <a:spcAft>
+                <a:spcPts val="0"/>
+              </a:spcAft>
+              <a:buSzPts val="1400"/>
+              <a:buNone/>
+              <a:defRPr sz="1800" b="0" i="0" u="none" strike="noStrike" cap="none">
+                <a:solidFill>
+                  <a:schemeClr val="dk1"/>
+                </a:solidFill>
+                <a:latin typeface="Arial"/>
+                <a:ea typeface="Arial"/>
+                <a:cs typeface="Arial"/>
+                <a:sym typeface="Arial"/>
+              </a:defRPr>
+            </a:lvl2pPr>
+            <a:lvl3pPr marR="0" lvl="2" algn="l" rtl="0">
+              <a:lnSpc>
+                <a:spcPct val="100000"/>
+              </a:lnSpc>
+              <a:spcBef>
+                <a:spcPts val="0"/>
+              </a:spcBef>
+              <a:spcAft>
+                <a:spcPts val="0"/>
+              </a:spcAft>
+              <a:buSzPts val="1400"/>
+              <a:buNone/>
+              <a:defRPr sz="1800" b="0" i="0" u="none" strike="noStrike" cap="none">
+                <a:solidFill>
+                  <a:schemeClr val="dk1"/>
+                </a:solidFill>
+                <a:latin typeface="Arial"/>
+                <a:ea typeface="Arial"/>
+                <a:cs typeface="Arial"/>
+                <a:sym typeface="Arial"/>
+              </a:defRPr>
+            </a:lvl3pPr>
+            <a:lvl4pPr marR="0" lvl="3" algn="l" rtl="0">
+              <a:lnSpc>
+                <a:spcPct val="100000"/>
+              </a:lnSpc>
+              <a:spcBef>
+                <a:spcPts val="0"/>
+              </a:spcBef>
+              <a:spcAft>
+                <a:spcPts val="0"/>
+              </a:spcAft>
+              <a:buSzPts val="1400"/>
+              <a:buNone/>
+              <a:defRPr sz="1800" b="0" i="0" u="none" strike="noStrike" cap="none">
+                <a:solidFill>
+                  <a:schemeClr val="dk1"/>
+                </a:solidFill>
+                <a:latin typeface="Arial"/>
+                <a:ea typeface="Arial"/>
+                <a:cs typeface="Arial"/>
+                <a:sym typeface="Arial"/>
+              </a:defRPr>
+            </a:lvl4pPr>
+            <a:lvl5pPr marR="0" lvl="4" algn="l" rtl="0">
+              <a:lnSpc>
+                <a:spcPct val="100000"/>
+              </a:lnSpc>
+              <a:spcBef>
+                <a:spcPts val="0"/>
+              </a:spcBef>
+              <a:spcAft>
+                <a:spcPts val="0"/>
+              </a:spcAft>
+              <a:buSzPts val="1400"/>
+              <a:buNone/>
+              <a:defRPr sz="1800" b="0" i="0" u="none" strike="noStrike" cap="none">
+                <a:solidFill>
+                  <a:schemeClr val="dk1"/>
+                </a:solidFill>
+                <a:latin typeface="Arial"/>
+                <a:ea typeface="Arial"/>
+                <a:cs typeface="Arial"/>
+                <a:sym typeface="Arial"/>
+              </a:defRPr>
+            </a:lvl5pPr>
+            <a:lvl6pPr marR="0" lvl="5" algn="l" rtl="0">
+              <a:lnSpc>
+                <a:spcPct val="100000"/>
+              </a:lnSpc>
+              <a:spcBef>
+                <a:spcPts val="0"/>
+              </a:spcBef>
+              <a:spcAft>
+                <a:spcPts val="0"/>
+              </a:spcAft>
+              <a:buSzPts val="1400"/>
+              <a:buNone/>
+              <a:defRPr sz="1800" b="0" i="0" u="none" strike="noStrike" cap="none">
+                <a:solidFill>
+                  <a:schemeClr val="dk1"/>
+                </a:solidFill>
+                <a:latin typeface="Arial"/>
+                <a:ea typeface="Arial"/>
+                <a:cs typeface="Arial"/>
+                <a:sym typeface="Arial"/>
+              </a:defRPr>
+            </a:lvl6pPr>
+            <a:lvl7pPr marR="0" lvl="6" algn="l" rtl="0">
+              <a:lnSpc>
+                <a:spcPct val="100000"/>
+              </a:lnSpc>
+              <a:spcBef>
+                <a:spcPts val="0"/>
+              </a:spcBef>
+              <a:spcAft>
+                <a:spcPts val="0"/>
+              </a:spcAft>
+              <a:buSzPts val="1400"/>
+              <a:buNone/>
+              <a:defRPr sz="1800" b="0" i="0" u="none" strike="noStrike" cap="none">
+                <a:solidFill>
+                  <a:schemeClr val="dk1"/>
+                </a:solidFill>
+                <a:latin typeface="Arial"/>
+                <a:ea typeface="Arial"/>
+                <a:cs typeface="Arial"/>
+                <a:sym typeface="Arial"/>
+              </a:defRPr>
+            </a:lvl7pPr>
+            <a:lvl8pPr marR="0" lvl="7" algn="l" rtl="0">
+              <a:lnSpc>
+                <a:spcPct val="100000"/>
+              </a:lnSpc>
+              <a:spcBef>
+                <a:spcPts val="0"/>
+              </a:spcBef>
+              <a:spcAft>
+                <a:spcPts val="0"/>
+              </a:spcAft>
+              <a:buSzPts val="1400"/>
+              <a:buNone/>
+              <a:defRPr sz="1800" b="0" i="0" u="none" strike="noStrike" cap="none">
+                <a:solidFill>
+                  <a:schemeClr val="dk1"/>
+                </a:solidFill>
+                <a:latin typeface="Arial"/>
+                <a:ea typeface="Arial"/>
+                <a:cs typeface="Arial"/>
+                <a:sym typeface="Arial"/>
+              </a:defRPr>
+            </a:lvl8pPr>
+            <a:lvl9pPr marR="0" lvl="8" algn="l" rtl="0">
+              <a:lnSpc>
+                <a:spcPct val="100000"/>
+              </a:lnSpc>
+              <a:spcBef>
+                <a:spcPts val="0"/>
+              </a:spcBef>
+              <a:spcAft>
+                <a:spcPts val="0"/>
+              </a:spcAft>
+              <a:buSzPts val="1400"/>
+              <a:buNone/>
+              <a:defRPr sz="1800" b="0" i="0" u="none" strike="noStrike" cap="none">
+                <a:solidFill>
+                  <a:schemeClr val="dk1"/>
+                </a:solidFill>
+                <a:latin typeface="Arial"/>
+                <a:ea typeface="Arial"/>
+                <a:cs typeface="Arial"/>
+                <a:sym typeface="Arial"/>
+              </a:defRPr>
+            </a:lvl9pPr>
+          </a:lstStyle>
+          <a:p>
+            <a:endParaRPr/>
+          </a:p>
+        </p:txBody>
+      </p:sp>
+      <p:sp>
+        <p:nvSpPr>
+          <p:cNvPr id="10" name="Google Shape;10;p1"/>
+          <p:cNvSpPr txBox="1">
+            <a:spLocks noGrp="1"/>
+          </p:cNvSpPr>
+          <p:nvPr>
+            <p:ph type="sldNum" idx="12"/>
+          </p:nvPr>
+        </p:nvSpPr>
+        <p:spPr>
+          <a:xfrm>
+            <a:off x="6553200" y="4683919"/>
+            <a:ext cx="2133600" cy="357300"/>
+          </a:xfrm>
+          <a:prstGeom prst="rect">
+            <a:avLst/>
+          </a:prstGeom>
+          <a:noFill/>
+          <a:ln>
+            <a:noFill/>
+          </a:ln>
+        </p:spPr>
+        <p:txBody>
+          <a:bodyPr spcFirstLastPara="1" wrap="square" lIns="91425" tIns="45700" rIns="91425" bIns="45700" anchor="t" anchorCtr="0">
+            <a:noAutofit/>
+          </a:bodyPr>
+          <a:lstStyle>
+            <a:lvl1pPr marL="0" marR="0" lvl="0" indent="0" algn="r" rtl="0">
+              <a:lnSpc>
+                <a:spcPct val="100000"/>
+              </a:lnSpc>
+              <a:spcBef>
+                <a:spcPts val="0"/>
+              </a:spcBef>
+              <a:spcAft>
+                <a:spcPts val="0"/>
+              </a:spcAft>
+              <a:buClr>
+                <a:schemeClr val="dk1"/>
+              </a:buClr>
+              <a:buSzPts val="1400"/>
+              <a:buFont typeface="Arial"/>
+              <a:buNone/>
+              <a:defRPr sz="1400" b="0" i="0" u="none" strike="noStrike" cap="none">
+                <a:solidFill>
+                  <a:schemeClr val="dk1"/>
+                </a:solidFill>
+                <a:latin typeface="Arial"/>
+                <a:ea typeface="Arial"/>
+                <a:cs typeface="Arial"/>
+                <a:sym typeface="Arial"/>
+              </a:defRPr>
+            </a:lvl1pPr>
+            <a:lvl2pPr marL="0" marR="0" lvl="1" indent="0" algn="r" rtl="0">
+              <a:lnSpc>
+                <a:spcPct val="100000"/>
+              </a:lnSpc>
+              <a:spcBef>
+                <a:spcPts val="0"/>
+              </a:spcBef>
+              <a:spcAft>
+                <a:spcPts val="0"/>
+              </a:spcAft>
+              <a:buClr>
+                <a:schemeClr val="dk1"/>
+              </a:buClr>
+              <a:buSzPts val="1400"/>
+              <a:buFont typeface="Arial"/>
+              <a:buNone/>
+              <a:defRPr sz="1400" b="0" i="0" u="none" strike="noStrike" cap="none">
+                <a:solidFill>
+                  <a:schemeClr val="dk1"/>
+                </a:solidFill>
+                <a:latin typeface="Arial"/>
+                <a:ea typeface="Arial"/>
+                <a:cs typeface="Arial"/>
+                <a:sym typeface="Arial"/>
+              </a:defRPr>
+            </a:lvl2pPr>
+            <a:lvl3pPr marL="0" marR="0" lvl="2" indent="0" algn="r" rtl="0">
+              <a:lnSpc>
+                <a:spcPct val="100000"/>
+              </a:lnSpc>
+              <a:spcBef>
+                <a:spcPts val="0"/>
+              </a:spcBef>
+              <a:spcAft>
+                <a:spcPts val="0"/>
+              </a:spcAft>
+              <a:buClr>
+                <a:schemeClr val="dk1"/>
+              </a:buClr>
+              <a:buSzPts val="1400"/>
+              <a:buFont typeface="Arial"/>
+              <a:buNone/>
+              <a:defRPr sz="1400" b="0" i="0" u="none" strike="noStrike" cap="none">
+                <a:solidFill>
+                  <a:schemeClr val="dk1"/>
+                </a:solidFill>
+                <a:latin typeface="Arial"/>
+                <a:ea typeface="Arial"/>
+                <a:cs typeface="Arial"/>
+                <a:sym typeface="Arial"/>
+              </a:defRPr>
+            </a:lvl3pPr>
+            <a:lvl4pPr marL="0" marR="0" lvl="3" indent="0" algn="r" rtl="0">
+              <a:lnSpc>
+                <a:spcPct val="100000"/>
+              </a:lnSpc>
+              <a:spcBef>
+                <a:spcPts val="0"/>
+              </a:spcBef>
+              <a:spcAft>
+                <a:spcPts val="0"/>
+              </a:spcAft>
+              <a:buClr>
+                <a:schemeClr val="dk1"/>
+              </a:buClr>
+              <a:buSzPts val="1400"/>
+              <a:buFont typeface="Arial"/>
+              <a:buNone/>
+              <a:defRPr sz="1400" b="0" i="0" u="none" strike="noStrike" cap="none">
+                <a:solidFill>
+                  <a:schemeClr val="dk1"/>
+                </a:solidFill>
+                <a:latin typeface="Arial"/>
+                <a:ea typeface="Arial"/>
+                <a:cs typeface="Arial"/>
+                <a:sym typeface="Arial"/>
+              </a:defRPr>
+            </a:lvl4pPr>
+            <a:lvl5pPr marL="0" marR="0" lvl="4" indent="0" algn="r" rtl="0">
+              <a:lnSpc>
+                <a:spcPct val="100000"/>
+              </a:lnSpc>
+              <a:spcBef>
+                <a:spcPts val="0"/>
+              </a:spcBef>
+              <a:spcAft>
+                <a:spcPts val="0"/>
+              </a:spcAft>
+              <a:buClr>
+                <a:schemeClr val="dk1"/>
+              </a:buClr>
+              <a:buSzPts val="1400"/>
+              <a:buFont typeface="Arial"/>
+              <a:buNone/>
+              <a:defRPr sz="1400" b="0" i="0" u="none" strike="noStrike" cap="none">
+                <a:solidFill>
+                  <a:schemeClr val="dk1"/>
+                </a:solidFill>
+                <a:latin typeface="Arial"/>
+                <a:ea typeface="Arial"/>
+                <a:cs typeface="Arial"/>
+                <a:sym typeface="Arial"/>
+              </a:defRPr>
+            </a:lvl5pPr>
+            <a:lvl6pPr marL="0" marR="0" lvl="5" indent="0" algn="r" rtl="0">
+              <a:lnSpc>
+                <a:spcPct val="100000"/>
+              </a:lnSpc>
+              <a:spcBef>
+                <a:spcPts val="0"/>
+              </a:spcBef>
+              <a:spcAft>
+                <a:spcPts val="0"/>
+              </a:spcAft>
+              <a:buClr>
+                <a:schemeClr val="dk1"/>
+              </a:buClr>
+              <a:buSzPts val="1400"/>
+              <a:buFont typeface="Arial"/>
+              <a:buNone/>
+              <a:defRPr sz="1400" b="0" i="0" u="none" strike="noStrike" cap="none">
+                <a:solidFill>
+                  <a:schemeClr val="dk1"/>
+                </a:solidFill>
+                <a:latin typeface="Arial"/>
+                <a:ea typeface="Arial"/>
+                <a:cs typeface="Arial"/>
+                <a:sym typeface="Arial"/>
+              </a:defRPr>
+            </a:lvl6pPr>
+            <a:lvl7pPr marL="0" marR="0" lvl="6" indent="0" algn="r" rtl="0">
+              <a:lnSpc>
+                <a:spcPct val="100000"/>
+              </a:lnSpc>
+              <a:spcBef>
+                <a:spcPts val="0"/>
+              </a:spcBef>
+              <a:spcAft>
+                <a:spcPts val="0"/>
+              </a:spcAft>
+              <a:buClr>
+                <a:schemeClr val="dk1"/>
+              </a:buClr>
+              <a:buSzPts val="1400"/>
+              <a:buFont typeface="Arial"/>
+              <a:buNone/>
+              <a:defRPr sz="1400" b="0" i="0" u="none" strike="noStrike" cap="none">
+                <a:solidFill>
+                  <a:schemeClr val="dk1"/>
+                </a:solidFill>
+                <a:latin typeface="Arial"/>
+                <a:ea typeface="Arial"/>
+                <a:cs typeface="Arial"/>
+                <a:sym typeface="Arial"/>
+              </a:defRPr>
+            </a:lvl7pPr>
+            <a:lvl8pPr marL="0" marR="0" lvl="7" indent="0" algn="r" rtl="0">
+              <a:lnSpc>
+                <a:spcPct val="100000"/>
+              </a:lnSpc>
+              <a:spcBef>
+                <a:spcPts val="0"/>
+              </a:spcBef>
+              <a:spcAft>
+                <a:spcPts val="0"/>
+              </a:spcAft>
+              <a:buClr>
+                <a:schemeClr val="dk1"/>
+              </a:buClr>
+              <a:buSzPts val="1400"/>
+              <a:buFont typeface="Arial"/>
+              <a:buNone/>
+              <a:defRPr sz="1400" b="0" i="0" u="none" strike="noStrike" cap="none">
+                <a:solidFill>
+                  <a:schemeClr val="dk1"/>
+                </a:solidFill>
+                <a:latin typeface="Arial"/>
+                <a:ea typeface="Arial"/>
+                <a:cs typeface="Arial"/>
+                <a:sym typeface="Arial"/>
+              </a:defRPr>
+            </a:lvl8pPr>
+            <a:lvl9pPr marL="0" marR="0" lvl="8" indent="0" algn="r" rtl="0">
+              <a:lnSpc>
+                <a:spcPct val="100000"/>
+              </a:lnSpc>
+              <a:spcBef>
+                <a:spcPts val="0"/>
+              </a:spcBef>
+              <a:spcAft>
+                <a:spcPts val="0"/>
+              </a:spcAft>
+              <a:buClr>
+                <a:schemeClr val="dk1"/>
+              </a:buClr>
+              <a:buSzPts val="1400"/>
+              <a:buFont typeface="Arial"/>
+              <a:buNone/>
+              <a:defRPr sz="1400" b="0" i="0" u="none" strike="noStrike" cap="none">
+                <a:solidFill>
+                  <a:schemeClr val="dk1"/>
+                </a:solidFill>
+                <a:latin typeface="Arial"/>
+                <a:ea typeface="Arial"/>
+                <a:cs typeface="Arial"/>
+                <a:sym typeface="Arial"/>
+              </a:defRPr>
+            </a:lvl9pPr>
+          </a:lstStyle>
+          <a:p>
+            <a:pPr marL="0" lvl="0" indent="0" algn="r" rtl="0">
               <a:spcBef>
                 <a:spcPts val="0"/>
               </a:spcBef>
@@ -5924,15 +6007,15 @@
       </p:sp>
     </p:spTree>
   </p:cSld>
-  <p:clrMap accent1="accent1" accent2="accent2" accent3="accent3" accent4="accent4" accent5="accent5" accent6="accent6" bg1="lt1" bg2="dk2" tx1="dk1" tx2="lt2" folHlink="folHlink" hlink="hlink"/>
+  <p:clrMap bg1="lt1" tx1="dk1" bg2="dk2" tx2="lt2" accent1="accent1" accent2="accent2" accent3="accent3" accent4="accent4" accent5="accent5" accent6="accent6" hlink="hlink" folHlink="folHlink"/>
   <p:sldLayoutIdLst>
-    <p:sldLayoutId id="2147483648" r:id="rId2"/>
-    <p:sldLayoutId id="2147483649" r:id="rId3"/>
+    <p:sldLayoutId id="2147483648" r:id="rId1"/>
+    <p:sldLayoutId id="2147483649" r:id="rId2"/>
   </p:sldLayoutIdLst>
-  <p:hf dt="0" ftr="0" hdr="0" sldNum="0"/>
+  <p:hf sldNum="0" hdr="0" ftr="0" dt="0"/>
   <p:txStyles>
     <p:titleStyle>
-      <a:defPPr lvl="0" marR="0" rtl="0" algn="l">
+      <a:defPPr marR="0" lvl="0" algn="l" rtl="0">
         <a:lnSpc>
           <a:spcPct val="100000"/>
         </a:lnSpc>
@@ -5943,7 +6026,7 @@
           <a:spcPts val="0"/>
         </a:spcAft>
       </a:defPPr>
-      <a:lvl1pPr lvl="0" marR="0" rtl="0" algn="l">
+      <a:lvl1pPr marR="0" lvl="0" algn="l" rtl="0">
         <a:lnSpc>
           <a:spcPct val="100000"/>
         </a:lnSpc>
@@ -5957,7 +6040,7 @@
           <a:srgbClr val="000000"/>
         </a:buClr>
         <a:buFont typeface="Arial"/>
-        <a:defRPr b="0" i="0" sz="1400" u="none" cap="none" strike="noStrike">
+        <a:defRPr sz="1400" b="0" i="0" u="none" strike="noStrike" cap="none">
           <a:solidFill>
             <a:srgbClr val="000000"/>
           </a:solidFill>
@@ -5967,7 +6050,7 @@
           <a:sym typeface="Arial"/>
         </a:defRPr>
       </a:lvl1pPr>
-      <a:lvl2pPr lvl="1" marR="0" rtl="0" algn="l">
+      <a:lvl2pPr marR="0" lvl="1" algn="l" rtl="0">
         <a:lnSpc>
           <a:spcPct val="100000"/>
         </a:lnSpc>
@@ -5981,7 +6064,7 @@
           <a:srgbClr val="000000"/>
         </a:buClr>
         <a:buFont typeface="Arial"/>
-        <a:defRPr b="0" i="0" sz="1400" u="none" cap="none" strike="noStrike">
+        <a:defRPr sz="1400" b="0" i="0" u="none" strike="noStrike" cap="none">
           <a:solidFill>
             <a:srgbClr val="000000"/>
           </a:solidFill>
@@ -5991,7 +6074,7 @@
           <a:sym typeface="Arial"/>
         </a:defRPr>
       </a:lvl2pPr>
-      <a:lvl3pPr lvl="2" marR="0" rtl="0" algn="l">
+      <a:lvl3pPr marR="0" lvl="2" algn="l" rtl="0">
         <a:lnSpc>
           <a:spcPct val="100000"/>
         </a:lnSpc>
@@ -6005,7 +6088,7 @@
           <a:srgbClr val="000000"/>
         </a:buClr>
         <a:buFont typeface="Arial"/>
-        <a:defRPr b="0" i="0" sz="1400" u="none" cap="none" strike="noStrike">
+        <a:defRPr sz="1400" b="0" i="0" u="none" strike="noStrike" cap="none">
           <a:solidFill>
             <a:srgbClr val="000000"/>
           </a:solidFill>
@@ -6015,7 +6098,7 @@
           <a:sym typeface="Arial"/>
         </a:defRPr>
       </a:lvl3pPr>
-      <a:lvl4pPr lvl="3" marR="0" rtl="0" algn="l">
+      <a:lvl4pPr marR="0" lvl="3" algn="l" rtl="0">
         <a:lnSpc>
           <a:spcPct val="100000"/>
         </a:lnSpc>
@@ -6029,7 +6112,7 @@
           <a:srgbClr val="000000"/>
         </a:buClr>
         <a:buFont typeface="Arial"/>
-        <a:defRPr b="0" i="0" sz="1400" u="none" cap="none" strike="noStrike">
+        <a:defRPr sz="1400" b="0" i="0" u="none" strike="noStrike" cap="none">
           <a:solidFill>
             <a:srgbClr val="000000"/>
           </a:solidFill>
@@ -6039,7 +6122,7 @@
           <a:sym typeface="Arial"/>
         </a:defRPr>
       </a:lvl4pPr>
-      <a:lvl5pPr lvl="4" marR="0" rtl="0" algn="l">
+      <a:lvl5pPr marR="0" lvl="4" algn="l" rtl="0">
         <a:lnSpc>
           <a:spcPct val="100000"/>
         </a:lnSpc>
@@ -6053,7 +6136,7 @@
           <a:srgbClr val="000000"/>
         </a:buClr>
         <a:buFont typeface="Arial"/>
-        <a:defRPr b="0" i="0" sz="1400" u="none" cap="none" strike="noStrike">
+        <a:defRPr sz="1400" b="0" i="0" u="none" strike="noStrike" cap="none">
           <a:solidFill>
             <a:srgbClr val="000000"/>
           </a:solidFill>
@@ -6063,7 +6146,7 @@
           <a:sym typeface="Arial"/>
         </a:defRPr>
       </a:lvl5pPr>
-      <a:lvl6pPr lvl="5" marR="0" rtl="0" algn="l">
+      <a:lvl6pPr marR="0" lvl="5" algn="l" rtl="0">
         <a:lnSpc>
           <a:spcPct val="100000"/>
         </a:lnSpc>
@@ -6077,7 +6160,7 @@
           <a:srgbClr val="000000"/>
         </a:buClr>
         <a:buFont typeface="Arial"/>
-        <a:defRPr b="0" i="0" sz="1400" u="none" cap="none" strike="noStrike">
+        <a:defRPr sz="1400" b="0" i="0" u="none" strike="noStrike" cap="none">
           <a:solidFill>
             <a:srgbClr val="000000"/>
           </a:solidFill>
@@ -6087,7 +6170,7 @@
           <a:sym typeface="Arial"/>
         </a:defRPr>
       </a:lvl6pPr>
-      <a:lvl7pPr lvl="6" marR="0" rtl="0" algn="l">
+      <a:lvl7pPr marR="0" lvl="6" algn="l" rtl="0">
         <a:lnSpc>
           <a:spcPct val="100000"/>
         </a:lnSpc>
@@ -6101,7 +6184,7 @@
           <a:srgbClr val="000000"/>
         </a:buClr>
         <a:buFont typeface="Arial"/>
-        <a:defRPr b="0" i="0" sz="1400" u="none" cap="none" strike="noStrike">
+        <a:defRPr sz="1400" b="0" i="0" u="none" strike="noStrike" cap="none">
           <a:solidFill>
             <a:srgbClr val="000000"/>
           </a:solidFill>
@@ -6111,7 +6194,7 @@
           <a:sym typeface="Arial"/>
         </a:defRPr>
       </a:lvl7pPr>
-      <a:lvl8pPr lvl="7" marR="0" rtl="0" algn="l">
+      <a:lvl8pPr marR="0" lvl="7" algn="l" rtl="0">
         <a:lnSpc>
           <a:spcPct val="100000"/>
         </a:lnSpc>
@@ -6125,7 +6208,7 @@
           <a:srgbClr val="000000"/>
         </a:buClr>
         <a:buFont typeface="Arial"/>
-        <a:defRPr b="0" i="0" sz="1400" u="none" cap="none" strike="noStrike">
+        <a:defRPr sz="1400" b="0" i="0" u="none" strike="noStrike" cap="none">
           <a:solidFill>
             <a:srgbClr val="000000"/>
           </a:solidFill>
@@ -6135,7 +6218,7 @@
           <a:sym typeface="Arial"/>
         </a:defRPr>
       </a:lvl8pPr>
-      <a:lvl9pPr lvl="8" marR="0" rtl="0" algn="l">
+      <a:lvl9pPr marR="0" lvl="8" algn="l" rtl="0">
         <a:lnSpc>
           <a:spcPct val="100000"/>
         </a:lnSpc>
@@ -6149,7 +6232,7 @@
           <a:srgbClr val="000000"/>
         </a:buClr>
         <a:buFont typeface="Arial"/>
-        <a:defRPr b="0" i="0" sz="1400" u="none" cap="none" strike="noStrike">
+        <a:defRPr sz="1400" b="0" i="0" u="none" strike="noStrike" cap="none">
           <a:solidFill>
             <a:srgbClr val="000000"/>
           </a:solidFill>
@@ -6161,7 +6244,7 @@
       </a:lvl9pPr>
     </p:titleStyle>
     <p:bodyStyle>
-      <a:defPPr lvl="0" marR="0" rtl="0" algn="l">
+      <a:defPPr marR="0" lvl="0" algn="l" rtl="0">
         <a:lnSpc>
           <a:spcPct val="100000"/>
         </a:lnSpc>
@@ -6172,7 +6255,7 @@
           <a:spcPts val="0"/>
         </a:spcAft>
       </a:defPPr>
-      <a:lvl1pPr lvl="0" marR="0" rtl="0" algn="l">
+      <a:lvl1pPr marR="0" lvl="0" algn="l" rtl="0">
         <a:lnSpc>
           <a:spcPct val="100000"/>
         </a:lnSpc>
@@ -6186,7 +6269,7 @@
           <a:srgbClr val="000000"/>
         </a:buClr>
         <a:buFont typeface="Arial"/>
-        <a:defRPr b="0" i="0" sz="1400" u="none" cap="none" strike="noStrike">
+        <a:defRPr sz="1400" b="0" i="0" u="none" strike="noStrike" cap="none">
           <a:solidFill>
             <a:srgbClr val="000000"/>
           </a:solidFill>
@@ -6196,7 +6279,7 @@
           <a:sym typeface="Arial"/>
         </a:defRPr>
       </a:lvl1pPr>
-      <a:lvl2pPr lvl="1" marR="0" rtl="0" algn="l">
+      <a:lvl2pPr marR="0" lvl="1" algn="l" rtl="0">
         <a:lnSpc>
           <a:spcPct val="100000"/>
         </a:lnSpc>
@@ -6210,7 +6293,7 @@
           <a:srgbClr val="000000"/>
         </a:buClr>
         <a:buFont typeface="Arial"/>
-        <a:defRPr b="0" i="0" sz="1400" u="none" cap="none" strike="noStrike">
+        <a:defRPr sz="1400" b="0" i="0" u="none" strike="noStrike" cap="none">
           <a:solidFill>
             <a:srgbClr val="000000"/>
           </a:solidFill>
@@ -6220,7 +6303,7 @@
           <a:sym typeface="Arial"/>
         </a:defRPr>
       </a:lvl2pPr>
-      <a:lvl3pPr lvl="2" marR="0" rtl="0" algn="l">
+      <a:lvl3pPr marR="0" lvl="2" algn="l" rtl="0">
         <a:lnSpc>
           <a:spcPct val="100000"/>
         </a:lnSpc>
@@ -6234,7 +6317,7 @@
           <a:srgbClr val="000000"/>
         </a:buClr>
         <a:buFont typeface="Arial"/>
-        <a:defRPr b="0" i="0" sz="1400" u="none" cap="none" strike="noStrike">
+        <a:defRPr sz="1400" b="0" i="0" u="none" strike="noStrike" cap="none">
           <a:solidFill>
             <a:srgbClr val="000000"/>
           </a:solidFill>
@@ -6244,7 +6327,7 @@
           <a:sym typeface="Arial"/>
         </a:defRPr>
       </a:lvl3pPr>
-      <a:lvl4pPr lvl="3" marR="0" rtl="0" algn="l">
+      <a:lvl4pPr marR="0" lvl="3" algn="l" rtl="0">
         <a:lnSpc>
           <a:spcPct val="100000"/>
         </a:lnSpc>
@@ -6258,7 +6341,7 @@
           <a:srgbClr val="000000"/>
         </a:buClr>
         <a:buFont typeface="Arial"/>
-        <a:defRPr b="0" i="0" sz="1400" u="none" cap="none" strike="noStrike">
+        <a:defRPr sz="1400" b="0" i="0" u="none" strike="noStrike" cap="none">
           <a:solidFill>
             <a:srgbClr val="000000"/>
           </a:solidFill>
@@ -6268,7 +6351,7 @@
           <a:sym typeface="Arial"/>
         </a:defRPr>
       </a:lvl4pPr>
-      <a:lvl5pPr lvl="4" marR="0" rtl="0" algn="l">
+      <a:lvl5pPr marR="0" lvl="4" algn="l" rtl="0">
         <a:lnSpc>
           <a:spcPct val="100000"/>
         </a:lnSpc>
@@ -6282,7 +6365,7 @@
           <a:srgbClr val="000000"/>
         </a:buClr>
         <a:buFont typeface="Arial"/>
-        <a:defRPr b="0" i="0" sz="1400" u="none" cap="none" strike="noStrike">
+        <a:defRPr sz="1400" b="0" i="0" u="none" strike="noStrike" cap="none">
           <a:solidFill>
             <a:srgbClr val="000000"/>
           </a:solidFill>
@@ -6292,7 +6375,7 @@
           <a:sym typeface="Arial"/>
         </a:defRPr>
       </a:lvl5pPr>
-      <a:lvl6pPr lvl="5" marR="0" rtl="0" algn="l">
+      <a:lvl6pPr marR="0" lvl="5" algn="l" rtl="0">
         <a:lnSpc>
           <a:spcPct val="100000"/>
         </a:lnSpc>
@@ -6306,7 +6389,7 @@
           <a:srgbClr val="000000"/>
         </a:buClr>
         <a:buFont typeface="Arial"/>
-        <a:defRPr b="0" i="0" sz="1400" u="none" cap="none" strike="noStrike">
+        <a:defRPr sz="1400" b="0" i="0" u="none" strike="noStrike" cap="none">
           <a:solidFill>
             <a:srgbClr val="000000"/>
           </a:solidFill>
@@ -6316,7 +6399,7 @@
           <a:sym typeface="Arial"/>
         </a:defRPr>
       </a:lvl6pPr>
-      <a:lvl7pPr lvl="6" marR="0" rtl="0" algn="l">
+      <a:lvl7pPr marR="0" lvl="6" algn="l" rtl="0">
         <a:lnSpc>
           <a:spcPct val="100000"/>
         </a:lnSpc>
@@ -6330,7 +6413,7 @@
           <a:srgbClr val="000000"/>
         </a:buClr>
         <a:buFont typeface="Arial"/>
-        <a:defRPr b="0" i="0" sz="1400" u="none" cap="none" strike="noStrike">
+        <a:defRPr sz="1400" b="0" i="0" u="none" strike="noStrike" cap="none">
           <a:solidFill>
             <a:srgbClr val="000000"/>
           </a:solidFill>
@@ -6340,7 +6423,7 @@
           <a:sym typeface="Arial"/>
         </a:defRPr>
       </a:lvl7pPr>
-      <a:lvl8pPr lvl="7" marR="0" rtl="0" algn="l">
+      <a:lvl8pPr marR="0" lvl="7" algn="l" rtl="0">
         <a:lnSpc>
           <a:spcPct val="100000"/>
         </a:lnSpc>
@@ -6354,7 +6437,7 @@
           <a:srgbClr val="000000"/>
         </a:buClr>
         <a:buFont typeface="Arial"/>
-        <a:defRPr b="0" i="0" sz="1400" u="none" cap="none" strike="noStrike">
+        <a:defRPr sz="1400" b="0" i="0" u="none" strike="noStrike" cap="none">
           <a:solidFill>
             <a:srgbClr val="000000"/>
           </a:solidFill>
@@ -6364,7 +6447,7 @@
           <a:sym typeface="Arial"/>
         </a:defRPr>
       </a:lvl8pPr>
-      <a:lvl9pPr lvl="8" marR="0" rtl="0" algn="l">
+      <a:lvl9pPr marR="0" lvl="8" algn="l" rtl="0">
         <a:lnSpc>
           <a:spcPct val="100000"/>
         </a:lnSpc>
@@ -6378,7 +6461,7 @@
           <a:srgbClr val="000000"/>
         </a:buClr>
         <a:buFont typeface="Arial"/>
-        <a:defRPr b="0" i="0" sz="1400" u="none" cap="none" strike="noStrike">
+        <a:defRPr sz="1400" b="0" i="0" u="none" strike="noStrike" cap="none">
           <a:solidFill>
             <a:srgbClr val="000000"/>
           </a:solidFill>
@@ -6390,7 +6473,7 @@
       </a:lvl9pPr>
     </p:bodyStyle>
     <p:otherStyle>
-      <a:defPPr lvl="0" marR="0" rtl="0" algn="l">
+      <a:defPPr marR="0" lvl="0" algn="l" rtl="0">
         <a:lnSpc>
           <a:spcPct val="100000"/>
         </a:lnSpc>
@@ -6401,7 +6484,7 @@
           <a:spcPts val="0"/>
         </a:spcAft>
       </a:defPPr>
-      <a:lvl1pPr lvl="0" marR="0" rtl="0" algn="l">
+      <a:lvl1pPr marR="0" lvl="0" algn="l" rtl="0">
         <a:lnSpc>
           <a:spcPct val="100000"/>
         </a:lnSpc>
@@ -6415,7 +6498,7 @@
           <a:srgbClr val="000000"/>
         </a:buClr>
         <a:buFont typeface="Arial"/>
-        <a:defRPr b="0" i="0" sz="1400" u="none" cap="none" strike="noStrike">
+        <a:defRPr sz="1400" b="0" i="0" u="none" strike="noStrike" cap="none">
           <a:solidFill>
             <a:srgbClr val="000000"/>
           </a:solidFill>
@@ -6425,7 +6508,7 @@
           <a:sym typeface="Arial"/>
         </a:defRPr>
       </a:lvl1pPr>
-      <a:lvl2pPr lvl="1" marR="0" rtl="0" algn="l">
+      <a:lvl2pPr marR="0" lvl="1" algn="l" rtl="0">
         <a:lnSpc>
           <a:spcPct val="100000"/>
         </a:lnSpc>
@@ -6439,7 +6522,7 @@
           <a:srgbClr val="000000"/>
         </a:buClr>
         <a:buFont typeface="Arial"/>
-        <a:defRPr b="0" i="0" sz="1400" u="none" cap="none" strike="noStrike">
+        <a:defRPr sz="1400" b="0" i="0" u="none" strike="noStrike" cap="none">
           <a:solidFill>
             <a:srgbClr val="000000"/>
           </a:solidFill>
@@ -6449,7 +6532,7 @@
           <a:sym typeface="Arial"/>
         </a:defRPr>
       </a:lvl2pPr>
-      <a:lvl3pPr lvl="2" marR="0" rtl="0" algn="l">
+      <a:lvl3pPr marR="0" lvl="2" algn="l" rtl="0">
         <a:lnSpc>
           <a:spcPct val="100000"/>
         </a:lnSpc>
@@ -6463,7 +6546,7 @@
           <a:srgbClr val="000000"/>
         </a:buClr>
         <a:buFont typeface="Arial"/>
-        <a:defRPr b="0" i="0" sz="1400" u="none" cap="none" strike="noStrike">
+        <a:defRPr sz="1400" b="0" i="0" u="none" strike="noStrike" cap="none">
           <a:solidFill>
             <a:srgbClr val="000000"/>
           </a:solidFill>
@@ -6473,7 +6556,7 @@
           <a:sym typeface="Arial"/>
         </a:defRPr>
       </a:lvl3pPr>
-      <a:lvl4pPr lvl="3" marR="0" rtl="0" algn="l">
+      <a:lvl4pPr marR="0" lvl="3" algn="l" rtl="0">
         <a:lnSpc>
           <a:spcPct val="100000"/>
         </a:lnSpc>
@@ -6487,7 +6570,7 @@
           <a:srgbClr val="000000"/>
         </a:buClr>
         <a:buFont typeface="Arial"/>
-        <a:defRPr b="0" i="0" sz="1400" u="none" cap="none" strike="noStrike">
+        <a:defRPr sz="1400" b="0" i="0" u="none" strike="noStrike" cap="none">
           <a:solidFill>
             <a:srgbClr val="000000"/>
           </a:solidFill>
@@ -6497,7 +6580,7 @@
           <a:sym typeface="Arial"/>
         </a:defRPr>
       </a:lvl4pPr>
-      <a:lvl5pPr lvl="4" marR="0" rtl="0" algn="l">
+      <a:lvl5pPr marR="0" lvl="4" algn="l" rtl="0">
         <a:lnSpc>
           <a:spcPct val="100000"/>
         </a:lnSpc>
@@ -6511,7 +6594,7 @@
           <a:srgbClr val="000000"/>
         </a:buClr>
         <a:buFont typeface="Arial"/>
-        <a:defRPr b="0" i="0" sz="1400" u="none" cap="none" strike="noStrike">
+        <a:defRPr sz="1400" b="0" i="0" u="none" strike="noStrike" cap="none">
           <a:solidFill>
             <a:srgbClr val="000000"/>
           </a:solidFill>
@@ -6521,7 +6604,7 @@
           <a:sym typeface="Arial"/>
         </a:defRPr>
       </a:lvl5pPr>
-      <a:lvl6pPr lvl="5" marR="0" rtl="0" algn="l">
+      <a:lvl6pPr marR="0" lvl="5" algn="l" rtl="0">
         <a:lnSpc>
           <a:spcPct val="100000"/>
         </a:lnSpc>
@@ -6535,7 +6618,7 @@
           <a:srgbClr val="000000"/>
         </a:buClr>
         <a:buFont typeface="Arial"/>
-        <a:defRPr b="0" i="0" sz="1400" u="none" cap="none" strike="noStrike">
+        <a:defRPr sz="1400" b="0" i="0" u="none" strike="noStrike" cap="none">
           <a:solidFill>
             <a:srgbClr val="000000"/>
           </a:solidFill>
@@ -6545,7 +6628,7 @@
           <a:sym typeface="Arial"/>
         </a:defRPr>
       </a:lvl6pPr>
-      <a:lvl7pPr lvl="6" marR="0" rtl="0" algn="l">
+      <a:lvl7pPr marR="0" lvl="6" algn="l" rtl="0">
         <a:lnSpc>
           <a:spcPct val="100000"/>
         </a:lnSpc>
@@ -6559,7 +6642,7 @@
           <a:srgbClr val="000000"/>
         </a:buClr>
         <a:buFont typeface="Arial"/>
-        <a:defRPr b="0" i="0" sz="1400" u="none" cap="none" strike="noStrike">
+        <a:defRPr sz="1400" b="0" i="0" u="none" strike="noStrike" cap="none">
           <a:solidFill>
             <a:srgbClr val="000000"/>
           </a:solidFill>
@@ -6569,7 +6652,7 @@
           <a:sym typeface="Arial"/>
         </a:defRPr>
       </a:lvl7pPr>
-      <a:lvl8pPr lvl="7" marR="0" rtl="0" algn="l">
+      <a:lvl8pPr marR="0" lvl="7" algn="l" rtl="0">
         <a:lnSpc>
           <a:spcPct val="100000"/>
         </a:lnSpc>
@@ -6583,7 +6666,7 @@
           <a:srgbClr val="000000"/>
         </a:buClr>
         <a:buFont typeface="Arial"/>
-        <a:defRPr b="0" i="0" sz="1400" u="none" cap="none" strike="noStrike">
+        <a:defRPr sz="1400" b="0" i="0" u="none" strike="noStrike" cap="none">
           <a:solidFill>
             <a:srgbClr val="000000"/>
           </a:solidFill>
@@ -6593,7 +6676,7 @@
           <a:sym typeface="Arial"/>
         </a:defRPr>
       </a:lvl8pPr>
-      <a:lvl9pPr lvl="8" marR="0" rtl="0" algn="l">
+      <a:lvl9pPr marR="0" lvl="8" algn="l" rtl="0">
         <a:lnSpc>
           <a:spcPct val="100000"/>
         </a:lnSpc>
@@ -6607,7 +6690,7 @@
           <a:srgbClr val="000000"/>
         </a:buClr>
         <a:buFont typeface="Arial"/>
-        <a:defRPr b="0" i="0" sz="1400" u="none" cap="none" strike="noStrike">
+        <a:defRPr sz="1400" b="0" i="0" u="none" strike="noStrike" cap="none">
           <a:solidFill>
             <a:srgbClr val="000000"/>
           </a:solidFill>
@@ -6623,11 +6706,11 @@
 </file>
 
 <file path=ppt/slides/slide1.xml><?xml version="1.0" encoding="utf-8"?>
-<p:sld xmlns:a="http://schemas.openxmlformats.org/drawingml/2006/main" xmlns:r="http://schemas.openxmlformats.org/officeDocument/2006/relationships" xmlns:mc="http://schemas.openxmlformats.org/markup-compatibility/2006" xmlns:mv="urn:schemas-microsoft-com:mac:vml" xmlns:p="http://schemas.openxmlformats.org/presentationml/2006/main" xmlns:c="http://schemas.openxmlformats.org/drawingml/2006/chart" xmlns:dgm="http://schemas.openxmlformats.org/drawingml/2006/diagram" xmlns:o="urn:schemas-microsoft-com:office:office" xmlns:v="urn:schemas-microsoft-com:vml" xmlns:pvml="urn:schemas-microsoft-com:office:powerpoint" xmlns:com="http://schemas.openxmlformats.org/drawingml/2006/compatibility" xmlns:p14="http://schemas.microsoft.com/office/powerpoint/2010/main" xmlns:p15="http://schemas.microsoft.com/office/powerpoint/2012/main" xmlns:ahyp="http://schemas.microsoft.com/office/drawing/2018/hyperlinkcolor">
+<p:sld xmlns:a="http://schemas.openxmlformats.org/drawingml/2006/main" xmlns:r="http://schemas.openxmlformats.org/officeDocument/2006/relationships" xmlns:p="http://schemas.openxmlformats.org/presentationml/2006/main">
   <p:cSld>
     <p:spTree>
       <p:nvGrpSpPr>
-        <p:cNvPr id="26" name="Shape 26"/>
+        <p:cNvPr id="1" name="Shape 26"/>
         <p:cNvGrpSpPr/>
         <p:nvPr/>
       </p:nvGrpSpPr>
@@ -6642,7 +6725,9 @@
       <p:sp>
         <p:nvSpPr>
           <p:cNvPr id="27" name="Google Shape;27;p4"/>
-          <p:cNvSpPr txBox="1"/>
+          <p:cNvSpPr txBox="1">
+            <a:spLocks noGrp="1"/>
+          </p:cNvSpPr>
           <p:nvPr>
             <p:ph type="ctrTitle"/>
           </p:nvPr>
@@ -6657,12 +6742,12 @@
           </a:prstGeom>
         </p:spPr>
         <p:txBody>
-          <a:bodyPr anchorCtr="0" anchor="ctr" bIns="45700" lIns="91425" spcFirstLastPara="1" rIns="91425" wrap="square" tIns="45700">
+          <a:bodyPr spcFirstLastPara="1" wrap="square" lIns="91425" tIns="45700" rIns="91425" bIns="45700" anchor="ctr" anchorCtr="0">
             <a:noAutofit/>
           </a:bodyPr>
           <a:lstStyle/>
           <a:p>
-            <a:pPr indent="0" lvl="0" marL="0" rtl="0" algn="ctr">
+            <a:pPr marL="0" lvl="0" indent="0" algn="ctr" rtl="0">
               <a:spcBef>
                 <a:spcPts val="0"/>
               </a:spcBef>
@@ -6682,9 +6767,11 @@
       <p:sp>
         <p:nvSpPr>
           <p:cNvPr id="28" name="Google Shape;28;p4"/>
-          <p:cNvSpPr txBox="1"/>
+          <p:cNvSpPr txBox="1">
+            <a:spLocks noGrp="1"/>
+          </p:cNvSpPr>
           <p:nvPr>
-            <p:ph idx="1" type="subTitle"/>
+            <p:ph type="subTitle" idx="1"/>
           </p:nvPr>
         </p:nvSpPr>
         <p:spPr>
@@ -6697,12 +6784,12 @@
           </a:prstGeom>
         </p:spPr>
         <p:txBody>
-          <a:bodyPr anchorCtr="0" anchor="t" bIns="45700" lIns="91425" spcFirstLastPara="1" rIns="91425" wrap="square" tIns="45700">
+          <a:bodyPr spcFirstLastPara="1" wrap="square" lIns="91425" tIns="45700" rIns="91425" bIns="45700" anchor="t" anchorCtr="0">
             <a:noAutofit/>
           </a:bodyPr>
           <a:lstStyle/>
           <a:p>
-            <a:pPr indent="0" lvl="0" marL="0" rtl="0" algn="l">
+            <a:pPr marL="0" lvl="0" indent="0" algn="l" rtl="0">
               <a:spcBef>
                 <a:spcPts val="360"/>
               </a:spcBef>
@@ -6728,11 +6815,11 @@
 </file>
 
 <file path=ppt/slides/slide10.xml><?xml version="1.0" encoding="utf-8"?>
-<p:sld xmlns:a="http://schemas.openxmlformats.org/drawingml/2006/main" xmlns:r="http://schemas.openxmlformats.org/officeDocument/2006/relationships" xmlns:mc="http://schemas.openxmlformats.org/markup-compatibility/2006" xmlns:mv="urn:schemas-microsoft-com:mac:vml" xmlns:p="http://schemas.openxmlformats.org/presentationml/2006/main" xmlns:c="http://schemas.openxmlformats.org/drawingml/2006/chart" xmlns:dgm="http://schemas.openxmlformats.org/drawingml/2006/diagram" xmlns:o="urn:schemas-microsoft-com:office:office" xmlns:v="urn:schemas-microsoft-com:vml" xmlns:pvml="urn:schemas-microsoft-com:office:powerpoint" xmlns:com="http://schemas.openxmlformats.org/drawingml/2006/compatibility" xmlns:p14="http://schemas.microsoft.com/office/powerpoint/2010/main" xmlns:p15="http://schemas.microsoft.com/office/powerpoint/2012/main" xmlns:ahyp="http://schemas.microsoft.com/office/drawing/2018/hyperlinkcolor">
+<p:sld xmlns:a="http://schemas.openxmlformats.org/drawingml/2006/main" xmlns:r="http://schemas.openxmlformats.org/officeDocument/2006/relationships" xmlns:p="http://schemas.openxmlformats.org/presentationml/2006/main">
   <p:cSld>
     <p:spTree>
       <p:nvGrpSpPr>
-        <p:cNvPr id="86" name="Shape 86"/>
+        <p:cNvPr id="1" name="Shape 86"/>
         <p:cNvGrpSpPr/>
         <p:nvPr/>
       </p:nvGrpSpPr>
@@ -6747,7 +6834,9 @@
       <p:sp>
         <p:nvSpPr>
           <p:cNvPr id="87" name="Google Shape;87;p13"/>
-          <p:cNvSpPr txBox="1"/>
+          <p:cNvSpPr txBox="1">
+            <a:spLocks noGrp="1"/>
+          </p:cNvSpPr>
           <p:nvPr>
             <p:ph type="title"/>
           </p:nvPr>
@@ -6762,12 +6851,12 @@
           </a:prstGeom>
         </p:spPr>
         <p:txBody>
-          <a:bodyPr anchorCtr="0" anchor="ctr" bIns="45700" lIns="91425" spcFirstLastPara="1" rIns="91425" wrap="square" tIns="45700">
+          <a:bodyPr spcFirstLastPara="1" wrap="square" lIns="91425" tIns="45700" rIns="91425" bIns="45700" anchor="ctr" anchorCtr="0">
             <a:noAutofit/>
           </a:bodyPr>
           <a:lstStyle/>
           <a:p>
-            <a:pPr indent="0" lvl="0" marL="0" rtl="0" algn="ctr">
+            <a:pPr marL="0" lvl="0" indent="0" algn="ctr" rtl="0">
               <a:spcBef>
                 <a:spcPts val="0"/>
               </a:spcBef>
@@ -6787,9 +6876,11 @@
       <p:sp>
         <p:nvSpPr>
           <p:cNvPr id="88" name="Google Shape;88;p13"/>
-          <p:cNvSpPr txBox="1"/>
+          <p:cNvSpPr txBox="1">
+            <a:spLocks noGrp="1"/>
+          </p:cNvSpPr>
           <p:nvPr>
-            <p:ph idx="1" type="body"/>
+            <p:ph type="body" idx="1"/>
           </p:nvPr>
         </p:nvSpPr>
         <p:spPr>
@@ -6802,12 +6893,12 @@
           </a:prstGeom>
         </p:spPr>
         <p:txBody>
-          <a:bodyPr anchorCtr="0" anchor="t" bIns="45700" lIns="91425" spcFirstLastPara="1" rIns="91425" wrap="square" tIns="45700">
+          <a:bodyPr spcFirstLastPara="1" wrap="square" lIns="91425" tIns="45700" rIns="91425" bIns="45700" anchor="t" anchorCtr="0">
             <a:noAutofit/>
           </a:bodyPr>
           <a:lstStyle/>
           <a:p>
-            <a:pPr indent="0" lvl="0" marL="0" rtl="0" algn="l">
+            <a:pPr marL="0" lvl="0" indent="0" algn="l" rtl="0">
               <a:lnSpc>
                 <a:spcPct val="200000"/>
               </a:lnSpc>
@@ -6819,9 +6910,6 @@
               </a:spcAft>
               <a:buNone/>
             </a:pPr>
-            <a:r>
-              <a:t/>
-            </a:r>
             <a:endParaRPr sz="2000"/>
           </a:p>
         </p:txBody>
@@ -6863,11 +6951,11 @@
 </file>
 
 <file path=ppt/slides/slide11.xml><?xml version="1.0" encoding="utf-8"?>
-<p:sld xmlns:a="http://schemas.openxmlformats.org/drawingml/2006/main" xmlns:r="http://schemas.openxmlformats.org/officeDocument/2006/relationships" xmlns:mc="http://schemas.openxmlformats.org/markup-compatibility/2006" xmlns:mv="urn:schemas-microsoft-com:mac:vml" xmlns:p="http://schemas.openxmlformats.org/presentationml/2006/main" xmlns:c="http://schemas.openxmlformats.org/drawingml/2006/chart" xmlns:dgm="http://schemas.openxmlformats.org/drawingml/2006/diagram" xmlns:o="urn:schemas-microsoft-com:office:office" xmlns:v="urn:schemas-microsoft-com:vml" xmlns:pvml="urn:schemas-microsoft-com:office:powerpoint" xmlns:com="http://schemas.openxmlformats.org/drawingml/2006/compatibility" xmlns:p14="http://schemas.microsoft.com/office/powerpoint/2010/main" xmlns:p15="http://schemas.microsoft.com/office/powerpoint/2012/main" xmlns:ahyp="http://schemas.microsoft.com/office/drawing/2018/hyperlinkcolor">
+<p:sld xmlns:a="http://schemas.openxmlformats.org/drawingml/2006/main" xmlns:r="http://schemas.openxmlformats.org/officeDocument/2006/relationships" xmlns:p="http://schemas.openxmlformats.org/presentationml/2006/main">
   <p:cSld>
     <p:spTree>
       <p:nvGrpSpPr>
-        <p:cNvPr id="93" name="Shape 93"/>
+        <p:cNvPr id="1" name="Shape 93"/>
         <p:cNvGrpSpPr/>
         <p:nvPr/>
       </p:nvGrpSpPr>
@@ -6882,7 +6970,9 @@
       <p:sp>
         <p:nvSpPr>
           <p:cNvPr id="94" name="Google Shape;94;p14"/>
-          <p:cNvSpPr txBox="1"/>
+          <p:cNvSpPr txBox="1">
+            <a:spLocks noGrp="1"/>
+          </p:cNvSpPr>
           <p:nvPr>
             <p:ph type="title"/>
           </p:nvPr>
@@ -6897,12 +6987,12 @@
           </a:prstGeom>
         </p:spPr>
         <p:txBody>
-          <a:bodyPr anchorCtr="0" anchor="ctr" bIns="45700" lIns="91425" spcFirstLastPara="1" rIns="91425" wrap="square" tIns="45700">
+          <a:bodyPr spcFirstLastPara="1" wrap="square" lIns="91425" tIns="45700" rIns="91425" bIns="45700" anchor="ctr" anchorCtr="0">
             <a:noAutofit/>
           </a:bodyPr>
           <a:lstStyle/>
           <a:p>
-            <a:pPr indent="0" lvl="0" marL="0" rtl="0" algn="ctr">
+            <a:pPr marL="0" lvl="0" indent="0" algn="ctr" rtl="0">
               <a:spcBef>
                 <a:spcPts val="0"/>
               </a:spcBef>
@@ -6956,11 +7046,11 @@
 </file>
 
 <file path=ppt/slides/slide12.xml><?xml version="1.0" encoding="utf-8"?>
-<p:sld xmlns:a="http://schemas.openxmlformats.org/drawingml/2006/main" xmlns:r="http://schemas.openxmlformats.org/officeDocument/2006/relationships" xmlns:mc="http://schemas.openxmlformats.org/markup-compatibility/2006" xmlns:mv="urn:schemas-microsoft-com:mac:vml" xmlns:p="http://schemas.openxmlformats.org/presentationml/2006/main" xmlns:c="http://schemas.openxmlformats.org/drawingml/2006/chart" xmlns:dgm="http://schemas.openxmlformats.org/drawingml/2006/diagram" xmlns:o="urn:schemas-microsoft-com:office:office" xmlns:v="urn:schemas-microsoft-com:vml" xmlns:pvml="urn:schemas-microsoft-com:office:powerpoint" xmlns:com="http://schemas.openxmlformats.org/drawingml/2006/compatibility" xmlns:p14="http://schemas.microsoft.com/office/powerpoint/2010/main" xmlns:p15="http://schemas.microsoft.com/office/powerpoint/2012/main" xmlns:ahyp="http://schemas.microsoft.com/office/drawing/2018/hyperlinkcolor">
+<p:sld xmlns:a="http://schemas.openxmlformats.org/drawingml/2006/main" xmlns:r="http://schemas.openxmlformats.org/officeDocument/2006/relationships" xmlns:p="http://schemas.openxmlformats.org/presentationml/2006/main">
   <p:cSld>
     <p:spTree>
       <p:nvGrpSpPr>
-        <p:cNvPr id="99" name="Shape 99"/>
+        <p:cNvPr id="1" name="Shape 99"/>
         <p:cNvGrpSpPr/>
         <p:nvPr/>
       </p:nvGrpSpPr>
@@ -6975,7 +7065,9 @@
       <p:sp>
         <p:nvSpPr>
           <p:cNvPr id="100" name="Google Shape;100;p15"/>
-          <p:cNvSpPr txBox="1"/>
+          <p:cNvSpPr txBox="1">
+            <a:spLocks noGrp="1"/>
+          </p:cNvSpPr>
           <p:nvPr>
             <p:ph type="title"/>
           </p:nvPr>
@@ -6990,12 +7082,12 @@
           </a:prstGeom>
         </p:spPr>
         <p:txBody>
-          <a:bodyPr anchorCtr="0" anchor="ctr" bIns="45700" lIns="91425" spcFirstLastPara="1" rIns="91425" wrap="square" tIns="45700">
+          <a:bodyPr spcFirstLastPara="1" wrap="square" lIns="91425" tIns="45700" rIns="91425" bIns="45700" anchor="ctr" anchorCtr="0">
             <a:noAutofit/>
           </a:bodyPr>
           <a:lstStyle/>
           <a:p>
-            <a:pPr indent="0" lvl="0" marL="0" rtl="0" algn="ctr">
+            <a:pPr marL="0" lvl="0" indent="0" algn="ctr" rtl="0">
               <a:spcBef>
                 <a:spcPts val="0"/>
               </a:spcBef>
@@ -7015,9 +7107,11 @@
       <p:sp>
         <p:nvSpPr>
           <p:cNvPr id="101" name="Google Shape;101;p15"/>
-          <p:cNvSpPr txBox="1"/>
+          <p:cNvSpPr txBox="1">
+            <a:spLocks noGrp="1"/>
+          </p:cNvSpPr>
           <p:nvPr>
-            <p:ph idx="1" type="body"/>
+            <p:ph type="body" idx="1"/>
           </p:nvPr>
         </p:nvSpPr>
         <p:spPr>
@@ -7030,12 +7124,12 @@
           </a:prstGeom>
         </p:spPr>
         <p:txBody>
-          <a:bodyPr anchorCtr="0" anchor="t" bIns="45700" lIns="91425" spcFirstLastPara="1" rIns="91425" wrap="square" tIns="45700">
+          <a:bodyPr spcFirstLastPara="1" wrap="square" lIns="91425" tIns="45700" rIns="91425" bIns="45700" anchor="t" anchorCtr="0">
             <a:noAutofit/>
           </a:bodyPr>
           <a:lstStyle/>
           <a:p>
-            <a:pPr indent="0" lvl="0" marL="0" rtl="0" algn="l">
+            <a:pPr marL="0" lvl="0" indent="0" algn="l" rtl="0">
               <a:spcBef>
                 <a:spcPts val="360"/>
               </a:spcBef>
@@ -7044,39 +7138,38 @@
               </a:spcAft>
               <a:buNone/>
             </a:pPr>
-            <a:r>
-              <a:t/>
-            </a:r>
-            <a:endParaRPr/>
+            <a:endParaRPr dirty="0"/>
           </a:p>
         </p:txBody>
       </p:sp>
       <p:pic>
         <p:nvPicPr>
-          <p:cNvPr id="102" name="Google Shape;102;p15"/>
-          <p:cNvPicPr preferRelativeResize="0"/>
+          <p:cNvPr id="3" name="Picture 2">
+            <a:extLst>
+              <a:ext uri="{FF2B5EF4-FFF2-40B4-BE49-F238E27FC236}">
+                <a16:creationId xmlns:a16="http://schemas.microsoft.com/office/drawing/2014/main" id="{76724ADC-8AEB-4DF3-8FB9-09279173D2CE}"/>
+              </a:ext>
+            </a:extLst>
+          </p:cNvPr>
+          <p:cNvPicPr>
+            <a:picLocks noChangeAspect="1"/>
+          </p:cNvPicPr>
           <p:nvPr/>
         </p:nvPicPr>
         <p:blipFill>
-          <a:blip r:embed="rId3">
-            <a:alphaModFix/>
-          </a:blip>
+          <a:blip r:embed="rId3"/>
           <a:stretch>
             <a:fillRect/>
           </a:stretch>
         </p:blipFill>
         <p:spPr>
           <a:xfrm>
-            <a:off x="457200" y="1200150"/>
-            <a:ext cx="8229601" cy="3394501"/>
+            <a:off x="457200" y="982524"/>
+            <a:ext cx="8229600" cy="3712421"/>
           </a:xfrm>
           <a:prstGeom prst="rect">
             <a:avLst/>
           </a:prstGeom>
-          <a:noFill/>
-          <a:ln>
-            <a:noFill/>
-          </a:ln>
         </p:spPr>
       </p:pic>
     </p:spTree>
@@ -7088,143 +7181,11 @@
 </file>
 
 <file path=ppt/slides/slide13.xml><?xml version="1.0" encoding="utf-8"?>
-<p:sld xmlns:a="http://schemas.openxmlformats.org/drawingml/2006/main" xmlns:r="http://schemas.openxmlformats.org/officeDocument/2006/relationships" xmlns:mc="http://schemas.openxmlformats.org/markup-compatibility/2006" xmlns:mv="urn:schemas-microsoft-com:mac:vml" xmlns:p="http://schemas.openxmlformats.org/presentationml/2006/main" xmlns:c="http://schemas.openxmlformats.org/drawingml/2006/chart" xmlns:dgm="http://schemas.openxmlformats.org/drawingml/2006/diagram" xmlns:o="urn:schemas-microsoft-com:office:office" xmlns:v="urn:schemas-microsoft-com:vml" xmlns:pvml="urn:schemas-microsoft-com:office:powerpoint" xmlns:com="http://schemas.openxmlformats.org/drawingml/2006/compatibility" xmlns:p14="http://schemas.microsoft.com/office/powerpoint/2010/main" xmlns:p15="http://schemas.microsoft.com/office/powerpoint/2012/main" xmlns:ahyp="http://schemas.microsoft.com/office/drawing/2018/hyperlinkcolor">
+<p:sld xmlns:a="http://schemas.openxmlformats.org/drawingml/2006/main" xmlns:r="http://schemas.openxmlformats.org/officeDocument/2006/relationships" xmlns:p="http://schemas.openxmlformats.org/presentationml/2006/main">
   <p:cSld>
     <p:spTree>
       <p:nvGrpSpPr>
-        <p:cNvPr id="106" name="Shape 106"/>
-        <p:cNvGrpSpPr/>
-        <p:nvPr/>
-      </p:nvGrpSpPr>
-      <p:grpSpPr>
-        <a:xfrm>
-          <a:off x="0" y="0"/>
-          <a:ext cx="0" cy="0"/>
-          <a:chOff x="0" y="0"/>
-          <a:chExt cx="0" cy="0"/>
-        </a:xfrm>
-      </p:grpSpPr>
-      <p:sp>
-        <p:nvSpPr>
-          <p:cNvPr id="107" name="Google Shape;107;p16"/>
-          <p:cNvSpPr txBox="1"/>
-          <p:nvPr>
-            <p:ph type="title"/>
-          </p:nvPr>
-        </p:nvSpPr>
-        <p:spPr>
-          <a:xfrm>
-            <a:off x="457200" y="205978"/>
-            <a:ext cx="8229600" cy="857400"/>
-          </a:xfrm>
-          <a:prstGeom prst="rect">
-            <a:avLst/>
-          </a:prstGeom>
-        </p:spPr>
-        <p:txBody>
-          <a:bodyPr anchorCtr="0" anchor="ctr" bIns="45700" lIns="91425" spcFirstLastPara="1" rIns="91425" wrap="square" tIns="45700">
-            <a:noAutofit/>
-          </a:bodyPr>
-          <a:lstStyle/>
-          <a:p>
-            <a:pPr indent="0" lvl="0" marL="0" rtl="0" algn="ctr">
-              <a:spcBef>
-                <a:spcPts val="0"/>
-              </a:spcBef>
-              <a:spcAft>
-                <a:spcPts val="0"/>
-              </a:spcAft>
-              <a:buNone/>
-            </a:pPr>
-            <a:r>
-              <a:rPr lang="en"/>
-              <a:t>Heart Disease vs. Normal</a:t>
-            </a:r>
-            <a:endParaRPr/>
-          </a:p>
-        </p:txBody>
-      </p:sp>
-      <p:sp>
-        <p:nvSpPr>
-          <p:cNvPr id="108" name="Google Shape;108;p16"/>
-          <p:cNvSpPr txBox="1"/>
-          <p:nvPr>
-            <p:ph idx="1" type="body"/>
-          </p:nvPr>
-        </p:nvSpPr>
-        <p:spPr>
-          <a:xfrm>
-            <a:off x="457200" y="1200150"/>
-            <a:ext cx="8229600" cy="3394500"/>
-          </a:xfrm>
-          <a:prstGeom prst="rect">
-            <a:avLst/>
-          </a:prstGeom>
-        </p:spPr>
-        <p:txBody>
-          <a:bodyPr anchorCtr="0" anchor="t" bIns="45700" lIns="91425" spcFirstLastPara="1" rIns="91425" wrap="square" tIns="45700">
-            <a:noAutofit/>
-          </a:bodyPr>
-          <a:lstStyle/>
-          <a:p>
-            <a:pPr indent="0" lvl="0" marL="0" rtl="0" algn="l">
-              <a:spcBef>
-                <a:spcPts val="360"/>
-              </a:spcBef>
-              <a:spcAft>
-                <a:spcPts val="0"/>
-              </a:spcAft>
-              <a:buNone/>
-            </a:pPr>
-            <a:r>
-              <a:t/>
-            </a:r>
-            <a:endParaRPr/>
-          </a:p>
-        </p:txBody>
-      </p:sp>
-      <p:pic>
-        <p:nvPicPr>
-          <p:cNvPr id="109" name="Google Shape;109;p16"/>
-          <p:cNvPicPr preferRelativeResize="0"/>
-          <p:nvPr/>
-        </p:nvPicPr>
-        <p:blipFill>
-          <a:blip r:embed="rId3">
-            <a:alphaModFix/>
-          </a:blip>
-          <a:stretch>
-            <a:fillRect/>
-          </a:stretch>
-        </p:blipFill>
-        <p:spPr>
-          <a:xfrm>
-            <a:off x="457200" y="1063375"/>
-            <a:ext cx="8229599" cy="3531275"/>
-          </a:xfrm>
-          <a:prstGeom prst="rect">
-            <a:avLst/>
-          </a:prstGeom>
-          <a:noFill/>
-          <a:ln>
-            <a:noFill/>
-          </a:ln>
-        </p:spPr>
-      </p:pic>
-    </p:spTree>
-  </p:cSld>
-  <p:clrMapOvr>
-    <a:masterClrMapping/>
-  </p:clrMapOvr>
-</p:sld>
-</file>
-
-<file path=ppt/slides/slide14.xml><?xml version="1.0" encoding="utf-8"?>
-<p:sld xmlns:a="http://schemas.openxmlformats.org/drawingml/2006/main" xmlns:r="http://schemas.openxmlformats.org/officeDocument/2006/relationships" xmlns:mc="http://schemas.openxmlformats.org/markup-compatibility/2006" xmlns:mv="urn:schemas-microsoft-com:mac:vml" xmlns:p="http://schemas.openxmlformats.org/presentationml/2006/main" xmlns:c="http://schemas.openxmlformats.org/drawingml/2006/chart" xmlns:dgm="http://schemas.openxmlformats.org/drawingml/2006/diagram" xmlns:o="urn:schemas-microsoft-com:office:office" xmlns:v="urn:schemas-microsoft-com:vml" xmlns:pvml="urn:schemas-microsoft-com:office:powerpoint" xmlns:com="http://schemas.openxmlformats.org/drawingml/2006/compatibility" xmlns:p14="http://schemas.microsoft.com/office/powerpoint/2010/main" xmlns:p15="http://schemas.microsoft.com/office/powerpoint/2012/main" xmlns:ahyp="http://schemas.microsoft.com/office/drawing/2018/hyperlinkcolor">
-  <p:cSld>
-    <p:spTree>
-      <p:nvGrpSpPr>
-        <p:cNvPr id="113" name="Shape 113"/>
+        <p:cNvPr id="1" name="Shape 113"/>
         <p:cNvGrpSpPr/>
         <p:nvPr/>
       </p:nvGrpSpPr>
@@ -7239,7 +7200,9 @@
       <p:sp>
         <p:nvSpPr>
           <p:cNvPr id="114" name="Google Shape;114;p17"/>
-          <p:cNvSpPr txBox="1"/>
+          <p:cNvSpPr txBox="1">
+            <a:spLocks noGrp="1"/>
+          </p:cNvSpPr>
           <p:nvPr>
             <p:ph type="title"/>
           </p:nvPr>
@@ -7254,12 +7217,12 @@
           </a:prstGeom>
         </p:spPr>
         <p:txBody>
-          <a:bodyPr anchorCtr="0" anchor="ctr" bIns="45700" lIns="91425" spcFirstLastPara="1" rIns="91425" wrap="square" tIns="45700">
+          <a:bodyPr spcFirstLastPara="1" wrap="square" lIns="91425" tIns="45700" rIns="91425" bIns="45700" anchor="ctr" anchorCtr="0">
             <a:noAutofit/>
           </a:bodyPr>
           <a:lstStyle/>
           <a:p>
-            <a:pPr indent="0" lvl="0" marL="0" rtl="0" algn="ctr">
+            <a:pPr marL="0" lvl="0" indent="0" algn="ctr" rtl="0">
               <a:spcBef>
                 <a:spcPts val="0"/>
               </a:spcBef>
@@ -7279,9 +7242,11 @@
       <p:sp>
         <p:nvSpPr>
           <p:cNvPr id="115" name="Google Shape;115;p17"/>
-          <p:cNvSpPr txBox="1"/>
+          <p:cNvSpPr txBox="1">
+            <a:spLocks noGrp="1"/>
+          </p:cNvSpPr>
           <p:nvPr>
-            <p:ph idx="1" type="body"/>
+            <p:ph type="body" idx="1"/>
           </p:nvPr>
         </p:nvSpPr>
         <p:spPr>
@@ -7294,12 +7259,12 @@
           </a:prstGeom>
         </p:spPr>
         <p:txBody>
-          <a:bodyPr anchorCtr="0" anchor="t" bIns="45700" lIns="91425" spcFirstLastPara="1" rIns="91425" wrap="square" tIns="45700">
+          <a:bodyPr spcFirstLastPara="1" wrap="square" lIns="91425" tIns="45700" rIns="91425" bIns="45700" anchor="t" anchorCtr="0">
             <a:noAutofit/>
           </a:bodyPr>
           <a:lstStyle/>
           <a:p>
-            <a:pPr indent="0" lvl="0" marL="0" rtl="0" algn="l">
+            <a:pPr marL="0" lvl="0" indent="0" algn="l" rtl="0">
               <a:spcBef>
                 <a:spcPts val="360"/>
               </a:spcBef>
@@ -7308,67 +7273,38 @@
               </a:spcAft>
               <a:buNone/>
             </a:pPr>
-            <a:r>
-              <a:t/>
-            </a:r>
-            <a:endParaRPr/>
+            <a:endParaRPr dirty="0"/>
           </a:p>
         </p:txBody>
       </p:sp>
       <p:pic>
         <p:nvPicPr>
-          <p:cNvPr id="116" name="Google Shape;116;p17"/>
-          <p:cNvPicPr preferRelativeResize="0"/>
+          <p:cNvPr id="3" name="Picture 2">
+            <a:extLst>
+              <a:ext uri="{FF2B5EF4-FFF2-40B4-BE49-F238E27FC236}">
+                <a16:creationId xmlns:a16="http://schemas.microsoft.com/office/drawing/2014/main" id="{6E0BBC56-A3B3-4B92-8AFB-81B6B14A7237}"/>
+              </a:ext>
+            </a:extLst>
+          </p:cNvPr>
+          <p:cNvPicPr>
+            <a:picLocks noChangeAspect="1"/>
+          </p:cNvPicPr>
           <p:nvPr/>
         </p:nvPicPr>
         <p:blipFill>
-          <a:blip r:embed="rId3">
-            <a:alphaModFix/>
-          </a:blip>
+          <a:blip r:embed="rId3"/>
           <a:stretch>
             <a:fillRect/>
           </a:stretch>
         </p:blipFill>
         <p:spPr>
           <a:xfrm>
-            <a:off x="114075" y="2964550"/>
-            <a:ext cx="5088426" cy="2086374"/>
+            <a:off x="580145" y="929768"/>
+            <a:ext cx="8106655" cy="3911174"/>
           </a:xfrm>
           <a:prstGeom prst="rect">
             <a:avLst/>
           </a:prstGeom>
-          <a:noFill/>
-          <a:ln>
-            <a:noFill/>
-          </a:ln>
-        </p:spPr>
-      </p:pic>
-      <p:pic>
-        <p:nvPicPr>
-          <p:cNvPr id="117" name="Google Shape;117;p17"/>
-          <p:cNvPicPr preferRelativeResize="0"/>
-          <p:nvPr/>
-        </p:nvPicPr>
-        <p:blipFill>
-          <a:blip r:embed="rId4">
-            <a:alphaModFix/>
-          </a:blip>
-          <a:stretch>
-            <a:fillRect/>
-          </a:stretch>
-        </p:blipFill>
-        <p:spPr>
-          <a:xfrm>
-            <a:off x="4026742" y="1005050"/>
-            <a:ext cx="5024858" cy="2086375"/>
-          </a:xfrm>
-          <a:prstGeom prst="rect">
-            <a:avLst/>
-          </a:prstGeom>
-          <a:noFill/>
-          <a:ln>
-            <a:noFill/>
-          </a:ln>
         </p:spPr>
       </p:pic>
     </p:spTree>
@@ -7379,12 +7315,12 @@
 </p:sld>
 </file>
 
-<file path=ppt/slides/slide15.xml><?xml version="1.0" encoding="utf-8"?>
-<p:sld xmlns:a="http://schemas.openxmlformats.org/drawingml/2006/main" xmlns:r="http://schemas.openxmlformats.org/officeDocument/2006/relationships" xmlns:mc="http://schemas.openxmlformats.org/markup-compatibility/2006" xmlns:mv="urn:schemas-microsoft-com:mac:vml" xmlns:p="http://schemas.openxmlformats.org/presentationml/2006/main" xmlns:c="http://schemas.openxmlformats.org/drawingml/2006/chart" xmlns:dgm="http://schemas.openxmlformats.org/drawingml/2006/diagram" xmlns:o="urn:schemas-microsoft-com:office:office" xmlns:v="urn:schemas-microsoft-com:vml" xmlns:pvml="urn:schemas-microsoft-com:office:powerpoint" xmlns:com="http://schemas.openxmlformats.org/drawingml/2006/compatibility" xmlns:p14="http://schemas.microsoft.com/office/powerpoint/2010/main" xmlns:p15="http://schemas.microsoft.com/office/powerpoint/2012/main" xmlns:ahyp="http://schemas.microsoft.com/office/drawing/2018/hyperlinkcolor">
+<file path=ppt/slides/slide14.xml><?xml version="1.0" encoding="utf-8"?>
+<p:sld xmlns:a="http://schemas.openxmlformats.org/drawingml/2006/main" xmlns:r="http://schemas.openxmlformats.org/officeDocument/2006/relationships" xmlns:p="http://schemas.openxmlformats.org/presentationml/2006/main">
   <p:cSld>
     <p:spTree>
       <p:nvGrpSpPr>
-        <p:cNvPr id="121" name="Shape 121"/>
+        <p:cNvPr id="1" name="Shape 121"/>
         <p:cNvGrpSpPr/>
         <p:nvPr/>
       </p:nvGrpSpPr>
@@ -7399,7 +7335,9 @@
       <p:sp>
         <p:nvSpPr>
           <p:cNvPr id="122" name="Google Shape;122;p18"/>
-          <p:cNvSpPr txBox="1"/>
+          <p:cNvSpPr txBox="1">
+            <a:spLocks noGrp="1"/>
+          </p:cNvSpPr>
           <p:nvPr>
             <p:ph type="title"/>
           </p:nvPr>
@@ -7414,12 +7352,12 @@
           </a:prstGeom>
         </p:spPr>
         <p:txBody>
-          <a:bodyPr anchorCtr="0" anchor="ctr" bIns="45700" lIns="91425" spcFirstLastPara="1" rIns="91425" wrap="square" tIns="45700">
+          <a:bodyPr spcFirstLastPara="1" wrap="square" lIns="91425" tIns="45700" rIns="91425" bIns="45700" anchor="ctr" anchorCtr="0">
             <a:noAutofit/>
           </a:bodyPr>
           <a:lstStyle/>
           <a:p>
-            <a:pPr indent="0" lvl="0" marL="0" rtl="0" algn="r">
+            <a:pPr marL="0" lvl="0" indent="0" rtl="0">
               <a:spcBef>
                 <a:spcPts val="0"/>
               </a:spcBef>
@@ -7429,19 +7367,21 @@
               <a:buNone/>
             </a:pPr>
             <a:r>
-              <a:rPr lang="en"/>
+              <a:rPr lang="en" dirty="0"/>
               <a:t>Filtered: Normal</a:t>
             </a:r>
-            <a:endParaRPr/>
+            <a:endParaRPr dirty="0"/>
           </a:p>
         </p:txBody>
       </p:sp>
       <p:sp>
         <p:nvSpPr>
           <p:cNvPr id="123" name="Google Shape;123;p18"/>
-          <p:cNvSpPr txBox="1"/>
+          <p:cNvSpPr txBox="1">
+            <a:spLocks noGrp="1"/>
+          </p:cNvSpPr>
           <p:nvPr>
-            <p:ph idx="1" type="body"/>
+            <p:ph type="body" idx="1"/>
           </p:nvPr>
         </p:nvSpPr>
         <p:spPr>
@@ -7454,12 +7394,12 @@
           </a:prstGeom>
         </p:spPr>
         <p:txBody>
-          <a:bodyPr anchorCtr="0" anchor="t" bIns="45700" lIns="91425" spcFirstLastPara="1" rIns="91425" wrap="square" tIns="45700">
+          <a:bodyPr spcFirstLastPara="1" wrap="square" lIns="91425" tIns="45700" rIns="91425" bIns="45700" anchor="t" anchorCtr="0">
             <a:noAutofit/>
           </a:bodyPr>
           <a:lstStyle/>
           <a:p>
-            <a:pPr indent="0" lvl="0" marL="0" rtl="0" algn="l">
+            <a:pPr marL="0" lvl="0" indent="0" algn="l" rtl="0">
               <a:spcBef>
                 <a:spcPts val="360"/>
               </a:spcBef>
@@ -7468,67 +7408,38 @@
               </a:spcAft>
               <a:buNone/>
             </a:pPr>
-            <a:r>
-              <a:t/>
-            </a:r>
-            <a:endParaRPr/>
+            <a:endParaRPr dirty="0"/>
           </a:p>
         </p:txBody>
       </p:sp>
       <p:pic>
         <p:nvPicPr>
-          <p:cNvPr id="124" name="Google Shape;124;p18"/>
-          <p:cNvPicPr preferRelativeResize="0"/>
+          <p:cNvPr id="3" name="Picture 2">
+            <a:extLst>
+              <a:ext uri="{FF2B5EF4-FFF2-40B4-BE49-F238E27FC236}">
+                <a16:creationId xmlns:a16="http://schemas.microsoft.com/office/drawing/2014/main" id="{F5698484-E8F2-4016-A686-022D602E88CD}"/>
+              </a:ext>
+            </a:extLst>
+          </p:cNvPr>
+          <p:cNvPicPr>
+            <a:picLocks noChangeAspect="1"/>
+          </p:cNvPicPr>
           <p:nvPr/>
         </p:nvPicPr>
         <p:blipFill>
-          <a:blip r:embed="rId3">
-            <a:alphaModFix/>
-          </a:blip>
+          <a:blip r:embed="rId3"/>
           <a:stretch>
             <a:fillRect/>
           </a:stretch>
         </p:blipFill>
         <p:spPr>
           <a:xfrm>
-            <a:off x="4489025" y="2281375"/>
-            <a:ext cx="4278426" cy="2239900"/>
+            <a:off x="457200" y="958729"/>
+            <a:ext cx="8229600" cy="3836107"/>
           </a:xfrm>
           <a:prstGeom prst="rect">
             <a:avLst/>
           </a:prstGeom>
-          <a:noFill/>
-          <a:ln>
-            <a:noFill/>
-          </a:ln>
-        </p:spPr>
-      </p:pic>
-      <p:pic>
-        <p:nvPicPr>
-          <p:cNvPr id="125" name="Google Shape;125;p18"/>
-          <p:cNvPicPr preferRelativeResize="0"/>
-          <p:nvPr/>
-        </p:nvPicPr>
-        <p:blipFill>
-          <a:blip r:embed="rId4">
-            <a:alphaModFix/>
-          </a:blip>
-          <a:stretch>
-            <a:fillRect/>
-          </a:stretch>
-        </p:blipFill>
-        <p:spPr>
-          <a:xfrm>
-            <a:off x="82700" y="114050"/>
-            <a:ext cx="4406326" cy="2519876"/>
-          </a:xfrm>
-          <a:prstGeom prst="rect">
-            <a:avLst/>
-          </a:prstGeom>
-          <a:noFill/>
-          <a:ln>
-            <a:noFill/>
-          </a:ln>
         </p:spPr>
       </p:pic>
     </p:spTree>
@@ -7539,12 +7450,12 @@
 </p:sld>
 </file>
 
-<file path=ppt/slides/slide16.xml><?xml version="1.0" encoding="utf-8"?>
-<p:sld xmlns:a="http://schemas.openxmlformats.org/drawingml/2006/main" xmlns:r="http://schemas.openxmlformats.org/officeDocument/2006/relationships" xmlns:mc="http://schemas.openxmlformats.org/markup-compatibility/2006" xmlns:mv="urn:schemas-microsoft-com:mac:vml" xmlns:p="http://schemas.openxmlformats.org/presentationml/2006/main" xmlns:c="http://schemas.openxmlformats.org/drawingml/2006/chart" xmlns:dgm="http://schemas.openxmlformats.org/drawingml/2006/diagram" xmlns:o="urn:schemas-microsoft-com:office:office" xmlns:v="urn:schemas-microsoft-com:vml" xmlns:pvml="urn:schemas-microsoft-com:office:powerpoint" xmlns:com="http://schemas.openxmlformats.org/drawingml/2006/compatibility" xmlns:p14="http://schemas.microsoft.com/office/powerpoint/2010/main" xmlns:p15="http://schemas.microsoft.com/office/powerpoint/2012/main" xmlns:ahyp="http://schemas.microsoft.com/office/drawing/2018/hyperlinkcolor">
+<file path=ppt/slides/slide15.xml><?xml version="1.0" encoding="utf-8"?>
+<p:sld xmlns:a="http://schemas.openxmlformats.org/drawingml/2006/main" xmlns:r="http://schemas.openxmlformats.org/officeDocument/2006/relationships" xmlns:p="http://schemas.openxmlformats.org/presentationml/2006/main">
   <p:cSld>
     <p:spTree>
       <p:nvGrpSpPr>
-        <p:cNvPr id="129" name="Shape 129"/>
+        <p:cNvPr id="1" name="Shape 129"/>
         <p:cNvGrpSpPr/>
         <p:nvPr/>
       </p:nvGrpSpPr>
@@ -7559,7 +7470,9 @@
       <p:sp>
         <p:nvSpPr>
           <p:cNvPr id="130" name="Google Shape;130;p19"/>
-          <p:cNvSpPr txBox="1"/>
+          <p:cNvSpPr txBox="1">
+            <a:spLocks noGrp="1"/>
+          </p:cNvSpPr>
           <p:nvPr>
             <p:ph type="ctrTitle"/>
           </p:nvPr>
@@ -7574,12 +7487,12 @@
           </a:prstGeom>
         </p:spPr>
         <p:txBody>
-          <a:bodyPr anchorCtr="0" anchor="ctr" bIns="45700" lIns="91425" spcFirstLastPara="1" rIns="91425" wrap="square" tIns="45700">
+          <a:bodyPr spcFirstLastPara="1" wrap="square" lIns="91425" tIns="45700" rIns="91425" bIns="45700" anchor="ctr" anchorCtr="0">
             <a:noAutofit/>
           </a:bodyPr>
           <a:lstStyle/>
           <a:p>
-            <a:pPr indent="0" lvl="0" marL="0" rtl="0" algn="ctr">
+            <a:pPr marL="0" lvl="0" indent="0" algn="ctr" rtl="0">
               <a:spcBef>
                 <a:spcPts val="0"/>
               </a:spcBef>
@@ -7604,12 +7517,12 @@
 </p:sld>
 </file>
 
-<file path=ppt/slides/slide17.xml><?xml version="1.0" encoding="utf-8"?>
-<p:sld xmlns:a="http://schemas.openxmlformats.org/drawingml/2006/main" xmlns:r="http://schemas.openxmlformats.org/officeDocument/2006/relationships" xmlns:mc="http://schemas.openxmlformats.org/markup-compatibility/2006" xmlns:mv="urn:schemas-microsoft-com:mac:vml" xmlns:p="http://schemas.openxmlformats.org/presentationml/2006/main" xmlns:c="http://schemas.openxmlformats.org/drawingml/2006/chart" xmlns:dgm="http://schemas.openxmlformats.org/drawingml/2006/diagram" xmlns:o="urn:schemas-microsoft-com:office:office" xmlns:v="urn:schemas-microsoft-com:vml" xmlns:pvml="urn:schemas-microsoft-com:office:powerpoint" xmlns:com="http://schemas.openxmlformats.org/drawingml/2006/compatibility" xmlns:p14="http://schemas.microsoft.com/office/powerpoint/2010/main" xmlns:p15="http://schemas.microsoft.com/office/powerpoint/2012/main" xmlns:ahyp="http://schemas.microsoft.com/office/drawing/2018/hyperlinkcolor">
+<file path=ppt/slides/slide16.xml><?xml version="1.0" encoding="utf-8"?>
+<p:sld xmlns:a="http://schemas.openxmlformats.org/drawingml/2006/main" xmlns:r="http://schemas.openxmlformats.org/officeDocument/2006/relationships" xmlns:p="http://schemas.openxmlformats.org/presentationml/2006/main">
   <p:cSld>
     <p:spTree>
       <p:nvGrpSpPr>
-        <p:cNvPr id="134" name="Shape 134"/>
+        <p:cNvPr id="1" name="Shape 134"/>
         <p:cNvGrpSpPr/>
         <p:nvPr/>
       </p:nvGrpSpPr>
@@ -7624,7 +7537,9 @@
       <p:sp>
         <p:nvSpPr>
           <p:cNvPr id="135" name="Google Shape;135;p20"/>
-          <p:cNvSpPr txBox="1"/>
+          <p:cNvSpPr txBox="1">
+            <a:spLocks noGrp="1"/>
+          </p:cNvSpPr>
           <p:nvPr>
             <p:ph type="title"/>
           </p:nvPr>
@@ -7639,12 +7554,12 @@
           </a:prstGeom>
         </p:spPr>
         <p:txBody>
-          <a:bodyPr anchorCtr="0" anchor="ctr" bIns="45700" lIns="91425" spcFirstLastPara="1" rIns="91425" wrap="square" tIns="45700">
+          <a:bodyPr spcFirstLastPara="1" wrap="square" lIns="91425" tIns="45700" rIns="91425" bIns="45700" anchor="ctr" anchorCtr="0">
             <a:noAutofit/>
           </a:bodyPr>
           <a:lstStyle/>
           <a:p>
-            <a:pPr indent="0" lvl="0" marL="0" rtl="0" algn="ctr">
+            <a:pPr marL="0" lvl="0" indent="0" algn="ctr" rtl="0">
               <a:spcBef>
                 <a:spcPts val="0"/>
               </a:spcBef>
@@ -7697,12 +7612,12 @@
 </p:sld>
 </file>
 
-<file path=ppt/slides/slide18.xml><?xml version="1.0" encoding="utf-8"?>
-<p:sld xmlns:a="http://schemas.openxmlformats.org/drawingml/2006/main" xmlns:r="http://schemas.openxmlformats.org/officeDocument/2006/relationships" xmlns:mc="http://schemas.openxmlformats.org/markup-compatibility/2006" xmlns:mv="urn:schemas-microsoft-com:mac:vml" xmlns:p="http://schemas.openxmlformats.org/presentationml/2006/main" xmlns:c="http://schemas.openxmlformats.org/drawingml/2006/chart" xmlns:dgm="http://schemas.openxmlformats.org/drawingml/2006/diagram" xmlns:o="urn:schemas-microsoft-com:office:office" xmlns:v="urn:schemas-microsoft-com:vml" xmlns:pvml="urn:schemas-microsoft-com:office:powerpoint" xmlns:com="http://schemas.openxmlformats.org/drawingml/2006/compatibility" xmlns:p14="http://schemas.microsoft.com/office/powerpoint/2010/main" xmlns:p15="http://schemas.microsoft.com/office/powerpoint/2012/main" xmlns:ahyp="http://schemas.microsoft.com/office/drawing/2018/hyperlinkcolor">
+<file path=ppt/slides/slide17.xml><?xml version="1.0" encoding="utf-8"?>
+<p:sld xmlns:a="http://schemas.openxmlformats.org/drawingml/2006/main" xmlns:r="http://schemas.openxmlformats.org/officeDocument/2006/relationships" xmlns:p="http://schemas.openxmlformats.org/presentationml/2006/main">
   <p:cSld>
     <p:spTree>
       <p:nvGrpSpPr>
-        <p:cNvPr id="140" name="Shape 140"/>
+        <p:cNvPr id="1" name="Shape 140"/>
         <p:cNvGrpSpPr/>
         <p:nvPr/>
       </p:nvGrpSpPr>
@@ -7717,7 +7632,9 @@
       <p:sp>
         <p:nvSpPr>
           <p:cNvPr id="141" name="Google Shape;141;p21"/>
-          <p:cNvSpPr txBox="1"/>
+          <p:cNvSpPr txBox="1">
+            <a:spLocks noGrp="1"/>
+          </p:cNvSpPr>
           <p:nvPr>
             <p:ph type="title"/>
           </p:nvPr>
@@ -7732,12 +7649,12 @@
           </a:prstGeom>
         </p:spPr>
         <p:txBody>
-          <a:bodyPr anchorCtr="0" anchor="ctr" bIns="45700" lIns="91425" spcFirstLastPara="1" rIns="91425" wrap="square" tIns="45700">
+          <a:bodyPr spcFirstLastPara="1" wrap="square" lIns="91425" tIns="45700" rIns="91425" bIns="45700" anchor="ctr" anchorCtr="0">
             <a:noAutofit/>
           </a:bodyPr>
           <a:lstStyle/>
           <a:p>
-            <a:pPr indent="0" lvl="0" marL="0" rtl="0" algn="ctr">
+            <a:pPr marL="0" lvl="0" indent="0" algn="ctr" rtl="0">
               <a:spcBef>
                 <a:spcPts val="0"/>
               </a:spcBef>
@@ -7757,9 +7674,11 @@
       <p:sp>
         <p:nvSpPr>
           <p:cNvPr id="142" name="Google Shape;142;p21"/>
-          <p:cNvSpPr txBox="1"/>
+          <p:cNvSpPr txBox="1">
+            <a:spLocks noGrp="1"/>
+          </p:cNvSpPr>
           <p:nvPr>
-            <p:ph idx="1" type="body"/>
+            <p:ph type="body" idx="1"/>
           </p:nvPr>
         </p:nvSpPr>
         <p:spPr>
@@ -7772,12 +7691,12 @@
           </a:prstGeom>
         </p:spPr>
         <p:txBody>
-          <a:bodyPr anchorCtr="0" anchor="t" bIns="45700" lIns="91425" spcFirstLastPara="1" rIns="91425" wrap="square" tIns="45700">
+          <a:bodyPr spcFirstLastPara="1" wrap="square" lIns="91425" tIns="45700" rIns="91425" bIns="45700" anchor="t" anchorCtr="0">
             <a:noAutofit/>
           </a:bodyPr>
           <a:lstStyle/>
           <a:p>
-            <a:pPr indent="-355600" lvl="0" marL="457200" rtl="0" algn="l">
+            <a:pPr marL="457200" lvl="0" indent="-355600" algn="l" rtl="0">
               <a:lnSpc>
                 <a:spcPct val="200000"/>
               </a:lnSpc>
@@ -7792,20 +7711,12 @@
             </a:pPr>
             <a:r>
               <a:rPr lang="en" sz="2000"/>
-              <a:t>This classifier aims at forming a hyperplane that can </a:t>
-            </a:r>
-            <a:r>
-              <a:rPr lang="en" sz="2000"/>
-              <a:t>separate</a:t>
-            </a:r>
-            <a:r>
-              <a:rPr lang="en" sz="2000"/>
-              <a:t> the classes as much as possible by adjusting the distance between the data points and the hyperplane.</a:t>
+              <a:t>This classifier aims at forming a hyperplane that can separate the classes as much as possible by adjusting the distance between the data points and the hyperplane.</a:t>
             </a:r>
             <a:endParaRPr sz="2000"/>
           </a:p>
           <a:p>
-            <a:pPr indent="-355600" lvl="0" marL="457200" rtl="0" algn="l">
+            <a:pPr marL="457200" lvl="0" indent="-355600" algn="l" rtl="0">
               <a:lnSpc>
                 <a:spcPct val="200000"/>
               </a:lnSpc>
@@ -7834,12 +7745,12 @@
 </p:sld>
 </file>
 
-<file path=ppt/slides/slide19.xml><?xml version="1.0" encoding="utf-8"?>
-<p:sld xmlns:a="http://schemas.openxmlformats.org/drawingml/2006/main" xmlns:r="http://schemas.openxmlformats.org/officeDocument/2006/relationships" xmlns:mc="http://schemas.openxmlformats.org/markup-compatibility/2006" xmlns:mv="urn:schemas-microsoft-com:mac:vml" xmlns:p="http://schemas.openxmlformats.org/presentationml/2006/main" xmlns:c="http://schemas.openxmlformats.org/drawingml/2006/chart" xmlns:dgm="http://schemas.openxmlformats.org/drawingml/2006/diagram" xmlns:o="urn:schemas-microsoft-com:office:office" xmlns:v="urn:schemas-microsoft-com:vml" xmlns:pvml="urn:schemas-microsoft-com:office:powerpoint" xmlns:com="http://schemas.openxmlformats.org/drawingml/2006/compatibility" xmlns:p14="http://schemas.microsoft.com/office/powerpoint/2010/main" xmlns:p15="http://schemas.microsoft.com/office/powerpoint/2012/main" xmlns:ahyp="http://schemas.microsoft.com/office/drawing/2018/hyperlinkcolor">
+<file path=ppt/slides/slide18.xml><?xml version="1.0" encoding="utf-8"?>
+<p:sld xmlns:a="http://schemas.openxmlformats.org/drawingml/2006/main" xmlns:r="http://schemas.openxmlformats.org/officeDocument/2006/relationships" xmlns:p="http://schemas.openxmlformats.org/presentationml/2006/main">
   <p:cSld>
     <p:spTree>
       <p:nvGrpSpPr>
-        <p:cNvPr id="146" name="Shape 146"/>
+        <p:cNvPr id="1" name="Shape 146"/>
         <p:cNvGrpSpPr/>
         <p:nvPr/>
       </p:nvGrpSpPr>
@@ -7854,7 +7765,9 @@
       <p:sp>
         <p:nvSpPr>
           <p:cNvPr id="147" name="Google Shape;147;p22"/>
-          <p:cNvSpPr txBox="1"/>
+          <p:cNvSpPr txBox="1">
+            <a:spLocks noGrp="1"/>
+          </p:cNvSpPr>
           <p:nvPr>
             <p:ph type="title"/>
           </p:nvPr>
@@ -7869,12 +7782,12 @@
           </a:prstGeom>
         </p:spPr>
         <p:txBody>
-          <a:bodyPr anchorCtr="0" anchor="ctr" bIns="45700" lIns="91425" spcFirstLastPara="1" rIns="91425" wrap="square" tIns="45700">
+          <a:bodyPr spcFirstLastPara="1" wrap="square" lIns="91425" tIns="45700" rIns="91425" bIns="45700" anchor="ctr" anchorCtr="0">
             <a:noAutofit/>
           </a:bodyPr>
           <a:lstStyle/>
           <a:p>
-            <a:pPr indent="0" lvl="0" marL="0" rtl="0" algn="ctr">
+            <a:pPr marL="0" lvl="0" indent="0" algn="ctr" rtl="0">
               <a:spcBef>
                 <a:spcPts val="0"/>
               </a:spcBef>
@@ -7894,9 +7807,11 @@
       <p:sp>
         <p:nvSpPr>
           <p:cNvPr id="148" name="Google Shape;148;p22"/>
-          <p:cNvSpPr txBox="1"/>
+          <p:cNvSpPr txBox="1">
+            <a:spLocks noGrp="1"/>
+          </p:cNvSpPr>
           <p:nvPr>
-            <p:ph idx="1" type="body"/>
+            <p:ph type="body" idx="1"/>
           </p:nvPr>
         </p:nvSpPr>
         <p:spPr>
@@ -7909,12 +7824,12 @@
           </a:prstGeom>
         </p:spPr>
         <p:txBody>
-          <a:bodyPr anchorCtr="0" anchor="t" bIns="45700" lIns="91425" spcFirstLastPara="1" rIns="91425" wrap="square" tIns="45700">
+          <a:bodyPr spcFirstLastPara="1" wrap="square" lIns="91425" tIns="45700" rIns="91425" bIns="45700" anchor="t" anchorCtr="0">
             <a:noAutofit/>
           </a:bodyPr>
           <a:lstStyle/>
           <a:p>
-            <a:pPr indent="-355600" lvl="0" marL="457200" rtl="0" algn="l">
+            <a:pPr marL="457200" lvl="0" indent="-355600" algn="l" rtl="0">
               <a:lnSpc>
                 <a:spcPct val="200000"/>
               </a:lnSpc>
@@ -7934,7 +7849,7 @@
             <a:endParaRPr sz="2000"/>
           </a:p>
           <a:p>
-            <a:pPr indent="-355600" lvl="0" marL="457200" rtl="0" algn="l">
+            <a:pPr marL="457200" lvl="0" indent="-355600" algn="l" rtl="0">
               <a:lnSpc>
                 <a:spcPct val="200000"/>
               </a:lnSpc>
@@ -7954,7 +7869,7 @@
             <a:endParaRPr sz="2000"/>
           </a:p>
           <a:p>
-            <a:pPr indent="-355600" lvl="0" marL="457200" rtl="0" algn="l">
+            <a:pPr marL="457200" lvl="0" indent="-355600" algn="l" rtl="0">
               <a:lnSpc>
                 <a:spcPct val="200000"/>
               </a:lnSpc>
@@ -7974,12 +7889,75 @@
             <a:endParaRPr sz="2000"/>
           </a:p>
           <a:p>
-            <a:pPr indent="0" lvl="0" marL="457200" rtl="0" algn="l">
+            <a:pPr marL="457200" lvl="0" indent="0" algn="l" rtl="0">
               <a:lnSpc>
                 <a:spcPct val="200000"/>
               </a:lnSpc>
               <a:spcBef>
                 <a:spcPts val="360"/>
+              </a:spcBef>
+              <a:spcAft>
+                <a:spcPts val="0"/>
+              </a:spcAft>
+              <a:buNone/>
+            </a:pPr>
+            <a:endParaRPr sz="2000"/>
+          </a:p>
+        </p:txBody>
+      </p:sp>
+    </p:spTree>
+  </p:cSld>
+  <p:clrMapOvr>
+    <a:masterClrMapping/>
+  </p:clrMapOvr>
+</p:sld>
+</file>
+
+<file path=ppt/slides/slide19.xml><?xml version="1.0" encoding="utf-8"?>
+<p:sld xmlns:a="http://schemas.openxmlformats.org/drawingml/2006/main" xmlns:r="http://schemas.openxmlformats.org/officeDocument/2006/relationships" xmlns:p="http://schemas.openxmlformats.org/presentationml/2006/main">
+  <p:cSld>
+    <p:spTree>
+      <p:nvGrpSpPr>
+        <p:cNvPr id="1" name="Shape 152"/>
+        <p:cNvGrpSpPr/>
+        <p:nvPr/>
+      </p:nvGrpSpPr>
+      <p:grpSpPr>
+        <a:xfrm>
+          <a:off x="0" y="0"/>
+          <a:ext cx="0" cy="0"/>
+          <a:chOff x="0" y="0"/>
+          <a:chExt cx="0" cy="0"/>
+        </a:xfrm>
+      </p:grpSpPr>
+      <p:sp>
+        <p:nvSpPr>
+          <p:cNvPr id="153" name="Google Shape;153;p23"/>
+          <p:cNvSpPr txBox="1">
+            <a:spLocks noGrp="1"/>
+          </p:cNvSpPr>
+          <p:nvPr>
+            <p:ph type="title"/>
+          </p:nvPr>
+        </p:nvSpPr>
+        <p:spPr>
+          <a:xfrm>
+            <a:off x="457200" y="205978"/>
+            <a:ext cx="8229600" cy="857400"/>
+          </a:xfrm>
+          <a:prstGeom prst="rect">
+            <a:avLst/>
+          </a:prstGeom>
+        </p:spPr>
+        <p:txBody>
+          <a:bodyPr spcFirstLastPara="1" wrap="square" lIns="91425" tIns="45700" rIns="91425" bIns="45700" anchor="ctr" anchorCtr="0">
+            <a:noAutofit/>
+          </a:bodyPr>
+          <a:lstStyle/>
+          <a:p>
+            <a:pPr marL="0" lvl="0" indent="0" algn="ctr" rtl="0">
+              <a:spcBef>
+                <a:spcPts val="0"/>
               </a:spcBef>
               <a:spcAft>
                 <a:spcPts val="0"/>
@@ -7987,7 +7965,94 @@
               <a:buNone/>
             </a:pPr>
             <a:r>
-              <a:t/>
+              <a:rPr lang="en"/>
+              <a:t>Challenges using SVM</a:t>
+            </a:r>
+            <a:endParaRPr/>
+          </a:p>
+        </p:txBody>
+      </p:sp>
+      <p:sp>
+        <p:nvSpPr>
+          <p:cNvPr id="154" name="Google Shape;154;p23"/>
+          <p:cNvSpPr txBox="1">
+            <a:spLocks noGrp="1"/>
+          </p:cNvSpPr>
+          <p:nvPr>
+            <p:ph type="body" idx="1"/>
+          </p:nvPr>
+        </p:nvSpPr>
+        <p:spPr>
+          <a:xfrm>
+            <a:off x="457200" y="1200150"/>
+            <a:ext cx="8229600" cy="3394500"/>
+          </a:xfrm>
+          <a:prstGeom prst="rect">
+            <a:avLst/>
+          </a:prstGeom>
+        </p:spPr>
+        <p:txBody>
+          <a:bodyPr spcFirstLastPara="1" wrap="square" lIns="91425" tIns="45700" rIns="91425" bIns="45700" anchor="t" anchorCtr="0">
+            <a:noAutofit/>
+          </a:bodyPr>
+          <a:lstStyle/>
+          <a:p>
+            <a:pPr marL="457200" lvl="0" indent="-355600" algn="l" rtl="0">
+              <a:lnSpc>
+                <a:spcPct val="200000"/>
+              </a:lnSpc>
+              <a:spcBef>
+                <a:spcPts val="360"/>
+              </a:spcBef>
+              <a:spcAft>
+                <a:spcPts val="0"/>
+              </a:spcAft>
+              <a:buSzPts val="2000"/>
+              <a:buChar char="•"/>
+            </a:pPr>
+            <a:r>
+              <a:rPr lang="en" sz="2000"/>
+              <a:t>This algorithm is not suitable for large data sets</a:t>
+            </a:r>
+            <a:endParaRPr sz="2000"/>
+          </a:p>
+          <a:p>
+            <a:pPr marL="457200" lvl="0" indent="-355600" algn="l" rtl="0">
+              <a:lnSpc>
+                <a:spcPct val="200000"/>
+              </a:lnSpc>
+              <a:spcBef>
+                <a:spcPts val="0"/>
+              </a:spcBef>
+              <a:spcAft>
+                <a:spcPts val="0"/>
+              </a:spcAft>
+              <a:buSzPts val="2000"/>
+              <a:buChar char="•"/>
+            </a:pPr>
+            <a:r>
+              <a:rPr lang="en" sz="2000"/>
+              <a:t>SVM does not perform very well when the data has target classes that are overlapping</a:t>
+            </a:r>
+            <a:endParaRPr sz="2000"/>
+          </a:p>
+          <a:p>
+            <a:pPr marL="457200" lvl="0" indent="-355600" algn="l" rtl="0">
+              <a:lnSpc>
+                <a:spcPct val="200000"/>
+              </a:lnSpc>
+              <a:spcBef>
+                <a:spcPts val="0"/>
+              </a:spcBef>
+              <a:spcAft>
+                <a:spcPts val="0"/>
+              </a:spcAft>
+              <a:buSzPts val="2000"/>
+              <a:buChar char="•"/>
+            </a:pPr>
+            <a:r>
+              <a:rPr lang="en" sz="2000"/>
+              <a:t>SVMs will not be able to perfectly separate classes.</a:t>
             </a:r>
             <a:endParaRPr sz="2000"/>
           </a:p>
@@ -8002,11 +8067,11 @@
 </file>
 
 <file path=ppt/slides/slide2.xml><?xml version="1.0" encoding="utf-8"?>
-<p:sld xmlns:a="http://schemas.openxmlformats.org/drawingml/2006/main" xmlns:r="http://schemas.openxmlformats.org/officeDocument/2006/relationships" xmlns:mc="http://schemas.openxmlformats.org/markup-compatibility/2006" xmlns:mv="urn:schemas-microsoft-com:mac:vml" xmlns:p="http://schemas.openxmlformats.org/presentationml/2006/main" xmlns:c="http://schemas.openxmlformats.org/drawingml/2006/chart" xmlns:dgm="http://schemas.openxmlformats.org/drawingml/2006/diagram" xmlns:o="urn:schemas-microsoft-com:office:office" xmlns:v="urn:schemas-microsoft-com:vml" xmlns:pvml="urn:schemas-microsoft-com:office:powerpoint" xmlns:com="http://schemas.openxmlformats.org/drawingml/2006/compatibility" xmlns:p14="http://schemas.microsoft.com/office/powerpoint/2010/main" xmlns:p15="http://schemas.microsoft.com/office/powerpoint/2012/main" xmlns:ahyp="http://schemas.microsoft.com/office/drawing/2018/hyperlinkcolor">
+<p:sld xmlns:a="http://schemas.openxmlformats.org/drawingml/2006/main" xmlns:r="http://schemas.openxmlformats.org/officeDocument/2006/relationships" xmlns:p="http://schemas.openxmlformats.org/presentationml/2006/main">
   <p:cSld>
     <p:spTree>
       <p:nvGrpSpPr>
-        <p:cNvPr id="32" name="Shape 32"/>
+        <p:cNvPr id="1" name="Shape 32"/>
         <p:cNvGrpSpPr/>
         <p:nvPr/>
       </p:nvGrpSpPr>
@@ -8021,7 +8086,9 @@
       <p:sp>
         <p:nvSpPr>
           <p:cNvPr id="33" name="Google Shape;33;p5"/>
-          <p:cNvSpPr txBox="1"/>
+          <p:cNvSpPr txBox="1">
+            <a:spLocks noGrp="1"/>
+          </p:cNvSpPr>
           <p:nvPr>
             <p:ph type="ctrTitle"/>
           </p:nvPr>
@@ -8036,12 +8103,12 @@
           </a:prstGeom>
         </p:spPr>
         <p:txBody>
-          <a:bodyPr anchorCtr="0" anchor="ctr" bIns="45700" lIns="91425" spcFirstLastPara="1" rIns="91425" wrap="square" tIns="45700">
+          <a:bodyPr spcFirstLastPara="1" wrap="square" lIns="91425" tIns="45700" rIns="91425" bIns="45700" anchor="ctr" anchorCtr="0">
             <a:noAutofit/>
           </a:bodyPr>
           <a:lstStyle/>
           <a:p>
-            <a:pPr indent="0" lvl="0" marL="0" rtl="0" algn="ctr">
+            <a:pPr marL="0" lvl="0" indent="0" algn="ctr" rtl="0">
               <a:spcBef>
                 <a:spcPts val="0"/>
               </a:spcBef>
@@ -8095,160 +8162,11 @@
 </file>
 
 <file path=ppt/slides/slide20.xml><?xml version="1.0" encoding="utf-8"?>
-<p:sld xmlns:a="http://schemas.openxmlformats.org/drawingml/2006/main" xmlns:r="http://schemas.openxmlformats.org/officeDocument/2006/relationships" xmlns:mc="http://schemas.openxmlformats.org/markup-compatibility/2006" xmlns:mv="urn:schemas-microsoft-com:mac:vml" xmlns:p="http://schemas.openxmlformats.org/presentationml/2006/main" xmlns:c="http://schemas.openxmlformats.org/drawingml/2006/chart" xmlns:dgm="http://schemas.openxmlformats.org/drawingml/2006/diagram" xmlns:o="urn:schemas-microsoft-com:office:office" xmlns:v="urn:schemas-microsoft-com:vml" xmlns:pvml="urn:schemas-microsoft-com:office:powerpoint" xmlns:com="http://schemas.openxmlformats.org/drawingml/2006/compatibility" xmlns:p14="http://schemas.microsoft.com/office/powerpoint/2010/main" xmlns:p15="http://schemas.microsoft.com/office/powerpoint/2012/main" xmlns:ahyp="http://schemas.microsoft.com/office/drawing/2018/hyperlinkcolor">
+<p:sld xmlns:a="http://schemas.openxmlformats.org/drawingml/2006/main" xmlns:r="http://schemas.openxmlformats.org/officeDocument/2006/relationships" xmlns:p="http://schemas.openxmlformats.org/presentationml/2006/main">
   <p:cSld>
     <p:spTree>
       <p:nvGrpSpPr>
-        <p:cNvPr id="152" name="Shape 152"/>
-        <p:cNvGrpSpPr/>
-        <p:nvPr/>
-      </p:nvGrpSpPr>
-      <p:grpSpPr>
-        <a:xfrm>
-          <a:off x="0" y="0"/>
-          <a:ext cx="0" cy="0"/>
-          <a:chOff x="0" y="0"/>
-          <a:chExt cx="0" cy="0"/>
-        </a:xfrm>
-      </p:grpSpPr>
-      <p:sp>
-        <p:nvSpPr>
-          <p:cNvPr id="153" name="Google Shape;153;p23"/>
-          <p:cNvSpPr txBox="1"/>
-          <p:nvPr>
-            <p:ph type="title"/>
-          </p:nvPr>
-        </p:nvSpPr>
-        <p:spPr>
-          <a:xfrm>
-            <a:off x="457200" y="205978"/>
-            <a:ext cx="8229600" cy="857400"/>
-          </a:xfrm>
-          <a:prstGeom prst="rect">
-            <a:avLst/>
-          </a:prstGeom>
-        </p:spPr>
-        <p:txBody>
-          <a:bodyPr anchorCtr="0" anchor="ctr" bIns="45700" lIns="91425" spcFirstLastPara="1" rIns="91425" wrap="square" tIns="45700">
-            <a:noAutofit/>
-          </a:bodyPr>
-          <a:lstStyle/>
-          <a:p>
-            <a:pPr indent="0" lvl="0" marL="0" rtl="0" algn="ctr">
-              <a:spcBef>
-                <a:spcPts val="0"/>
-              </a:spcBef>
-              <a:spcAft>
-                <a:spcPts val="0"/>
-              </a:spcAft>
-              <a:buNone/>
-            </a:pPr>
-            <a:r>
-              <a:rPr lang="en"/>
-              <a:t>Challenges using SVM</a:t>
-            </a:r>
-            <a:endParaRPr/>
-          </a:p>
-        </p:txBody>
-      </p:sp>
-      <p:sp>
-        <p:nvSpPr>
-          <p:cNvPr id="154" name="Google Shape;154;p23"/>
-          <p:cNvSpPr txBox="1"/>
-          <p:nvPr>
-            <p:ph idx="1" type="body"/>
-          </p:nvPr>
-        </p:nvSpPr>
-        <p:spPr>
-          <a:xfrm>
-            <a:off x="457200" y="1200150"/>
-            <a:ext cx="8229600" cy="3394500"/>
-          </a:xfrm>
-          <a:prstGeom prst="rect">
-            <a:avLst/>
-          </a:prstGeom>
-        </p:spPr>
-        <p:txBody>
-          <a:bodyPr anchorCtr="0" anchor="t" bIns="45700" lIns="91425" spcFirstLastPara="1" rIns="91425" wrap="square" tIns="45700">
-            <a:noAutofit/>
-          </a:bodyPr>
-          <a:lstStyle/>
-          <a:p>
-            <a:pPr indent="-355600" lvl="0" marL="457200" rtl="0" algn="l">
-              <a:lnSpc>
-                <a:spcPct val="200000"/>
-              </a:lnSpc>
-              <a:spcBef>
-                <a:spcPts val="360"/>
-              </a:spcBef>
-              <a:spcAft>
-                <a:spcPts val="0"/>
-              </a:spcAft>
-              <a:buSzPts val="2000"/>
-              <a:buChar char="•"/>
-            </a:pPr>
-            <a:r>
-              <a:rPr lang="en" sz="2000"/>
-              <a:t>This algorithm is not suitable for large data sets</a:t>
-            </a:r>
-            <a:endParaRPr sz="2000"/>
-          </a:p>
-          <a:p>
-            <a:pPr indent="-355600" lvl="0" marL="457200" rtl="0" algn="l">
-              <a:lnSpc>
-                <a:spcPct val="200000"/>
-              </a:lnSpc>
-              <a:spcBef>
-                <a:spcPts val="0"/>
-              </a:spcBef>
-              <a:spcAft>
-                <a:spcPts val="0"/>
-              </a:spcAft>
-              <a:buSzPts val="2000"/>
-              <a:buChar char="•"/>
-            </a:pPr>
-            <a:r>
-              <a:rPr lang="en" sz="2000"/>
-              <a:t>SVM does not perform very well when the data has target classes that are overlapping</a:t>
-            </a:r>
-            <a:endParaRPr sz="2000"/>
-          </a:p>
-          <a:p>
-            <a:pPr indent="-355600" lvl="0" marL="457200" rtl="0" algn="l">
-              <a:lnSpc>
-                <a:spcPct val="200000"/>
-              </a:lnSpc>
-              <a:spcBef>
-                <a:spcPts val="0"/>
-              </a:spcBef>
-              <a:spcAft>
-                <a:spcPts val="0"/>
-              </a:spcAft>
-              <a:buSzPts val="2000"/>
-              <a:buChar char="•"/>
-            </a:pPr>
-            <a:r>
-              <a:rPr lang="en" sz="2000"/>
-              <a:t>SVMs will not be able to perfectly separate classes.</a:t>
-            </a:r>
-            <a:endParaRPr sz="2000"/>
-          </a:p>
-        </p:txBody>
-      </p:sp>
-    </p:spTree>
-  </p:cSld>
-  <p:clrMapOvr>
-    <a:masterClrMapping/>
-  </p:clrMapOvr>
-</p:sld>
-</file>
-
-<file path=ppt/slides/slide21.xml><?xml version="1.0" encoding="utf-8"?>
-<p:sld xmlns:a="http://schemas.openxmlformats.org/drawingml/2006/main" xmlns:r="http://schemas.openxmlformats.org/officeDocument/2006/relationships" xmlns:mc="http://schemas.openxmlformats.org/markup-compatibility/2006" xmlns:mv="urn:schemas-microsoft-com:mac:vml" xmlns:p="http://schemas.openxmlformats.org/presentationml/2006/main" xmlns:c="http://schemas.openxmlformats.org/drawingml/2006/chart" xmlns:dgm="http://schemas.openxmlformats.org/drawingml/2006/diagram" xmlns:o="urn:schemas-microsoft-com:office:office" xmlns:v="urn:schemas-microsoft-com:vml" xmlns:pvml="urn:schemas-microsoft-com:office:powerpoint" xmlns:com="http://schemas.openxmlformats.org/drawingml/2006/compatibility" xmlns:p14="http://schemas.microsoft.com/office/powerpoint/2010/main" xmlns:p15="http://schemas.microsoft.com/office/powerpoint/2012/main" xmlns:ahyp="http://schemas.microsoft.com/office/drawing/2018/hyperlinkcolor">
-  <p:cSld>
-    <p:spTree>
-      <p:nvGrpSpPr>
-        <p:cNvPr id="158" name="Shape 158"/>
+        <p:cNvPr id="1" name="Shape 158"/>
         <p:cNvGrpSpPr/>
         <p:nvPr/>
       </p:nvGrpSpPr>
@@ -8263,7 +8181,9 @@
       <p:sp>
         <p:nvSpPr>
           <p:cNvPr id="159" name="Google Shape;159;p24"/>
-          <p:cNvSpPr txBox="1"/>
+          <p:cNvSpPr txBox="1">
+            <a:spLocks noGrp="1"/>
+          </p:cNvSpPr>
           <p:nvPr>
             <p:ph type="title"/>
           </p:nvPr>
@@ -8278,12 +8198,12 @@
           </a:prstGeom>
         </p:spPr>
         <p:txBody>
-          <a:bodyPr anchorCtr="0" anchor="ctr" bIns="45700" lIns="91425" spcFirstLastPara="1" rIns="91425" wrap="square" tIns="45700">
+          <a:bodyPr spcFirstLastPara="1" wrap="square" lIns="91425" tIns="45700" rIns="91425" bIns="45700" anchor="ctr" anchorCtr="0">
             <a:noAutofit/>
           </a:bodyPr>
           <a:lstStyle/>
           <a:p>
-            <a:pPr indent="0" lvl="0" marL="0" rtl="0" algn="ctr">
+            <a:pPr marL="0" lvl="0" indent="0" algn="ctr" rtl="0">
               <a:spcBef>
                 <a:spcPts val="0"/>
               </a:spcBef>
@@ -8303,9 +8223,11 @@
       <p:sp>
         <p:nvSpPr>
           <p:cNvPr id="160" name="Google Shape;160;p24"/>
-          <p:cNvSpPr txBox="1"/>
+          <p:cNvSpPr txBox="1">
+            <a:spLocks noGrp="1"/>
+          </p:cNvSpPr>
           <p:nvPr>
-            <p:ph idx="1" type="body"/>
+            <p:ph type="body" idx="1"/>
           </p:nvPr>
         </p:nvSpPr>
         <p:spPr>
@@ -8318,12 +8240,12 @@
           </a:prstGeom>
         </p:spPr>
         <p:txBody>
-          <a:bodyPr anchorCtr="0" anchor="t" bIns="45700" lIns="91425" spcFirstLastPara="1" rIns="91425" wrap="square" tIns="45700">
+          <a:bodyPr spcFirstLastPara="1" wrap="square" lIns="91425" tIns="45700" rIns="91425" bIns="45700" anchor="t" anchorCtr="0">
             <a:noAutofit/>
           </a:bodyPr>
           <a:lstStyle/>
           <a:p>
-            <a:pPr indent="-342900" lvl="0" marL="457200" rtl="0" algn="l">
+            <a:pPr marL="457200" lvl="0" indent="-342900" algn="l" rtl="0">
               <a:spcBef>
                 <a:spcPts val="360"/>
               </a:spcBef>
@@ -8349,12 +8271,12 @@
 </p:sld>
 </file>
 
-<file path=ppt/slides/slide22.xml><?xml version="1.0" encoding="utf-8"?>
-<p:sld xmlns:a="http://schemas.openxmlformats.org/drawingml/2006/main" xmlns:r="http://schemas.openxmlformats.org/officeDocument/2006/relationships" xmlns:mc="http://schemas.openxmlformats.org/markup-compatibility/2006" xmlns:mv="urn:schemas-microsoft-com:mac:vml" xmlns:p="http://schemas.openxmlformats.org/presentationml/2006/main" xmlns:c="http://schemas.openxmlformats.org/drawingml/2006/chart" xmlns:dgm="http://schemas.openxmlformats.org/drawingml/2006/diagram" xmlns:o="urn:schemas-microsoft-com:office:office" xmlns:v="urn:schemas-microsoft-com:vml" xmlns:pvml="urn:schemas-microsoft-com:office:powerpoint" xmlns:com="http://schemas.openxmlformats.org/drawingml/2006/compatibility" xmlns:p14="http://schemas.microsoft.com/office/powerpoint/2010/main" xmlns:p15="http://schemas.microsoft.com/office/powerpoint/2012/main" xmlns:ahyp="http://schemas.microsoft.com/office/drawing/2018/hyperlinkcolor">
+<file path=ppt/slides/slide21.xml><?xml version="1.0" encoding="utf-8"?>
+<p:sld xmlns:a="http://schemas.openxmlformats.org/drawingml/2006/main" xmlns:r="http://schemas.openxmlformats.org/officeDocument/2006/relationships" xmlns:p="http://schemas.openxmlformats.org/presentationml/2006/main">
   <p:cSld>
     <p:spTree>
       <p:nvGrpSpPr>
-        <p:cNvPr id="164" name="Shape 164"/>
+        <p:cNvPr id="1" name="Shape 164"/>
         <p:cNvGrpSpPr/>
         <p:nvPr/>
       </p:nvGrpSpPr>
@@ -8369,7 +8291,9 @@
       <p:sp>
         <p:nvSpPr>
           <p:cNvPr id="165" name="Google Shape;165;p25"/>
-          <p:cNvSpPr txBox="1"/>
+          <p:cNvSpPr txBox="1">
+            <a:spLocks noGrp="1"/>
+          </p:cNvSpPr>
           <p:nvPr>
             <p:ph type="ctrTitle"/>
           </p:nvPr>
@@ -8384,12 +8308,12 @@
           </a:prstGeom>
         </p:spPr>
         <p:txBody>
-          <a:bodyPr anchorCtr="0" anchor="ctr" bIns="45700" lIns="91425" spcFirstLastPara="1" rIns="91425" wrap="square" tIns="45700">
+          <a:bodyPr spcFirstLastPara="1" wrap="square" lIns="91425" tIns="45700" rIns="91425" bIns="45700" anchor="ctr" anchorCtr="0">
             <a:noAutofit/>
           </a:bodyPr>
           <a:lstStyle/>
           <a:p>
-            <a:pPr indent="0" lvl="0" marL="0" rtl="0" algn="ctr">
+            <a:pPr marL="0" lvl="0" indent="0" algn="ctr" rtl="0">
               <a:spcBef>
                 <a:spcPts val="0"/>
               </a:spcBef>
@@ -8414,12 +8338,12 @@
 </p:sld>
 </file>
 
-<file path=ppt/slides/slide23.xml><?xml version="1.0" encoding="utf-8"?>
-<p:sld xmlns:a="http://schemas.openxmlformats.org/drawingml/2006/main" xmlns:r="http://schemas.openxmlformats.org/officeDocument/2006/relationships" xmlns:mc="http://schemas.openxmlformats.org/markup-compatibility/2006" xmlns:mv="urn:schemas-microsoft-com:mac:vml" xmlns:p="http://schemas.openxmlformats.org/presentationml/2006/main" xmlns:c="http://schemas.openxmlformats.org/drawingml/2006/chart" xmlns:dgm="http://schemas.openxmlformats.org/drawingml/2006/diagram" xmlns:o="urn:schemas-microsoft-com:office:office" xmlns:v="urn:schemas-microsoft-com:vml" xmlns:pvml="urn:schemas-microsoft-com:office:powerpoint" xmlns:com="http://schemas.openxmlformats.org/drawingml/2006/compatibility" xmlns:p14="http://schemas.microsoft.com/office/powerpoint/2010/main" xmlns:p15="http://schemas.microsoft.com/office/powerpoint/2012/main" xmlns:ahyp="http://schemas.microsoft.com/office/drawing/2018/hyperlinkcolor">
+<file path=ppt/slides/slide22.xml><?xml version="1.0" encoding="utf-8"?>
+<p:sld xmlns:a="http://schemas.openxmlformats.org/drawingml/2006/main" xmlns:r="http://schemas.openxmlformats.org/officeDocument/2006/relationships" xmlns:p="http://schemas.openxmlformats.org/presentationml/2006/main">
   <p:cSld>
     <p:spTree>
       <p:nvGrpSpPr>
-        <p:cNvPr id="169" name="Shape 169"/>
+        <p:cNvPr id="1" name="Shape 169"/>
         <p:cNvGrpSpPr/>
         <p:nvPr/>
       </p:nvGrpSpPr>
@@ -8434,7 +8358,9 @@
       <p:sp>
         <p:nvSpPr>
           <p:cNvPr id="170" name="Google Shape;170;p26"/>
-          <p:cNvSpPr txBox="1"/>
+          <p:cNvSpPr txBox="1">
+            <a:spLocks noGrp="1"/>
+          </p:cNvSpPr>
           <p:nvPr>
             <p:ph type="ctrTitle"/>
           </p:nvPr>
@@ -8449,12 +8375,12 @@
           </a:prstGeom>
         </p:spPr>
         <p:txBody>
-          <a:bodyPr anchorCtr="0" anchor="ctr" bIns="45700" lIns="91425" spcFirstLastPara="1" rIns="91425" wrap="square" tIns="45700">
+          <a:bodyPr spcFirstLastPara="1" wrap="square" lIns="91425" tIns="45700" rIns="91425" bIns="45700" anchor="ctr" anchorCtr="0">
             <a:noAutofit/>
           </a:bodyPr>
           <a:lstStyle/>
           <a:p>
-            <a:pPr indent="0" lvl="0" marL="0" rtl="0" algn="ctr">
+            <a:pPr marL="0" lvl="0" indent="0" algn="ctr" rtl="0">
               <a:spcBef>
                 <a:spcPts val="0"/>
               </a:spcBef>
@@ -8480,11 +8406,11 @@
 </file>
 
 <file path=ppt/slides/slide3.xml><?xml version="1.0" encoding="utf-8"?>
-<p:sld xmlns:a="http://schemas.openxmlformats.org/drawingml/2006/main" xmlns:r="http://schemas.openxmlformats.org/officeDocument/2006/relationships" xmlns:mc="http://schemas.openxmlformats.org/markup-compatibility/2006" xmlns:mv="urn:schemas-microsoft-com:mac:vml" xmlns:p="http://schemas.openxmlformats.org/presentationml/2006/main" xmlns:c="http://schemas.openxmlformats.org/drawingml/2006/chart" xmlns:dgm="http://schemas.openxmlformats.org/drawingml/2006/diagram" xmlns:o="urn:schemas-microsoft-com:office:office" xmlns:v="urn:schemas-microsoft-com:vml" xmlns:pvml="urn:schemas-microsoft-com:office:powerpoint" xmlns:com="http://schemas.openxmlformats.org/drawingml/2006/compatibility" xmlns:p14="http://schemas.microsoft.com/office/powerpoint/2010/main" xmlns:p15="http://schemas.microsoft.com/office/powerpoint/2012/main" xmlns:ahyp="http://schemas.microsoft.com/office/drawing/2018/hyperlinkcolor">
+<p:sld xmlns:a="http://schemas.openxmlformats.org/drawingml/2006/main" xmlns:r="http://schemas.openxmlformats.org/officeDocument/2006/relationships" xmlns:p="http://schemas.openxmlformats.org/presentationml/2006/main">
   <p:cSld>
     <p:spTree>
       <p:nvGrpSpPr>
-        <p:cNvPr id="38" name="Shape 38"/>
+        <p:cNvPr id="1" name="Shape 38"/>
         <p:cNvGrpSpPr/>
         <p:nvPr/>
       </p:nvGrpSpPr>
@@ -8499,7 +8425,9 @@
       <p:sp>
         <p:nvSpPr>
           <p:cNvPr id="39" name="Google Shape;39;p6"/>
-          <p:cNvSpPr txBox="1"/>
+          <p:cNvSpPr txBox="1">
+            <a:spLocks noGrp="1"/>
+          </p:cNvSpPr>
           <p:nvPr>
             <p:ph type="title"/>
           </p:nvPr>
@@ -8514,12 +8442,12 @@
           </a:prstGeom>
         </p:spPr>
         <p:txBody>
-          <a:bodyPr anchorCtr="0" anchor="ctr" bIns="45700" lIns="91425" spcFirstLastPara="1" rIns="91425" wrap="square" tIns="45700">
+          <a:bodyPr spcFirstLastPara="1" wrap="square" lIns="91425" tIns="45700" rIns="91425" bIns="45700" anchor="ctr" anchorCtr="0">
             <a:noAutofit/>
           </a:bodyPr>
           <a:lstStyle/>
           <a:p>
-            <a:pPr indent="0" lvl="0" marL="0" rtl="0" algn="ctr">
+            <a:pPr marL="0" lvl="0" indent="0" algn="ctr" rtl="0">
               <a:spcBef>
                 <a:spcPts val="0"/>
               </a:spcBef>
@@ -8539,9 +8467,11 @@
       <p:sp>
         <p:nvSpPr>
           <p:cNvPr id="40" name="Google Shape;40;p6"/>
-          <p:cNvSpPr txBox="1"/>
+          <p:cNvSpPr txBox="1">
+            <a:spLocks noGrp="1"/>
+          </p:cNvSpPr>
           <p:nvPr>
-            <p:ph idx="1" type="body"/>
+            <p:ph type="body" idx="1"/>
           </p:nvPr>
         </p:nvSpPr>
         <p:spPr>
@@ -8554,12 +8484,12 @@
           </a:prstGeom>
         </p:spPr>
         <p:txBody>
-          <a:bodyPr anchorCtr="0" anchor="t" bIns="45700" lIns="91425" spcFirstLastPara="1" rIns="91425" wrap="square" tIns="45700">
+          <a:bodyPr spcFirstLastPara="1" wrap="square" lIns="91425" tIns="45700" rIns="91425" bIns="45700" anchor="t" anchorCtr="0">
             <a:noAutofit/>
           </a:bodyPr>
           <a:lstStyle/>
           <a:p>
-            <a:pPr indent="-342900" lvl="0" marL="457200" rtl="0" algn="l">
+            <a:pPr marL="457200" lvl="0" indent="-342900" algn="l" rtl="0">
               <a:spcBef>
                 <a:spcPts val="360"/>
               </a:spcBef>
@@ -8576,7 +8506,7 @@
             <a:endParaRPr/>
           </a:p>
           <a:p>
-            <a:pPr indent="-342900" lvl="0" marL="457200" rtl="0" algn="l">
+            <a:pPr marL="457200" lvl="0" indent="-342900" algn="l" rtl="0">
               <a:spcBef>
                 <a:spcPts val="0"/>
               </a:spcBef>
@@ -8593,7 +8523,7 @@
             <a:endParaRPr/>
           </a:p>
           <a:p>
-            <a:pPr indent="-342900" lvl="0" marL="457200" rtl="0" algn="l">
+            <a:pPr marL="457200" lvl="0" indent="-342900" algn="l" rtl="0">
               <a:spcBef>
                 <a:spcPts val="0"/>
               </a:spcBef>
@@ -8610,7 +8540,7 @@
             <a:endParaRPr/>
           </a:p>
           <a:p>
-            <a:pPr indent="-342900" lvl="0" marL="457200" rtl="0" algn="l">
+            <a:pPr marL="457200" lvl="0" indent="-342900" algn="l" rtl="0">
               <a:spcBef>
                 <a:spcPts val="0"/>
               </a:spcBef>
@@ -8637,11 +8567,11 @@
 </file>
 
 <file path=ppt/slides/slide4.xml><?xml version="1.0" encoding="utf-8"?>
-<p:sld xmlns:a="http://schemas.openxmlformats.org/drawingml/2006/main" xmlns:r="http://schemas.openxmlformats.org/officeDocument/2006/relationships" xmlns:mc="http://schemas.openxmlformats.org/markup-compatibility/2006" xmlns:mv="urn:schemas-microsoft-com:mac:vml" xmlns:p="http://schemas.openxmlformats.org/presentationml/2006/main" xmlns:c="http://schemas.openxmlformats.org/drawingml/2006/chart" xmlns:dgm="http://schemas.openxmlformats.org/drawingml/2006/diagram" xmlns:o="urn:schemas-microsoft-com:office:office" xmlns:v="urn:schemas-microsoft-com:vml" xmlns:pvml="urn:schemas-microsoft-com:office:powerpoint" xmlns:com="http://schemas.openxmlformats.org/drawingml/2006/compatibility" xmlns:p14="http://schemas.microsoft.com/office/powerpoint/2010/main" xmlns:p15="http://schemas.microsoft.com/office/powerpoint/2012/main" xmlns:ahyp="http://schemas.microsoft.com/office/drawing/2018/hyperlinkcolor">
+<p:sld xmlns:a="http://schemas.openxmlformats.org/drawingml/2006/main" xmlns:r="http://schemas.openxmlformats.org/officeDocument/2006/relationships" xmlns:p="http://schemas.openxmlformats.org/presentationml/2006/main">
   <p:cSld>
     <p:spTree>
       <p:nvGrpSpPr>
-        <p:cNvPr id="44" name="Shape 44"/>
+        <p:cNvPr id="1" name="Shape 44"/>
         <p:cNvGrpSpPr/>
         <p:nvPr/>
       </p:nvGrpSpPr>
@@ -8656,7 +8586,9 @@
       <p:sp>
         <p:nvSpPr>
           <p:cNvPr id="45" name="Google Shape;45;p7"/>
-          <p:cNvSpPr txBox="1"/>
+          <p:cNvSpPr txBox="1">
+            <a:spLocks noGrp="1"/>
+          </p:cNvSpPr>
           <p:nvPr>
             <p:ph type="title"/>
           </p:nvPr>
@@ -8671,12 +8603,12 @@
           </a:prstGeom>
         </p:spPr>
         <p:txBody>
-          <a:bodyPr anchorCtr="0" anchor="ctr" bIns="45700" lIns="91425" spcFirstLastPara="1" rIns="91425" wrap="square" tIns="45700">
+          <a:bodyPr spcFirstLastPara="1" wrap="square" lIns="91425" tIns="45700" rIns="91425" bIns="45700" anchor="ctr" anchorCtr="0">
             <a:noAutofit/>
           </a:bodyPr>
           <a:lstStyle/>
           <a:p>
-            <a:pPr indent="0" lvl="0" marL="0" rtl="0" algn="ctr">
+            <a:pPr marL="0" lvl="0" indent="0" algn="ctr" rtl="0">
               <a:spcBef>
                 <a:spcPts val="0"/>
               </a:spcBef>
@@ -8696,9 +8628,11 @@
       <p:sp>
         <p:nvSpPr>
           <p:cNvPr id="46" name="Google Shape;46;p7"/>
-          <p:cNvSpPr txBox="1"/>
+          <p:cNvSpPr txBox="1">
+            <a:spLocks noGrp="1"/>
+          </p:cNvSpPr>
           <p:nvPr>
-            <p:ph idx="1" type="body"/>
+            <p:ph type="body" idx="1"/>
           </p:nvPr>
         </p:nvSpPr>
         <p:spPr>
@@ -8711,12 +8645,12 @@
           </a:prstGeom>
         </p:spPr>
         <p:txBody>
-          <a:bodyPr anchorCtr="0" anchor="t" bIns="45700" lIns="91425" spcFirstLastPara="1" rIns="91425" wrap="square" tIns="45700">
+          <a:bodyPr spcFirstLastPara="1" wrap="square" lIns="91425" tIns="45700" rIns="91425" bIns="45700" anchor="t" anchorCtr="0">
             <a:noAutofit/>
           </a:bodyPr>
           <a:lstStyle/>
           <a:p>
-            <a:pPr indent="-342900" lvl="0" marL="457200" rtl="0" algn="l">
+            <a:pPr marL="457200" lvl="0" indent="-342900" algn="l" rtl="0">
               <a:spcBef>
                 <a:spcPts val="360"/>
               </a:spcBef>
@@ -8733,7 +8667,7 @@
             <a:endParaRPr/>
           </a:p>
           <a:p>
-            <a:pPr indent="-342900" lvl="0" marL="457200" rtl="0" algn="l">
+            <a:pPr marL="457200" lvl="0" indent="-342900" algn="l" rtl="0">
               <a:spcBef>
                 <a:spcPts val="0"/>
               </a:spcBef>
@@ -8760,11 +8694,11 @@
 </file>
 
 <file path=ppt/slides/slide5.xml><?xml version="1.0" encoding="utf-8"?>
-<p:sld xmlns:a="http://schemas.openxmlformats.org/drawingml/2006/main" xmlns:r="http://schemas.openxmlformats.org/officeDocument/2006/relationships" xmlns:mc="http://schemas.openxmlformats.org/markup-compatibility/2006" xmlns:mv="urn:schemas-microsoft-com:mac:vml" xmlns:p="http://schemas.openxmlformats.org/presentationml/2006/main" xmlns:c="http://schemas.openxmlformats.org/drawingml/2006/chart" xmlns:dgm="http://schemas.openxmlformats.org/drawingml/2006/diagram" xmlns:o="urn:schemas-microsoft-com:office:office" xmlns:v="urn:schemas-microsoft-com:vml" xmlns:pvml="urn:schemas-microsoft-com:office:powerpoint" xmlns:com="http://schemas.openxmlformats.org/drawingml/2006/compatibility" xmlns:p14="http://schemas.microsoft.com/office/powerpoint/2010/main" xmlns:p15="http://schemas.microsoft.com/office/powerpoint/2012/main" xmlns:ahyp="http://schemas.microsoft.com/office/drawing/2018/hyperlinkcolor">
+<p:sld xmlns:a="http://schemas.openxmlformats.org/drawingml/2006/main" xmlns:r="http://schemas.openxmlformats.org/officeDocument/2006/relationships" xmlns:p="http://schemas.openxmlformats.org/presentationml/2006/main">
   <p:cSld>
     <p:spTree>
       <p:nvGrpSpPr>
-        <p:cNvPr id="50" name="Shape 50"/>
+        <p:cNvPr id="1" name="Shape 50"/>
         <p:cNvGrpSpPr/>
         <p:nvPr/>
       </p:nvGrpSpPr>
@@ -8779,7 +8713,9 @@
       <p:sp>
         <p:nvSpPr>
           <p:cNvPr id="51" name="Google Shape;51;p8"/>
-          <p:cNvSpPr txBox="1"/>
+          <p:cNvSpPr txBox="1">
+            <a:spLocks noGrp="1"/>
+          </p:cNvSpPr>
           <p:nvPr>
             <p:ph type="title"/>
           </p:nvPr>
@@ -8794,12 +8730,12 @@
           </a:prstGeom>
         </p:spPr>
         <p:txBody>
-          <a:bodyPr anchorCtr="0" anchor="ctr" bIns="45700" lIns="91425" spcFirstLastPara="1" rIns="91425" wrap="square" tIns="45700">
+          <a:bodyPr spcFirstLastPara="1" wrap="square" lIns="91425" tIns="45700" rIns="91425" bIns="45700" anchor="ctr" anchorCtr="0">
             <a:noAutofit/>
           </a:bodyPr>
           <a:lstStyle/>
           <a:p>
-            <a:pPr indent="0" lvl="0" marL="0" rtl="0" algn="ctr">
+            <a:pPr marL="0" lvl="0" indent="0" algn="ctr" rtl="0">
               <a:spcBef>
                 <a:spcPts val="0"/>
               </a:spcBef>
@@ -8819,9 +8755,11 @@
       <p:sp>
         <p:nvSpPr>
           <p:cNvPr id="52" name="Google Shape;52;p8"/>
-          <p:cNvSpPr txBox="1"/>
+          <p:cNvSpPr txBox="1">
+            <a:spLocks noGrp="1"/>
+          </p:cNvSpPr>
           <p:nvPr>
-            <p:ph idx="1" type="body"/>
+            <p:ph type="body" idx="1"/>
           </p:nvPr>
         </p:nvSpPr>
         <p:spPr>
@@ -8834,12 +8772,12 @@
           </a:prstGeom>
         </p:spPr>
         <p:txBody>
-          <a:bodyPr anchorCtr="0" anchor="t" bIns="45700" lIns="91425" spcFirstLastPara="1" rIns="91425" wrap="square" tIns="45700">
+          <a:bodyPr spcFirstLastPara="1" wrap="square" lIns="91425" tIns="45700" rIns="91425" bIns="45700" anchor="t" anchorCtr="0">
             <a:noAutofit/>
           </a:bodyPr>
           <a:lstStyle/>
           <a:p>
-            <a:pPr indent="0" lvl="0" marL="0" rtl="0" algn="l">
+            <a:pPr marL="0" lvl="0" indent="0" algn="l" rtl="0">
               <a:spcBef>
                 <a:spcPts val="360"/>
               </a:spcBef>
@@ -8848,9 +8786,6 @@
               </a:spcAft>
               <a:buNone/>
             </a:pPr>
-            <a:r>
-              <a:t/>
-            </a:r>
             <a:endParaRPr/>
           </a:p>
         </p:txBody>
@@ -8892,11 +8827,11 @@
 </file>
 
 <file path=ppt/slides/slide6.xml><?xml version="1.0" encoding="utf-8"?>
-<p:sld xmlns:a="http://schemas.openxmlformats.org/drawingml/2006/main" xmlns:r="http://schemas.openxmlformats.org/officeDocument/2006/relationships" xmlns:mc="http://schemas.openxmlformats.org/markup-compatibility/2006" xmlns:mv="urn:schemas-microsoft-com:mac:vml" xmlns:p="http://schemas.openxmlformats.org/presentationml/2006/main" xmlns:c="http://schemas.openxmlformats.org/drawingml/2006/chart" xmlns:dgm="http://schemas.openxmlformats.org/drawingml/2006/diagram" xmlns:o="urn:schemas-microsoft-com:office:office" xmlns:v="urn:schemas-microsoft-com:vml" xmlns:pvml="urn:schemas-microsoft-com:office:powerpoint" xmlns:com="http://schemas.openxmlformats.org/drawingml/2006/compatibility" xmlns:p14="http://schemas.microsoft.com/office/powerpoint/2010/main" xmlns:p15="http://schemas.microsoft.com/office/powerpoint/2012/main" xmlns:ahyp="http://schemas.microsoft.com/office/drawing/2018/hyperlinkcolor">
+<p:sld xmlns:a="http://schemas.openxmlformats.org/drawingml/2006/main" xmlns:r="http://schemas.openxmlformats.org/officeDocument/2006/relationships" xmlns:p="http://schemas.openxmlformats.org/presentationml/2006/main">
   <p:cSld>
     <p:spTree>
       <p:nvGrpSpPr>
-        <p:cNvPr id="57" name="Shape 57"/>
+        <p:cNvPr id="1" name="Shape 57"/>
         <p:cNvGrpSpPr/>
         <p:nvPr/>
       </p:nvGrpSpPr>
@@ -8911,7 +8846,9 @@
       <p:sp>
         <p:nvSpPr>
           <p:cNvPr id="58" name="Google Shape;58;p9"/>
-          <p:cNvSpPr txBox="1"/>
+          <p:cNvSpPr txBox="1">
+            <a:spLocks noGrp="1"/>
+          </p:cNvSpPr>
           <p:nvPr>
             <p:ph type="ctrTitle"/>
           </p:nvPr>
@@ -8926,12 +8863,12 @@
           </a:prstGeom>
         </p:spPr>
         <p:txBody>
-          <a:bodyPr anchorCtr="0" anchor="ctr" bIns="45700" lIns="91425" spcFirstLastPara="1" rIns="91425" wrap="square" tIns="45700">
+          <a:bodyPr spcFirstLastPara="1" wrap="square" lIns="91425" tIns="45700" rIns="91425" bIns="45700" anchor="ctr" anchorCtr="0">
             <a:noAutofit/>
           </a:bodyPr>
           <a:lstStyle/>
           <a:p>
-            <a:pPr indent="0" lvl="0" marL="0" rtl="0" algn="ctr">
+            <a:pPr marL="0" lvl="0" indent="0" algn="ctr" rtl="0">
               <a:spcBef>
                 <a:spcPts val="0"/>
               </a:spcBef>
@@ -8957,11 +8894,11 @@
 </file>
 
 <file path=ppt/slides/slide7.xml><?xml version="1.0" encoding="utf-8"?>
-<p:sld xmlns:a="http://schemas.openxmlformats.org/drawingml/2006/main" xmlns:r="http://schemas.openxmlformats.org/officeDocument/2006/relationships" xmlns:mc="http://schemas.openxmlformats.org/markup-compatibility/2006" xmlns:mv="urn:schemas-microsoft-com:mac:vml" xmlns:p="http://schemas.openxmlformats.org/presentationml/2006/main" xmlns:c="http://schemas.openxmlformats.org/drawingml/2006/chart" xmlns:dgm="http://schemas.openxmlformats.org/drawingml/2006/diagram" xmlns:o="urn:schemas-microsoft-com:office:office" xmlns:v="urn:schemas-microsoft-com:vml" xmlns:pvml="urn:schemas-microsoft-com:office:powerpoint" xmlns:com="http://schemas.openxmlformats.org/drawingml/2006/compatibility" xmlns:p14="http://schemas.microsoft.com/office/powerpoint/2010/main" xmlns:p15="http://schemas.microsoft.com/office/powerpoint/2012/main" xmlns:ahyp="http://schemas.microsoft.com/office/drawing/2018/hyperlinkcolor">
+<p:sld xmlns:a="http://schemas.openxmlformats.org/drawingml/2006/main" xmlns:r="http://schemas.openxmlformats.org/officeDocument/2006/relationships" xmlns:p="http://schemas.openxmlformats.org/presentationml/2006/main">
   <p:cSld>
     <p:spTree>
       <p:nvGrpSpPr>
-        <p:cNvPr id="62" name="Shape 62"/>
+        <p:cNvPr id="1" name="Shape 62"/>
         <p:cNvGrpSpPr/>
         <p:nvPr/>
       </p:nvGrpSpPr>
@@ -8976,7 +8913,9 @@
       <p:sp>
         <p:nvSpPr>
           <p:cNvPr id="63" name="Google Shape;63;p10"/>
-          <p:cNvSpPr txBox="1"/>
+          <p:cNvSpPr txBox="1">
+            <a:spLocks noGrp="1"/>
+          </p:cNvSpPr>
           <p:nvPr>
             <p:ph type="title"/>
           </p:nvPr>
@@ -8991,12 +8930,12 @@
           </a:prstGeom>
         </p:spPr>
         <p:txBody>
-          <a:bodyPr anchorCtr="0" anchor="ctr" bIns="45700" lIns="91425" spcFirstLastPara="1" rIns="91425" wrap="square" tIns="45700">
+          <a:bodyPr spcFirstLastPara="1" wrap="square" lIns="91425" tIns="45700" rIns="91425" bIns="45700" anchor="ctr" anchorCtr="0">
             <a:noAutofit/>
           </a:bodyPr>
           <a:lstStyle/>
           <a:p>
-            <a:pPr indent="0" lvl="0" marL="0" rtl="0" algn="ctr">
+            <a:pPr marL="0" lvl="0" indent="0" algn="ctr" rtl="0">
               <a:spcBef>
                 <a:spcPts val="0"/>
               </a:spcBef>
@@ -9016,9 +8955,11 @@
       <p:sp>
         <p:nvSpPr>
           <p:cNvPr id="64" name="Google Shape;64;p10"/>
-          <p:cNvSpPr txBox="1"/>
+          <p:cNvSpPr txBox="1">
+            <a:spLocks noGrp="1"/>
+          </p:cNvSpPr>
           <p:nvPr>
-            <p:ph idx="1" type="body"/>
+            <p:ph type="body" idx="1"/>
           </p:nvPr>
         </p:nvSpPr>
         <p:spPr>
@@ -9031,12 +8972,12 @@
           </a:prstGeom>
         </p:spPr>
         <p:txBody>
-          <a:bodyPr anchorCtr="0" anchor="t" bIns="45700" lIns="91425" spcFirstLastPara="1" rIns="91425" wrap="square" tIns="45700">
+          <a:bodyPr spcFirstLastPara="1" wrap="square" lIns="91425" tIns="45700" rIns="91425" bIns="45700" anchor="t" anchorCtr="0">
             <a:noAutofit/>
           </a:bodyPr>
           <a:lstStyle/>
           <a:p>
-            <a:pPr indent="-330200" lvl="0" marL="457200" rtl="0" algn="l">
+            <a:pPr marL="457200" lvl="0" indent="-330200" algn="l" rtl="0">
               <a:spcBef>
                 <a:spcPts val="360"/>
               </a:spcBef>
@@ -9046,13 +8987,10 @@
               <a:buSzPts val="1600"/>
               <a:buChar char="•"/>
             </a:pPr>
-            <a:r>
-              <a:t/>
-            </a:r>
-            <a:endParaRPr b="1" sz="1600"/>
+            <a:endParaRPr sz="1600" b="1"/>
           </a:p>
           <a:p>
-            <a:pPr indent="-330200" lvl="0" marL="457200" rtl="0" algn="l">
+            <a:pPr marL="457200" lvl="0" indent="-330200" algn="l" rtl="0">
               <a:spcBef>
                 <a:spcPts val="0"/>
               </a:spcBef>
@@ -9062,13 +9000,10 @@
               <a:buSzPts val="1600"/>
               <a:buChar char="•"/>
             </a:pPr>
-            <a:r>
-              <a:t/>
-            </a:r>
-            <a:endParaRPr b="1" sz="1600"/>
+            <a:endParaRPr sz="1600" b="1"/>
           </a:p>
           <a:p>
-            <a:pPr indent="-330200" lvl="0" marL="457200" rtl="0" algn="l">
+            <a:pPr marL="457200" lvl="0" indent="-330200" algn="l" rtl="0">
               <a:spcBef>
                 <a:spcPts val="0"/>
               </a:spcBef>
@@ -9078,13 +9013,10 @@
               <a:buSzPts val="1600"/>
               <a:buChar char="•"/>
             </a:pPr>
-            <a:r>
-              <a:t/>
-            </a:r>
-            <a:endParaRPr b="1" sz="1600"/>
+            <a:endParaRPr sz="1600" b="1"/>
           </a:p>
           <a:p>
-            <a:pPr indent="-330200" lvl="0" marL="457200" rtl="0" algn="l">
+            <a:pPr marL="457200" lvl="0" indent="-330200" algn="l" rtl="0">
               <a:spcBef>
                 <a:spcPts val="0"/>
               </a:spcBef>
@@ -9094,13 +9026,10 @@
               <a:buSzPts val="1600"/>
               <a:buChar char="•"/>
             </a:pPr>
-            <a:r>
-              <a:t/>
-            </a:r>
-            <a:endParaRPr b="1" sz="1600"/>
+            <a:endParaRPr sz="1600" b="1"/>
           </a:p>
           <a:p>
-            <a:pPr indent="-330200" lvl="0" marL="457200" rtl="0" algn="l">
+            <a:pPr marL="457200" lvl="0" indent="-330200" algn="l" rtl="0">
               <a:spcBef>
                 <a:spcPts val="0"/>
               </a:spcBef>
@@ -9110,13 +9039,10 @@
               <a:buSzPts val="1600"/>
               <a:buChar char="•"/>
             </a:pPr>
-            <a:r>
-              <a:t/>
-            </a:r>
-            <a:endParaRPr b="1" sz="1600"/>
+            <a:endParaRPr sz="1600" b="1"/>
           </a:p>
           <a:p>
-            <a:pPr indent="-330200" lvl="0" marL="457200" rtl="0" algn="l">
+            <a:pPr marL="457200" lvl="0" indent="-330200" algn="l" rtl="0">
               <a:spcBef>
                 <a:spcPts val="0"/>
               </a:spcBef>
@@ -9126,13 +9052,10 @@
               <a:buSzPts val="1600"/>
               <a:buChar char="•"/>
             </a:pPr>
-            <a:r>
-              <a:t/>
-            </a:r>
-            <a:endParaRPr b="1" sz="1600"/>
+            <a:endParaRPr sz="1600" b="1"/>
           </a:p>
           <a:p>
-            <a:pPr indent="0" lvl="0" marL="0" rtl="0" algn="l">
+            <a:pPr marL="0" lvl="0" indent="0" algn="l" rtl="0">
               <a:spcBef>
                 <a:spcPts val="360"/>
               </a:spcBef>
@@ -9141,13 +9064,10 @@
               </a:spcAft>
               <a:buNone/>
             </a:pPr>
-            <a:r>
-              <a:t/>
-            </a:r>
-            <a:endParaRPr b="1" sz="1600"/>
+            <a:endParaRPr sz="1600" b="1"/>
           </a:p>
           <a:p>
-            <a:pPr indent="0" lvl="0" marL="0" rtl="0" algn="l">
+            <a:pPr marL="0" lvl="0" indent="0" algn="l" rtl="0">
               <a:spcBef>
                 <a:spcPts val="360"/>
               </a:spcBef>
@@ -9156,13 +9076,10 @@
               </a:spcAft>
               <a:buNone/>
             </a:pPr>
-            <a:r>
-              <a:t/>
-            </a:r>
-            <a:endParaRPr b="1" sz="1600"/>
+            <a:endParaRPr sz="1600" b="1"/>
           </a:p>
           <a:p>
-            <a:pPr indent="-330200" lvl="1" marL="914400" rtl="0" algn="l">
+            <a:pPr marL="914400" lvl="1" indent="-330200" algn="l" rtl="0">
               <a:spcBef>
                 <a:spcPts val="360"/>
               </a:spcBef>
@@ -9173,21 +9090,17 @@
               <a:buChar char="–"/>
             </a:pPr>
             <a:r>
-              <a:rPr b="1" lang="en" sz="1600"/>
+              <a:rPr lang="en" sz="1600" b="1"/>
               <a:t>Train_test_split:</a:t>
             </a:r>
             <a:r>
               <a:rPr lang="en" sz="1600"/>
-              <a:t> </a:t>
-            </a:r>
-            <a:r>
-              <a:rPr lang="en" sz="1600"/>
-              <a:t>To split the dataset into training and testing data</a:t>
+              <a:t> To split the dataset into training and testing data</a:t>
             </a:r>
             <a:endParaRPr sz="1600"/>
           </a:p>
           <a:p>
-            <a:pPr indent="-330200" lvl="1" marL="914400" rtl="0" algn="l">
+            <a:pPr marL="914400" lvl="1" indent="-330200" algn="l" rtl="0">
               <a:spcBef>
                 <a:spcPts val="0"/>
               </a:spcBef>
@@ -9198,7 +9111,7 @@
               <a:buChar char="–"/>
             </a:pPr>
             <a:r>
-              <a:rPr b="1" lang="en" sz="1600"/>
+              <a:rPr lang="en" sz="1600" b="1"/>
               <a:t>StandardScaler</a:t>
             </a:r>
             <a:r>
@@ -9208,7 +9121,7 @@
             <a:endParaRPr sz="1600"/>
           </a:p>
           <a:p>
-            <a:pPr indent="-330200" lvl="1" marL="914400" rtl="0" algn="l">
+            <a:pPr marL="914400" lvl="1" indent="-330200" algn="l" rtl="0">
               <a:spcBef>
                 <a:spcPts val="0"/>
               </a:spcBef>
@@ -9220,11 +9133,7 @@
             </a:pPr>
             <a:r>
               <a:rPr lang="en" sz="1600"/>
-              <a:t>also imported all necessary ML algorithms</a:t>
-            </a:r>
-            <a:r>
-              <a:rPr lang="en" sz="1600"/>
-              <a:t> </a:t>
+              <a:t>also imported all necessary ML algorithms </a:t>
             </a:r>
             <a:endParaRPr sz="1600"/>
           </a:p>
@@ -9321,38 +9230,38 @@
           <p:nvPr/>
         </p:nvSpPr>
         <p:spPr>
-          <a:xfrm flipH="1" rot="-9413540">
+          <a:xfrm rot="-9413540" flipH="1">
             <a:off x="600089" y="2882554"/>
             <a:ext cx="471640" cy="514539"/>
           </a:xfrm>
           <a:prstGeom prst="bentArrow">
             <a:avLst>
-              <a:gd fmla="val 25000" name="adj1"/>
-              <a:gd fmla="val 25000" name="adj2"/>
-              <a:gd fmla="val 25000" name="adj3"/>
-              <a:gd fmla="val 51997" name="adj4"/>
+              <a:gd name="adj1" fmla="val 25000"/>
+              <a:gd name="adj2" fmla="val 25000"/>
+              <a:gd name="adj3" fmla="val 25000"/>
+              <a:gd name="adj4" fmla="val 51997"/>
             </a:avLst>
           </a:prstGeom>
           <a:solidFill>
             <a:schemeClr val="dk1"/>
           </a:solidFill>
-          <a:ln cap="flat" cmpd="sng" w="9525">
+          <a:ln w="9525" cap="flat" cmpd="sng">
             <a:solidFill>
               <a:schemeClr val="dk2"/>
             </a:solidFill>
             <a:prstDash val="solid"/>
             <a:round/>
-            <a:headEnd len="sm" w="sm" type="none"/>
-            <a:tailEnd len="sm" w="sm" type="none"/>
+            <a:headEnd type="none" w="sm" len="sm"/>
+            <a:tailEnd type="none" w="sm" len="sm"/>
           </a:ln>
         </p:spPr>
         <p:txBody>
-          <a:bodyPr anchorCtr="0" anchor="ctr" bIns="91425" lIns="91425" spcFirstLastPara="1" rIns="91425" wrap="square" tIns="91425">
+          <a:bodyPr spcFirstLastPara="1" wrap="square" lIns="91425" tIns="91425" rIns="91425" bIns="91425" anchor="ctr" anchorCtr="0">
             <a:noAutofit/>
           </a:bodyPr>
           <a:lstStyle/>
           <a:p>
-            <a:pPr indent="0" lvl="0" marL="0" rtl="0" algn="l">
+            <a:pPr marL="0" lvl="0" indent="0" algn="l" rtl="0">
               <a:spcBef>
                 <a:spcPts val="0"/>
               </a:spcBef>
@@ -9361,9 +9270,6 @@
               </a:spcAft>
               <a:buNone/>
             </a:pPr>
-            <a:r>
-              <a:t/>
-            </a:r>
             <a:endParaRPr/>
           </a:p>
         </p:txBody>
@@ -9377,11 +9283,11 @@
 </file>
 
 <file path=ppt/slides/slide8.xml><?xml version="1.0" encoding="utf-8"?>
-<p:sld xmlns:a="http://schemas.openxmlformats.org/drawingml/2006/main" xmlns:r="http://schemas.openxmlformats.org/officeDocument/2006/relationships" xmlns:mc="http://schemas.openxmlformats.org/markup-compatibility/2006" xmlns:mv="urn:schemas-microsoft-com:mac:vml" xmlns:p="http://schemas.openxmlformats.org/presentationml/2006/main" xmlns:c="http://schemas.openxmlformats.org/drawingml/2006/chart" xmlns:dgm="http://schemas.openxmlformats.org/drawingml/2006/diagram" xmlns:o="urn:schemas-microsoft-com:office:office" xmlns:v="urn:schemas-microsoft-com:vml" xmlns:pvml="urn:schemas-microsoft-com:office:powerpoint" xmlns:com="http://schemas.openxmlformats.org/drawingml/2006/compatibility" xmlns:p14="http://schemas.microsoft.com/office/powerpoint/2010/main" xmlns:p15="http://schemas.microsoft.com/office/powerpoint/2012/main" xmlns:ahyp="http://schemas.microsoft.com/office/drawing/2018/hyperlinkcolor">
+<p:sld xmlns:a="http://schemas.openxmlformats.org/drawingml/2006/main" xmlns:r="http://schemas.openxmlformats.org/officeDocument/2006/relationships" xmlns:p="http://schemas.openxmlformats.org/presentationml/2006/main">
   <p:cSld>
     <p:spTree>
       <p:nvGrpSpPr>
-        <p:cNvPr id="72" name="Shape 72"/>
+        <p:cNvPr id="1" name="Shape 72"/>
         <p:cNvGrpSpPr/>
         <p:nvPr/>
       </p:nvGrpSpPr>
@@ -9396,7 +9302,9 @@
       <p:sp>
         <p:nvSpPr>
           <p:cNvPr id="73" name="Google Shape;73;p11"/>
-          <p:cNvSpPr txBox="1"/>
+          <p:cNvSpPr txBox="1">
+            <a:spLocks noGrp="1"/>
+          </p:cNvSpPr>
           <p:nvPr>
             <p:ph type="title"/>
           </p:nvPr>
@@ -9411,12 +9319,12 @@
           </a:prstGeom>
         </p:spPr>
         <p:txBody>
-          <a:bodyPr anchorCtr="0" anchor="ctr" bIns="45700" lIns="91425" spcFirstLastPara="1" rIns="91425" wrap="square" tIns="45700">
+          <a:bodyPr spcFirstLastPara="1" wrap="square" lIns="91425" tIns="45700" rIns="91425" bIns="45700" anchor="ctr" anchorCtr="0">
             <a:noAutofit/>
           </a:bodyPr>
           <a:lstStyle/>
           <a:p>
-            <a:pPr indent="0" lvl="0" marL="0" rtl="0" algn="ctr">
+            <a:pPr marL="0" lvl="0" indent="0" algn="ctr" rtl="0">
               <a:spcBef>
                 <a:spcPts val="0"/>
               </a:spcBef>
@@ -9436,9 +9344,11 @@
       <p:sp>
         <p:nvSpPr>
           <p:cNvPr id="74" name="Google Shape;74;p11"/>
-          <p:cNvSpPr txBox="1"/>
+          <p:cNvSpPr txBox="1">
+            <a:spLocks noGrp="1"/>
+          </p:cNvSpPr>
           <p:nvPr>
-            <p:ph idx="1" type="body"/>
+            <p:ph type="body" idx="1"/>
           </p:nvPr>
         </p:nvSpPr>
         <p:spPr>
@@ -9451,12 +9361,12 @@
           </a:prstGeom>
         </p:spPr>
         <p:txBody>
-          <a:bodyPr anchorCtr="0" anchor="t" bIns="45700" lIns="91425" spcFirstLastPara="1" rIns="91425" wrap="square" tIns="45700">
+          <a:bodyPr spcFirstLastPara="1" wrap="square" lIns="91425" tIns="45700" rIns="91425" bIns="45700" anchor="t" anchorCtr="0">
             <a:noAutofit/>
           </a:bodyPr>
           <a:lstStyle/>
           <a:p>
-            <a:pPr indent="-355600" lvl="0" marL="457200" rtl="0" algn="l">
+            <a:pPr marL="457200" lvl="0" indent="-355600" algn="l" rtl="0">
               <a:lnSpc>
                 <a:spcPct val="200000"/>
               </a:lnSpc>
@@ -9476,7 +9386,7 @@
             <a:endParaRPr sz="2000"/>
           </a:p>
           <a:p>
-            <a:pPr indent="-355600" lvl="0" marL="457200" rtl="0" algn="l">
+            <a:pPr marL="457200" lvl="0" indent="-355600" algn="l" rtl="0">
               <a:lnSpc>
                 <a:spcPct val="200000"/>
               </a:lnSpc>
@@ -9496,7 +9406,7 @@
             <a:endParaRPr sz="2000"/>
           </a:p>
           <a:p>
-            <a:pPr indent="-355600" lvl="0" marL="457200" rtl="0" algn="l">
+            <a:pPr marL="457200" lvl="0" indent="-355600" algn="l" rtl="0">
               <a:lnSpc>
                 <a:spcPct val="200000"/>
               </a:lnSpc>
@@ -9516,7 +9426,7 @@
             <a:endParaRPr sz="2000"/>
           </a:p>
           <a:p>
-            <a:pPr indent="0" lvl="0" marL="457200" rtl="0" algn="l">
+            <a:pPr marL="457200" lvl="0" indent="0" algn="l" rtl="0">
               <a:spcBef>
                 <a:spcPts val="360"/>
               </a:spcBef>
@@ -9525,9 +9435,6 @@
               </a:spcAft>
               <a:buNone/>
             </a:pPr>
-            <a:r>
-              <a:t/>
-            </a:r>
             <a:endParaRPr sz="2000"/>
           </a:p>
         </p:txBody>
@@ -9569,11 +9476,11 @@
 </file>
 
 <file path=ppt/slides/slide9.xml><?xml version="1.0" encoding="utf-8"?>
-<p:sld xmlns:a="http://schemas.openxmlformats.org/drawingml/2006/main" xmlns:r="http://schemas.openxmlformats.org/officeDocument/2006/relationships" xmlns:mc="http://schemas.openxmlformats.org/markup-compatibility/2006" xmlns:mv="urn:schemas-microsoft-com:mac:vml" xmlns:p="http://schemas.openxmlformats.org/presentationml/2006/main" xmlns:c="http://schemas.openxmlformats.org/drawingml/2006/chart" xmlns:dgm="http://schemas.openxmlformats.org/drawingml/2006/diagram" xmlns:o="urn:schemas-microsoft-com:office:office" xmlns:v="urn:schemas-microsoft-com:vml" xmlns:pvml="urn:schemas-microsoft-com:office:powerpoint" xmlns:com="http://schemas.openxmlformats.org/drawingml/2006/compatibility" xmlns:p14="http://schemas.microsoft.com/office/powerpoint/2010/main" xmlns:p15="http://schemas.microsoft.com/office/powerpoint/2012/main" xmlns:ahyp="http://schemas.microsoft.com/office/drawing/2018/hyperlinkcolor">
+<p:sld xmlns:a="http://schemas.openxmlformats.org/drawingml/2006/main" xmlns:r="http://schemas.openxmlformats.org/officeDocument/2006/relationships" xmlns:p="http://schemas.openxmlformats.org/presentationml/2006/main">
   <p:cSld>
     <p:spTree>
       <p:nvGrpSpPr>
-        <p:cNvPr id="79" name="Shape 79"/>
+        <p:cNvPr id="1" name="Shape 79"/>
         <p:cNvGrpSpPr/>
         <p:nvPr/>
       </p:nvGrpSpPr>
@@ -9588,7 +9495,9 @@
       <p:sp>
         <p:nvSpPr>
           <p:cNvPr id="80" name="Google Shape;80;p12"/>
-          <p:cNvSpPr txBox="1"/>
+          <p:cNvSpPr txBox="1">
+            <a:spLocks noGrp="1"/>
+          </p:cNvSpPr>
           <p:nvPr>
             <p:ph type="title"/>
           </p:nvPr>
@@ -9603,12 +9512,12 @@
           </a:prstGeom>
         </p:spPr>
         <p:txBody>
-          <a:bodyPr anchorCtr="0" anchor="ctr" bIns="45700" lIns="91425" spcFirstLastPara="1" rIns="91425" wrap="square" tIns="45700">
+          <a:bodyPr spcFirstLastPara="1" wrap="square" lIns="91425" tIns="45700" rIns="91425" bIns="45700" anchor="ctr" anchorCtr="0">
             <a:noAutofit/>
           </a:bodyPr>
           <a:lstStyle/>
           <a:p>
-            <a:pPr indent="0" lvl="0" marL="0" rtl="0" algn="ctr">
+            <a:pPr marL="0" lvl="0" indent="0" algn="ctr" rtl="0">
               <a:spcBef>
                 <a:spcPts val="0"/>
               </a:spcBef>
@@ -9628,9 +9537,11 @@
       <p:sp>
         <p:nvSpPr>
           <p:cNvPr id="81" name="Google Shape;81;p12"/>
-          <p:cNvSpPr txBox="1"/>
+          <p:cNvSpPr txBox="1">
+            <a:spLocks noGrp="1"/>
+          </p:cNvSpPr>
           <p:nvPr>
-            <p:ph idx="1" type="body"/>
+            <p:ph type="body" idx="1"/>
           </p:nvPr>
         </p:nvSpPr>
         <p:spPr>
@@ -9643,12 +9554,12 @@
           </a:prstGeom>
         </p:spPr>
         <p:txBody>
-          <a:bodyPr anchorCtr="0" anchor="t" bIns="45700" lIns="91425" spcFirstLastPara="1" rIns="91425" wrap="square" tIns="45700">
+          <a:bodyPr spcFirstLastPara="1" wrap="square" lIns="91425" tIns="45700" rIns="91425" bIns="45700" anchor="t" anchorCtr="0">
             <a:noAutofit/>
           </a:bodyPr>
           <a:lstStyle/>
           <a:p>
-            <a:pPr indent="0" lvl="0" marL="0" rtl="0" algn="l">
+            <a:pPr marL="0" lvl="0" indent="0" algn="l" rtl="0">
               <a:lnSpc>
                 <a:spcPct val="200000"/>
               </a:lnSpc>
@@ -9660,9 +9571,6 @@
               </a:spcAft>
               <a:buNone/>
             </a:pPr>
-            <a:r>
-              <a:t/>
-            </a:r>
             <a:endParaRPr sz="2000"/>
           </a:p>
         </p:txBody>
@@ -9677,7 +9585,7 @@
           <a:blip r:embed="rId3">
             <a:alphaModFix/>
           </a:blip>
-          <a:srcRect b="0" l="0" r="0" t="3966"/>
+          <a:srcRect t="3966"/>
           <a:stretch/>
         </p:blipFill>
         <p:spPr>
@@ -9703,7 +9611,7 @@
 </file>
 
 <file path=ppt/theme/theme1.xml><?xml version="1.0" encoding="utf-8"?>
-<a:theme xmlns:a="http://schemas.openxmlformats.org/drawingml/2006/main" xmlns:r="http://schemas.openxmlformats.org/officeDocument/2006/relationships" name="Diseño predeterminado">
+<a:theme xmlns:a="http://schemas.openxmlformats.org/drawingml/2006/main" name="Diseño predeterminado">
   <a:themeElements>
     <a:clrScheme name="Diseño predeterminado">
       <a:dk1>
@@ -9978,11 +9886,13 @@
       </a:bgFillStyleLst>
     </a:fmtScheme>
   </a:themeElements>
+  <a:objectDefaults/>
+  <a:extraClrSchemeLst/>
 </a:theme>
 </file>
 
 <file path=ppt/theme/theme2.xml><?xml version="1.0" encoding="utf-8"?>
-<a:theme xmlns:a="http://schemas.openxmlformats.org/drawingml/2006/main" xmlns:r="http://schemas.openxmlformats.org/officeDocument/2006/relationships">
+<a:theme xmlns:a="http://schemas.openxmlformats.org/drawingml/2006/main">
   <a:themeElements>
     <a:clrScheme name="Default">
       <a:dk1>
@@ -10257,5 +10167,7 @@
       </a:bgFillStyleLst>
     </a:fmtScheme>
   </a:themeElements>
+  <a:objectDefaults/>
+  <a:extraClrSchemeLst/>
 </a:theme>
 </file>
--- a/projectFiles/Heart Disease ML Project Presentation.pptx
+++ b/projectFiles/Heart Disease ML Project Presentation.pptx
@@ -5,7 +5,7 @@
     <p:sldMasterId id="2147483650" r:id="rId1"/>
   </p:sldMasterIdLst>
   <p:notesMasterIdLst>
-    <p:notesMasterId r:id="rId24"/>
+    <p:notesMasterId r:id="rId23"/>
   </p:notesMasterIdLst>
   <p:sldIdLst>
     <p:sldId id="256" r:id="rId2"/>
@@ -15,21 +15,20 @@
     <p:sldId id="260" r:id="rId6"/>
     <p:sldId id="261" r:id="rId7"/>
     <p:sldId id="262" r:id="rId8"/>
-    <p:sldId id="263" r:id="rId9"/>
-    <p:sldId id="264" r:id="rId10"/>
-    <p:sldId id="265" r:id="rId11"/>
-    <p:sldId id="266" r:id="rId12"/>
-    <p:sldId id="267" r:id="rId13"/>
-    <p:sldId id="269" r:id="rId14"/>
-    <p:sldId id="270" r:id="rId15"/>
-    <p:sldId id="271" r:id="rId16"/>
-    <p:sldId id="272" r:id="rId17"/>
-    <p:sldId id="273" r:id="rId18"/>
-    <p:sldId id="274" r:id="rId19"/>
-    <p:sldId id="275" r:id="rId20"/>
-    <p:sldId id="276" r:id="rId21"/>
-    <p:sldId id="277" r:id="rId22"/>
-    <p:sldId id="278" r:id="rId23"/>
+    <p:sldId id="264" r:id="rId9"/>
+    <p:sldId id="265" r:id="rId10"/>
+    <p:sldId id="266" r:id="rId11"/>
+    <p:sldId id="267" r:id="rId12"/>
+    <p:sldId id="269" r:id="rId13"/>
+    <p:sldId id="270" r:id="rId14"/>
+    <p:sldId id="271" r:id="rId15"/>
+    <p:sldId id="272" r:id="rId16"/>
+    <p:sldId id="273" r:id="rId17"/>
+    <p:sldId id="274" r:id="rId18"/>
+    <p:sldId id="275" r:id="rId19"/>
+    <p:sldId id="276" r:id="rId20"/>
+    <p:sldId id="277" r:id="rId21"/>
+    <p:sldId id="278" r:id="rId22"/>
   </p:sldIdLst>
   <p:sldSz cx="9144000" cy="5143500" type="screen16x9"/>
   <p:notesSz cx="6858000" cy="9144000"/>
@@ -831,7 +830,7 @@
   <p:cSld>
     <p:spTree>
       <p:nvGrpSpPr>
-        <p:cNvPr id="1" name="Shape 83"/>
+        <p:cNvPr id="1" name="Shape 90"/>
         <p:cNvGrpSpPr/>
         <p:nvPr/>
       </p:nvGrpSpPr>
@@ -845,7 +844,7 @@
       </p:grpSpPr>
       <p:sp>
         <p:nvSpPr>
-          <p:cNvPr id="84" name="Google Shape;84;gdfc1f552a7_3_12:notes"/>
+          <p:cNvPr id="91" name="Google Shape;91;ge053b3de7a_0_11:notes"/>
           <p:cNvSpPr>
             <a:spLocks noGrp="1" noRot="1" noChangeAspect="1"/>
           </p:cNvSpPr>
@@ -886,7 +885,7 @@
       </p:sp>
       <p:sp>
         <p:nvSpPr>
-          <p:cNvPr id="85" name="Google Shape;85;gdfc1f552a7_3_12:notes"/>
+          <p:cNvPr id="92" name="Google Shape;92;ge053b3de7a_0_11:notes"/>
           <p:cNvSpPr txBox="1">
             <a:spLocks noGrp="1"/>
           </p:cNvSpPr>
@@ -931,110 +930,6 @@
 </file>
 
 <file path=ppt/notesSlides/notesSlide11.xml><?xml version="1.0" encoding="utf-8"?>
-<p:notes xmlns:a="http://schemas.openxmlformats.org/drawingml/2006/main" xmlns:r="http://schemas.openxmlformats.org/officeDocument/2006/relationships" xmlns:p="http://schemas.openxmlformats.org/presentationml/2006/main" showMasterSp="0" showMasterPhAnim="0">
-  <p:cSld>
-    <p:spTree>
-      <p:nvGrpSpPr>
-        <p:cNvPr id="1" name="Shape 90"/>
-        <p:cNvGrpSpPr/>
-        <p:nvPr/>
-      </p:nvGrpSpPr>
-      <p:grpSpPr>
-        <a:xfrm>
-          <a:off x="0" y="0"/>
-          <a:ext cx="0" cy="0"/>
-          <a:chOff x="0" y="0"/>
-          <a:chExt cx="0" cy="0"/>
-        </a:xfrm>
-      </p:grpSpPr>
-      <p:sp>
-        <p:nvSpPr>
-          <p:cNvPr id="91" name="Google Shape;91;ge053b3de7a_0_11:notes"/>
-          <p:cNvSpPr>
-            <a:spLocks noGrp="1" noRot="1" noChangeAspect="1"/>
-          </p:cNvSpPr>
-          <p:nvPr>
-            <p:ph type="sldImg" idx="2"/>
-          </p:nvPr>
-        </p:nvSpPr>
-        <p:spPr>
-          <a:xfrm>
-            <a:off x="381300" y="685800"/>
-            <a:ext cx="6096000" cy="3429000"/>
-          </a:xfrm>
-          <a:custGeom>
-            <a:avLst/>
-            <a:gdLst/>
-            <a:ahLst/>
-            <a:cxnLst/>
-            <a:rect l="l" t="t" r="r" b="b"/>
-            <a:pathLst>
-              <a:path w="120000" h="120000" extrusionOk="0">
-                <a:moveTo>
-                  <a:pt x="0" y="0"/>
-                </a:moveTo>
-                <a:lnTo>
-                  <a:pt x="120000" y="0"/>
-                </a:lnTo>
-                <a:lnTo>
-                  <a:pt x="120000" y="120000"/>
-                </a:lnTo>
-                <a:lnTo>
-                  <a:pt x="0" y="120000"/>
-                </a:lnTo>
-                <a:close/>
-              </a:path>
-            </a:pathLst>
-          </a:custGeom>
-        </p:spPr>
-      </p:sp>
-      <p:sp>
-        <p:nvSpPr>
-          <p:cNvPr id="92" name="Google Shape;92;ge053b3de7a_0_11:notes"/>
-          <p:cNvSpPr txBox="1">
-            <a:spLocks noGrp="1"/>
-          </p:cNvSpPr>
-          <p:nvPr>
-            <p:ph type="body" idx="1"/>
-          </p:nvPr>
-        </p:nvSpPr>
-        <p:spPr>
-          <a:xfrm>
-            <a:off x="685800" y="4343400"/>
-            <a:ext cx="5486400" cy="4114800"/>
-          </a:xfrm>
-          <a:prstGeom prst="rect">
-            <a:avLst/>
-          </a:prstGeom>
-        </p:spPr>
-        <p:txBody>
-          <a:bodyPr spcFirstLastPara="1" wrap="square" lIns="91425" tIns="91425" rIns="91425" bIns="91425" anchor="t" anchorCtr="0">
-            <a:noAutofit/>
-          </a:bodyPr>
-          <a:lstStyle/>
-          <a:p>
-            <a:pPr marL="0" lvl="0" indent="0" algn="l" rtl="0">
-              <a:spcBef>
-                <a:spcPts val="0"/>
-              </a:spcBef>
-              <a:spcAft>
-                <a:spcPts val="0"/>
-              </a:spcAft>
-              <a:buNone/>
-            </a:pPr>
-            <a:endParaRPr/>
-          </a:p>
-        </p:txBody>
-      </p:sp>
-    </p:spTree>
-  </p:cSld>
-  <p:clrMapOvr>
-    <a:masterClrMapping/>
-  </p:clrMapOvr>
-</p:notes>
-</file>
-
-<file path=ppt/notesSlides/notesSlide12.xml><?xml version="1.0" encoding="utf-8"?>
 <p:notes xmlns:a="http://schemas.openxmlformats.org/drawingml/2006/main" xmlns:r="http://schemas.openxmlformats.org/officeDocument/2006/relationships" xmlns:p="http://schemas.openxmlformats.org/presentationml/2006/main" showMasterSp="0" showMasterPhAnim="0">
   <p:cSld>
     <p:spTree>
@@ -1138,7 +1033,7 @@
 </p:notes>
 </file>
 
-<file path=ppt/notesSlides/notesSlide13.xml><?xml version="1.0" encoding="utf-8"?>
+<file path=ppt/notesSlides/notesSlide12.xml><?xml version="1.0" encoding="utf-8"?>
 <p:notes xmlns:a="http://schemas.openxmlformats.org/drawingml/2006/main" xmlns:r="http://schemas.openxmlformats.org/officeDocument/2006/relationships" xmlns:p="http://schemas.openxmlformats.org/presentationml/2006/main" showMasterSp="0" showMasterPhAnim="0">
   <p:cSld>
     <p:spTree>
@@ -1242,7 +1137,7 @@
 </p:notes>
 </file>
 
-<file path=ppt/notesSlides/notesSlide14.xml><?xml version="1.0" encoding="utf-8"?>
+<file path=ppt/notesSlides/notesSlide13.xml><?xml version="1.0" encoding="utf-8"?>
 <p:notes xmlns:a="http://schemas.openxmlformats.org/drawingml/2006/main" xmlns:r="http://schemas.openxmlformats.org/officeDocument/2006/relationships" xmlns:p="http://schemas.openxmlformats.org/presentationml/2006/main" showMasterSp="0" showMasterPhAnim="0">
   <p:cSld>
     <p:spTree>
@@ -1346,7 +1241,7 @@
 </p:notes>
 </file>
 
-<file path=ppt/notesSlides/notesSlide15.xml><?xml version="1.0" encoding="utf-8"?>
+<file path=ppt/notesSlides/notesSlide14.xml><?xml version="1.0" encoding="utf-8"?>
 <p:notes xmlns:a="http://schemas.openxmlformats.org/drawingml/2006/main" xmlns:r="http://schemas.openxmlformats.org/officeDocument/2006/relationships" xmlns:p="http://schemas.openxmlformats.org/presentationml/2006/main" showMasterSp="0" showMasterPhAnim="0">
   <p:cSld>
     <p:spTree>
@@ -1450,7 +1345,7 @@
 </p:notes>
 </file>
 
-<file path=ppt/notesSlides/notesSlide16.xml><?xml version="1.0" encoding="utf-8"?>
+<file path=ppt/notesSlides/notesSlide15.xml><?xml version="1.0" encoding="utf-8"?>
 <p:notes xmlns:a="http://schemas.openxmlformats.org/drawingml/2006/main" xmlns:r="http://schemas.openxmlformats.org/officeDocument/2006/relationships" xmlns:p="http://schemas.openxmlformats.org/presentationml/2006/main" showMasterSp="0" showMasterPhAnim="0">
   <p:cSld>
     <p:spTree>
@@ -1554,7 +1449,7 @@
 </p:notes>
 </file>
 
-<file path=ppt/notesSlides/notesSlide17.xml><?xml version="1.0" encoding="utf-8"?>
+<file path=ppt/notesSlides/notesSlide16.xml><?xml version="1.0" encoding="utf-8"?>
 <p:notes xmlns:a="http://schemas.openxmlformats.org/drawingml/2006/main" xmlns:r="http://schemas.openxmlformats.org/officeDocument/2006/relationships" xmlns:p="http://schemas.openxmlformats.org/presentationml/2006/main" showMasterSp="0" showMasterPhAnim="0">
   <p:cSld>
     <p:spTree>
@@ -1658,7 +1553,7 @@
 </p:notes>
 </file>
 
-<file path=ppt/notesSlides/notesSlide18.xml><?xml version="1.0" encoding="utf-8"?>
+<file path=ppt/notesSlides/notesSlide17.xml><?xml version="1.0" encoding="utf-8"?>
 <p:notes xmlns:a="http://schemas.openxmlformats.org/drawingml/2006/main" xmlns:r="http://schemas.openxmlformats.org/officeDocument/2006/relationships" xmlns:p="http://schemas.openxmlformats.org/presentationml/2006/main" showMasterSp="0" showMasterPhAnim="0">
   <p:cSld>
     <p:spTree>
@@ -1762,7 +1657,7 @@
 </p:notes>
 </file>
 
-<file path=ppt/notesSlides/notesSlide19.xml><?xml version="1.0" encoding="utf-8"?>
+<file path=ppt/notesSlides/notesSlide18.xml><?xml version="1.0" encoding="utf-8"?>
 <p:notes xmlns:a="http://schemas.openxmlformats.org/drawingml/2006/main" xmlns:r="http://schemas.openxmlformats.org/officeDocument/2006/relationships" xmlns:p="http://schemas.openxmlformats.org/presentationml/2006/main" showMasterSp="0" showMasterPhAnim="0">
   <p:cSld>
     <p:spTree>
@@ -1854,6 +1749,114 @@
               </a:spcAft>
               <a:buNone/>
             </a:pPr>
+            <a:endParaRPr/>
+          </a:p>
+        </p:txBody>
+      </p:sp>
+    </p:spTree>
+  </p:cSld>
+  <p:clrMapOvr>
+    <a:masterClrMapping/>
+  </p:clrMapOvr>
+</p:notes>
+</file>
+
+<file path=ppt/notesSlides/notesSlide19.xml><?xml version="1.0" encoding="utf-8"?>
+<p:notes xmlns:a="http://schemas.openxmlformats.org/drawingml/2006/main" xmlns:r="http://schemas.openxmlformats.org/officeDocument/2006/relationships" xmlns:p="http://schemas.openxmlformats.org/presentationml/2006/main" showMasterSp="0" showMasterPhAnim="0">
+  <p:cSld>
+    <p:spTree>
+      <p:nvGrpSpPr>
+        <p:cNvPr id="1" name="Shape 155"/>
+        <p:cNvGrpSpPr/>
+        <p:nvPr/>
+      </p:nvGrpSpPr>
+      <p:grpSpPr>
+        <a:xfrm>
+          <a:off x="0" y="0"/>
+          <a:ext cx="0" cy="0"/>
+          <a:chOff x="0" y="0"/>
+          <a:chExt cx="0" cy="0"/>
+        </a:xfrm>
+      </p:grpSpPr>
+      <p:sp>
+        <p:nvSpPr>
+          <p:cNvPr id="156" name="Google Shape;156;gdfb86f3e77_4_0:notes"/>
+          <p:cNvSpPr>
+            <a:spLocks noGrp="1" noRot="1" noChangeAspect="1"/>
+          </p:cNvSpPr>
+          <p:nvPr>
+            <p:ph type="sldImg" idx="2"/>
+          </p:nvPr>
+        </p:nvSpPr>
+        <p:spPr>
+          <a:xfrm>
+            <a:off x="381300" y="685800"/>
+            <a:ext cx="6096000" cy="3429000"/>
+          </a:xfrm>
+          <a:custGeom>
+            <a:avLst/>
+            <a:gdLst/>
+            <a:ahLst/>
+            <a:cxnLst/>
+            <a:rect l="l" t="t" r="r" b="b"/>
+            <a:pathLst>
+              <a:path w="120000" h="120000" extrusionOk="0">
+                <a:moveTo>
+                  <a:pt x="0" y="0"/>
+                </a:moveTo>
+                <a:lnTo>
+                  <a:pt x="120000" y="0"/>
+                </a:lnTo>
+                <a:lnTo>
+                  <a:pt x="120000" y="120000"/>
+                </a:lnTo>
+                <a:lnTo>
+                  <a:pt x="0" y="120000"/>
+                </a:lnTo>
+                <a:close/>
+              </a:path>
+            </a:pathLst>
+          </a:custGeom>
+        </p:spPr>
+      </p:sp>
+      <p:sp>
+        <p:nvSpPr>
+          <p:cNvPr id="157" name="Google Shape;157;gdfb86f3e77_4_0:notes"/>
+          <p:cNvSpPr txBox="1">
+            <a:spLocks noGrp="1"/>
+          </p:cNvSpPr>
+          <p:nvPr>
+            <p:ph type="body" idx="1"/>
+          </p:nvPr>
+        </p:nvSpPr>
+        <p:spPr>
+          <a:xfrm>
+            <a:off x="685800" y="4343400"/>
+            <a:ext cx="5486400" cy="4114800"/>
+          </a:xfrm>
+          <a:prstGeom prst="rect">
+            <a:avLst/>
+          </a:prstGeom>
+        </p:spPr>
+        <p:txBody>
+          <a:bodyPr spcFirstLastPara="1" wrap="square" lIns="91425" tIns="91425" rIns="91425" bIns="91425" anchor="t" anchorCtr="0">
+            <a:noAutofit/>
+          </a:bodyPr>
+          <a:lstStyle/>
+          <a:p>
+            <a:pPr marL="0" lvl="0" indent="0" algn="l" rtl="0">
+              <a:spcBef>
+                <a:spcPts val="0"/>
+              </a:spcBef>
+              <a:spcAft>
+                <a:spcPts val="0"/>
+              </a:spcAft>
+              <a:buNone/>
+            </a:pPr>
+            <a:r>
+              <a:rPr lang="en"/>
+              <a:t>Pivot to show in website</a:t>
+            </a:r>
             <a:endParaRPr/>
           </a:p>
         </p:txBody>
@@ -1975,7 +1978,7 @@
   <p:cSld>
     <p:spTree>
       <p:nvGrpSpPr>
-        <p:cNvPr id="1" name="Shape 155"/>
+        <p:cNvPr id="1" name="Shape 161"/>
         <p:cNvGrpSpPr/>
         <p:nvPr/>
       </p:nvGrpSpPr>
@@ -1989,7 +1992,7 @@
       </p:grpSpPr>
       <p:sp>
         <p:nvSpPr>
-          <p:cNvPr id="156" name="Google Shape;156;gdfb86f3e77_4_0:notes"/>
+          <p:cNvPr id="162" name="Google Shape;162;gdee36292d2_1_96:notes"/>
           <p:cNvSpPr>
             <a:spLocks noGrp="1" noRot="1" noChangeAspect="1"/>
           </p:cNvSpPr>
@@ -2030,7 +2033,7 @@
       </p:sp>
       <p:sp>
         <p:nvSpPr>
-          <p:cNvPr id="157" name="Google Shape;157;gdfb86f3e77_4_0:notes"/>
+          <p:cNvPr id="163" name="Google Shape;163;gdee36292d2_1_96:notes"/>
           <p:cNvSpPr txBox="1">
             <a:spLocks noGrp="1"/>
           </p:cNvSpPr>
@@ -2062,10 +2065,6 @@
               </a:spcAft>
               <a:buNone/>
             </a:pPr>
-            <a:r>
-              <a:rPr lang="en"/>
-              <a:t>Pivot to show in website</a:t>
-            </a:r>
             <a:endParaRPr/>
           </a:p>
         </p:txBody>
@@ -2079,110 +2078,6 @@
 </file>
 
 <file path=ppt/notesSlides/notesSlide21.xml><?xml version="1.0" encoding="utf-8"?>
-<p:notes xmlns:a="http://schemas.openxmlformats.org/drawingml/2006/main" xmlns:r="http://schemas.openxmlformats.org/officeDocument/2006/relationships" xmlns:p="http://schemas.openxmlformats.org/presentationml/2006/main" showMasterSp="0" showMasterPhAnim="0">
-  <p:cSld>
-    <p:spTree>
-      <p:nvGrpSpPr>
-        <p:cNvPr id="1" name="Shape 161"/>
-        <p:cNvGrpSpPr/>
-        <p:nvPr/>
-      </p:nvGrpSpPr>
-      <p:grpSpPr>
-        <a:xfrm>
-          <a:off x="0" y="0"/>
-          <a:ext cx="0" cy="0"/>
-          <a:chOff x="0" y="0"/>
-          <a:chExt cx="0" cy="0"/>
-        </a:xfrm>
-      </p:grpSpPr>
-      <p:sp>
-        <p:nvSpPr>
-          <p:cNvPr id="162" name="Google Shape;162;gdee36292d2_1_96:notes"/>
-          <p:cNvSpPr>
-            <a:spLocks noGrp="1" noRot="1" noChangeAspect="1"/>
-          </p:cNvSpPr>
-          <p:nvPr>
-            <p:ph type="sldImg" idx="2"/>
-          </p:nvPr>
-        </p:nvSpPr>
-        <p:spPr>
-          <a:xfrm>
-            <a:off x="381300" y="685800"/>
-            <a:ext cx="6096000" cy="3429000"/>
-          </a:xfrm>
-          <a:custGeom>
-            <a:avLst/>
-            <a:gdLst/>
-            <a:ahLst/>
-            <a:cxnLst/>
-            <a:rect l="l" t="t" r="r" b="b"/>
-            <a:pathLst>
-              <a:path w="120000" h="120000" extrusionOk="0">
-                <a:moveTo>
-                  <a:pt x="0" y="0"/>
-                </a:moveTo>
-                <a:lnTo>
-                  <a:pt x="120000" y="0"/>
-                </a:lnTo>
-                <a:lnTo>
-                  <a:pt x="120000" y="120000"/>
-                </a:lnTo>
-                <a:lnTo>
-                  <a:pt x="0" y="120000"/>
-                </a:lnTo>
-                <a:close/>
-              </a:path>
-            </a:pathLst>
-          </a:custGeom>
-        </p:spPr>
-      </p:sp>
-      <p:sp>
-        <p:nvSpPr>
-          <p:cNvPr id="163" name="Google Shape;163;gdee36292d2_1_96:notes"/>
-          <p:cNvSpPr txBox="1">
-            <a:spLocks noGrp="1"/>
-          </p:cNvSpPr>
-          <p:nvPr>
-            <p:ph type="body" idx="1"/>
-          </p:nvPr>
-        </p:nvSpPr>
-        <p:spPr>
-          <a:xfrm>
-            <a:off x="685800" y="4343400"/>
-            <a:ext cx="5486400" cy="4114800"/>
-          </a:xfrm>
-          <a:prstGeom prst="rect">
-            <a:avLst/>
-          </a:prstGeom>
-        </p:spPr>
-        <p:txBody>
-          <a:bodyPr spcFirstLastPara="1" wrap="square" lIns="91425" tIns="91425" rIns="91425" bIns="91425" anchor="t" anchorCtr="0">
-            <a:noAutofit/>
-          </a:bodyPr>
-          <a:lstStyle/>
-          <a:p>
-            <a:pPr marL="0" lvl="0" indent="0" algn="l" rtl="0">
-              <a:spcBef>
-                <a:spcPts val="0"/>
-              </a:spcBef>
-              <a:spcAft>
-                <a:spcPts val="0"/>
-              </a:spcAft>
-              <a:buNone/>
-            </a:pPr>
-            <a:endParaRPr/>
-          </a:p>
-        </p:txBody>
-      </p:sp>
-    </p:spTree>
-  </p:cSld>
-  <p:clrMapOvr>
-    <a:masterClrMapping/>
-  </p:clrMapOvr>
-</p:notes>
-</file>
-
-<file path=ppt/notesSlides/notesSlide22.xml><?xml version="1.0" encoding="utf-8"?>
 <p:notes xmlns:a="http://schemas.openxmlformats.org/drawingml/2006/main" xmlns:r="http://schemas.openxmlformats.org/officeDocument/2006/relationships" xmlns:p="http://schemas.openxmlformats.org/presentationml/2006/main" showMasterSp="0" showMasterPhAnim="0">
   <p:cSld>
     <p:spTree>
@@ -2811,7 +2706,7 @@
   <p:cSld>
     <p:spTree>
       <p:nvGrpSpPr>
-        <p:cNvPr id="1" name="Shape 69"/>
+        <p:cNvPr id="1" name="Shape 76"/>
         <p:cNvGrpSpPr/>
         <p:nvPr/>
       </p:nvGrpSpPr>
@@ -2825,7 +2720,7 @@
       </p:grpSpPr>
       <p:sp>
         <p:nvSpPr>
-          <p:cNvPr id="70" name="Google Shape;70;ge053b3de7a_0_5:notes"/>
+          <p:cNvPr id="77" name="Google Shape;77;gdfc1f552a7_3_5:notes"/>
           <p:cNvSpPr>
             <a:spLocks noGrp="1" noRot="1" noChangeAspect="1"/>
           </p:cNvSpPr>
@@ -2866,7 +2761,7 @@
       </p:sp>
       <p:sp>
         <p:nvSpPr>
-          <p:cNvPr id="71" name="Google Shape;71;ge053b3de7a_0_5:notes"/>
+          <p:cNvPr id="78" name="Google Shape;78;gdfc1f552a7_3_5:notes"/>
           <p:cNvSpPr txBox="1">
             <a:spLocks noGrp="1"/>
           </p:cNvSpPr>
@@ -2915,7 +2810,7 @@
   <p:cSld>
     <p:spTree>
       <p:nvGrpSpPr>
-        <p:cNvPr id="1" name="Shape 76"/>
+        <p:cNvPr id="1" name="Shape 83"/>
         <p:cNvGrpSpPr/>
         <p:nvPr/>
       </p:nvGrpSpPr>
@@ -2929,7 +2824,7 @@
       </p:grpSpPr>
       <p:sp>
         <p:nvSpPr>
-          <p:cNvPr id="77" name="Google Shape;77;gdfc1f552a7_3_5:notes"/>
+          <p:cNvPr id="84" name="Google Shape;84;gdfc1f552a7_3_12:notes"/>
           <p:cNvSpPr>
             <a:spLocks noGrp="1" noRot="1" noChangeAspect="1"/>
           </p:cNvSpPr>
@@ -2970,7 +2865,7 @@
       </p:sp>
       <p:sp>
         <p:nvSpPr>
-          <p:cNvPr id="78" name="Google Shape;78;gdfc1f552a7_3_5:notes"/>
+          <p:cNvPr id="85" name="Google Shape;85;gdfc1f552a7_3_12:notes"/>
           <p:cNvSpPr txBox="1">
             <a:spLocks noGrp="1"/>
           </p:cNvSpPr>
@@ -6819,142 +6714,6 @@
   <p:cSld>
     <p:spTree>
       <p:nvGrpSpPr>
-        <p:cNvPr id="1" name="Shape 86"/>
-        <p:cNvGrpSpPr/>
-        <p:nvPr/>
-      </p:nvGrpSpPr>
-      <p:grpSpPr>
-        <a:xfrm>
-          <a:off x="0" y="0"/>
-          <a:ext cx="0" cy="0"/>
-          <a:chOff x="0" y="0"/>
-          <a:chExt cx="0" cy="0"/>
-        </a:xfrm>
-      </p:grpSpPr>
-      <p:sp>
-        <p:nvSpPr>
-          <p:cNvPr id="87" name="Google Shape;87;p13"/>
-          <p:cNvSpPr txBox="1">
-            <a:spLocks noGrp="1"/>
-          </p:cNvSpPr>
-          <p:nvPr>
-            <p:ph type="title"/>
-          </p:nvPr>
-        </p:nvSpPr>
-        <p:spPr>
-          <a:xfrm>
-            <a:off x="214725" y="205978"/>
-            <a:ext cx="8229600" cy="857400"/>
-          </a:xfrm>
-          <a:prstGeom prst="rect">
-            <a:avLst/>
-          </a:prstGeom>
-        </p:spPr>
-        <p:txBody>
-          <a:bodyPr spcFirstLastPara="1" wrap="square" lIns="91425" tIns="45700" rIns="91425" bIns="45700" anchor="ctr" anchorCtr="0">
-            <a:noAutofit/>
-          </a:bodyPr>
-          <a:lstStyle/>
-          <a:p>
-            <a:pPr marL="0" lvl="0" indent="0" algn="ctr" rtl="0">
-              <a:spcBef>
-                <a:spcPts val="0"/>
-              </a:spcBef>
-              <a:spcAft>
-                <a:spcPts val="0"/>
-              </a:spcAft>
-              <a:buNone/>
-            </a:pPr>
-            <a:r>
-              <a:rPr lang="en"/>
-              <a:t>Dataset Documentation</a:t>
-            </a:r>
-            <a:endParaRPr/>
-          </a:p>
-        </p:txBody>
-      </p:sp>
-      <p:sp>
-        <p:nvSpPr>
-          <p:cNvPr id="88" name="Google Shape;88;p13"/>
-          <p:cNvSpPr txBox="1">
-            <a:spLocks noGrp="1"/>
-          </p:cNvSpPr>
-          <p:nvPr>
-            <p:ph type="body" idx="1"/>
-          </p:nvPr>
-        </p:nvSpPr>
-        <p:spPr>
-          <a:xfrm>
-            <a:off x="457200" y="1200150"/>
-            <a:ext cx="8229600" cy="3394500"/>
-          </a:xfrm>
-          <a:prstGeom prst="rect">
-            <a:avLst/>
-          </a:prstGeom>
-        </p:spPr>
-        <p:txBody>
-          <a:bodyPr spcFirstLastPara="1" wrap="square" lIns="91425" tIns="45700" rIns="91425" bIns="45700" anchor="t" anchorCtr="0">
-            <a:noAutofit/>
-          </a:bodyPr>
-          <a:lstStyle/>
-          <a:p>
-            <a:pPr marL="0" lvl="0" indent="0" algn="l" rtl="0">
-              <a:lnSpc>
-                <a:spcPct val="200000"/>
-              </a:lnSpc>
-              <a:spcBef>
-                <a:spcPts val="360"/>
-              </a:spcBef>
-              <a:spcAft>
-                <a:spcPts val="0"/>
-              </a:spcAft>
-              <a:buNone/>
-            </a:pPr>
-            <a:endParaRPr sz="2000"/>
-          </a:p>
-        </p:txBody>
-      </p:sp>
-      <p:pic>
-        <p:nvPicPr>
-          <p:cNvPr id="89" name="Google Shape;89;p13"/>
-          <p:cNvPicPr preferRelativeResize="0"/>
-          <p:nvPr/>
-        </p:nvPicPr>
-        <p:blipFill>
-          <a:blip r:embed="rId3">
-            <a:alphaModFix/>
-          </a:blip>
-          <a:stretch>
-            <a:fillRect/>
-          </a:stretch>
-        </p:blipFill>
-        <p:spPr>
-          <a:xfrm>
-            <a:off x="2574325" y="1063375"/>
-            <a:ext cx="5103375" cy="3788875"/>
-          </a:xfrm>
-          <a:prstGeom prst="rect">
-            <a:avLst/>
-          </a:prstGeom>
-          <a:noFill/>
-          <a:ln>
-            <a:noFill/>
-          </a:ln>
-        </p:spPr>
-      </p:pic>
-    </p:spTree>
-  </p:cSld>
-  <p:clrMapOvr>
-    <a:masterClrMapping/>
-  </p:clrMapOvr>
-</p:sld>
-</file>
-
-<file path=ppt/slides/slide11.xml><?xml version="1.0" encoding="utf-8"?>
-<p:sld xmlns:a="http://schemas.openxmlformats.org/drawingml/2006/main" xmlns:r="http://schemas.openxmlformats.org/officeDocument/2006/relationships" xmlns:p="http://schemas.openxmlformats.org/presentationml/2006/main">
-  <p:cSld>
-    <p:spTree>
-      <p:nvGrpSpPr>
         <p:cNvPr id="1" name="Shape 93"/>
         <p:cNvGrpSpPr/>
         <p:nvPr/>
@@ -7045,7 +6804,7 @@
 </p:sld>
 </file>
 
-<file path=ppt/slides/slide12.xml><?xml version="1.0" encoding="utf-8"?>
+<file path=ppt/slides/slide11.xml><?xml version="1.0" encoding="utf-8"?>
 <p:sld xmlns:a="http://schemas.openxmlformats.org/drawingml/2006/main" xmlns:r="http://schemas.openxmlformats.org/officeDocument/2006/relationships" xmlns:p="http://schemas.openxmlformats.org/presentationml/2006/main">
   <p:cSld>
     <p:spTree>
@@ -7172,6 +6931,36 @@
           </a:prstGeom>
         </p:spPr>
       </p:pic>
+      <p:pic>
+        <p:nvPicPr>
+          <p:cNvPr id="2" name="Picture 1">
+            <a:extLst>
+              <a:ext uri="{FF2B5EF4-FFF2-40B4-BE49-F238E27FC236}">
+                <a16:creationId xmlns:a16="http://schemas.microsoft.com/office/drawing/2014/main" id="{EC0CAEE2-4688-45BB-A7B0-D205C56F3D51}"/>
+              </a:ext>
+            </a:extLst>
+          </p:cNvPr>
+          <p:cNvPicPr>
+            <a:picLocks noChangeAspect="1"/>
+          </p:cNvPicPr>
+          <p:nvPr/>
+        </p:nvPicPr>
+        <p:blipFill>
+          <a:blip r:embed="rId4"/>
+          <a:stretch>
+            <a:fillRect/>
+          </a:stretch>
+        </p:blipFill>
+        <p:spPr>
+          <a:xfrm>
+            <a:off x="7822407" y="4093369"/>
+            <a:ext cx="1321594" cy="1050131"/>
+          </a:xfrm>
+          <a:prstGeom prst="rect">
+            <a:avLst/>
+          </a:prstGeom>
+        </p:spPr>
+      </p:pic>
     </p:spTree>
   </p:cSld>
   <p:clrMapOvr>
@@ -7180,7 +6969,7 @@
 </p:sld>
 </file>
 
-<file path=ppt/slides/slide13.xml><?xml version="1.0" encoding="utf-8"?>
+<file path=ppt/slides/slide12.xml><?xml version="1.0" encoding="utf-8"?>
 <p:sld xmlns:a="http://schemas.openxmlformats.org/drawingml/2006/main" xmlns:r="http://schemas.openxmlformats.org/officeDocument/2006/relationships" xmlns:p="http://schemas.openxmlformats.org/presentationml/2006/main">
   <p:cSld>
     <p:spTree>
@@ -7315,7 +7104,7 @@
 </p:sld>
 </file>
 
-<file path=ppt/slides/slide14.xml><?xml version="1.0" encoding="utf-8"?>
+<file path=ppt/slides/slide13.xml><?xml version="1.0" encoding="utf-8"?>
 <p:sld xmlns:a="http://schemas.openxmlformats.org/drawingml/2006/main" xmlns:r="http://schemas.openxmlformats.org/officeDocument/2006/relationships" xmlns:p="http://schemas.openxmlformats.org/presentationml/2006/main">
   <p:cSld>
     <p:spTree>
@@ -7450,7 +7239,7 @@
 </p:sld>
 </file>
 
-<file path=ppt/slides/slide15.xml><?xml version="1.0" encoding="utf-8"?>
+<file path=ppt/slides/slide14.xml><?xml version="1.0" encoding="utf-8"?>
 <p:sld xmlns:a="http://schemas.openxmlformats.org/drawingml/2006/main" xmlns:r="http://schemas.openxmlformats.org/officeDocument/2006/relationships" xmlns:p="http://schemas.openxmlformats.org/presentationml/2006/main">
   <p:cSld>
     <p:spTree>
@@ -7517,7 +7306,7 @@
 </p:sld>
 </file>
 
-<file path=ppt/slides/slide16.xml><?xml version="1.0" encoding="utf-8"?>
+<file path=ppt/slides/slide15.xml><?xml version="1.0" encoding="utf-8"?>
 <p:sld xmlns:a="http://schemas.openxmlformats.org/drawingml/2006/main" xmlns:r="http://schemas.openxmlformats.org/officeDocument/2006/relationships" xmlns:p="http://schemas.openxmlformats.org/presentationml/2006/main">
   <p:cSld>
     <p:spTree>
@@ -7612,7 +7401,7 @@
 </p:sld>
 </file>
 
-<file path=ppt/slides/slide17.xml><?xml version="1.0" encoding="utf-8"?>
+<file path=ppt/slides/slide16.xml><?xml version="1.0" encoding="utf-8"?>
 <p:sld xmlns:a="http://schemas.openxmlformats.org/drawingml/2006/main" xmlns:r="http://schemas.openxmlformats.org/officeDocument/2006/relationships" xmlns:p="http://schemas.openxmlformats.org/presentationml/2006/main">
   <p:cSld>
     <p:spTree>
@@ -7745,7 +7534,7 @@
 </p:sld>
 </file>
 
-<file path=ppt/slides/slide18.xml><?xml version="1.0" encoding="utf-8"?>
+<file path=ppt/slides/slide17.xml><?xml version="1.0" encoding="utf-8"?>
 <p:sld xmlns:a="http://schemas.openxmlformats.org/drawingml/2006/main" xmlns:r="http://schemas.openxmlformats.org/officeDocument/2006/relationships" xmlns:p="http://schemas.openxmlformats.org/presentationml/2006/main">
   <p:cSld>
     <p:spTree>
@@ -7913,7 +7702,7 @@
 </p:sld>
 </file>
 
-<file path=ppt/slides/slide19.xml><?xml version="1.0" encoding="utf-8"?>
+<file path=ppt/slides/slide18.xml><?xml version="1.0" encoding="utf-8"?>
 <p:sld xmlns:a="http://schemas.openxmlformats.org/drawingml/2006/main" xmlns:r="http://schemas.openxmlformats.org/officeDocument/2006/relationships" xmlns:p="http://schemas.openxmlformats.org/presentationml/2006/main">
   <p:cSld>
     <p:spTree>
@@ -8055,6 +7844,116 @@
               <a:t>SVMs will not be able to perfectly separate classes.</a:t>
             </a:r>
             <a:endParaRPr sz="2000"/>
+          </a:p>
+        </p:txBody>
+      </p:sp>
+    </p:spTree>
+  </p:cSld>
+  <p:clrMapOvr>
+    <a:masterClrMapping/>
+  </p:clrMapOvr>
+</p:sld>
+</file>
+
+<file path=ppt/slides/slide19.xml><?xml version="1.0" encoding="utf-8"?>
+<p:sld xmlns:a="http://schemas.openxmlformats.org/drawingml/2006/main" xmlns:r="http://schemas.openxmlformats.org/officeDocument/2006/relationships" xmlns:p="http://schemas.openxmlformats.org/presentationml/2006/main">
+  <p:cSld>
+    <p:spTree>
+      <p:nvGrpSpPr>
+        <p:cNvPr id="1" name="Shape 158"/>
+        <p:cNvGrpSpPr/>
+        <p:nvPr/>
+      </p:nvGrpSpPr>
+      <p:grpSpPr>
+        <a:xfrm>
+          <a:off x="0" y="0"/>
+          <a:ext cx="0" cy="0"/>
+          <a:chOff x="0" y="0"/>
+          <a:chExt cx="0" cy="0"/>
+        </a:xfrm>
+      </p:grpSpPr>
+      <p:sp>
+        <p:nvSpPr>
+          <p:cNvPr id="159" name="Google Shape;159;p24"/>
+          <p:cNvSpPr txBox="1">
+            <a:spLocks noGrp="1"/>
+          </p:cNvSpPr>
+          <p:nvPr>
+            <p:ph type="title"/>
+          </p:nvPr>
+        </p:nvSpPr>
+        <p:spPr>
+          <a:xfrm>
+            <a:off x="457200" y="205978"/>
+            <a:ext cx="8229600" cy="857400"/>
+          </a:xfrm>
+          <a:prstGeom prst="rect">
+            <a:avLst/>
+          </a:prstGeom>
+        </p:spPr>
+        <p:txBody>
+          <a:bodyPr spcFirstLastPara="1" wrap="square" lIns="91425" tIns="45700" rIns="91425" bIns="45700" anchor="ctr" anchorCtr="0">
+            <a:noAutofit/>
+          </a:bodyPr>
+          <a:lstStyle/>
+          <a:p>
+            <a:pPr marL="0" lvl="0" indent="0" algn="ctr" rtl="0">
+              <a:spcBef>
+                <a:spcPts val="0"/>
+              </a:spcBef>
+              <a:spcAft>
+                <a:spcPts val="0"/>
+              </a:spcAft>
+              <a:buNone/>
+            </a:pPr>
+            <a:r>
+              <a:rPr lang="en"/>
+              <a:t>Mortality Rate Data from CDC</a:t>
+            </a:r>
+            <a:endParaRPr/>
+          </a:p>
+        </p:txBody>
+      </p:sp>
+      <p:sp>
+        <p:nvSpPr>
+          <p:cNvPr id="160" name="Google Shape;160;p24"/>
+          <p:cNvSpPr txBox="1">
+            <a:spLocks noGrp="1"/>
+          </p:cNvSpPr>
+          <p:nvPr>
+            <p:ph type="body" idx="1"/>
+          </p:nvPr>
+        </p:nvSpPr>
+        <p:spPr>
+          <a:xfrm>
+            <a:off x="457200" y="1200150"/>
+            <a:ext cx="8229600" cy="3394500"/>
+          </a:xfrm>
+          <a:prstGeom prst="rect">
+            <a:avLst/>
+          </a:prstGeom>
+        </p:spPr>
+        <p:txBody>
+          <a:bodyPr spcFirstLastPara="1" wrap="square" lIns="91425" tIns="45700" rIns="91425" bIns="45700" anchor="t" anchorCtr="0">
+            <a:noAutofit/>
+          </a:bodyPr>
+          <a:lstStyle/>
+          <a:p>
+            <a:pPr marL="457200" lvl="0" indent="-342900" algn="l" rtl="0">
+              <a:spcBef>
+                <a:spcPts val="360"/>
+              </a:spcBef>
+              <a:spcAft>
+                <a:spcPts val="0"/>
+              </a:spcAft>
+              <a:buSzPts val="1800"/>
+              <a:buChar char="•"/>
+            </a:pPr>
+            <a:r>
+              <a:rPr lang="en"/>
+              <a:t>In order to give our model a bit more context, and to test if our conclusions were correct, we pulled and visualized in Tableau heart disease mortality rate data from the CDC.</a:t>
+            </a:r>
+            <a:endParaRPr/>
           </a:p>
         </p:txBody>
       </p:sp>
@@ -8166,116 +8065,6 @@
   <p:cSld>
     <p:spTree>
       <p:nvGrpSpPr>
-        <p:cNvPr id="1" name="Shape 158"/>
-        <p:cNvGrpSpPr/>
-        <p:nvPr/>
-      </p:nvGrpSpPr>
-      <p:grpSpPr>
-        <a:xfrm>
-          <a:off x="0" y="0"/>
-          <a:ext cx="0" cy="0"/>
-          <a:chOff x="0" y="0"/>
-          <a:chExt cx="0" cy="0"/>
-        </a:xfrm>
-      </p:grpSpPr>
-      <p:sp>
-        <p:nvSpPr>
-          <p:cNvPr id="159" name="Google Shape;159;p24"/>
-          <p:cNvSpPr txBox="1">
-            <a:spLocks noGrp="1"/>
-          </p:cNvSpPr>
-          <p:nvPr>
-            <p:ph type="title"/>
-          </p:nvPr>
-        </p:nvSpPr>
-        <p:spPr>
-          <a:xfrm>
-            <a:off x="457200" y="205978"/>
-            <a:ext cx="8229600" cy="857400"/>
-          </a:xfrm>
-          <a:prstGeom prst="rect">
-            <a:avLst/>
-          </a:prstGeom>
-        </p:spPr>
-        <p:txBody>
-          <a:bodyPr spcFirstLastPara="1" wrap="square" lIns="91425" tIns="45700" rIns="91425" bIns="45700" anchor="ctr" anchorCtr="0">
-            <a:noAutofit/>
-          </a:bodyPr>
-          <a:lstStyle/>
-          <a:p>
-            <a:pPr marL="0" lvl="0" indent="0" algn="ctr" rtl="0">
-              <a:spcBef>
-                <a:spcPts val="0"/>
-              </a:spcBef>
-              <a:spcAft>
-                <a:spcPts val="0"/>
-              </a:spcAft>
-              <a:buNone/>
-            </a:pPr>
-            <a:r>
-              <a:rPr lang="en"/>
-              <a:t>Mortality Rate Data from CDC</a:t>
-            </a:r>
-            <a:endParaRPr/>
-          </a:p>
-        </p:txBody>
-      </p:sp>
-      <p:sp>
-        <p:nvSpPr>
-          <p:cNvPr id="160" name="Google Shape;160;p24"/>
-          <p:cNvSpPr txBox="1">
-            <a:spLocks noGrp="1"/>
-          </p:cNvSpPr>
-          <p:nvPr>
-            <p:ph type="body" idx="1"/>
-          </p:nvPr>
-        </p:nvSpPr>
-        <p:spPr>
-          <a:xfrm>
-            <a:off x="457200" y="1200150"/>
-            <a:ext cx="8229600" cy="3394500"/>
-          </a:xfrm>
-          <a:prstGeom prst="rect">
-            <a:avLst/>
-          </a:prstGeom>
-        </p:spPr>
-        <p:txBody>
-          <a:bodyPr spcFirstLastPara="1" wrap="square" lIns="91425" tIns="45700" rIns="91425" bIns="45700" anchor="t" anchorCtr="0">
-            <a:noAutofit/>
-          </a:bodyPr>
-          <a:lstStyle/>
-          <a:p>
-            <a:pPr marL="457200" lvl="0" indent="-342900" algn="l" rtl="0">
-              <a:spcBef>
-                <a:spcPts val="360"/>
-              </a:spcBef>
-              <a:spcAft>
-                <a:spcPts val="0"/>
-              </a:spcAft>
-              <a:buSzPts val="1800"/>
-              <a:buChar char="•"/>
-            </a:pPr>
-            <a:r>
-              <a:rPr lang="en"/>
-              <a:t>In order to give our model a bit more context, and to test if our conclusions were correct, we pulled and visualized in Tableau heart disease mortality rate data from the CDC.</a:t>
-            </a:r>
-            <a:endParaRPr/>
-          </a:p>
-        </p:txBody>
-      </p:sp>
-    </p:spTree>
-  </p:cSld>
-  <p:clrMapOvr>
-    <a:masterClrMapping/>
-  </p:clrMapOvr>
-</p:sld>
-</file>
-
-<file path=ppt/slides/slide21.xml><?xml version="1.0" encoding="utf-8"?>
-<p:sld xmlns:a="http://schemas.openxmlformats.org/drawingml/2006/main" xmlns:r="http://schemas.openxmlformats.org/officeDocument/2006/relationships" xmlns:p="http://schemas.openxmlformats.org/presentationml/2006/main">
-  <p:cSld>
-    <p:spTree>
-      <p:nvGrpSpPr>
         <p:cNvPr id="1" name="Shape 164"/>
         <p:cNvGrpSpPr/>
         <p:nvPr/>
@@ -8338,7 +8127,7 @@
 </p:sld>
 </file>
 
-<file path=ppt/slides/slide22.xml><?xml version="1.0" encoding="utf-8"?>
+<file path=ppt/slides/slide21.xml><?xml version="1.0" encoding="utf-8"?>
 <p:sld xmlns:a="http://schemas.openxmlformats.org/drawingml/2006/main" xmlns:r="http://schemas.openxmlformats.org/officeDocument/2006/relationships" xmlns:p="http://schemas.openxmlformats.org/presentationml/2006/main">
   <p:cSld>
     <p:spTree>
@@ -9287,199 +9076,6 @@
   <p:cSld>
     <p:spTree>
       <p:nvGrpSpPr>
-        <p:cNvPr id="1" name="Shape 72"/>
-        <p:cNvGrpSpPr/>
-        <p:nvPr/>
-      </p:nvGrpSpPr>
-      <p:grpSpPr>
-        <a:xfrm>
-          <a:off x="0" y="0"/>
-          <a:ext cx="0" cy="0"/>
-          <a:chOff x="0" y="0"/>
-          <a:chExt cx="0" cy="0"/>
-        </a:xfrm>
-      </p:grpSpPr>
-      <p:sp>
-        <p:nvSpPr>
-          <p:cNvPr id="73" name="Google Shape;73;p11"/>
-          <p:cNvSpPr txBox="1">
-            <a:spLocks noGrp="1"/>
-          </p:cNvSpPr>
-          <p:nvPr>
-            <p:ph type="title"/>
-          </p:nvPr>
-        </p:nvSpPr>
-        <p:spPr>
-          <a:xfrm>
-            <a:off x="457200" y="205978"/>
-            <a:ext cx="8229600" cy="857400"/>
-          </a:xfrm>
-          <a:prstGeom prst="rect">
-            <a:avLst/>
-          </a:prstGeom>
-        </p:spPr>
-        <p:txBody>
-          <a:bodyPr spcFirstLastPara="1" wrap="square" lIns="91425" tIns="45700" rIns="91425" bIns="45700" anchor="ctr" anchorCtr="0">
-            <a:noAutofit/>
-          </a:bodyPr>
-          <a:lstStyle/>
-          <a:p>
-            <a:pPr marL="0" lvl="0" indent="0" algn="ctr" rtl="0">
-              <a:spcBef>
-                <a:spcPts val="0"/>
-              </a:spcBef>
-              <a:spcAft>
-                <a:spcPts val="0"/>
-              </a:spcAft>
-              <a:buNone/>
-            </a:pPr>
-            <a:r>
-              <a:rPr lang="en"/>
-              <a:t>Import dataset</a:t>
-            </a:r>
-            <a:endParaRPr/>
-          </a:p>
-        </p:txBody>
-      </p:sp>
-      <p:sp>
-        <p:nvSpPr>
-          <p:cNvPr id="74" name="Google Shape;74;p11"/>
-          <p:cNvSpPr txBox="1">
-            <a:spLocks noGrp="1"/>
-          </p:cNvSpPr>
-          <p:nvPr>
-            <p:ph type="body" idx="1"/>
-          </p:nvPr>
-        </p:nvSpPr>
-        <p:spPr>
-          <a:xfrm>
-            <a:off x="457200" y="1200150"/>
-            <a:ext cx="8229600" cy="3394500"/>
-          </a:xfrm>
-          <a:prstGeom prst="rect">
-            <a:avLst/>
-          </a:prstGeom>
-        </p:spPr>
-        <p:txBody>
-          <a:bodyPr spcFirstLastPara="1" wrap="square" lIns="91425" tIns="45700" rIns="91425" bIns="45700" anchor="t" anchorCtr="0">
-            <a:noAutofit/>
-          </a:bodyPr>
-          <a:lstStyle/>
-          <a:p>
-            <a:pPr marL="457200" lvl="0" indent="-355600" algn="l" rtl="0">
-              <a:lnSpc>
-                <a:spcPct val="200000"/>
-              </a:lnSpc>
-              <a:spcBef>
-                <a:spcPts val="360"/>
-              </a:spcBef>
-              <a:spcAft>
-                <a:spcPts val="0"/>
-              </a:spcAft>
-              <a:buSzPts val="2000"/>
-              <a:buChar char="•"/>
-            </a:pPr>
-            <a:r>
-              <a:rPr lang="en" sz="2000"/>
-              <a:t>After downloading the data set and reading it in.</a:t>
-            </a:r>
-            <a:endParaRPr sz="2000"/>
-          </a:p>
-          <a:p>
-            <a:pPr marL="457200" lvl="0" indent="-355600" algn="l" rtl="0">
-              <a:lnSpc>
-                <a:spcPct val="200000"/>
-              </a:lnSpc>
-              <a:spcBef>
-                <a:spcPts val="0"/>
-              </a:spcBef>
-              <a:spcAft>
-                <a:spcPts val="0"/>
-              </a:spcAft>
-              <a:buSzPts val="2000"/>
-              <a:buChar char="•"/>
-            </a:pPr>
-            <a:r>
-              <a:rPr lang="en" sz="2000"/>
-              <a:t>There were 11 features and 1 target variable which was dropped</a:t>
-            </a:r>
-            <a:endParaRPr sz="2000"/>
-          </a:p>
-          <a:p>
-            <a:pPr marL="457200" lvl="0" indent="-355600" algn="l" rtl="0">
-              <a:lnSpc>
-                <a:spcPct val="200000"/>
-              </a:lnSpc>
-              <a:spcBef>
-                <a:spcPts val="0"/>
-              </a:spcBef>
-              <a:spcAft>
-                <a:spcPts val="0"/>
-              </a:spcAft>
-              <a:buSzPts val="2000"/>
-              <a:buChar char="•"/>
-            </a:pPr>
-            <a:r>
-              <a:rPr lang="en" sz="2000"/>
-              <a:t>Next, I described the data</a:t>
-            </a:r>
-            <a:endParaRPr sz="2000"/>
-          </a:p>
-          <a:p>
-            <a:pPr marL="457200" lvl="0" indent="0" algn="l" rtl="0">
-              <a:spcBef>
-                <a:spcPts val="360"/>
-              </a:spcBef>
-              <a:spcAft>
-                <a:spcPts val="0"/>
-              </a:spcAft>
-              <a:buNone/>
-            </a:pPr>
-            <a:endParaRPr sz="2000"/>
-          </a:p>
-        </p:txBody>
-      </p:sp>
-      <p:pic>
-        <p:nvPicPr>
-          <p:cNvPr id="75" name="Google Shape;75;p11"/>
-          <p:cNvPicPr preferRelativeResize="0"/>
-          <p:nvPr/>
-        </p:nvPicPr>
-        <p:blipFill>
-          <a:blip r:embed="rId3">
-            <a:alphaModFix/>
-          </a:blip>
-          <a:stretch>
-            <a:fillRect/>
-          </a:stretch>
-        </p:blipFill>
-        <p:spPr>
-          <a:xfrm>
-            <a:off x="0" y="2799844"/>
-            <a:ext cx="9144000" cy="2343661"/>
-          </a:xfrm>
-          <a:prstGeom prst="rect">
-            <a:avLst/>
-          </a:prstGeom>
-          <a:noFill/>
-          <a:ln>
-            <a:noFill/>
-          </a:ln>
-        </p:spPr>
-      </p:pic>
-    </p:spTree>
-  </p:cSld>
-  <p:clrMapOvr>
-    <a:masterClrMapping/>
-  </p:clrMapOvr>
-</p:sld>
-</file>
-
-<file path=ppt/slides/slide9.xml><?xml version="1.0" encoding="utf-8"?>
-<p:sld xmlns:a="http://schemas.openxmlformats.org/drawingml/2006/main" xmlns:r="http://schemas.openxmlformats.org/officeDocument/2006/relationships" xmlns:p="http://schemas.openxmlformats.org/presentationml/2006/main">
-  <p:cSld>
-    <p:spTree>
-      <p:nvGrpSpPr>
         <p:cNvPr id="1" name="Shape 79"/>
         <p:cNvGrpSpPr/>
         <p:nvPr/>
@@ -9592,6 +9188,142 @@
           <a:xfrm>
             <a:off x="457200" y="1063375"/>
             <a:ext cx="7758100" cy="3087350"/>
+          </a:xfrm>
+          <a:prstGeom prst="rect">
+            <a:avLst/>
+          </a:prstGeom>
+          <a:noFill/>
+          <a:ln>
+            <a:noFill/>
+          </a:ln>
+        </p:spPr>
+      </p:pic>
+    </p:spTree>
+  </p:cSld>
+  <p:clrMapOvr>
+    <a:masterClrMapping/>
+  </p:clrMapOvr>
+</p:sld>
+</file>
+
+<file path=ppt/slides/slide9.xml><?xml version="1.0" encoding="utf-8"?>
+<p:sld xmlns:a="http://schemas.openxmlformats.org/drawingml/2006/main" xmlns:r="http://schemas.openxmlformats.org/officeDocument/2006/relationships" xmlns:p="http://schemas.openxmlformats.org/presentationml/2006/main">
+  <p:cSld>
+    <p:spTree>
+      <p:nvGrpSpPr>
+        <p:cNvPr id="1" name="Shape 86"/>
+        <p:cNvGrpSpPr/>
+        <p:nvPr/>
+      </p:nvGrpSpPr>
+      <p:grpSpPr>
+        <a:xfrm>
+          <a:off x="0" y="0"/>
+          <a:ext cx="0" cy="0"/>
+          <a:chOff x="0" y="0"/>
+          <a:chExt cx="0" cy="0"/>
+        </a:xfrm>
+      </p:grpSpPr>
+      <p:sp>
+        <p:nvSpPr>
+          <p:cNvPr id="87" name="Google Shape;87;p13"/>
+          <p:cNvSpPr txBox="1">
+            <a:spLocks noGrp="1"/>
+          </p:cNvSpPr>
+          <p:nvPr>
+            <p:ph type="title"/>
+          </p:nvPr>
+        </p:nvSpPr>
+        <p:spPr>
+          <a:xfrm>
+            <a:off x="214725" y="205978"/>
+            <a:ext cx="8229600" cy="857400"/>
+          </a:xfrm>
+          <a:prstGeom prst="rect">
+            <a:avLst/>
+          </a:prstGeom>
+        </p:spPr>
+        <p:txBody>
+          <a:bodyPr spcFirstLastPara="1" wrap="square" lIns="91425" tIns="45700" rIns="91425" bIns="45700" anchor="ctr" anchorCtr="0">
+            <a:noAutofit/>
+          </a:bodyPr>
+          <a:lstStyle/>
+          <a:p>
+            <a:pPr marL="0" lvl="0" indent="0" algn="ctr" rtl="0">
+              <a:spcBef>
+                <a:spcPts val="0"/>
+              </a:spcBef>
+              <a:spcAft>
+                <a:spcPts val="0"/>
+              </a:spcAft>
+              <a:buNone/>
+            </a:pPr>
+            <a:r>
+              <a:rPr lang="en"/>
+              <a:t>Dataset Documentation</a:t>
+            </a:r>
+            <a:endParaRPr/>
+          </a:p>
+        </p:txBody>
+      </p:sp>
+      <p:sp>
+        <p:nvSpPr>
+          <p:cNvPr id="88" name="Google Shape;88;p13"/>
+          <p:cNvSpPr txBox="1">
+            <a:spLocks noGrp="1"/>
+          </p:cNvSpPr>
+          <p:nvPr>
+            <p:ph type="body" idx="1"/>
+          </p:nvPr>
+        </p:nvSpPr>
+        <p:spPr>
+          <a:xfrm>
+            <a:off x="457200" y="1200150"/>
+            <a:ext cx="8229600" cy="3394500"/>
+          </a:xfrm>
+          <a:prstGeom prst="rect">
+            <a:avLst/>
+          </a:prstGeom>
+        </p:spPr>
+        <p:txBody>
+          <a:bodyPr spcFirstLastPara="1" wrap="square" lIns="91425" tIns="45700" rIns="91425" bIns="45700" anchor="t" anchorCtr="0">
+            <a:noAutofit/>
+          </a:bodyPr>
+          <a:lstStyle/>
+          <a:p>
+            <a:pPr marL="0" lvl="0" indent="0" algn="l" rtl="0">
+              <a:lnSpc>
+                <a:spcPct val="200000"/>
+              </a:lnSpc>
+              <a:spcBef>
+                <a:spcPts val="360"/>
+              </a:spcBef>
+              <a:spcAft>
+                <a:spcPts val="0"/>
+              </a:spcAft>
+              <a:buNone/>
+            </a:pPr>
+            <a:endParaRPr sz="2000"/>
+          </a:p>
+        </p:txBody>
+      </p:sp>
+      <p:pic>
+        <p:nvPicPr>
+          <p:cNvPr id="89" name="Google Shape;89;p13"/>
+          <p:cNvPicPr preferRelativeResize="0"/>
+          <p:nvPr/>
+        </p:nvPicPr>
+        <p:blipFill>
+          <a:blip r:embed="rId3">
+            <a:alphaModFix/>
+          </a:blip>
+          <a:stretch>
+            <a:fillRect/>
+          </a:stretch>
+        </p:blipFill>
+        <p:spPr>
+          <a:xfrm>
+            <a:off x="2574325" y="1063375"/>
+            <a:ext cx="5103375" cy="3788875"/>
           </a:xfrm>
           <a:prstGeom prst="rect">
             <a:avLst/>
